--- a/Presentation/ZeroMQ.pptx
+++ b/Presentation/ZeroMQ.pptx
@@ -9,8 +9,12 @@
     <p:sldId id="257" r:id="rId3"/>
     <p:sldId id="259" r:id="rId4"/>
     <p:sldId id="258" r:id="rId5"/>
-    <p:sldId id="261" r:id="rId6"/>
-    <p:sldId id="260" r:id="rId7"/>
+    <p:sldId id="263" r:id="rId6"/>
+    <p:sldId id="261" r:id="rId7"/>
+    <p:sldId id="264" r:id="rId8"/>
+    <p:sldId id="265" r:id="rId9"/>
+    <p:sldId id="266" r:id="rId10"/>
+    <p:sldId id="260" r:id="rId11"/>
   </p:sldIdLst>
   <p:sldSz cx="9144000" cy="6858000" type="screen4x3"/>
   <p:notesSz cx="6858000" cy="9144000"/>
@@ -110,6 +114,2459 @@
     </a:lvl9pPr>
   </p:defaultTextStyle>
 </p:presentation>
+</file>
+
+<file path=ppt/diagrams/colors1.xml><?xml version="1.0" encoding="utf-8"?>
+<dgm:colorsDef xmlns:dgm="http://schemas.openxmlformats.org/drawingml/2006/diagram" xmlns:a="http://schemas.openxmlformats.org/drawingml/2006/main" uniqueId="urn:microsoft.com/office/officeart/2005/8/colors/accent5_2">
+  <dgm:title val=""/>
+  <dgm:desc val=""/>
+  <dgm:catLst>
+    <dgm:cat type="accent5" pri="11200"/>
+  </dgm:catLst>
+  <dgm:styleLbl name="node0">
+    <dgm:fillClrLst meth="repeat">
+      <a:schemeClr val="accent5"/>
+    </dgm:fillClrLst>
+    <dgm:linClrLst meth="repeat">
+      <a:schemeClr val="lt1"/>
+    </dgm:linClrLst>
+    <dgm:effectClrLst/>
+    <dgm:txLinClrLst/>
+    <dgm:txFillClrLst/>
+    <dgm:txEffectClrLst/>
+  </dgm:styleLbl>
+  <dgm:styleLbl name="node1">
+    <dgm:fillClrLst meth="repeat">
+      <a:schemeClr val="accent5"/>
+    </dgm:fillClrLst>
+    <dgm:linClrLst meth="repeat">
+      <a:schemeClr val="lt1"/>
+    </dgm:linClrLst>
+    <dgm:effectClrLst/>
+    <dgm:txLinClrLst/>
+    <dgm:txFillClrLst/>
+    <dgm:txEffectClrLst/>
+  </dgm:styleLbl>
+  <dgm:styleLbl name="alignNode1">
+    <dgm:fillClrLst meth="repeat">
+      <a:schemeClr val="accent5"/>
+    </dgm:fillClrLst>
+    <dgm:linClrLst meth="repeat">
+      <a:schemeClr val="accent5"/>
+    </dgm:linClrLst>
+    <dgm:effectClrLst/>
+    <dgm:txLinClrLst/>
+    <dgm:txFillClrLst/>
+    <dgm:txEffectClrLst/>
+  </dgm:styleLbl>
+  <dgm:styleLbl name="lnNode1">
+    <dgm:fillClrLst meth="repeat">
+      <a:schemeClr val="accent5"/>
+    </dgm:fillClrLst>
+    <dgm:linClrLst meth="repeat">
+      <a:schemeClr val="lt1"/>
+    </dgm:linClrLst>
+    <dgm:effectClrLst/>
+    <dgm:txLinClrLst/>
+    <dgm:txFillClrLst/>
+    <dgm:txEffectClrLst/>
+  </dgm:styleLbl>
+  <dgm:styleLbl name="vennNode1">
+    <dgm:fillClrLst meth="repeat">
+      <a:schemeClr val="accent5">
+        <a:alpha val="50000"/>
+      </a:schemeClr>
+    </dgm:fillClrLst>
+    <dgm:linClrLst meth="repeat">
+      <a:schemeClr val="lt1"/>
+    </dgm:linClrLst>
+    <dgm:effectClrLst/>
+    <dgm:txLinClrLst/>
+    <dgm:txFillClrLst/>
+    <dgm:txEffectClrLst/>
+  </dgm:styleLbl>
+  <dgm:styleLbl name="node2">
+    <dgm:fillClrLst meth="repeat">
+      <a:schemeClr val="accent5"/>
+    </dgm:fillClrLst>
+    <dgm:linClrLst meth="repeat">
+      <a:schemeClr val="lt1"/>
+    </dgm:linClrLst>
+    <dgm:effectClrLst/>
+    <dgm:txLinClrLst/>
+    <dgm:txFillClrLst/>
+    <dgm:txEffectClrLst/>
+  </dgm:styleLbl>
+  <dgm:styleLbl name="node3">
+    <dgm:fillClrLst meth="repeat">
+      <a:schemeClr val="accent5"/>
+    </dgm:fillClrLst>
+    <dgm:linClrLst meth="repeat">
+      <a:schemeClr val="lt1"/>
+    </dgm:linClrLst>
+    <dgm:effectClrLst/>
+    <dgm:txLinClrLst/>
+    <dgm:txFillClrLst/>
+    <dgm:txEffectClrLst/>
+  </dgm:styleLbl>
+  <dgm:styleLbl name="node4">
+    <dgm:fillClrLst meth="repeat">
+      <a:schemeClr val="accent5"/>
+    </dgm:fillClrLst>
+    <dgm:linClrLst meth="repeat">
+      <a:schemeClr val="lt1"/>
+    </dgm:linClrLst>
+    <dgm:effectClrLst/>
+    <dgm:txLinClrLst/>
+    <dgm:txFillClrLst/>
+    <dgm:txEffectClrLst/>
+  </dgm:styleLbl>
+  <dgm:styleLbl name="fgImgPlace1">
+    <dgm:fillClrLst meth="repeat">
+      <a:schemeClr val="accent5">
+        <a:tint val="50000"/>
+      </a:schemeClr>
+    </dgm:fillClrLst>
+    <dgm:linClrLst meth="repeat">
+      <a:schemeClr val="lt1"/>
+    </dgm:linClrLst>
+    <dgm:effectClrLst/>
+    <dgm:txLinClrLst/>
+    <dgm:txFillClrLst meth="repeat">
+      <a:schemeClr val="lt1"/>
+    </dgm:txFillClrLst>
+    <dgm:txEffectClrLst/>
+  </dgm:styleLbl>
+  <dgm:styleLbl name="alignImgPlace1">
+    <dgm:fillClrLst meth="repeat">
+      <a:schemeClr val="accent5">
+        <a:tint val="50000"/>
+      </a:schemeClr>
+    </dgm:fillClrLst>
+    <dgm:linClrLst meth="repeat">
+      <a:schemeClr val="lt1"/>
+    </dgm:linClrLst>
+    <dgm:effectClrLst/>
+    <dgm:txLinClrLst/>
+    <dgm:txFillClrLst meth="repeat">
+      <a:schemeClr val="lt1"/>
+    </dgm:txFillClrLst>
+    <dgm:txEffectClrLst/>
+  </dgm:styleLbl>
+  <dgm:styleLbl name="bgImgPlace1">
+    <dgm:fillClrLst meth="repeat">
+      <a:schemeClr val="accent5">
+        <a:tint val="50000"/>
+      </a:schemeClr>
+    </dgm:fillClrLst>
+    <dgm:linClrLst meth="repeat">
+      <a:schemeClr val="lt1"/>
+    </dgm:linClrLst>
+    <dgm:effectClrLst/>
+    <dgm:txLinClrLst/>
+    <dgm:txFillClrLst meth="repeat">
+      <a:schemeClr val="lt1"/>
+    </dgm:txFillClrLst>
+    <dgm:txEffectClrLst/>
+  </dgm:styleLbl>
+  <dgm:styleLbl name="sibTrans2D1">
+    <dgm:fillClrLst meth="repeat">
+      <a:schemeClr val="accent5">
+        <a:tint val="60000"/>
+      </a:schemeClr>
+    </dgm:fillClrLst>
+    <dgm:linClrLst meth="repeat">
+      <a:schemeClr val="accent5">
+        <a:tint val="60000"/>
+      </a:schemeClr>
+    </dgm:linClrLst>
+    <dgm:effectClrLst/>
+    <dgm:txLinClrLst/>
+    <dgm:txFillClrLst/>
+    <dgm:txEffectClrLst/>
+  </dgm:styleLbl>
+  <dgm:styleLbl name="fgSibTrans2D1">
+    <dgm:fillClrLst meth="repeat">
+      <a:schemeClr val="accent5">
+        <a:tint val="60000"/>
+      </a:schemeClr>
+    </dgm:fillClrLst>
+    <dgm:linClrLst meth="repeat">
+      <a:schemeClr val="accent5">
+        <a:tint val="60000"/>
+      </a:schemeClr>
+    </dgm:linClrLst>
+    <dgm:effectClrLst/>
+    <dgm:txLinClrLst/>
+    <dgm:txFillClrLst/>
+    <dgm:txEffectClrLst/>
+  </dgm:styleLbl>
+  <dgm:styleLbl name="bgSibTrans2D1">
+    <dgm:fillClrLst meth="repeat">
+      <a:schemeClr val="accent5">
+        <a:tint val="60000"/>
+      </a:schemeClr>
+    </dgm:fillClrLst>
+    <dgm:linClrLst meth="repeat">
+      <a:schemeClr val="accent5">
+        <a:tint val="60000"/>
+      </a:schemeClr>
+    </dgm:linClrLst>
+    <dgm:effectClrLst/>
+    <dgm:txLinClrLst/>
+    <dgm:txFillClrLst/>
+    <dgm:txEffectClrLst/>
+  </dgm:styleLbl>
+  <dgm:styleLbl name="sibTrans1D1">
+    <dgm:fillClrLst meth="repeat">
+      <a:schemeClr val="accent5"/>
+    </dgm:fillClrLst>
+    <dgm:linClrLst meth="repeat">
+      <a:schemeClr val="accent5"/>
+    </dgm:linClrLst>
+    <dgm:effectClrLst/>
+    <dgm:txLinClrLst/>
+    <dgm:txFillClrLst meth="repeat">
+      <a:schemeClr val="tx1"/>
+    </dgm:txFillClrLst>
+    <dgm:txEffectClrLst/>
+  </dgm:styleLbl>
+  <dgm:styleLbl name="callout">
+    <dgm:fillClrLst meth="repeat">
+      <a:schemeClr val="accent5"/>
+    </dgm:fillClrLst>
+    <dgm:linClrLst meth="repeat">
+      <a:schemeClr val="accent5">
+        <a:tint val="50000"/>
+      </a:schemeClr>
+    </dgm:linClrLst>
+    <dgm:effectClrLst/>
+    <dgm:txLinClrLst/>
+    <dgm:txFillClrLst meth="repeat">
+      <a:schemeClr val="tx1"/>
+    </dgm:txFillClrLst>
+    <dgm:txEffectClrLst/>
+  </dgm:styleLbl>
+  <dgm:styleLbl name="asst0">
+    <dgm:fillClrLst meth="repeat">
+      <a:schemeClr val="accent5"/>
+    </dgm:fillClrLst>
+    <dgm:linClrLst meth="repeat">
+      <a:schemeClr val="lt1"/>
+    </dgm:linClrLst>
+    <dgm:effectClrLst/>
+    <dgm:txLinClrLst/>
+    <dgm:txFillClrLst/>
+    <dgm:txEffectClrLst/>
+  </dgm:styleLbl>
+  <dgm:styleLbl name="asst1">
+    <dgm:fillClrLst meth="repeat">
+      <a:schemeClr val="accent5"/>
+    </dgm:fillClrLst>
+    <dgm:linClrLst meth="repeat">
+      <a:schemeClr val="lt1"/>
+    </dgm:linClrLst>
+    <dgm:effectClrLst/>
+    <dgm:txLinClrLst/>
+    <dgm:txFillClrLst/>
+    <dgm:txEffectClrLst/>
+  </dgm:styleLbl>
+  <dgm:styleLbl name="asst2">
+    <dgm:fillClrLst meth="repeat">
+      <a:schemeClr val="accent5"/>
+    </dgm:fillClrLst>
+    <dgm:linClrLst meth="repeat">
+      <a:schemeClr val="lt1"/>
+    </dgm:linClrLst>
+    <dgm:effectClrLst/>
+    <dgm:txLinClrLst/>
+    <dgm:txFillClrLst/>
+    <dgm:txEffectClrLst/>
+  </dgm:styleLbl>
+  <dgm:styleLbl name="asst3">
+    <dgm:fillClrLst meth="repeat">
+      <a:schemeClr val="accent5"/>
+    </dgm:fillClrLst>
+    <dgm:linClrLst meth="repeat">
+      <a:schemeClr val="lt1"/>
+    </dgm:linClrLst>
+    <dgm:effectClrLst/>
+    <dgm:txLinClrLst/>
+    <dgm:txFillClrLst/>
+    <dgm:txEffectClrLst/>
+  </dgm:styleLbl>
+  <dgm:styleLbl name="asst4">
+    <dgm:fillClrLst meth="repeat">
+      <a:schemeClr val="accent5"/>
+    </dgm:fillClrLst>
+    <dgm:linClrLst meth="repeat">
+      <a:schemeClr val="lt1"/>
+    </dgm:linClrLst>
+    <dgm:effectClrLst/>
+    <dgm:txLinClrLst/>
+    <dgm:txFillClrLst/>
+    <dgm:txEffectClrLst/>
+  </dgm:styleLbl>
+  <dgm:styleLbl name="parChTrans2D1">
+    <dgm:fillClrLst meth="repeat">
+      <a:schemeClr val="accent5">
+        <a:tint val="60000"/>
+      </a:schemeClr>
+    </dgm:fillClrLst>
+    <dgm:linClrLst meth="repeat">
+      <a:schemeClr val="accent5">
+        <a:tint val="60000"/>
+      </a:schemeClr>
+    </dgm:linClrLst>
+    <dgm:effectClrLst/>
+    <dgm:txLinClrLst/>
+    <dgm:txFillClrLst meth="repeat">
+      <a:schemeClr val="lt1"/>
+    </dgm:txFillClrLst>
+    <dgm:txEffectClrLst/>
+  </dgm:styleLbl>
+  <dgm:styleLbl name="parChTrans2D2">
+    <dgm:fillClrLst meth="repeat">
+      <a:schemeClr val="accent5"/>
+    </dgm:fillClrLst>
+    <dgm:linClrLst meth="repeat">
+      <a:schemeClr val="accent5"/>
+    </dgm:linClrLst>
+    <dgm:effectClrLst/>
+    <dgm:txLinClrLst/>
+    <dgm:txFillClrLst meth="repeat">
+      <a:schemeClr val="lt1"/>
+    </dgm:txFillClrLst>
+    <dgm:txEffectClrLst/>
+  </dgm:styleLbl>
+  <dgm:styleLbl name="parChTrans2D3">
+    <dgm:fillClrLst meth="repeat">
+      <a:schemeClr val="accent5"/>
+    </dgm:fillClrLst>
+    <dgm:linClrLst meth="repeat">
+      <a:schemeClr val="accent5"/>
+    </dgm:linClrLst>
+    <dgm:effectClrLst/>
+    <dgm:txLinClrLst/>
+    <dgm:txFillClrLst meth="repeat">
+      <a:schemeClr val="lt1"/>
+    </dgm:txFillClrLst>
+    <dgm:txEffectClrLst/>
+  </dgm:styleLbl>
+  <dgm:styleLbl name="parChTrans2D4">
+    <dgm:fillClrLst meth="repeat">
+      <a:schemeClr val="accent5"/>
+    </dgm:fillClrLst>
+    <dgm:linClrLst meth="repeat">
+      <a:schemeClr val="accent5"/>
+    </dgm:linClrLst>
+    <dgm:effectClrLst/>
+    <dgm:txLinClrLst/>
+    <dgm:txFillClrLst meth="repeat">
+      <a:schemeClr val="lt1"/>
+    </dgm:txFillClrLst>
+    <dgm:txEffectClrLst/>
+  </dgm:styleLbl>
+  <dgm:styleLbl name="parChTrans1D1">
+    <dgm:fillClrLst meth="repeat">
+      <a:schemeClr val="accent5"/>
+    </dgm:fillClrLst>
+    <dgm:linClrLst meth="repeat">
+      <a:schemeClr val="accent5">
+        <a:shade val="60000"/>
+      </a:schemeClr>
+    </dgm:linClrLst>
+    <dgm:effectClrLst/>
+    <dgm:txLinClrLst/>
+    <dgm:txFillClrLst meth="repeat">
+      <a:schemeClr val="tx1"/>
+    </dgm:txFillClrLst>
+    <dgm:txEffectClrLst/>
+  </dgm:styleLbl>
+  <dgm:styleLbl name="parChTrans1D2">
+    <dgm:fillClrLst meth="repeat">
+      <a:schemeClr val="accent5"/>
+    </dgm:fillClrLst>
+    <dgm:linClrLst meth="repeat">
+      <a:schemeClr val="accent5">
+        <a:shade val="60000"/>
+      </a:schemeClr>
+    </dgm:linClrLst>
+    <dgm:effectClrLst/>
+    <dgm:txLinClrLst/>
+    <dgm:txFillClrLst meth="repeat">
+      <a:schemeClr val="tx1"/>
+    </dgm:txFillClrLst>
+    <dgm:txEffectClrLst/>
+  </dgm:styleLbl>
+  <dgm:styleLbl name="parChTrans1D3">
+    <dgm:fillClrLst meth="repeat">
+      <a:schemeClr val="accent5"/>
+    </dgm:fillClrLst>
+    <dgm:linClrLst meth="repeat">
+      <a:schemeClr val="accent5">
+        <a:shade val="80000"/>
+      </a:schemeClr>
+    </dgm:linClrLst>
+    <dgm:effectClrLst/>
+    <dgm:txLinClrLst/>
+    <dgm:txFillClrLst meth="repeat">
+      <a:schemeClr val="tx1"/>
+    </dgm:txFillClrLst>
+    <dgm:txEffectClrLst/>
+  </dgm:styleLbl>
+  <dgm:styleLbl name="parChTrans1D4">
+    <dgm:fillClrLst meth="repeat">
+      <a:schemeClr val="accent5"/>
+    </dgm:fillClrLst>
+    <dgm:linClrLst meth="repeat">
+      <a:schemeClr val="accent5">
+        <a:shade val="80000"/>
+      </a:schemeClr>
+    </dgm:linClrLst>
+    <dgm:effectClrLst/>
+    <dgm:txLinClrLst/>
+    <dgm:txFillClrLst meth="repeat">
+      <a:schemeClr val="tx1"/>
+    </dgm:txFillClrLst>
+    <dgm:txEffectClrLst/>
+  </dgm:styleLbl>
+  <dgm:styleLbl name="fgAcc1">
+    <dgm:fillClrLst meth="repeat">
+      <a:schemeClr val="lt1">
+        <a:alpha val="90000"/>
+      </a:schemeClr>
+    </dgm:fillClrLst>
+    <dgm:linClrLst meth="repeat">
+      <a:schemeClr val="accent5"/>
+    </dgm:linClrLst>
+    <dgm:effectClrLst/>
+    <dgm:txLinClrLst/>
+    <dgm:txFillClrLst meth="repeat">
+      <a:schemeClr val="dk1"/>
+    </dgm:txFillClrLst>
+    <dgm:txEffectClrLst/>
+  </dgm:styleLbl>
+  <dgm:styleLbl name="conFgAcc1">
+    <dgm:fillClrLst meth="repeat">
+      <a:schemeClr val="lt1">
+        <a:alpha val="90000"/>
+      </a:schemeClr>
+    </dgm:fillClrLst>
+    <dgm:linClrLst meth="repeat">
+      <a:schemeClr val="accent5"/>
+    </dgm:linClrLst>
+    <dgm:effectClrLst/>
+    <dgm:txLinClrLst/>
+    <dgm:txFillClrLst meth="repeat">
+      <a:schemeClr val="dk1"/>
+    </dgm:txFillClrLst>
+    <dgm:txEffectClrLst/>
+  </dgm:styleLbl>
+  <dgm:styleLbl name="alignAcc1">
+    <dgm:fillClrLst meth="repeat">
+      <a:schemeClr val="lt1">
+        <a:alpha val="90000"/>
+      </a:schemeClr>
+    </dgm:fillClrLst>
+    <dgm:linClrLst meth="repeat">
+      <a:schemeClr val="accent5"/>
+    </dgm:linClrLst>
+    <dgm:effectClrLst/>
+    <dgm:txLinClrLst/>
+    <dgm:txFillClrLst meth="repeat">
+      <a:schemeClr val="dk1"/>
+    </dgm:txFillClrLst>
+    <dgm:txEffectClrLst/>
+  </dgm:styleLbl>
+  <dgm:styleLbl name="trAlignAcc1">
+    <dgm:fillClrLst meth="repeat">
+      <a:schemeClr val="lt1">
+        <a:alpha val="40000"/>
+      </a:schemeClr>
+    </dgm:fillClrLst>
+    <dgm:linClrLst meth="repeat">
+      <a:schemeClr val="accent5"/>
+    </dgm:linClrLst>
+    <dgm:effectClrLst/>
+    <dgm:txLinClrLst/>
+    <dgm:txFillClrLst meth="repeat">
+      <a:schemeClr val="dk1"/>
+    </dgm:txFillClrLst>
+    <dgm:txEffectClrLst/>
+  </dgm:styleLbl>
+  <dgm:styleLbl name="bgAcc1">
+    <dgm:fillClrLst meth="repeat">
+      <a:schemeClr val="lt1">
+        <a:alpha val="90000"/>
+      </a:schemeClr>
+    </dgm:fillClrLst>
+    <dgm:linClrLst meth="repeat">
+      <a:schemeClr val="accent5"/>
+    </dgm:linClrLst>
+    <dgm:effectClrLst/>
+    <dgm:txLinClrLst/>
+    <dgm:txFillClrLst meth="repeat">
+      <a:schemeClr val="dk1"/>
+    </dgm:txFillClrLst>
+    <dgm:txEffectClrLst/>
+  </dgm:styleLbl>
+  <dgm:styleLbl name="solidFgAcc1">
+    <dgm:fillClrLst meth="repeat">
+      <a:schemeClr val="lt1"/>
+    </dgm:fillClrLst>
+    <dgm:linClrLst meth="repeat">
+      <a:schemeClr val="accent5"/>
+    </dgm:linClrLst>
+    <dgm:effectClrLst/>
+    <dgm:txLinClrLst/>
+    <dgm:txFillClrLst meth="repeat">
+      <a:schemeClr val="dk1"/>
+    </dgm:txFillClrLst>
+    <dgm:txEffectClrLst/>
+  </dgm:styleLbl>
+  <dgm:styleLbl name="solidAlignAcc1">
+    <dgm:fillClrLst meth="repeat">
+      <a:schemeClr val="lt1"/>
+    </dgm:fillClrLst>
+    <dgm:linClrLst meth="repeat">
+      <a:schemeClr val="accent5"/>
+    </dgm:linClrLst>
+    <dgm:effectClrLst/>
+    <dgm:txLinClrLst/>
+    <dgm:txFillClrLst meth="repeat">
+      <a:schemeClr val="dk1"/>
+    </dgm:txFillClrLst>
+    <dgm:txEffectClrLst/>
+  </dgm:styleLbl>
+  <dgm:styleLbl name="solidBgAcc1">
+    <dgm:fillClrLst meth="repeat">
+      <a:schemeClr val="lt1"/>
+    </dgm:fillClrLst>
+    <dgm:linClrLst meth="repeat">
+      <a:schemeClr val="accent5"/>
+    </dgm:linClrLst>
+    <dgm:effectClrLst/>
+    <dgm:txLinClrLst/>
+    <dgm:txFillClrLst meth="repeat">
+      <a:schemeClr val="dk1"/>
+    </dgm:txFillClrLst>
+    <dgm:txEffectClrLst/>
+  </dgm:styleLbl>
+  <dgm:styleLbl name="fgAccFollowNode1">
+    <dgm:fillClrLst meth="repeat">
+      <a:schemeClr val="accent5">
+        <a:alpha val="90000"/>
+        <a:tint val="40000"/>
+      </a:schemeClr>
+    </dgm:fillClrLst>
+    <dgm:linClrLst meth="repeat">
+      <a:schemeClr val="accent5">
+        <a:alpha val="90000"/>
+        <a:tint val="40000"/>
+      </a:schemeClr>
+    </dgm:linClrLst>
+    <dgm:effectClrLst/>
+    <dgm:txLinClrLst/>
+    <dgm:txFillClrLst meth="repeat">
+      <a:schemeClr val="dk1"/>
+    </dgm:txFillClrLst>
+    <dgm:txEffectClrLst/>
+  </dgm:styleLbl>
+  <dgm:styleLbl name="alignAccFollowNode1">
+    <dgm:fillClrLst meth="repeat">
+      <a:schemeClr val="accent5">
+        <a:alpha val="90000"/>
+        <a:tint val="40000"/>
+      </a:schemeClr>
+    </dgm:fillClrLst>
+    <dgm:linClrLst meth="repeat">
+      <a:schemeClr val="accent5">
+        <a:alpha val="90000"/>
+        <a:tint val="40000"/>
+      </a:schemeClr>
+    </dgm:linClrLst>
+    <dgm:effectClrLst/>
+    <dgm:txLinClrLst/>
+    <dgm:txFillClrLst meth="repeat">
+      <a:schemeClr val="dk1"/>
+    </dgm:txFillClrLst>
+    <dgm:txEffectClrLst/>
+  </dgm:styleLbl>
+  <dgm:styleLbl name="bgAccFollowNode1">
+    <dgm:fillClrLst meth="repeat">
+      <a:schemeClr val="accent5">
+        <a:alpha val="90000"/>
+        <a:tint val="40000"/>
+      </a:schemeClr>
+    </dgm:fillClrLst>
+    <dgm:linClrLst meth="repeat">
+      <a:schemeClr val="accent5">
+        <a:alpha val="90000"/>
+        <a:tint val="40000"/>
+      </a:schemeClr>
+    </dgm:linClrLst>
+    <dgm:effectClrLst/>
+    <dgm:txLinClrLst/>
+    <dgm:txFillClrLst meth="repeat">
+      <a:schemeClr val="dk1"/>
+    </dgm:txFillClrLst>
+    <dgm:txEffectClrLst/>
+  </dgm:styleLbl>
+  <dgm:styleLbl name="fgAcc0">
+    <dgm:fillClrLst meth="repeat">
+      <a:schemeClr val="lt1">
+        <a:alpha val="90000"/>
+      </a:schemeClr>
+    </dgm:fillClrLst>
+    <dgm:linClrLst meth="repeat">
+      <a:schemeClr val="accent5"/>
+    </dgm:linClrLst>
+    <dgm:effectClrLst/>
+    <dgm:txLinClrLst/>
+    <dgm:txFillClrLst meth="repeat">
+      <a:schemeClr val="dk1"/>
+    </dgm:txFillClrLst>
+    <dgm:txEffectClrLst/>
+  </dgm:styleLbl>
+  <dgm:styleLbl name="fgAcc2">
+    <dgm:fillClrLst meth="repeat">
+      <a:schemeClr val="lt1">
+        <a:alpha val="90000"/>
+      </a:schemeClr>
+    </dgm:fillClrLst>
+    <dgm:linClrLst meth="repeat">
+      <a:schemeClr val="accent5"/>
+    </dgm:linClrLst>
+    <dgm:effectClrLst/>
+    <dgm:txLinClrLst/>
+    <dgm:txFillClrLst meth="repeat">
+      <a:schemeClr val="dk1"/>
+    </dgm:txFillClrLst>
+    <dgm:txEffectClrLst/>
+  </dgm:styleLbl>
+  <dgm:styleLbl name="fgAcc3">
+    <dgm:fillClrLst meth="repeat">
+      <a:schemeClr val="lt1">
+        <a:alpha val="90000"/>
+      </a:schemeClr>
+    </dgm:fillClrLst>
+    <dgm:linClrLst meth="repeat">
+      <a:schemeClr val="accent5"/>
+    </dgm:linClrLst>
+    <dgm:effectClrLst/>
+    <dgm:txLinClrLst/>
+    <dgm:txFillClrLst meth="repeat">
+      <a:schemeClr val="dk1"/>
+    </dgm:txFillClrLst>
+    <dgm:txEffectClrLst/>
+  </dgm:styleLbl>
+  <dgm:styleLbl name="fgAcc4">
+    <dgm:fillClrLst meth="repeat">
+      <a:schemeClr val="lt1">
+        <a:alpha val="90000"/>
+      </a:schemeClr>
+    </dgm:fillClrLst>
+    <dgm:linClrLst meth="repeat">
+      <a:schemeClr val="accent5"/>
+    </dgm:linClrLst>
+    <dgm:effectClrLst/>
+    <dgm:txLinClrLst/>
+    <dgm:txFillClrLst meth="repeat">
+      <a:schemeClr val="dk1"/>
+    </dgm:txFillClrLst>
+    <dgm:txEffectClrLst/>
+  </dgm:styleLbl>
+  <dgm:styleLbl name="bgShp">
+    <dgm:fillClrLst meth="repeat">
+      <a:schemeClr val="accent5">
+        <a:tint val="40000"/>
+      </a:schemeClr>
+    </dgm:fillClrLst>
+    <dgm:linClrLst meth="repeat">
+      <a:schemeClr val="accent5"/>
+    </dgm:linClrLst>
+    <dgm:effectClrLst/>
+    <dgm:txLinClrLst/>
+    <dgm:txFillClrLst meth="repeat">
+      <a:schemeClr val="dk1"/>
+    </dgm:txFillClrLst>
+    <dgm:txEffectClrLst/>
+  </dgm:styleLbl>
+  <dgm:styleLbl name="dkBgShp">
+    <dgm:fillClrLst meth="repeat">
+      <a:schemeClr val="accent5">
+        <a:shade val="80000"/>
+      </a:schemeClr>
+    </dgm:fillClrLst>
+    <dgm:linClrLst meth="repeat">
+      <a:schemeClr val="accent5"/>
+    </dgm:linClrLst>
+    <dgm:effectClrLst/>
+    <dgm:txLinClrLst/>
+    <dgm:txFillClrLst meth="repeat">
+      <a:schemeClr val="lt1"/>
+    </dgm:txFillClrLst>
+    <dgm:txEffectClrLst/>
+  </dgm:styleLbl>
+  <dgm:styleLbl name="trBgShp">
+    <dgm:fillClrLst meth="repeat">
+      <a:schemeClr val="accent5">
+        <a:tint val="50000"/>
+        <a:alpha val="40000"/>
+      </a:schemeClr>
+    </dgm:fillClrLst>
+    <dgm:linClrLst meth="repeat">
+      <a:schemeClr val="accent5"/>
+    </dgm:linClrLst>
+    <dgm:effectClrLst/>
+    <dgm:txLinClrLst/>
+    <dgm:txFillClrLst meth="repeat">
+      <a:schemeClr val="lt1"/>
+    </dgm:txFillClrLst>
+    <dgm:txEffectClrLst/>
+  </dgm:styleLbl>
+  <dgm:styleLbl name="fgShp">
+    <dgm:fillClrLst meth="repeat">
+      <a:schemeClr val="accent5">
+        <a:tint val="60000"/>
+      </a:schemeClr>
+    </dgm:fillClrLst>
+    <dgm:linClrLst meth="repeat">
+      <a:schemeClr val="lt1"/>
+    </dgm:linClrLst>
+    <dgm:effectClrLst/>
+    <dgm:txLinClrLst/>
+    <dgm:txFillClrLst meth="repeat">
+      <a:schemeClr val="dk1"/>
+    </dgm:txFillClrLst>
+    <dgm:txEffectClrLst/>
+  </dgm:styleLbl>
+  <dgm:styleLbl name="revTx">
+    <dgm:fillClrLst meth="repeat">
+      <a:schemeClr val="lt1">
+        <a:alpha val="0"/>
+      </a:schemeClr>
+    </dgm:fillClrLst>
+    <dgm:linClrLst meth="repeat">
+      <a:schemeClr val="dk1">
+        <a:alpha val="0"/>
+      </a:schemeClr>
+    </dgm:linClrLst>
+    <dgm:effectClrLst/>
+    <dgm:txLinClrLst/>
+    <dgm:txFillClrLst meth="repeat">
+      <a:schemeClr val="tx1"/>
+    </dgm:txFillClrLst>
+    <dgm:txEffectClrLst/>
+  </dgm:styleLbl>
+</dgm:colorsDef>
+</file>
+
+<file path=ppt/diagrams/data1.xml><?xml version="1.0" encoding="utf-8"?>
+<dgm:dataModel xmlns:dgm="http://schemas.openxmlformats.org/drawingml/2006/diagram" xmlns:a="http://schemas.openxmlformats.org/drawingml/2006/main">
+  <dgm:ptLst>
+    <dgm:pt modelId="{6D8840BA-50C6-4BC4-B0B2-7583E8B1A835}" type="doc">
+      <dgm:prSet loTypeId="urn:microsoft.com/office/officeart/2005/8/layout/cycle2" loCatId="cycle" qsTypeId="urn:microsoft.com/office/officeart/2005/8/quickstyle/simple1" qsCatId="simple" csTypeId="urn:microsoft.com/office/officeart/2005/8/colors/accent5_2" csCatId="accent5" phldr="1"/>
+      <dgm:spPr/>
+      <dgm:t>
+        <a:bodyPr/>
+        <a:lstStyle/>
+        <a:p>
+          <a:endParaRPr lang="en-US"/>
+        </a:p>
+      </dgm:t>
+    </dgm:pt>
+    <dgm:pt modelId="{FA528410-D64B-4093-9517-D8CCB859C4AD}">
+      <dgm:prSet phldrT="[Text]"/>
+      <dgm:spPr/>
+      <dgm:t>
+        <a:bodyPr/>
+        <a:lstStyle/>
+        <a:p>
+          <a:r>
+            <a:rPr lang="en-US" dirty="0" smtClean="0"/>
+            <a:t>Request</a:t>
+          </a:r>
+          <a:endParaRPr lang="en-US" dirty="0"/>
+        </a:p>
+      </dgm:t>
+    </dgm:pt>
+    <dgm:pt modelId="{4697FCA7-36DB-47AE-A293-E1C83BC003BE}" type="parTrans" cxnId="{E83EB7BF-3234-4FB3-A5CA-487ADC7FAD00}">
+      <dgm:prSet/>
+      <dgm:spPr/>
+      <dgm:t>
+        <a:bodyPr/>
+        <a:lstStyle/>
+        <a:p>
+          <a:endParaRPr lang="en-US"/>
+        </a:p>
+      </dgm:t>
+    </dgm:pt>
+    <dgm:pt modelId="{48EFBE1A-989D-49FC-9D89-421B95804700}" type="sibTrans" cxnId="{E83EB7BF-3234-4FB3-A5CA-487ADC7FAD00}">
+      <dgm:prSet/>
+      <dgm:spPr/>
+      <dgm:t>
+        <a:bodyPr/>
+        <a:lstStyle/>
+        <a:p>
+          <a:endParaRPr lang="en-US"/>
+        </a:p>
+      </dgm:t>
+    </dgm:pt>
+    <dgm:pt modelId="{1FDD83E6-BBDE-4F16-B8DE-E4E493CA72B7}">
+      <dgm:prSet phldrT="[Text]"/>
+      <dgm:spPr/>
+      <dgm:t>
+        <a:bodyPr/>
+        <a:lstStyle/>
+        <a:p>
+          <a:r>
+            <a:rPr lang="en-US" dirty="0" smtClean="0"/>
+            <a:t>Reply</a:t>
+          </a:r>
+          <a:endParaRPr lang="en-US" dirty="0"/>
+        </a:p>
+      </dgm:t>
+    </dgm:pt>
+    <dgm:pt modelId="{A7504EA7-9540-478E-9AE8-033BF3471675}" type="parTrans" cxnId="{530834B0-C24B-422F-B3CA-057C66A2C8E0}">
+      <dgm:prSet/>
+      <dgm:spPr/>
+      <dgm:t>
+        <a:bodyPr/>
+        <a:lstStyle/>
+        <a:p>
+          <a:endParaRPr lang="en-US"/>
+        </a:p>
+      </dgm:t>
+    </dgm:pt>
+    <dgm:pt modelId="{62E62197-9AE1-41DB-A552-B770F13FB386}" type="sibTrans" cxnId="{530834B0-C24B-422F-B3CA-057C66A2C8E0}">
+      <dgm:prSet/>
+      <dgm:spPr/>
+      <dgm:t>
+        <a:bodyPr/>
+        <a:lstStyle/>
+        <a:p>
+          <a:endParaRPr lang="en-US"/>
+        </a:p>
+      </dgm:t>
+    </dgm:pt>
+    <dgm:pt modelId="{C2B49421-CE60-492C-A566-3A8694B477A7}" type="pres">
+      <dgm:prSet presAssocID="{6D8840BA-50C6-4BC4-B0B2-7583E8B1A835}" presName="cycle" presStyleCnt="0">
+        <dgm:presLayoutVars>
+          <dgm:dir/>
+          <dgm:resizeHandles val="exact"/>
+        </dgm:presLayoutVars>
+      </dgm:prSet>
+      <dgm:spPr/>
+    </dgm:pt>
+    <dgm:pt modelId="{2A68C6EB-C9C5-495C-B4A8-DD927C6FF73F}" type="pres">
+      <dgm:prSet presAssocID="{FA528410-D64B-4093-9517-D8CCB859C4AD}" presName="node" presStyleLbl="node1" presStyleIdx="0" presStyleCnt="2">
+        <dgm:presLayoutVars>
+          <dgm:bulletEnabled val="1"/>
+        </dgm:presLayoutVars>
+      </dgm:prSet>
+      <dgm:spPr/>
+    </dgm:pt>
+    <dgm:pt modelId="{B5A067B6-646C-4596-A9EC-73C1E964277E}" type="pres">
+      <dgm:prSet presAssocID="{48EFBE1A-989D-49FC-9D89-421B95804700}" presName="sibTrans" presStyleLbl="sibTrans2D1" presStyleIdx="0" presStyleCnt="2"/>
+      <dgm:spPr/>
+    </dgm:pt>
+    <dgm:pt modelId="{29637054-F49B-47C7-8D18-95E93DD6136D}" type="pres">
+      <dgm:prSet presAssocID="{48EFBE1A-989D-49FC-9D89-421B95804700}" presName="connectorText" presStyleLbl="sibTrans2D1" presStyleIdx="0" presStyleCnt="2"/>
+      <dgm:spPr/>
+    </dgm:pt>
+    <dgm:pt modelId="{36B1949A-1984-4A64-BC5D-9E4F5DCBE918}" type="pres">
+      <dgm:prSet presAssocID="{1FDD83E6-BBDE-4F16-B8DE-E4E493CA72B7}" presName="node" presStyleLbl="node1" presStyleIdx="1" presStyleCnt="2">
+        <dgm:presLayoutVars>
+          <dgm:bulletEnabled val="1"/>
+        </dgm:presLayoutVars>
+      </dgm:prSet>
+      <dgm:spPr/>
+    </dgm:pt>
+    <dgm:pt modelId="{326B6CB8-D777-4A9C-9FEC-4806B74EDDAA}" type="pres">
+      <dgm:prSet presAssocID="{62E62197-9AE1-41DB-A552-B770F13FB386}" presName="sibTrans" presStyleLbl="sibTrans2D1" presStyleIdx="1" presStyleCnt="2"/>
+      <dgm:spPr/>
+    </dgm:pt>
+    <dgm:pt modelId="{7100BB2B-D3B4-4AC0-B706-8192E4FF916F}" type="pres">
+      <dgm:prSet presAssocID="{62E62197-9AE1-41DB-A552-B770F13FB386}" presName="connectorText" presStyleLbl="sibTrans2D1" presStyleIdx="1" presStyleCnt="2"/>
+      <dgm:spPr/>
+    </dgm:pt>
+  </dgm:ptLst>
+  <dgm:cxnLst>
+    <dgm:cxn modelId="{530834B0-C24B-422F-B3CA-057C66A2C8E0}" srcId="{6D8840BA-50C6-4BC4-B0B2-7583E8B1A835}" destId="{1FDD83E6-BBDE-4F16-B8DE-E4E493CA72B7}" srcOrd="1" destOrd="0" parTransId="{A7504EA7-9540-478E-9AE8-033BF3471675}" sibTransId="{62E62197-9AE1-41DB-A552-B770F13FB386}"/>
+    <dgm:cxn modelId="{1CC3CFE6-9FB1-4FDD-B02B-7F3547F5A88B}" type="presOf" srcId="{FA528410-D64B-4093-9517-D8CCB859C4AD}" destId="{2A68C6EB-C9C5-495C-B4A8-DD927C6FF73F}" srcOrd="0" destOrd="0" presId="urn:microsoft.com/office/officeart/2005/8/layout/cycle2"/>
+    <dgm:cxn modelId="{62E7217F-F908-416A-91FF-97BCEC239EEC}" type="presOf" srcId="{48EFBE1A-989D-49FC-9D89-421B95804700}" destId="{B5A067B6-646C-4596-A9EC-73C1E964277E}" srcOrd="0" destOrd="0" presId="urn:microsoft.com/office/officeart/2005/8/layout/cycle2"/>
+    <dgm:cxn modelId="{AE42E26D-2E30-4EF4-B8FD-B0DA5D4527D4}" type="presOf" srcId="{1FDD83E6-BBDE-4F16-B8DE-E4E493CA72B7}" destId="{36B1949A-1984-4A64-BC5D-9E4F5DCBE918}" srcOrd="0" destOrd="0" presId="urn:microsoft.com/office/officeart/2005/8/layout/cycle2"/>
+    <dgm:cxn modelId="{47AEA70A-3BB1-41CA-BE73-D8F5EC282163}" type="presOf" srcId="{48EFBE1A-989D-49FC-9D89-421B95804700}" destId="{29637054-F49B-47C7-8D18-95E93DD6136D}" srcOrd="1" destOrd="0" presId="urn:microsoft.com/office/officeart/2005/8/layout/cycle2"/>
+    <dgm:cxn modelId="{E83EB7BF-3234-4FB3-A5CA-487ADC7FAD00}" srcId="{6D8840BA-50C6-4BC4-B0B2-7583E8B1A835}" destId="{FA528410-D64B-4093-9517-D8CCB859C4AD}" srcOrd="0" destOrd="0" parTransId="{4697FCA7-36DB-47AE-A293-E1C83BC003BE}" sibTransId="{48EFBE1A-989D-49FC-9D89-421B95804700}"/>
+    <dgm:cxn modelId="{48CA2382-F7A8-43C1-9796-EF59455FC7A5}" type="presOf" srcId="{62E62197-9AE1-41DB-A552-B770F13FB386}" destId="{326B6CB8-D777-4A9C-9FEC-4806B74EDDAA}" srcOrd="0" destOrd="0" presId="urn:microsoft.com/office/officeart/2005/8/layout/cycle2"/>
+    <dgm:cxn modelId="{92AFB538-E792-43BE-AB2A-CDC02832D0AA}" type="presOf" srcId="{6D8840BA-50C6-4BC4-B0B2-7583E8B1A835}" destId="{C2B49421-CE60-492C-A566-3A8694B477A7}" srcOrd="0" destOrd="0" presId="urn:microsoft.com/office/officeart/2005/8/layout/cycle2"/>
+    <dgm:cxn modelId="{973A6DC9-5C3F-43CD-A27D-1F8F3B180638}" type="presOf" srcId="{62E62197-9AE1-41DB-A552-B770F13FB386}" destId="{7100BB2B-D3B4-4AC0-B706-8192E4FF916F}" srcOrd="1" destOrd="0" presId="urn:microsoft.com/office/officeart/2005/8/layout/cycle2"/>
+    <dgm:cxn modelId="{05A0FBF7-7B27-44DD-952E-6F60A8EC3939}" type="presParOf" srcId="{C2B49421-CE60-492C-A566-3A8694B477A7}" destId="{2A68C6EB-C9C5-495C-B4A8-DD927C6FF73F}" srcOrd="0" destOrd="0" presId="urn:microsoft.com/office/officeart/2005/8/layout/cycle2"/>
+    <dgm:cxn modelId="{897CEF54-7D5F-42E2-BEDF-43B76AB96838}" type="presParOf" srcId="{C2B49421-CE60-492C-A566-3A8694B477A7}" destId="{B5A067B6-646C-4596-A9EC-73C1E964277E}" srcOrd="1" destOrd="0" presId="urn:microsoft.com/office/officeart/2005/8/layout/cycle2"/>
+    <dgm:cxn modelId="{448E8267-EBC1-4AFF-A588-D3A650016631}" type="presParOf" srcId="{B5A067B6-646C-4596-A9EC-73C1E964277E}" destId="{29637054-F49B-47C7-8D18-95E93DD6136D}" srcOrd="0" destOrd="0" presId="urn:microsoft.com/office/officeart/2005/8/layout/cycle2"/>
+    <dgm:cxn modelId="{3414B14F-67DA-4ABD-80BF-A4BE25023013}" type="presParOf" srcId="{C2B49421-CE60-492C-A566-3A8694B477A7}" destId="{36B1949A-1984-4A64-BC5D-9E4F5DCBE918}" srcOrd="2" destOrd="0" presId="urn:microsoft.com/office/officeart/2005/8/layout/cycle2"/>
+    <dgm:cxn modelId="{58C632A4-2837-4E09-9127-2371C873A125}" type="presParOf" srcId="{C2B49421-CE60-492C-A566-3A8694B477A7}" destId="{326B6CB8-D777-4A9C-9FEC-4806B74EDDAA}" srcOrd="3" destOrd="0" presId="urn:microsoft.com/office/officeart/2005/8/layout/cycle2"/>
+    <dgm:cxn modelId="{C9209D2E-382C-40E9-9884-0FC01F4EA2BE}" type="presParOf" srcId="{326B6CB8-D777-4A9C-9FEC-4806B74EDDAA}" destId="{7100BB2B-D3B4-4AC0-B706-8192E4FF916F}" srcOrd="0" destOrd="0" presId="urn:microsoft.com/office/officeart/2005/8/layout/cycle2"/>
+  </dgm:cxnLst>
+  <dgm:bg/>
+  <dgm:whole/>
+  <dgm:extLst>
+    <a:ext uri="http://schemas.microsoft.com/office/drawing/2008/diagram">
+      <dsp:dataModelExt xmlns:dsp="http://schemas.microsoft.com/office/drawing/2008/diagram" relId="rId6" minVer="http://schemas.openxmlformats.org/drawingml/2006/diagram"/>
+    </a:ext>
+  </dgm:extLst>
+</dgm:dataModel>
+</file>
+
+<file path=ppt/diagrams/drawing1.xml><?xml version="1.0" encoding="utf-8"?>
+<dsp:drawing xmlns:dgm="http://schemas.openxmlformats.org/drawingml/2006/diagram" xmlns:dsp="http://schemas.microsoft.com/office/drawing/2008/diagram" xmlns:a="http://schemas.openxmlformats.org/drawingml/2006/main">
+  <dsp:spTree>
+    <dsp:nvGrpSpPr>
+      <dsp:cNvPr id="0" name=""/>
+      <dsp:cNvGrpSpPr/>
+    </dsp:nvGrpSpPr>
+    <dsp:grpSpPr/>
+    <dsp:sp modelId="{2A68C6EB-C9C5-495C-B4A8-DD927C6FF73F}">
+      <dsp:nvSpPr>
+        <dsp:cNvPr id="0" name=""/>
+        <dsp:cNvSpPr/>
+      </dsp:nvSpPr>
+      <dsp:spPr>
+        <a:xfrm>
+          <a:off x="584" y="367456"/>
+          <a:ext cx="2313086" cy="2313086"/>
+        </a:xfrm>
+        <a:prstGeom prst="ellipse">
+          <a:avLst/>
+        </a:prstGeom>
+        <a:solidFill>
+          <a:schemeClr val="accent5">
+            <a:hueOff val="0"/>
+            <a:satOff val="0"/>
+            <a:lumOff val="0"/>
+            <a:alphaOff val="0"/>
+          </a:schemeClr>
+        </a:solidFill>
+        <a:ln w="28575" cap="flat" cmpd="sng" algn="ctr">
+          <a:solidFill>
+            <a:schemeClr val="lt1">
+              <a:hueOff val="0"/>
+              <a:satOff val="0"/>
+              <a:lumOff val="0"/>
+              <a:alphaOff val="0"/>
+            </a:schemeClr>
+          </a:solidFill>
+          <a:prstDash val="solid"/>
+        </a:ln>
+        <a:effectLst/>
+      </dsp:spPr>
+      <dsp:style>
+        <a:lnRef idx="2">
+          <a:scrgbClr r="0" g="0" b="0"/>
+        </a:lnRef>
+        <a:fillRef idx="1">
+          <a:scrgbClr r="0" g="0" b="0"/>
+        </a:fillRef>
+        <a:effectRef idx="0">
+          <a:scrgbClr r="0" g="0" b="0"/>
+        </a:effectRef>
+        <a:fontRef idx="minor">
+          <a:schemeClr val="lt1"/>
+        </a:fontRef>
+      </dsp:style>
+      <dsp:txBody>
+        <a:bodyPr spcFirstLastPara="0" vert="horz" wrap="square" lIns="40640" tIns="40640" rIns="40640" bIns="40640" numCol="1" spcCol="1270" anchor="ctr" anchorCtr="0">
+          <a:noAutofit/>
+        </a:bodyPr>
+        <a:lstStyle/>
+        <a:p>
+          <a:pPr lvl="0" algn="ctr" defTabSz="1422400">
+            <a:lnSpc>
+              <a:spcPct val="90000"/>
+            </a:lnSpc>
+            <a:spcBef>
+              <a:spcPct val="0"/>
+            </a:spcBef>
+            <a:spcAft>
+              <a:spcPct val="35000"/>
+            </a:spcAft>
+          </a:pPr>
+          <a:r>
+            <a:rPr lang="en-US" sz="3200" kern="1200" dirty="0" smtClean="0"/>
+            <a:t>Request</a:t>
+          </a:r>
+          <a:endParaRPr lang="en-US" sz="3200" kern="1200" dirty="0"/>
+        </a:p>
+      </dsp:txBody>
+      <dsp:txXfrm>
+        <a:off x="339328" y="706200"/>
+        <a:ext cx="1635598" cy="1635598"/>
+      </dsp:txXfrm>
+    </dsp:sp>
+    <dsp:sp modelId="{B5A067B6-646C-4596-A9EC-73C1E964277E}">
+      <dsp:nvSpPr>
+        <dsp:cNvPr id="0" name=""/>
+        <dsp:cNvSpPr/>
+      </dsp:nvSpPr>
+      <dsp:spPr>
+        <a:xfrm>
+          <a:off x="2133538" y="40517"/>
+          <a:ext cx="1442473" cy="780666"/>
+        </a:xfrm>
+        <a:prstGeom prst="rightArrow">
+          <a:avLst>
+            <a:gd name="adj1" fmla="val 60000"/>
+            <a:gd name="adj2" fmla="val 50000"/>
+          </a:avLst>
+        </a:prstGeom>
+        <a:solidFill>
+          <a:schemeClr val="accent5">
+            <a:tint val="60000"/>
+            <a:hueOff val="0"/>
+            <a:satOff val="0"/>
+            <a:lumOff val="0"/>
+            <a:alphaOff val="0"/>
+          </a:schemeClr>
+        </a:solidFill>
+        <a:ln>
+          <a:noFill/>
+        </a:ln>
+        <a:effectLst/>
+      </dsp:spPr>
+      <dsp:style>
+        <a:lnRef idx="0">
+          <a:scrgbClr r="0" g="0" b="0"/>
+        </a:lnRef>
+        <a:fillRef idx="1">
+          <a:scrgbClr r="0" g="0" b="0"/>
+        </a:fillRef>
+        <a:effectRef idx="0">
+          <a:scrgbClr r="0" g="0" b="0"/>
+        </a:effectRef>
+        <a:fontRef idx="minor">
+          <a:schemeClr val="lt1"/>
+        </a:fontRef>
+      </dsp:style>
+      <dsp:txBody>
+        <a:bodyPr spcFirstLastPara="0" vert="horz" wrap="square" lIns="0" tIns="0" rIns="0" bIns="0" numCol="1" spcCol="1270" anchor="ctr" anchorCtr="0">
+          <a:noAutofit/>
+        </a:bodyPr>
+        <a:lstStyle/>
+        <a:p>
+          <a:pPr lvl="0" algn="ctr" defTabSz="1155700">
+            <a:lnSpc>
+              <a:spcPct val="90000"/>
+            </a:lnSpc>
+            <a:spcBef>
+              <a:spcPct val="0"/>
+            </a:spcBef>
+            <a:spcAft>
+              <a:spcPct val="35000"/>
+            </a:spcAft>
+          </a:pPr>
+          <a:endParaRPr lang="en-US" sz="2600" kern="1200"/>
+        </a:p>
+      </dsp:txBody>
+      <dsp:txXfrm>
+        <a:off x="2133538" y="196650"/>
+        <a:ext cx="1208273" cy="468400"/>
+      </dsp:txXfrm>
+    </dsp:sp>
+    <dsp:sp modelId="{36B1949A-1984-4A64-BC5D-9E4F5DCBE918}">
+      <dsp:nvSpPr>
+        <dsp:cNvPr id="0" name=""/>
+        <dsp:cNvSpPr/>
+      </dsp:nvSpPr>
+      <dsp:spPr>
+        <a:xfrm>
+          <a:off x="3477528" y="367456"/>
+          <a:ext cx="2313086" cy="2313086"/>
+        </a:xfrm>
+        <a:prstGeom prst="ellipse">
+          <a:avLst/>
+        </a:prstGeom>
+        <a:solidFill>
+          <a:schemeClr val="accent5">
+            <a:hueOff val="0"/>
+            <a:satOff val="0"/>
+            <a:lumOff val="0"/>
+            <a:alphaOff val="0"/>
+          </a:schemeClr>
+        </a:solidFill>
+        <a:ln w="28575" cap="flat" cmpd="sng" algn="ctr">
+          <a:solidFill>
+            <a:schemeClr val="lt1">
+              <a:hueOff val="0"/>
+              <a:satOff val="0"/>
+              <a:lumOff val="0"/>
+              <a:alphaOff val="0"/>
+            </a:schemeClr>
+          </a:solidFill>
+          <a:prstDash val="solid"/>
+        </a:ln>
+        <a:effectLst/>
+      </dsp:spPr>
+      <dsp:style>
+        <a:lnRef idx="2">
+          <a:scrgbClr r="0" g="0" b="0"/>
+        </a:lnRef>
+        <a:fillRef idx="1">
+          <a:scrgbClr r="0" g="0" b="0"/>
+        </a:fillRef>
+        <a:effectRef idx="0">
+          <a:scrgbClr r="0" g="0" b="0"/>
+        </a:effectRef>
+        <a:fontRef idx="minor">
+          <a:schemeClr val="lt1"/>
+        </a:fontRef>
+      </dsp:style>
+      <dsp:txBody>
+        <a:bodyPr spcFirstLastPara="0" vert="horz" wrap="square" lIns="40640" tIns="40640" rIns="40640" bIns="40640" numCol="1" spcCol="1270" anchor="ctr" anchorCtr="0">
+          <a:noAutofit/>
+        </a:bodyPr>
+        <a:lstStyle/>
+        <a:p>
+          <a:pPr lvl="0" algn="ctr" defTabSz="1422400">
+            <a:lnSpc>
+              <a:spcPct val="90000"/>
+            </a:lnSpc>
+            <a:spcBef>
+              <a:spcPct val="0"/>
+            </a:spcBef>
+            <a:spcAft>
+              <a:spcPct val="35000"/>
+            </a:spcAft>
+          </a:pPr>
+          <a:r>
+            <a:rPr lang="en-US" sz="3200" kern="1200" dirty="0" smtClean="0"/>
+            <a:t>Reply</a:t>
+          </a:r>
+          <a:endParaRPr lang="en-US" sz="3200" kern="1200" dirty="0"/>
+        </a:p>
+      </dsp:txBody>
+      <dsp:txXfrm>
+        <a:off x="3816272" y="706200"/>
+        <a:ext cx="1635598" cy="1635598"/>
+      </dsp:txXfrm>
+    </dsp:sp>
+    <dsp:sp modelId="{326B6CB8-D777-4A9C-9FEC-4806B74EDDAA}">
+      <dsp:nvSpPr>
+        <dsp:cNvPr id="0" name=""/>
+        <dsp:cNvSpPr/>
+      </dsp:nvSpPr>
+      <dsp:spPr>
+        <a:xfrm rot="10800000">
+          <a:off x="2215188" y="2226815"/>
+          <a:ext cx="1442473" cy="780666"/>
+        </a:xfrm>
+        <a:prstGeom prst="rightArrow">
+          <a:avLst>
+            <a:gd name="adj1" fmla="val 60000"/>
+            <a:gd name="adj2" fmla="val 50000"/>
+          </a:avLst>
+        </a:prstGeom>
+        <a:solidFill>
+          <a:schemeClr val="accent5">
+            <a:tint val="60000"/>
+            <a:hueOff val="0"/>
+            <a:satOff val="0"/>
+            <a:lumOff val="0"/>
+            <a:alphaOff val="0"/>
+          </a:schemeClr>
+        </a:solidFill>
+        <a:ln>
+          <a:noFill/>
+        </a:ln>
+        <a:effectLst/>
+      </dsp:spPr>
+      <dsp:style>
+        <a:lnRef idx="0">
+          <a:scrgbClr r="0" g="0" b="0"/>
+        </a:lnRef>
+        <a:fillRef idx="1">
+          <a:scrgbClr r="0" g="0" b="0"/>
+        </a:fillRef>
+        <a:effectRef idx="0">
+          <a:scrgbClr r="0" g="0" b="0"/>
+        </a:effectRef>
+        <a:fontRef idx="minor">
+          <a:schemeClr val="lt1"/>
+        </a:fontRef>
+      </dsp:style>
+      <dsp:txBody>
+        <a:bodyPr spcFirstLastPara="0" vert="horz" wrap="square" lIns="0" tIns="0" rIns="0" bIns="0" numCol="1" spcCol="1270" anchor="ctr" anchorCtr="0">
+          <a:noAutofit/>
+        </a:bodyPr>
+        <a:lstStyle/>
+        <a:p>
+          <a:pPr lvl="0" algn="ctr" defTabSz="1155700">
+            <a:lnSpc>
+              <a:spcPct val="90000"/>
+            </a:lnSpc>
+            <a:spcBef>
+              <a:spcPct val="0"/>
+            </a:spcBef>
+            <a:spcAft>
+              <a:spcPct val="35000"/>
+            </a:spcAft>
+          </a:pPr>
+          <a:endParaRPr lang="en-US" sz="2600" kern="1200"/>
+        </a:p>
+      </dsp:txBody>
+      <dsp:txXfrm rot="10800000">
+        <a:off x="2449388" y="2382948"/>
+        <a:ext cx="1208273" cy="468400"/>
+      </dsp:txXfrm>
+    </dsp:sp>
+  </dsp:spTree>
+</dsp:drawing>
+</file>
+
+<file path=ppt/diagrams/layout1.xml><?xml version="1.0" encoding="utf-8"?>
+<dgm:layoutDef xmlns:dgm="http://schemas.openxmlformats.org/drawingml/2006/diagram" xmlns:a="http://schemas.openxmlformats.org/drawingml/2006/main" uniqueId="urn:microsoft.com/office/officeart/2005/8/layout/cycle2">
+  <dgm:title val=""/>
+  <dgm:desc val=""/>
+  <dgm:catLst>
+    <dgm:cat type="cycle" pri="1000"/>
+    <dgm:cat type="convert" pri="10000"/>
+  </dgm:catLst>
+  <dgm:sampData>
+    <dgm:dataModel>
+      <dgm:ptLst>
+        <dgm:pt modelId="0" type="doc"/>
+        <dgm:pt modelId="1">
+          <dgm:prSet phldr="1"/>
+        </dgm:pt>
+        <dgm:pt modelId="2">
+          <dgm:prSet phldr="1"/>
+        </dgm:pt>
+        <dgm:pt modelId="3">
+          <dgm:prSet phldr="1"/>
+        </dgm:pt>
+        <dgm:pt modelId="4">
+          <dgm:prSet phldr="1"/>
+        </dgm:pt>
+        <dgm:pt modelId="5">
+          <dgm:prSet phldr="1"/>
+        </dgm:pt>
+      </dgm:ptLst>
+      <dgm:cxnLst>
+        <dgm:cxn modelId="6" srcId="0" destId="1" srcOrd="0" destOrd="0"/>
+        <dgm:cxn modelId="7" srcId="0" destId="2" srcOrd="1" destOrd="0"/>
+        <dgm:cxn modelId="8" srcId="0" destId="3" srcOrd="2" destOrd="0"/>
+        <dgm:cxn modelId="9" srcId="0" destId="4" srcOrd="3" destOrd="0"/>
+        <dgm:cxn modelId="10" srcId="0" destId="5" srcOrd="4" destOrd="0"/>
+      </dgm:cxnLst>
+      <dgm:bg/>
+      <dgm:whole/>
+    </dgm:dataModel>
+  </dgm:sampData>
+  <dgm:styleData>
+    <dgm:dataModel>
+      <dgm:ptLst>
+        <dgm:pt modelId="0" type="doc"/>
+        <dgm:pt modelId="1"/>
+        <dgm:pt modelId="2"/>
+        <dgm:pt modelId="3"/>
+      </dgm:ptLst>
+      <dgm:cxnLst>
+        <dgm:cxn modelId="4" srcId="0" destId="1" srcOrd="0" destOrd="0"/>
+        <dgm:cxn modelId="5" srcId="0" destId="2" srcOrd="1" destOrd="0"/>
+        <dgm:cxn modelId="6" srcId="0" destId="3" srcOrd="2" destOrd="0"/>
+      </dgm:cxnLst>
+      <dgm:bg/>
+      <dgm:whole/>
+    </dgm:dataModel>
+  </dgm:styleData>
+  <dgm:clrData>
+    <dgm:dataModel>
+      <dgm:ptLst>
+        <dgm:pt modelId="0" type="doc"/>
+        <dgm:pt modelId="1"/>
+        <dgm:pt modelId="2"/>
+        <dgm:pt modelId="3"/>
+        <dgm:pt modelId="4"/>
+        <dgm:pt modelId="5"/>
+        <dgm:pt modelId="6"/>
+      </dgm:ptLst>
+      <dgm:cxnLst>
+        <dgm:cxn modelId="7" srcId="0" destId="1" srcOrd="0" destOrd="0"/>
+        <dgm:cxn modelId="8" srcId="0" destId="2" srcOrd="1" destOrd="0"/>
+        <dgm:cxn modelId="9" srcId="0" destId="3" srcOrd="2" destOrd="0"/>
+        <dgm:cxn modelId="10" srcId="0" destId="4" srcOrd="3" destOrd="0"/>
+        <dgm:cxn modelId="11" srcId="0" destId="5" srcOrd="4" destOrd="0"/>
+        <dgm:cxn modelId="12" srcId="0" destId="6" srcOrd="5" destOrd="0"/>
+      </dgm:cxnLst>
+      <dgm:bg/>
+      <dgm:whole/>
+    </dgm:dataModel>
+  </dgm:clrData>
+  <dgm:layoutNode name="cycle">
+    <dgm:varLst>
+      <dgm:dir/>
+      <dgm:resizeHandles val="exact"/>
+    </dgm:varLst>
+    <dgm:choose name="Name0">
+      <dgm:if name="Name1" func="var" arg="dir" op="equ" val="norm">
+        <dgm:choose name="Name2">
+          <dgm:if name="Name3" axis="ch" ptType="node" func="cnt" op="gt" val="2">
+            <dgm:alg type="cycle">
+              <dgm:param type="stAng" val="0"/>
+              <dgm:param type="spanAng" val="360"/>
+            </dgm:alg>
+          </dgm:if>
+          <dgm:else name="Name4">
+            <dgm:alg type="cycle">
+              <dgm:param type="stAng" val="-90"/>
+              <dgm:param type="spanAng" val="360"/>
+            </dgm:alg>
+          </dgm:else>
+        </dgm:choose>
+      </dgm:if>
+      <dgm:else name="Name5">
+        <dgm:choose name="Name6">
+          <dgm:if name="Name7" axis="ch" ptType="node" func="cnt" op="gt" val="2">
+            <dgm:alg type="cycle">
+              <dgm:param type="stAng" val="0"/>
+              <dgm:param type="spanAng" val="-360"/>
+            </dgm:alg>
+          </dgm:if>
+          <dgm:else name="Name8">
+            <dgm:alg type="cycle">
+              <dgm:param type="stAng" val="90"/>
+              <dgm:param type="spanAng" val="-360"/>
+            </dgm:alg>
+          </dgm:else>
+        </dgm:choose>
+      </dgm:else>
+    </dgm:choose>
+    <dgm:shape xmlns:r="http://schemas.openxmlformats.org/officeDocument/2006/relationships" r:blip="">
+      <dgm:adjLst/>
+    </dgm:shape>
+    <dgm:presOf/>
+    <dgm:constrLst>
+      <dgm:constr type="w" for="ch" ptType="node" refType="w"/>
+      <dgm:constr type="w" for="ch" ptType="sibTrans" refType="w" refFor="ch" refPtType="node" op="equ" fact="0.25"/>
+      <dgm:constr type="sibSp" refType="w" refFor="ch" refPtType="node" fact="0.5"/>
+      <dgm:constr type="primFontSz" for="ch" ptType="node" op="equ" val="65"/>
+      <dgm:constr type="primFontSz" for="des" forName="connectorText" op="equ" val="55"/>
+      <dgm:constr type="primFontSz" for="des" forName="connectorText" refType="primFontSz" refFor="ch" refPtType="node" op="lte" fact="0.8"/>
+    </dgm:constrLst>
+    <dgm:ruleLst/>
+    <dgm:forEach name="nodesForEach" axis="ch" ptType="node">
+      <dgm:layoutNode name="node">
+        <dgm:varLst>
+          <dgm:bulletEnabled val="1"/>
+        </dgm:varLst>
+        <dgm:alg type="tx">
+          <dgm:param type="txAnchorVertCh" val="mid"/>
+        </dgm:alg>
+        <dgm:shape xmlns:r="http://schemas.openxmlformats.org/officeDocument/2006/relationships" type="ellipse" r:blip="">
+          <dgm:adjLst/>
+        </dgm:shape>
+        <dgm:presOf axis="desOrSelf" ptType="node"/>
+        <dgm:constrLst>
+          <dgm:constr type="h" refType="w"/>
+          <dgm:constr type="lMarg" refType="primFontSz" fact="0.1"/>
+          <dgm:constr type="rMarg" refType="primFontSz" fact="0.1"/>
+          <dgm:constr type="tMarg" refType="primFontSz" fact="0.1"/>
+          <dgm:constr type="bMarg" refType="primFontSz" fact="0.1"/>
+        </dgm:constrLst>
+        <dgm:ruleLst>
+          <dgm:rule type="primFontSz" val="5" fact="NaN" max="NaN"/>
+        </dgm:ruleLst>
+      </dgm:layoutNode>
+      <dgm:choose name="Name9">
+        <dgm:if name="Name10" axis="par ch" ptType="doc node" func="cnt" op="gt" val="1">
+          <dgm:forEach name="sibTransForEach" axis="followSib" ptType="sibTrans" hideLastTrans="0" cnt="1">
+            <dgm:layoutNode name="sibTrans">
+              <dgm:choose name="Name11">
+                <dgm:if name="Name12" axis="par ch" ptType="doc node" func="cnt" op="lt" val="3">
+                  <dgm:alg type="conn">
+                    <dgm:param type="begPts" val="radial"/>
+                    <dgm:param type="endPts" val="radial"/>
+                  </dgm:alg>
+                </dgm:if>
+                <dgm:else name="Name13">
+                  <dgm:alg type="conn">
+                    <dgm:param type="begPts" val="auto"/>
+                    <dgm:param type="endPts" val="auto"/>
+                  </dgm:alg>
+                </dgm:else>
+              </dgm:choose>
+              <dgm:shape xmlns:r="http://schemas.openxmlformats.org/officeDocument/2006/relationships" type="conn" r:blip="">
+                <dgm:adjLst/>
+              </dgm:shape>
+              <dgm:presOf axis="self"/>
+              <dgm:constrLst>
+                <dgm:constr type="h" refType="w" fact="1.35"/>
+                <dgm:constr type="connDist"/>
+                <dgm:constr type="w" for="ch" refType="connDist" fact="0.45"/>
+                <dgm:constr type="h" for="ch" refType="h"/>
+              </dgm:constrLst>
+              <dgm:ruleLst/>
+              <dgm:layoutNode name="connectorText">
+                <dgm:alg type="tx">
+                  <dgm:param type="autoTxRot" val="grav"/>
+                </dgm:alg>
+                <dgm:shape xmlns:r="http://schemas.openxmlformats.org/officeDocument/2006/relationships" type="conn" r:blip="" hideGeom="1">
+                  <dgm:adjLst/>
+                </dgm:shape>
+                <dgm:presOf axis="self"/>
+                <dgm:constrLst>
+                  <dgm:constr type="lMarg"/>
+                  <dgm:constr type="rMarg"/>
+                  <dgm:constr type="tMarg"/>
+                  <dgm:constr type="bMarg"/>
+                </dgm:constrLst>
+                <dgm:ruleLst>
+                  <dgm:rule type="primFontSz" val="5" fact="NaN" max="NaN"/>
+                </dgm:ruleLst>
+              </dgm:layoutNode>
+            </dgm:layoutNode>
+          </dgm:forEach>
+        </dgm:if>
+        <dgm:else name="Name14"/>
+      </dgm:choose>
+    </dgm:forEach>
+  </dgm:layoutNode>
+</dgm:layoutDef>
+</file>
+
+<file path=ppt/diagrams/quickStyle1.xml><?xml version="1.0" encoding="utf-8"?>
+<dgm:styleDef xmlns:dgm="http://schemas.openxmlformats.org/drawingml/2006/diagram" xmlns:a="http://schemas.openxmlformats.org/drawingml/2006/main" uniqueId="urn:microsoft.com/office/officeart/2005/8/quickstyle/simple1">
+  <dgm:title val=""/>
+  <dgm:desc val=""/>
+  <dgm:catLst>
+    <dgm:cat type="simple" pri="10100"/>
+  </dgm:catLst>
+  <dgm:scene3d>
+    <a:camera prst="orthographicFront"/>
+    <a:lightRig rig="threePt" dir="t"/>
+  </dgm:scene3d>
+  <dgm:styleLbl name="node0">
+    <dgm:scene3d>
+      <a:camera prst="orthographicFront"/>
+      <a:lightRig rig="threePt" dir="t"/>
+    </dgm:scene3d>
+    <dgm:sp3d/>
+    <dgm:txPr/>
+    <dgm:style>
+      <a:lnRef idx="2">
+        <a:scrgbClr r="0" g="0" b="0"/>
+      </a:lnRef>
+      <a:fillRef idx="1">
+        <a:scrgbClr r="0" g="0" b="0"/>
+      </a:fillRef>
+      <a:effectRef idx="0">
+        <a:scrgbClr r="0" g="0" b="0"/>
+      </a:effectRef>
+      <a:fontRef idx="minor">
+        <a:schemeClr val="lt1"/>
+      </a:fontRef>
+    </dgm:style>
+  </dgm:styleLbl>
+  <dgm:styleLbl name="lnNode1">
+    <dgm:scene3d>
+      <a:camera prst="orthographicFront"/>
+      <a:lightRig rig="threePt" dir="t"/>
+    </dgm:scene3d>
+    <dgm:sp3d/>
+    <dgm:txPr/>
+    <dgm:style>
+      <a:lnRef idx="2">
+        <a:scrgbClr r="0" g="0" b="0"/>
+      </a:lnRef>
+      <a:fillRef idx="1">
+        <a:scrgbClr r="0" g="0" b="0"/>
+      </a:fillRef>
+      <a:effectRef idx="0">
+        <a:scrgbClr r="0" g="0" b="0"/>
+      </a:effectRef>
+      <a:fontRef idx="minor">
+        <a:schemeClr val="lt1"/>
+      </a:fontRef>
+    </dgm:style>
+  </dgm:styleLbl>
+  <dgm:styleLbl name="vennNode1">
+    <dgm:scene3d>
+      <a:camera prst="orthographicFront"/>
+      <a:lightRig rig="threePt" dir="t"/>
+    </dgm:scene3d>
+    <dgm:sp3d/>
+    <dgm:txPr/>
+    <dgm:style>
+      <a:lnRef idx="2">
+        <a:scrgbClr r="0" g="0" b="0"/>
+      </a:lnRef>
+      <a:fillRef idx="1">
+        <a:scrgbClr r="0" g="0" b="0"/>
+      </a:fillRef>
+      <a:effectRef idx="0">
+        <a:scrgbClr r="0" g="0" b="0"/>
+      </a:effectRef>
+      <a:fontRef idx="minor">
+        <a:schemeClr val="tx1"/>
+      </a:fontRef>
+    </dgm:style>
+  </dgm:styleLbl>
+  <dgm:styleLbl name="alignNode1">
+    <dgm:scene3d>
+      <a:camera prst="orthographicFront"/>
+      <a:lightRig rig="threePt" dir="t"/>
+    </dgm:scene3d>
+    <dgm:sp3d/>
+    <dgm:txPr/>
+    <dgm:style>
+      <a:lnRef idx="2">
+        <a:scrgbClr r="0" g="0" b="0"/>
+      </a:lnRef>
+      <a:fillRef idx="1">
+        <a:scrgbClr r="0" g="0" b="0"/>
+      </a:fillRef>
+      <a:effectRef idx="0">
+        <a:scrgbClr r="0" g="0" b="0"/>
+      </a:effectRef>
+      <a:fontRef idx="minor">
+        <a:schemeClr val="lt1"/>
+      </a:fontRef>
+    </dgm:style>
+  </dgm:styleLbl>
+  <dgm:styleLbl name="node1">
+    <dgm:scene3d>
+      <a:camera prst="orthographicFront"/>
+      <a:lightRig rig="threePt" dir="t"/>
+    </dgm:scene3d>
+    <dgm:sp3d/>
+    <dgm:txPr/>
+    <dgm:style>
+      <a:lnRef idx="2">
+        <a:scrgbClr r="0" g="0" b="0"/>
+      </a:lnRef>
+      <a:fillRef idx="1">
+        <a:scrgbClr r="0" g="0" b="0"/>
+      </a:fillRef>
+      <a:effectRef idx="0">
+        <a:scrgbClr r="0" g="0" b="0"/>
+      </a:effectRef>
+      <a:fontRef idx="minor">
+        <a:schemeClr val="lt1"/>
+      </a:fontRef>
+    </dgm:style>
+  </dgm:styleLbl>
+  <dgm:styleLbl name="node2">
+    <dgm:scene3d>
+      <a:camera prst="orthographicFront"/>
+      <a:lightRig rig="threePt" dir="t"/>
+    </dgm:scene3d>
+    <dgm:sp3d/>
+    <dgm:txPr/>
+    <dgm:style>
+      <a:lnRef idx="2">
+        <a:scrgbClr r="0" g="0" b="0"/>
+      </a:lnRef>
+      <a:fillRef idx="1">
+        <a:scrgbClr r="0" g="0" b="0"/>
+      </a:fillRef>
+      <a:effectRef idx="0">
+        <a:scrgbClr r="0" g="0" b="0"/>
+      </a:effectRef>
+      <a:fontRef idx="minor">
+        <a:schemeClr val="lt1"/>
+      </a:fontRef>
+    </dgm:style>
+  </dgm:styleLbl>
+  <dgm:styleLbl name="node3">
+    <dgm:scene3d>
+      <a:camera prst="orthographicFront"/>
+      <a:lightRig rig="threePt" dir="t"/>
+    </dgm:scene3d>
+    <dgm:sp3d/>
+    <dgm:txPr/>
+    <dgm:style>
+      <a:lnRef idx="2">
+        <a:scrgbClr r="0" g="0" b="0"/>
+      </a:lnRef>
+      <a:fillRef idx="1">
+        <a:scrgbClr r="0" g="0" b="0"/>
+      </a:fillRef>
+      <a:effectRef idx="0">
+        <a:scrgbClr r="0" g="0" b="0"/>
+      </a:effectRef>
+      <a:fontRef idx="minor">
+        <a:schemeClr val="lt1"/>
+      </a:fontRef>
+    </dgm:style>
+  </dgm:styleLbl>
+  <dgm:styleLbl name="node4">
+    <dgm:scene3d>
+      <a:camera prst="orthographicFront"/>
+      <a:lightRig rig="threePt" dir="t"/>
+    </dgm:scene3d>
+    <dgm:sp3d/>
+    <dgm:txPr/>
+    <dgm:style>
+      <a:lnRef idx="2">
+        <a:scrgbClr r="0" g="0" b="0"/>
+      </a:lnRef>
+      <a:fillRef idx="1">
+        <a:scrgbClr r="0" g="0" b="0"/>
+      </a:fillRef>
+      <a:effectRef idx="0">
+        <a:scrgbClr r="0" g="0" b="0"/>
+      </a:effectRef>
+      <a:fontRef idx="minor">
+        <a:schemeClr val="lt1"/>
+      </a:fontRef>
+    </dgm:style>
+  </dgm:styleLbl>
+  <dgm:styleLbl name="fgImgPlace1">
+    <dgm:scene3d>
+      <a:camera prst="orthographicFront"/>
+      <a:lightRig rig="threePt" dir="t"/>
+    </dgm:scene3d>
+    <dgm:sp3d/>
+    <dgm:txPr/>
+    <dgm:style>
+      <a:lnRef idx="2">
+        <a:scrgbClr r="0" g="0" b="0"/>
+      </a:lnRef>
+      <a:fillRef idx="1">
+        <a:scrgbClr r="0" g="0" b="0"/>
+      </a:fillRef>
+      <a:effectRef idx="0">
+        <a:scrgbClr r="0" g="0" b="0"/>
+      </a:effectRef>
+      <a:fontRef idx="minor"/>
+    </dgm:style>
+  </dgm:styleLbl>
+  <dgm:styleLbl name="alignImgPlace1">
+    <dgm:scene3d>
+      <a:camera prst="orthographicFront"/>
+      <a:lightRig rig="threePt" dir="t"/>
+    </dgm:scene3d>
+    <dgm:sp3d/>
+    <dgm:txPr/>
+    <dgm:style>
+      <a:lnRef idx="2">
+        <a:scrgbClr r="0" g="0" b="0"/>
+      </a:lnRef>
+      <a:fillRef idx="1">
+        <a:scrgbClr r="0" g="0" b="0"/>
+      </a:fillRef>
+      <a:effectRef idx="0">
+        <a:scrgbClr r="0" g="0" b="0"/>
+      </a:effectRef>
+      <a:fontRef idx="minor"/>
+    </dgm:style>
+  </dgm:styleLbl>
+  <dgm:styleLbl name="bgImgPlace1">
+    <dgm:scene3d>
+      <a:camera prst="orthographicFront"/>
+      <a:lightRig rig="threePt" dir="t"/>
+    </dgm:scene3d>
+    <dgm:sp3d/>
+    <dgm:txPr/>
+    <dgm:style>
+      <a:lnRef idx="2">
+        <a:scrgbClr r="0" g="0" b="0"/>
+      </a:lnRef>
+      <a:fillRef idx="1">
+        <a:scrgbClr r="0" g="0" b="0"/>
+      </a:fillRef>
+      <a:effectRef idx="0">
+        <a:scrgbClr r="0" g="0" b="0"/>
+      </a:effectRef>
+      <a:fontRef idx="minor"/>
+    </dgm:style>
+  </dgm:styleLbl>
+  <dgm:styleLbl name="sibTrans2D1">
+    <dgm:scene3d>
+      <a:camera prst="orthographicFront"/>
+      <a:lightRig rig="threePt" dir="t"/>
+    </dgm:scene3d>
+    <dgm:sp3d/>
+    <dgm:txPr/>
+    <dgm:style>
+      <a:lnRef idx="0">
+        <a:scrgbClr r="0" g="0" b="0"/>
+      </a:lnRef>
+      <a:fillRef idx="1">
+        <a:scrgbClr r="0" g="0" b="0"/>
+      </a:fillRef>
+      <a:effectRef idx="0">
+        <a:scrgbClr r="0" g="0" b="0"/>
+      </a:effectRef>
+      <a:fontRef idx="minor">
+        <a:schemeClr val="lt1"/>
+      </a:fontRef>
+    </dgm:style>
+  </dgm:styleLbl>
+  <dgm:styleLbl name="fgSibTrans2D1">
+    <dgm:scene3d>
+      <a:camera prst="orthographicFront"/>
+      <a:lightRig rig="threePt" dir="t"/>
+    </dgm:scene3d>
+    <dgm:sp3d/>
+    <dgm:txPr/>
+    <dgm:style>
+      <a:lnRef idx="0">
+        <a:scrgbClr r="0" g="0" b="0"/>
+      </a:lnRef>
+      <a:fillRef idx="1">
+        <a:scrgbClr r="0" g="0" b="0"/>
+      </a:fillRef>
+      <a:effectRef idx="0">
+        <a:scrgbClr r="0" g="0" b="0"/>
+      </a:effectRef>
+      <a:fontRef idx="minor">
+        <a:schemeClr val="lt1"/>
+      </a:fontRef>
+    </dgm:style>
+  </dgm:styleLbl>
+  <dgm:styleLbl name="bgSibTrans2D1">
+    <dgm:scene3d>
+      <a:camera prst="orthographicFront"/>
+      <a:lightRig rig="threePt" dir="t"/>
+    </dgm:scene3d>
+    <dgm:sp3d/>
+    <dgm:txPr/>
+    <dgm:style>
+      <a:lnRef idx="0">
+        <a:scrgbClr r="0" g="0" b="0"/>
+      </a:lnRef>
+      <a:fillRef idx="1">
+        <a:scrgbClr r="0" g="0" b="0"/>
+      </a:fillRef>
+      <a:effectRef idx="0">
+        <a:scrgbClr r="0" g="0" b="0"/>
+      </a:effectRef>
+      <a:fontRef idx="minor">
+        <a:schemeClr val="lt1"/>
+      </a:fontRef>
+    </dgm:style>
+  </dgm:styleLbl>
+  <dgm:styleLbl name="sibTrans1D1">
+    <dgm:scene3d>
+      <a:camera prst="orthographicFront"/>
+      <a:lightRig rig="threePt" dir="t"/>
+    </dgm:scene3d>
+    <dgm:sp3d/>
+    <dgm:txPr/>
+    <dgm:style>
+      <a:lnRef idx="1">
+        <a:scrgbClr r="0" g="0" b="0"/>
+      </a:lnRef>
+      <a:fillRef idx="0">
+        <a:scrgbClr r="0" g="0" b="0"/>
+      </a:fillRef>
+      <a:effectRef idx="0">
+        <a:scrgbClr r="0" g="0" b="0"/>
+      </a:effectRef>
+      <a:fontRef idx="minor"/>
+    </dgm:style>
+  </dgm:styleLbl>
+  <dgm:styleLbl name="callout">
+    <dgm:scene3d>
+      <a:camera prst="orthographicFront"/>
+      <a:lightRig rig="threePt" dir="t"/>
+    </dgm:scene3d>
+    <dgm:sp3d/>
+    <dgm:txPr/>
+    <dgm:style>
+      <a:lnRef idx="2">
+        <a:scrgbClr r="0" g="0" b="0"/>
+      </a:lnRef>
+      <a:fillRef idx="1">
+        <a:scrgbClr r="0" g="0" b="0"/>
+      </a:fillRef>
+      <a:effectRef idx="0">
+        <a:scrgbClr r="0" g="0" b="0"/>
+      </a:effectRef>
+      <a:fontRef idx="minor"/>
+    </dgm:style>
+  </dgm:styleLbl>
+  <dgm:styleLbl name="asst0">
+    <dgm:scene3d>
+      <a:camera prst="orthographicFront"/>
+      <a:lightRig rig="threePt" dir="t"/>
+    </dgm:scene3d>
+    <dgm:sp3d/>
+    <dgm:txPr/>
+    <dgm:style>
+      <a:lnRef idx="2">
+        <a:scrgbClr r="0" g="0" b="0"/>
+      </a:lnRef>
+      <a:fillRef idx="1">
+        <a:scrgbClr r="0" g="0" b="0"/>
+      </a:fillRef>
+      <a:effectRef idx="0">
+        <a:scrgbClr r="0" g="0" b="0"/>
+      </a:effectRef>
+      <a:fontRef idx="minor">
+        <a:schemeClr val="lt1"/>
+      </a:fontRef>
+    </dgm:style>
+  </dgm:styleLbl>
+  <dgm:styleLbl name="asst1">
+    <dgm:scene3d>
+      <a:camera prst="orthographicFront"/>
+      <a:lightRig rig="threePt" dir="t"/>
+    </dgm:scene3d>
+    <dgm:sp3d/>
+    <dgm:txPr/>
+    <dgm:style>
+      <a:lnRef idx="2">
+        <a:scrgbClr r="0" g="0" b="0"/>
+      </a:lnRef>
+      <a:fillRef idx="1">
+        <a:scrgbClr r="0" g="0" b="0"/>
+      </a:fillRef>
+      <a:effectRef idx="0">
+        <a:scrgbClr r="0" g="0" b="0"/>
+      </a:effectRef>
+      <a:fontRef idx="minor">
+        <a:schemeClr val="lt1"/>
+      </a:fontRef>
+    </dgm:style>
+  </dgm:styleLbl>
+  <dgm:styleLbl name="asst2">
+    <dgm:scene3d>
+      <a:camera prst="orthographicFront"/>
+      <a:lightRig rig="threePt" dir="t"/>
+    </dgm:scene3d>
+    <dgm:sp3d/>
+    <dgm:txPr/>
+    <dgm:style>
+      <a:lnRef idx="2">
+        <a:scrgbClr r="0" g="0" b="0"/>
+      </a:lnRef>
+      <a:fillRef idx="1">
+        <a:scrgbClr r="0" g="0" b="0"/>
+      </a:fillRef>
+      <a:effectRef idx="0">
+        <a:scrgbClr r="0" g="0" b="0"/>
+      </a:effectRef>
+      <a:fontRef idx="minor">
+        <a:schemeClr val="lt1"/>
+      </a:fontRef>
+    </dgm:style>
+  </dgm:styleLbl>
+  <dgm:styleLbl name="asst3">
+    <dgm:scene3d>
+      <a:camera prst="orthographicFront"/>
+      <a:lightRig rig="threePt" dir="t"/>
+    </dgm:scene3d>
+    <dgm:sp3d/>
+    <dgm:txPr/>
+    <dgm:style>
+      <a:lnRef idx="2">
+        <a:scrgbClr r="0" g="0" b="0"/>
+      </a:lnRef>
+      <a:fillRef idx="1">
+        <a:scrgbClr r="0" g="0" b="0"/>
+      </a:fillRef>
+      <a:effectRef idx="0">
+        <a:scrgbClr r="0" g="0" b="0"/>
+      </a:effectRef>
+      <a:fontRef idx="minor">
+        <a:schemeClr val="lt1"/>
+      </a:fontRef>
+    </dgm:style>
+  </dgm:styleLbl>
+  <dgm:styleLbl name="asst4">
+    <dgm:scene3d>
+      <a:camera prst="orthographicFront"/>
+      <a:lightRig rig="threePt" dir="t"/>
+    </dgm:scene3d>
+    <dgm:sp3d/>
+    <dgm:txPr/>
+    <dgm:style>
+      <a:lnRef idx="2">
+        <a:scrgbClr r="0" g="0" b="0"/>
+      </a:lnRef>
+      <a:fillRef idx="1">
+        <a:scrgbClr r="0" g="0" b="0"/>
+      </a:fillRef>
+      <a:effectRef idx="0">
+        <a:scrgbClr r="0" g="0" b="0"/>
+      </a:effectRef>
+      <a:fontRef idx="minor">
+        <a:schemeClr val="lt1"/>
+      </a:fontRef>
+    </dgm:style>
+  </dgm:styleLbl>
+  <dgm:styleLbl name="parChTrans2D1">
+    <dgm:scene3d>
+      <a:camera prst="orthographicFront"/>
+      <a:lightRig rig="threePt" dir="t"/>
+    </dgm:scene3d>
+    <dgm:sp3d/>
+    <dgm:txPr/>
+    <dgm:style>
+      <a:lnRef idx="2">
+        <a:scrgbClr r="0" g="0" b="0"/>
+      </a:lnRef>
+      <a:fillRef idx="1">
+        <a:scrgbClr r="0" g="0" b="0"/>
+      </a:fillRef>
+      <a:effectRef idx="0">
+        <a:scrgbClr r="0" g="0" b="0"/>
+      </a:effectRef>
+      <a:fontRef idx="minor">
+        <a:schemeClr val="lt1"/>
+      </a:fontRef>
+    </dgm:style>
+  </dgm:styleLbl>
+  <dgm:styleLbl name="parChTrans2D2">
+    <dgm:scene3d>
+      <a:camera prst="orthographicFront"/>
+      <a:lightRig rig="threePt" dir="t"/>
+    </dgm:scene3d>
+    <dgm:sp3d/>
+    <dgm:txPr/>
+    <dgm:style>
+      <a:lnRef idx="2">
+        <a:scrgbClr r="0" g="0" b="0"/>
+      </a:lnRef>
+      <a:fillRef idx="1">
+        <a:scrgbClr r="0" g="0" b="0"/>
+      </a:fillRef>
+      <a:effectRef idx="0">
+        <a:scrgbClr r="0" g="0" b="0"/>
+      </a:effectRef>
+      <a:fontRef idx="minor">
+        <a:schemeClr val="lt1"/>
+      </a:fontRef>
+    </dgm:style>
+  </dgm:styleLbl>
+  <dgm:styleLbl name="parChTrans2D3">
+    <dgm:scene3d>
+      <a:camera prst="orthographicFront"/>
+      <a:lightRig rig="threePt" dir="t"/>
+    </dgm:scene3d>
+    <dgm:sp3d/>
+    <dgm:txPr/>
+    <dgm:style>
+      <a:lnRef idx="2">
+        <a:scrgbClr r="0" g="0" b="0"/>
+      </a:lnRef>
+      <a:fillRef idx="1">
+        <a:scrgbClr r="0" g="0" b="0"/>
+      </a:fillRef>
+      <a:effectRef idx="0">
+        <a:scrgbClr r="0" g="0" b="0"/>
+      </a:effectRef>
+      <a:fontRef idx="minor">
+        <a:schemeClr val="lt1"/>
+      </a:fontRef>
+    </dgm:style>
+  </dgm:styleLbl>
+  <dgm:styleLbl name="parChTrans2D4">
+    <dgm:scene3d>
+      <a:camera prst="orthographicFront"/>
+      <a:lightRig rig="threePt" dir="t"/>
+    </dgm:scene3d>
+    <dgm:sp3d/>
+    <dgm:txPr/>
+    <dgm:style>
+      <a:lnRef idx="2">
+        <a:scrgbClr r="0" g="0" b="0"/>
+      </a:lnRef>
+      <a:fillRef idx="1">
+        <a:scrgbClr r="0" g="0" b="0"/>
+      </a:fillRef>
+      <a:effectRef idx="0">
+        <a:scrgbClr r="0" g="0" b="0"/>
+      </a:effectRef>
+      <a:fontRef idx="minor">
+        <a:schemeClr val="lt1"/>
+      </a:fontRef>
+    </dgm:style>
+  </dgm:styleLbl>
+  <dgm:styleLbl name="parChTrans1D1">
+    <dgm:scene3d>
+      <a:camera prst="orthographicFront"/>
+      <a:lightRig rig="threePt" dir="t"/>
+    </dgm:scene3d>
+    <dgm:sp3d/>
+    <dgm:txPr/>
+    <dgm:style>
+      <a:lnRef idx="2">
+        <a:scrgbClr r="0" g="0" b="0"/>
+      </a:lnRef>
+      <a:fillRef idx="0">
+        <a:scrgbClr r="0" g="0" b="0"/>
+      </a:fillRef>
+      <a:effectRef idx="0">
+        <a:scrgbClr r="0" g="0" b="0"/>
+      </a:effectRef>
+      <a:fontRef idx="minor"/>
+    </dgm:style>
+  </dgm:styleLbl>
+  <dgm:styleLbl name="parChTrans1D2">
+    <dgm:scene3d>
+      <a:camera prst="orthographicFront"/>
+      <a:lightRig rig="threePt" dir="t"/>
+    </dgm:scene3d>
+    <dgm:sp3d/>
+    <dgm:txPr/>
+    <dgm:style>
+      <a:lnRef idx="2">
+        <a:scrgbClr r="0" g="0" b="0"/>
+      </a:lnRef>
+      <a:fillRef idx="0">
+        <a:scrgbClr r="0" g="0" b="0"/>
+      </a:fillRef>
+      <a:effectRef idx="0">
+        <a:scrgbClr r="0" g="0" b="0"/>
+      </a:effectRef>
+      <a:fontRef idx="minor"/>
+    </dgm:style>
+  </dgm:styleLbl>
+  <dgm:styleLbl name="parChTrans1D3">
+    <dgm:scene3d>
+      <a:camera prst="orthographicFront"/>
+      <a:lightRig rig="threePt" dir="t"/>
+    </dgm:scene3d>
+    <dgm:sp3d/>
+    <dgm:txPr/>
+    <dgm:style>
+      <a:lnRef idx="2">
+        <a:scrgbClr r="0" g="0" b="0"/>
+      </a:lnRef>
+      <a:fillRef idx="0">
+        <a:scrgbClr r="0" g="0" b="0"/>
+      </a:fillRef>
+      <a:effectRef idx="0">
+        <a:scrgbClr r="0" g="0" b="0"/>
+      </a:effectRef>
+      <a:fontRef idx="minor"/>
+    </dgm:style>
+  </dgm:styleLbl>
+  <dgm:styleLbl name="parChTrans1D4">
+    <dgm:scene3d>
+      <a:camera prst="orthographicFront"/>
+      <a:lightRig rig="threePt" dir="t"/>
+    </dgm:scene3d>
+    <dgm:sp3d/>
+    <dgm:txPr/>
+    <dgm:style>
+      <a:lnRef idx="2">
+        <a:scrgbClr r="0" g="0" b="0"/>
+      </a:lnRef>
+      <a:fillRef idx="0">
+        <a:scrgbClr r="0" g="0" b="0"/>
+      </a:fillRef>
+      <a:effectRef idx="0">
+        <a:scrgbClr r="0" g="0" b="0"/>
+      </a:effectRef>
+      <a:fontRef idx="minor"/>
+    </dgm:style>
+  </dgm:styleLbl>
+  <dgm:styleLbl name="fgAcc1">
+    <dgm:scene3d>
+      <a:camera prst="orthographicFront"/>
+      <a:lightRig rig="threePt" dir="t"/>
+    </dgm:scene3d>
+    <dgm:sp3d/>
+    <dgm:txPr/>
+    <dgm:style>
+      <a:lnRef idx="2">
+        <a:scrgbClr r="0" g="0" b="0"/>
+      </a:lnRef>
+      <a:fillRef idx="1">
+        <a:scrgbClr r="0" g="0" b="0"/>
+      </a:fillRef>
+      <a:effectRef idx="0">
+        <a:scrgbClr r="0" g="0" b="0"/>
+      </a:effectRef>
+      <a:fontRef idx="minor"/>
+    </dgm:style>
+  </dgm:styleLbl>
+  <dgm:styleLbl name="conFgAcc1">
+    <dgm:scene3d>
+      <a:camera prst="orthographicFront"/>
+      <a:lightRig rig="threePt" dir="t"/>
+    </dgm:scene3d>
+    <dgm:sp3d/>
+    <dgm:txPr/>
+    <dgm:style>
+      <a:lnRef idx="2">
+        <a:scrgbClr r="0" g="0" b="0"/>
+      </a:lnRef>
+      <a:fillRef idx="1">
+        <a:scrgbClr r="0" g="0" b="0"/>
+      </a:fillRef>
+      <a:effectRef idx="0">
+        <a:scrgbClr r="0" g="0" b="0"/>
+      </a:effectRef>
+      <a:fontRef idx="minor"/>
+    </dgm:style>
+  </dgm:styleLbl>
+  <dgm:styleLbl name="alignAcc1">
+    <dgm:scene3d>
+      <a:camera prst="orthographicFront"/>
+      <a:lightRig rig="threePt" dir="t"/>
+    </dgm:scene3d>
+    <dgm:sp3d/>
+    <dgm:txPr/>
+    <dgm:style>
+      <a:lnRef idx="2">
+        <a:scrgbClr r="0" g="0" b="0"/>
+      </a:lnRef>
+      <a:fillRef idx="1">
+        <a:scrgbClr r="0" g="0" b="0"/>
+      </a:fillRef>
+      <a:effectRef idx="0">
+        <a:scrgbClr r="0" g="0" b="0"/>
+      </a:effectRef>
+      <a:fontRef idx="minor"/>
+    </dgm:style>
+  </dgm:styleLbl>
+  <dgm:styleLbl name="trAlignAcc1">
+    <dgm:scene3d>
+      <a:camera prst="orthographicFront"/>
+      <a:lightRig rig="threePt" dir="t"/>
+    </dgm:scene3d>
+    <dgm:sp3d/>
+    <dgm:txPr/>
+    <dgm:style>
+      <a:lnRef idx="1">
+        <a:scrgbClr r="0" g="0" b="0"/>
+      </a:lnRef>
+      <a:fillRef idx="1">
+        <a:scrgbClr r="0" g="0" b="0"/>
+      </a:fillRef>
+      <a:effectRef idx="0">
+        <a:scrgbClr r="0" g="0" b="0"/>
+      </a:effectRef>
+      <a:fontRef idx="minor"/>
+    </dgm:style>
+  </dgm:styleLbl>
+  <dgm:styleLbl name="bgAcc1">
+    <dgm:scene3d>
+      <a:camera prst="orthographicFront"/>
+      <a:lightRig rig="threePt" dir="t"/>
+    </dgm:scene3d>
+    <dgm:sp3d/>
+    <dgm:txPr/>
+    <dgm:style>
+      <a:lnRef idx="2">
+        <a:scrgbClr r="0" g="0" b="0"/>
+      </a:lnRef>
+      <a:fillRef idx="1">
+        <a:scrgbClr r="0" g="0" b="0"/>
+      </a:fillRef>
+      <a:effectRef idx="0">
+        <a:scrgbClr r="0" g="0" b="0"/>
+      </a:effectRef>
+      <a:fontRef idx="minor"/>
+    </dgm:style>
+  </dgm:styleLbl>
+  <dgm:styleLbl name="solidFgAcc1">
+    <dgm:scene3d>
+      <a:camera prst="orthographicFront"/>
+      <a:lightRig rig="threePt" dir="t"/>
+    </dgm:scene3d>
+    <dgm:sp3d/>
+    <dgm:txPr/>
+    <dgm:style>
+      <a:lnRef idx="2">
+        <a:scrgbClr r="0" g="0" b="0"/>
+      </a:lnRef>
+      <a:fillRef idx="1">
+        <a:scrgbClr r="0" g="0" b="0"/>
+      </a:fillRef>
+      <a:effectRef idx="0">
+        <a:scrgbClr r="0" g="0" b="0"/>
+      </a:effectRef>
+      <a:fontRef idx="minor"/>
+    </dgm:style>
+  </dgm:styleLbl>
+  <dgm:styleLbl name="solidAlignAcc1">
+    <dgm:scene3d>
+      <a:camera prst="orthographicFront"/>
+      <a:lightRig rig="threePt" dir="t"/>
+    </dgm:scene3d>
+    <dgm:sp3d/>
+    <dgm:txPr/>
+    <dgm:style>
+      <a:lnRef idx="2">
+        <a:scrgbClr r="0" g="0" b="0"/>
+      </a:lnRef>
+      <a:fillRef idx="1">
+        <a:scrgbClr r="0" g="0" b="0"/>
+      </a:fillRef>
+      <a:effectRef idx="0">
+        <a:scrgbClr r="0" g="0" b="0"/>
+      </a:effectRef>
+      <a:fontRef idx="minor"/>
+    </dgm:style>
+  </dgm:styleLbl>
+  <dgm:styleLbl name="solidBgAcc1">
+    <dgm:scene3d>
+      <a:camera prst="orthographicFront"/>
+      <a:lightRig rig="threePt" dir="t"/>
+    </dgm:scene3d>
+    <dgm:sp3d/>
+    <dgm:txPr/>
+    <dgm:style>
+      <a:lnRef idx="2">
+        <a:scrgbClr r="0" g="0" b="0"/>
+      </a:lnRef>
+      <a:fillRef idx="1">
+        <a:scrgbClr r="0" g="0" b="0"/>
+      </a:fillRef>
+      <a:effectRef idx="0">
+        <a:scrgbClr r="0" g="0" b="0"/>
+      </a:effectRef>
+      <a:fontRef idx="minor"/>
+    </dgm:style>
+  </dgm:styleLbl>
+  <dgm:styleLbl name="fgAccFollowNode1">
+    <dgm:scene3d>
+      <a:camera prst="orthographicFront"/>
+      <a:lightRig rig="threePt" dir="t"/>
+    </dgm:scene3d>
+    <dgm:sp3d/>
+    <dgm:txPr/>
+    <dgm:style>
+      <a:lnRef idx="2">
+        <a:scrgbClr r="0" g="0" b="0"/>
+      </a:lnRef>
+      <a:fillRef idx="1">
+        <a:scrgbClr r="0" g="0" b="0"/>
+      </a:fillRef>
+      <a:effectRef idx="0">
+        <a:scrgbClr r="0" g="0" b="0"/>
+      </a:effectRef>
+      <a:fontRef idx="minor"/>
+    </dgm:style>
+  </dgm:styleLbl>
+  <dgm:styleLbl name="alignAccFollowNode1">
+    <dgm:scene3d>
+      <a:camera prst="orthographicFront"/>
+      <a:lightRig rig="threePt" dir="t"/>
+    </dgm:scene3d>
+    <dgm:sp3d/>
+    <dgm:txPr/>
+    <dgm:style>
+      <a:lnRef idx="2">
+        <a:scrgbClr r="0" g="0" b="0"/>
+      </a:lnRef>
+      <a:fillRef idx="1">
+        <a:scrgbClr r="0" g="0" b="0"/>
+      </a:fillRef>
+      <a:effectRef idx="0">
+        <a:scrgbClr r="0" g="0" b="0"/>
+      </a:effectRef>
+      <a:fontRef idx="minor"/>
+    </dgm:style>
+  </dgm:styleLbl>
+  <dgm:styleLbl name="bgAccFollowNode1">
+    <dgm:scene3d>
+      <a:camera prst="orthographicFront"/>
+      <a:lightRig rig="threePt" dir="t"/>
+    </dgm:scene3d>
+    <dgm:sp3d/>
+    <dgm:txPr/>
+    <dgm:style>
+      <a:lnRef idx="2">
+        <a:scrgbClr r="0" g="0" b="0"/>
+      </a:lnRef>
+      <a:fillRef idx="1">
+        <a:scrgbClr r="0" g="0" b="0"/>
+      </a:fillRef>
+      <a:effectRef idx="0">
+        <a:scrgbClr r="0" g="0" b="0"/>
+      </a:effectRef>
+      <a:fontRef idx="minor"/>
+    </dgm:style>
+  </dgm:styleLbl>
+  <dgm:styleLbl name="fgAcc0">
+    <dgm:scene3d>
+      <a:camera prst="orthographicFront"/>
+      <a:lightRig rig="threePt" dir="t"/>
+    </dgm:scene3d>
+    <dgm:sp3d/>
+    <dgm:txPr/>
+    <dgm:style>
+      <a:lnRef idx="2">
+        <a:scrgbClr r="0" g="0" b="0"/>
+      </a:lnRef>
+      <a:fillRef idx="1">
+        <a:scrgbClr r="0" g="0" b="0"/>
+      </a:fillRef>
+      <a:effectRef idx="0">
+        <a:scrgbClr r="0" g="0" b="0"/>
+      </a:effectRef>
+      <a:fontRef idx="minor"/>
+    </dgm:style>
+  </dgm:styleLbl>
+  <dgm:styleLbl name="fgAcc2">
+    <dgm:scene3d>
+      <a:camera prst="orthographicFront"/>
+      <a:lightRig rig="threePt" dir="t"/>
+    </dgm:scene3d>
+    <dgm:sp3d/>
+    <dgm:txPr/>
+    <dgm:style>
+      <a:lnRef idx="2">
+        <a:scrgbClr r="0" g="0" b="0"/>
+      </a:lnRef>
+      <a:fillRef idx="1">
+        <a:scrgbClr r="0" g="0" b="0"/>
+      </a:fillRef>
+      <a:effectRef idx="0">
+        <a:scrgbClr r="0" g="0" b="0"/>
+      </a:effectRef>
+      <a:fontRef idx="minor"/>
+    </dgm:style>
+  </dgm:styleLbl>
+  <dgm:styleLbl name="fgAcc3">
+    <dgm:scene3d>
+      <a:camera prst="orthographicFront"/>
+      <a:lightRig rig="threePt" dir="t"/>
+    </dgm:scene3d>
+    <dgm:sp3d/>
+    <dgm:txPr/>
+    <dgm:style>
+      <a:lnRef idx="2">
+        <a:scrgbClr r="0" g="0" b="0"/>
+      </a:lnRef>
+      <a:fillRef idx="1">
+        <a:scrgbClr r="0" g="0" b="0"/>
+      </a:fillRef>
+      <a:effectRef idx="0">
+        <a:scrgbClr r="0" g="0" b="0"/>
+      </a:effectRef>
+      <a:fontRef idx="minor"/>
+    </dgm:style>
+  </dgm:styleLbl>
+  <dgm:styleLbl name="fgAcc4">
+    <dgm:scene3d>
+      <a:camera prst="orthographicFront"/>
+      <a:lightRig rig="threePt" dir="t"/>
+    </dgm:scene3d>
+    <dgm:sp3d/>
+    <dgm:txPr/>
+    <dgm:style>
+      <a:lnRef idx="2">
+        <a:scrgbClr r="0" g="0" b="0"/>
+      </a:lnRef>
+      <a:fillRef idx="1">
+        <a:scrgbClr r="0" g="0" b="0"/>
+      </a:fillRef>
+      <a:effectRef idx="0">
+        <a:scrgbClr r="0" g="0" b="0"/>
+      </a:effectRef>
+      <a:fontRef idx="minor"/>
+    </dgm:style>
+  </dgm:styleLbl>
+  <dgm:styleLbl name="bgShp">
+    <dgm:scene3d>
+      <a:camera prst="orthographicFront"/>
+      <a:lightRig rig="threePt" dir="t"/>
+    </dgm:scene3d>
+    <dgm:sp3d/>
+    <dgm:txPr/>
+    <dgm:style>
+      <a:lnRef idx="0">
+        <a:scrgbClr r="0" g="0" b="0"/>
+      </a:lnRef>
+      <a:fillRef idx="1">
+        <a:scrgbClr r="0" g="0" b="0"/>
+      </a:fillRef>
+      <a:effectRef idx="0">
+        <a:scrgbClr r="0" g="0" b="0"/>
+      </a:effectRef>
+      <a:fontRef idx="minor"/>
+    </dgm:style>
+  </dgm:styleLbl>
+  <dgm:styleLbl name="dkBgShp">
+    <dgm:scene3d>
+      <a:camera prst="orthographicFront"/>
+      <a:lightRig rig="threePt" dir="t"/>
+    </dgm:scene3d>
+    <dgm:sp3d/>
+    <dgm:txPr/>
+    <dgm:style>
+      <a:lnRef idx="0">
+        <a:scrgbClr r="0" g="0" b="0"/>
+      </a:lnRef>
+      <a:fillRef idx="1">
+        <a:scrgbClr r="0" g="0" b="0"/>
+      </a:fillRef>
+      <a:effectRef idx="0">
+        <a:scrgbClr r="0" g="0" b="0"/>
+      </a:effectRef>
+      <a:fontRef idx="minor"/>
+    </dgm:style>
+  </dgm:styleLbl>
+  <dgm:styleLbl name="trBgShp">
+    <dgm:scene3d>
+      <a:camera prst="orthographicFront"/>
+      <a:lightRig rig="threePt" dir="t"/>
+    </dgm:scene3d>
+    <dgm:sp3d/>
+    <dgm:txPr/>
+    <dgm:style>
+      <a:lnRef idx="0">
+        <a:scrgbClr r="0" g="0" b="0"/>
+      </a:lnRef>
+      <a:fillRef idx="1">
+        <a:scrgbClr r="0" g="0" b="0"/>
+      </a:fillRef>
+      <a:effectRef idx="0">
+        <a:scrgbClr r="0" g="0" b="0"/>
+      </a:effectRef>
+      <a:fontRef idx="minor"/>
+    </dgm:style>
+  </dgm:styleLbl>
+  <dgm:styleLbl name="fgShp">
+    <dgm:scene3d>
+      <a:camera prst="orthographicFront"/>
+      <a:lightRig rig="threePt" dir="t"/>
+    </dgm:scene3d>
+    <dgm:sp3d/>
+    <dgm:txPr/>
+    <dgm:style>
+      <a:lnRef idx="2">
+        <a:scrgbClr r="0" g="0" b="0"/>
+      </a:lnRef>
+      <a:fillRef idx="1">
+        <a:scrgbClr r="0" g="0" b="0"/>
+      </a:fillRef>
+      <a:effectRef idx="0">
+        <a:scrgbClr r="0" g="0" b="0"/>
+      </a:effectRef>
+      <a:fontRef idx="minor"/>
+    </dgm:style>
+  </dgm:styleLbl>
+  <dgm:styleLbl name="revTx">
+    <dgm:scene3d>
+      <a:camera prst="orthographicFront"/>
+      <a:lightRig rig="threePt" dir="t"/>
+    </dgm:scene3d>
+    <dgm:sp3d/>
+    <dgm:txPr/>
+    <dgm:style>
+      <a:lnRef idx="0">
+        <a:scrgbClr r="0" g="0" b="0"/>
+      </a:lnRef>
+      <a:fillRef idx="0">
+        <a:scrgbClr r="0" g="0" b="0"/>
+      </a:fillRef>
+      <a:effectRef idx="0">
+        <a:scrgbClr r="0" g="0" b="0"/>
+      </a:effectRef>
+      <a:fontRef idx="minor"/>
+    </dgm:style>
+  </dgm:styleLbl>
+</dgm:styleDef>
 </file>
 
 <file path=ppt/slideLayouts/slideLayout1.xml><?xml version="1.0" encoding="utf-8"?>
@@ -306,7 +2763,7 @@
             <a:fld id="{1D8BD707-D9CF-40AE-B4C6-C98DA3205C09}" type="datetimeFigureOut">
               <a:rPr lang="en-US" smtClean="0"/>
               <a:pPr/>
-              <a:t>3/19/2014</a:t>
+              <a:t>3/20/2014</a:t>
             </a:fld>
             <a:endParaRPr lang="en-US"/>
           </a:p>
@@ -573,7 +3030,7 @@
             <a:fld id="{1D8BD707-D9CF-40AE-B4C6-C98DA3205C09}" type="datetimeFigureOut">
               <a:rPr lang="en-US" smtClean="0"/>
               <a:pPr/>
-              <a:t>3/19/2014</a:t>
+              <a:t>3/20/2014</a:t>
             </a:fld>
             <a:endParaRPr lang="en-US"/>
           </a:p>
@@ -750,7 +3207,7 @@
             <a:fld id="{1D8BD707-D9CF-40AE-B4C6-C98DA3205C09}" type="datetimeFigureOut">
               <a:rPr lang="en-US" smtClean="0"/>
               <a:pPr/>
-              <a:t>3/19/2014</a:t>
+              <a:t>3/20/2014</a:t>
             </a:fld>
             <a:endParaRPr lang="en-US"/>
           </a:p>
@@ -917,7 +3374,7 @@
             <a:fld id="{1D8BD707-D9CF-40AE-B4C6-C98DA3205C09}" type="datetimeFigureOut">
               <a:rPr lang="en-US" smtClean="0"/>
               <a:pPr/>
-              <a:t>3/19/2014</a:t>
+              <a:t>3/20/2014</a:t>
             </a:fld>
             <a:endParaRPr lang="en-US"/>
           </a:p>
@@ -1168,7 +3625,7 @@
             <a:fld id="{1D8BD707-D9CF-40AE-B4C6-C98DA3205C09}" type="datetimeFigureOut">
               <a:rPr lang="en-US" smtClean="0"/>
               <a:pPr/>
-              <a:t>3/19/2014</a:t>
+              <a:t>3/20/2014</a:t>
             </a:fld>
             <a:endParaRPr lang="en-US"/>
           </a:p>
@@ -1453,7 +3910,7 @@
             <a:fld id="{1D8BD707-D9CF-40AE-B4C6-C98DA3205C09}" type="datetimeFigureOut">
               <a:rPr lang="en-US" smtClean="0"/>
               <a:pPr/>
-              <a:t>3/19/2014</a:t>
+              <a:t>3/20/2014</a:t>
             </a:fld>
             <a:endParaRPr lang="en-US"/>
           </a:p>
@@ -1894,7 +4351,7 @@
             <a:fld id="{1D8BD707-D9CF-40AE-B4C6-C98DA3205C09}" type="datetimeFigureOut">
               <a:rPr lang="en-US" smtClean="0"/>
               <a:pPr/>
-              <a:t>3/19/2014</a:t>
+              <a:t>3/20/2014</a:t>
             </a:fld>
             <a:endParaRPr lang="en-US"/>
           </a:p>
@@ -2009,7 +4466,7 @@
             <a:fld id="{1D8BD707-D9CF-40AE-B4C6-C98DA3205C09}" type="datetimeFigureOut">
               <a:rPr lang="en-US" smtClean="0"/>
               <a:pPr/>
-              <a:t>3/19/2014</a:t>
+              <a:t>3/20/2014</a:t>
             </a:fld>
             <a:endParaRPr lang="en-US"/>
           </a:p>
@@ -2101,7 +4558,7 @@
             <a:fld id="{1D8BD707-D9CF-40AE-B4C6-C98DA3205C09}" type="datetimeFigureOut">
               <a:rPr lang="en-US" smtClean="0"/>
               <a:pPr/>
-              <a:t>3/19/2014</a:t>
+              <a:t>3/20/2014</a:t>
             </a:fld>
             <a:endParaRPr lang="en-US"/>
           </a:p>
@@ -2345,7 +4802,7 @@
             <a:fld id="{1D8BD707-D9CF-40AE-B4C6-C98DA3205C09}" type="datetimeFigureOut">
               <a:rPr lang="en-US" smtClean="0"/>
               <a:pPr/>
-              <a:t>3/19/2014</a:t>
+              <a:t>3/20/2014</a:t>
             </a:fld>
             <a:endParaRPr lang="en-US"/>
           </a:p>
@@ -2641,7 +5098,7 @@
             <a:fld id="{1D8BD707-D9CF-40AE-B4C6-C98DA3205C09}" type="datetimeFigureOut">
               <a:rPr lang="en-US" smtClean="0"/>
               <a:pPr/>
-              <a:t>3/19/2014</a:t>
+              <a:t>3/20/2014</a:t>
             </a:fld>
             <a:endParaRPr lang="en-US"/>
           </a:p>
@@ -2937,7 +5394,7 @@
             <a:fld id="{1D8BD707-D9CF-40AE-B4C6-C98DA3205C09}" type="datetimeFigureOut">
               <a:rPr lang="en-US" smtClean="0"/>
               <a:pPr/>
-              <a:t>3/19/2014</a:t>
+              <a:t>3/20/2014</a:t>
             </a:fld>
             <a:endParaRPr lang="en-US"/>
           </a:p>
@@ -3485,6 +5942,134 @@
 </p:sld>
 </file>
 
+<file path=ppt/slides/slide10.xml><?xml version="1.0" encoding="utf-8"?>
+<p:sld xmlns:a="http://schemas.openxmlformats.org/drawingml/2006/main" xmlns:r="http://schemas.openxmlformats.org/officeDocument/2006/relationships" xmlns:p="http://schemas.openxmlformats.org/presentationml/2006/main">
+  <p:cSld>
+    <p:spTree>
+      <p:nvGrpSpPr>
+        <p:cNvPr id="1" name=""/>
+        <p:cNvGrpSpPr/>
+        <p:nvPr/>
+      </p:nvGrpSpPr>
+      <p:grpSpPr>
+        <a:xfrm>
+          <a:off x="0" y="0"/>
+          <a:ext cx="0" cy="0"/>
+          <a:chOff x="0" y="0"/>
+          <a:chExt cx="0" cy="0"/>
+        </a:xfrm>
+      </p:grpSpPr>
+      <p:sp>
+        <p:nvSpPr>
+          <p:cNvPr id="2" name="Title 1"/>
+          <p:cNvSpPr>
+            <a:spLocks noGrp="1"/>
+          </p:cNvSpPr>
+          <p:nvPr>
+            <p:ph type="title"/>
+          </p:nvPr>
+        </p:nvSpPr>
+        <p:spPr/>
+        <p:txBody>
+          <a:bodyPr/>
+          <a:lstStyle/>
+          <a:p>
+            <a:r>
+              <a:rPr lang="en-US" dirty="0" smtClean="0"/>
+              <a:t>Resources</a:t>
+            </a:r>
+            <a:endParaRPr lang="en-US" dirty="0"/>
+          </a:p>
+        </p:txBody>
+      </p:sp>
+      <p:sp>
+        <p:nvSpPr>
+          <p:cNvPr id="3" name="Content Placeholder 2"/>
+          <p:cNvSpPr>
+            <a:spLocks noGrp="1"/>
+          </p:cNvSpPr>
+          <p:nvPr>
+            <p:ph idx="1"/>
+          </p:nvPr>
+        </p:nvSpPr>
+        <p:spPr/>
+        <p:txBody>
+          <a:bodyPr/>
+          <a:lstStyle/>
+          <a:p>
+            <a:pPr marL="342900" indent="-342900">
+              <a:buFont typeface="Arial" panose="020B0604020202020204" pitchFamily="34" charset="0"/>
+              <a:buChar char="•"/>
+            </a:pPr>
+            <a:r>
+              <a:rPr lang="en-US" dirty="0" smtClean="0">
+                <a:hlinkClick r:id="rId2"/>
+              </a:rPr>
+              <a:t>http://zeromq.org</a:t>
+            </a:r>
+            <a:endParaRPr lang="en-US" dirty="0" smtClean="0"/>
+          </a:p>
+          <a:p>
+            <a:pPr marL="342900" indent="-342900">
+              <a:buFont typeface="Arial" panose="020B0604020202020204" pitchFamily="34" charset="0"/>
+              <a:buChar char="•"/>
+            </a:pPr>
+            <a:r>
+              <a:rPr lang="en-US" dirty="0" smtClean="0">
+                <a:hlinkClick r:id="rId3"/>
+              </a:rPr>
+              <a:t>http://zguide.zeromq.org</a:t>
+            </a:r>
+            <a:endParaRPr lang="en-US" dirty="0" smtClean="0"/>
+          </a:p>
+          <a:p>
+            <a:pPr marL="342900" indent="-342900">
+              <a:buFont typeface="Arial" panose="020B0604020202020204" pitchFamily="34" charset="0"/>
+              <a:buChar char="•"/>
+            </a:pPr>
+            <a:r>
+              <a:rPr lang="en-US" dirty="0">
+                <a:hlinkClick r:id="rId4"/>
+              </a:rPr>
+              <a:t>https://</a:t>
+            </a:r>
+            <a:r>
+              <a:rPr lang="en-US" dirty="0" smtClean="0">
+                <a:hlinkClick r:id="rId4"/>
+              </a:rPr>
+              <a:t>github.com/zeromq</a:t>
+            </a:r>
+            <a:endParaRPr lang="en-US" dirty="0" smtClean="0"/>
+          </a:p>
+          <a:p>
+            <a:pPr marL="342900" indent="-342900">
+              <a:buFont typeface="Arial" panose="020B0604020202020204" pitchFamily="34" charset="0"/>
+              <a:buChar char="•"/>
+            </a:pPr>
+            <a:endParaRPr lang="en-US" dirty="0"/>
+          </a:p>
+        </p:txBody>
+      </p:sp>
+    </p:spTree>
+    <p:extLst>
+      <p:ext uri="{BB962C8B-B14F-4D97-AF65-F5344CB8AC3E}">
+        <p14:creationId xmlns:p14="http://schemas.microsoft.com/office/powerpoint/2010/main" val="3985056363"/>
+      </p:ext>
+    </p:extLst>
+  </p:cSld>
+  <p:clrMapOvr>
+    <a:masterClrMapping/>
+  </p:clrMapOvr>
+  <p:timing>
+    <p:tnLst>
+      <p:par>
+        <p:cTn id="1" dur="indefinite" restart="never" nodeType="tmRoot"/>
+      </p:par>
+    </p:tnLst>
+  </p:timing>
+</p:sld>
+</file>
+
 <file path=ppt/slides/slide2.xml><?xml version="1.0" encoding="utf-8"?>
 <p:sld xmlns:a="http://schemas.openxmlformats.org/drawingml/2006/main" xmlns:r="http://schemas.openxmlformats.org/officeDocument/2006/relationships" xmlns:p="http://schemas.openxmlformats.org/presentationml/2006/main">
   <p:cSld>
@@ -3519,7 +6104,11 @@
           <a:p>
             <a:r>
               <a:rPr lang="en-US" dirty="0" smtClean="0"/>
-              <a:t>What is it?</a:t>
+              <a:t>What is </a:t>
+            </a:r>
+            <a:r>
+              <a:rPr lang="en-US" dirty="0" smtClean="0"/>
+              <a:t>it?</a:t>
             </a:r>
             <a:endParaRPr lang="en-US" dirty="0"/>
           </a:p>
@@ -3910,8 +6499,23 @@
             </a:pPr>
             <a:r>
               <a:rPr lang="en-US" dirty="0" smtClean="0"/>
-              <a:t>Designed for particular messaging patterns</a:t>
-            </a:r>
+              <a:t>Designed for particular messaging </a:t>
+            </a:r>
+            <a:r>
+              <a:rPr lang="en-US" dirty="0" smtClean="0"/>
+              <a:t>patterns</a:t>
+            </a:r>
+          </a:p>
+          <a:p>
+            <a:pPr marL="342900" indent="-342900">
+              <a:buFont typeface="Arial" panose="020B0604020202020204" pitchFamily="34" charset="0"/>
+              <a:buChar char="•"/>
+            </a:pPr>
+            <a:r>
+              <a:rPr lang="en-US" dirty="0" smtClean="0"/>
+              <a:t>Should only be used from a single thread</a:t>
+            </a:r>
+            <a:endParaRPr lang="en-US" dirty="0" smtClean="0"/>
           </a:p>
           <a:p>
             <a:pPr marL="800100" lvl="1" indent="-342900"/>
@@ -3948,7 +6552,7 @@
         </p:blipFill>
         <p:spPr>
           <a:xfrm>
-            <a:off x="2514600" y="3505200"/>
+            <a:off x="2514600" y="3886505"/>
             <a:ext cx="3857143" cy="2438095"/>
           </a:xfrm>
           <a:prstGeom prst="rect">
@@ -4009,16 +6613,8 @@
           <a:lstStyle/>
           <a:p>
             <a:r>
-              <a:rPr lang="en-US" dirty="0" err="1" smtClean="0"/>
-              <a:t>ZeroMQ</a:t>
-            </a:r>
-            <a:r>
               <a:rPr lang="en-US" dirty="0" smtClean="0"/>
-              <a:t> on </a:t>
-            </a:r>
-            <a:r>
-              <a:rPr lang="en-US" dirty="0" err="1" smtClean="0"/>
-              <a:t>.net</a:t>
+              <a:t>Valid Patterns</a:t>
             </a:r>
             <a:endParaRPr lang="en-US" dirty="0"/>
           </a:p>
@@ -4031,12 +6627,19 @@
             <a:spLocks noGrp="1"/>
           </p:cNvSpPr>
           <p:nvPr>
-            <p:ph idx="1"/>
+            <p:ph sz="half" idx="1"/>
           </p:nvPr>
         </p:nvSpPr>
-        <p:spPr/>
+        <p:spPr>
+          <a:xfrm>
+            <a:off x="665074" y="1574800"/>
+            <a:ext cx="3983126" cy="4525963"/>
+          </a:xfrm>
+        </p:spPr>
         <p:txBody>
-          <a:bodyPr/>
+          <a:bodyPr>
+            <a:normAutofit/>
+          </a:bodyPr>
           <a:lstStyle/>
           <a:p>
             <a:pPr marL="342900" indent="-342900">
@@ -4044,41 +6647,9 @@
               <a:buChar char="•"/>
             </a:pPr>
             <a:r>
-              <a:rPr lang="en-US" dirty="0" err="1" smtClean="0"/>
-              <a:t>fszmq</a:t>
-            </a:r>
-            <a:endParaRPr lang="en-US" dirty="0" smtClean="0"/>
-          </a:p>
-          <a:p>
-            <a:pPr marL="800100" lvl="1" indent="-342900"/>
-            <a:r>
-              <a:rPr lang="en-US" dirty="0" smtClean="0"/>
-              <a:t>Built for F#, but works with other </a:t>
-            </a:r>
-            <a:r>
-              <a:rPr lang="en-US" dirty="0" err="1" smtClean="0"/>
-              <a:t>.net</a:t>
-            </a:r>
-            <a:r>
-              <a:rPr lang="en-US" dirty="0" smtClean="0"/>
-              <a:t> languages</a:t>
-            </a:r>
-          </a:p>
-          <a:p>
-            <a:pPr marL="800100" lvl="1" indent="-342900"/>
-            <a:r>
-              <a:rPr lang="en-US" dirty="0" smtClean="0"/>
-              <a:t>Supports </a:t>
-            </a:r>
-            <a:r>
-              <a:rPr lang="en-US" dirty="0" err="1" smtClean="0"/>
-              <a:t>ZeroMQ</a:t>
-            </a:r>
-            <a:r>
-              <a:rPr lang="en-US" dirty="0" smtClean="0"/>
-              <a:t> 4.0.4 and older</a:t>
-            </a:r>
-            <a:endParaRPr lang="en-US" dirty="0"/>
+              <a:rPr lang="en-US" sz="2400" dirty="0"/>
+              <a:t>PUB and SUB</a:t>
+            </a:r>
           </a:p>
           <a:p>
             <a:pPr marL="342900" indent="-342900">
@@ -4086,31 +6657,8 @@
               <a:buChar char="•"/>
             </a:pPr>
             <a:r>
-              <a:rPr lang="en-US" dirty="0" err="1" smtClean="0"/>
-              <a:t>clrzmq</a:t>
-            </a:r>
-            <a:endParaRPr lang="en-US" dirty="0" smtClean="0"/>
-          </a:p>
-          <a:p>
-            <a:pPr marL="800100" lvl="1" indent="-342900"/>
-            <a:r>
-              <a:rPr lang="en-US" dirty="0" smtClean="0"/>
-              <a:t>Last updated in November, 2012</a:t>
-            </a:r>
-          </a:p>
-          <a:p>
-            <a:pPr marL="800100" lvl="1" indent="-342900"/>
-            <a:r>
-              <a:rPr lang="en-US" dirty="0" smtClean="0"/>
-              <a:t>Latest version is a Release Candidate, using </a:t>
-            </a:r>
-            <a:r>
-              <a:rPr lang="en-US" dirty="0" err="1" smtClean="0"/>
-              <a:t>ZeroMQ</a:t>
-            </a:r>
-            <a:r>
-              <a:rPr lang="en-US" dirty="0" smtClean="0"/>
-              <a:t> 3.2.2</a:t>
+              <a:rPr lang="en-US" sz="2400" dirty="0"/>
+              <a:t>REQ and REP</a:t>
             </a:r>
           </a:p>
           <a:p>
@@ -4119,54 +6667,106 @@
               <a:buChar char="•"/>
             </a:pPr>
             <a:r>
-              <a:rPr lang="en-US" dirty="0" err="1" smtClean="0"/>
-              <a:t>NetMQ</a:t>
-            </a:r>
-            <a:endParaRPr lang="en-US" dirty="0" smtClean="0"/>
-          </a:p>
-          <a:p>
-            <a:pPr marL="800100" lvl="1" indent="-342900"/>
-            <a:r>
-              <a:rPr lang="en-US" dirty="0" smtClean="0"/>
-              <a:t>Full port of </a:t>
-            </a:r>
-            <a:r>
-              <a:rPr lang="en-US" dirty="0" err="1" smtClean="0"/>
-              <a:t>ZeroMQ</a:t>
-            </a:r>
-            <a:r>
-              <a:rPr lang="en-US" smtClean="0"/>
-              <a:t> in C#</a:t>
-            </a:r>
-            <a:endParaRPr lang="en-US" dirty="0" smtClean="0"/>
-          </a:p>
-          <a:p>
-            <a:pPr marL="800100" lvl="1" indent="-342900"/>
-            <a:r>
-              <a:rPr lang="en-US" dirty="0" smtClean="0"/>
-              <a:t>Relatively new, not yet production ready</a:t>
-            </a:r>
-            <a:endParaRPr lang="en-US" dirty="0"/>
+              <a:rPr lang="en-US" sz="2400" dirty="0"/>
+              <a:t>REQ and ROUTER</a:t>
+            </a:r>
+          </a:p>
+          <a:p>
+            <a:pPr marL="342900" indent="-342900">
+              <a:buFont typeface="Arial" panose="020B0604020202020204" pitchFamily="34" charset="0"/>
+              <a:buChar char="•"/>
+            </a:pPr>
+            <a:r>
+              <a:rPr lang="en-US" sz="2400" dirty="0"/>
+              <a:t>DEALER and REP</a:t>
+            </a:r>
+          </a:p>
+          <a:p>
+            <a:pPr marL="342900" indent="-342900">
+              <a:buFont typeface="Arial" panose="020B0604020202020204" pitchFamily="34" charset="0"/>
+              <a:buChar char="•"/>
+            </a:pPr>
+            <a:r>
+              <a:rPr lang="en-US" sz="2400" dirty="0"/>
+              <a:t>DEALER and ROUTER</a:t>
+            </a:r>
+          </a:p>
+        </p:txBody>
+      </p:sp>
+      <p:sp>
+        <p:nvSpPr>
+          <p:cNvPr id="5" name="Content Placeholder 2"/>
+          <p:cNvSpPr>
+            <a:spLocks noGrp="1"/>
+          </p:cNvSpPr>
+          <p:nvPr>
+            <p:ph sz="half" idx="1"/>
+          </p:nvPr>
+        </p:nvSpPr>
+        <p:spPr>
+          <a:xfrm>
+            <a:off x="4398874" y="1600200"/>
+            <a:ext cx="3983126" cy="4525963"/>
+          </a:xfrm>
+        </p:spPr>
+        <p:txBody>
+          <a:bodyPr>
+            <a:normAutofit/>
+          </a:bodyPr>
+          <a:lstStyle/>
+          <a:p>
+            <a:pPr marL="342900" indent="-342900">
+              <a:buFont typeface="Arial" panose="020B0604020202020204" pitchFamily="34" charset="0"/>
+              <a:buChar char="•"/>
+            </a:pPr>
+            <a:r>
+              <a:rPr lang="en-US" sz="2400" dirty="0"/>
+              <a:t>DEALER and DEALER</a:t>
+            </a:r>
+          </a:p>
+          <a:p>
+            <a:pPr marL="342900" indent="-342900">
+              <a:buFont typeface="Arial" panose="020B0604020202020204" pitchFamily="34" charset="0"/>
+              <a:buChar char="•"/>
+            </a:pPr>
+            <a:r>
+              <a:rPr lang="en-US" sz="2400" dirty="0"/>
+              <a:t>ROUTER and ROUTER</a:t>
+            </a:r>
+          </a:p>
+          <a:p>
+            <a:pPr marL="342900" indent="-342900">
+              <a:buFont typeface="Arial" panose="020B0604020202020204" pitchFamily="34" charset="0"/>
+              <a:buChar char="•"/>
+            </a:pPr>
+            <a:r>
+              <a:rPr lang="en-US" sz="2400" dirty="0"/>
+              <a:t>PUSH and PULL</a:t>
+            </a:r>
+          </a:p>
+          <a:p>
+            <a:pPr marL="342900" indent="-342900">
+              <a:buFont typeface="Arial" panose="020B0604020202020204" pitchFamily="34" charset="0"/>
+              <a:buChar char="•"/>
+            </a:pPr>
+            <a:r>
+              <a:rPr lang="en-US" sz="2400" dirty="0"/>
+              <a:t>PAIR and PAIR</a:t>
+            </a:r>
+            <a:endParaRPr lang="en-US" sz="2400" dirty="0"/>
           </a:p>
         </p:txBody>
       </p:sp>
     </p:spTree>
     <p:extLst>
       <p:ext uri="{BB962C8B-B14F-4D97-AF65-F5344CB8AC3E}">
-        <p14:creationId xmlns:p14="http://schemas.microsoft.com/office/powerpoint/2010/main" val="976314063"/>
+        <p14:creationId xmlns:p14="http://schemas.microsoft.com/office/powerpoint/2010/main" val="469666641"/>
       </p:ext>
     </p:extLst>
   </p:cSld>
   <p:clrMapOvr>
     <a:masterClrMapping/>
   </p:clrMapOvr>
-  <p:timing>
-    <p:tnLst>
-      <p:par>
-        <p:cTn id="1" dur="indefinite" restart="never" nodeType="tmRoot"/>
-      </p:par>
-    </p:tnLst>
-  </p:timing>
 </p:sld>
 </file>
 
@@ -4203,8 +6803,16 @@
           <a:lstStyle/>
           <a:p>
             <a:r>
+              <a:rPr lang="en-US" dirty="0" err="1" smtClean="0"/>
+              <a:t>ZeroMQ</a:t>
+            </a:r>
+            <a:r>
               <a:rPr lang="en-US" dirty="0" smtClean="0"/>
-              <a:t>Resources</a:t>
+              <a:t> on </a:t>
+            </a:r>
+            <a:r>
+              <a:rPr lang="en-US" dirty="0" err="1" smtClean="0"/>
+              <a:t>.net</a:t>
             </a:r>
             <a:endParaRPr lang="en-US" dirty="0"/>
           </a:p>
@@ -4230,12 +6838,41 @@
               <a:buChar char="•"/>
             </a:pPr>
             <a:r>
-              <a:rPr lang="en-US" dirty="0" smtClean="0">
-                <a:hlinkClick r:id="rId2"/>
-              </a:rPr>
-              <a:t>http://zeromq.org</a:t>
+              <a:rPr lang="en-US" dirty="0" err="1" smtClean="0"/>
+              <a:t>fszmq</a:t>
             </a:r>
             <a:endParaRPr lang="en-US" dirty="0" smtClean="0"/>
+          </a:p>
+          <a:p>
+            <a:pPr marL="800100" lvl="1" indent="-342900"/>
+            <a:r>
+              <a:rPr lang="en-US" dirty="0" smtClean="0"/>
+              <a:t>Built for F#, but works with other </a:t>
+            </a:r>
+            <a:r>
+              <a:rPr lang="en-US" dirty="0" err="1" smtClean="0"/>
+              <a:t>.net</a:t>
+            </a:r>
+            <a:r>
+              <a:rPr lang="en-US" dirty="0" smtClean="0"/>
+              <a:t> languages</a:t>
+            </a:r>
+          </a:p>
+          <a:p>
+            <a:pPr marL="800100" lvl="1" indent="-342900"/>
+            <a:r>
+              <a:rPr lang="en-US" dirty="0" smtClean="0"/>
+              <a:t>Supports </a:t>
+            </a:r>
+            <a:r>
+              <a:rPr lang="en-US" dirty="0" err="1" smtClean="0"/>
+              <a:t>ZeroMQ</a:t>
+            </a:r>
+            <a:r>
+              <a:rPr lang="en-US" dirty="0" smtClean="0"/>
+              <a:t> 4.0.4 and older</a:t>
+            </a:r>
+            <a:endParaRPr lang="en-US" dirty="0"/>
           </a:p>
           <a:p>
             <a:pPr marL="342900" indent="-342900">
@@ -4243,12 +6880,32 @@
               <a:buChar char="•"/>
             </a:pPr>
             <a:r>
-              <a:rPr lang="en-US" dirty="0" smtClean="0">
-                <a:hlinkClick r:id="rId3"/>
-              </a:rPr>
-              <a:t>http://zguide.zeromq.org</a:t>
+              <a:rPr lang="en-US" dirty="0" err="1" smtClean="0"/>
+              <a:t>clrzmq</a:t>
             </a:r>
             <a:endParaRPr lang="en-US" dirty="0" smtClean="0"/>
+          </a:p>
+          <a:p>
+            <a:pPr marL="800100" lvl="1" indent="-342900"/>
+            <a:r>
+              <a:rPr lang="en-US" dirty="0" smtClean="0"/>
+              <a:t>Last updated in November, 2012</a:t>
+            </a:r>
+          </a:p>
+          <a:p>
+            <a:pPr marL="800100" lvl="1" indent="-342900"/>
+            <a:r>
+              <a:rPr lang="en-US" dirty="0" smtClean="0"/>
+              <a:t>Latest version is a Release Candidate, using </a:t>
+            </a:r>
+            <a:r>
+              <a:rPr lang="en-US" dirty="0" err="1" smtClean="0"/>
+              <a:t>ZeroMQ</a:t>
+            </a:r>
+            <a:r>
+              <a:rPr lang="en-US" dirty="0" smtClean="0"/>
+              <a:t> 3.2.2</a:t>
+            </a:r>
           </a:p>
           <a:p>
             <a:pPr marL="342900" indent="-342900">
@@ -4256,24 +6913,33 @@
               <a:buChar char="•"/>
             </a:pPr>
             <a:r>
-              <a:rPr lang="en-US" dirty="0">
-                <a:hlinkClick r:id="rId4"/>
-              </a:rPr>
-              <a:t>https://</a:t>
-            </a:r>
-            <a:r>
-              <a:rPr lang="en-US" dirty="0" smtClean="0">
-                <a:hlinkClick r:id="rId4"/>
-              </a:rPr>
-              <a:t>github.com/zeromq</a:t>
+              <a:rPr lang="en-US" dirty="0" err="1" smtClean="0"/>
+              <a:t>NetMQ</a:t>
             </a:r>
             <a:endParaRPr lang="en-US" dirty="0" smtClean="0"/>
           </a:p>
           <a:p>
-            <a:pPr marL="342900" indent="-342900">
-              <a:buFont typeface="Arial" panose="020B0604020202020204" pitchFamily="34" charset="0"/>
-              <a:buChar char="•"/>
-            </a:pPr>
+            <a:pPr marL="800100" lvl="1" indent="-342900"/>
+            <a:r>
+              <a:rPr lang="en-US" dirty="0" smtClean="0"/>
+              <a:t>Full port of </a:t>
+            </a:r>
+            <a:r>
+              <a:rPr lang="en-US" dirty="0" err="1" smtClean="0"/>
+              <a:t>ZeroMQ</a:t>
+            </a:r>
+            <a:r>
+              <a:rPr lang="en-US" smtClean="0"/>
+              <a:t> in C#</a:t>
+            </a:r>
+            <a:endParaRPr lang="en-US" dirty="0" smtClean="0"/>
+          </a:p>
+          <a:p>
+            <a:pPr marL="800100" lvl="1" indent="-342900"/>
+            <a:r>
+              <a:rPr lang="en-US" dirty="0" smtClean="0"/>
+              <a:t>Relatively new, not yet production ready</a:t>
+            </a:r>
             <a:endParaRPr lang="en-US" dirty="0"/>
           </a:p>
         </p:txBody>
@@ -4281,7 +6947,1924 @@
     </p:spTree>
     <p:extLst>
       <p:ext uri="{BB962C8B-B14F-4D97-AF65-F5344CB8AC3E}">
-        <p14:creationId xmlns:p14="http://schemas.microsoft.com/office/powerpoint/2010/main" val="3985056363"/>
+        <p14:creationId xmlns:p14="http://schemas.microsoft.com/office/powerpoint/2010/main" val="976314063"/>
+      </p:ext>
+    </p:extLst>
+  </p:cSld>
+  <p:clrMapOvr>
+    <a:masterClrMapping/>
+  </p:clrMapOvr>
+  <p:timing>
+    <p:tnLst>
+      <p:par>
+        <p:cTn id="1" dur="indefinite" restart="never" nodeType="tmRoot"/>
+      </p:par>
+    </p:tnLst>
+  </p:timing>
+</p:sld>
+</file>
+
+<file path=ppt/slides/slide7.xml><?xml version="1.0" encoding="utf-8"?>
+<p:sld xmlns:a="http://schemas.openxmlformats.org/drawingml/2006/main" xmlns:r="http://schemas.openxmlformats.org/officeDocument/2006/relationships" xmlns:p="http://schemas.openxmlformats.org/presentationml/2006/main">
+  <p:cSld>
+    <p:spTree>
+      <p:nvGrpSpPr>
+        <p:cNvPr id="1" name=""/>
+        <p:cNvGrpSpPr/>
+        <p:nvPr/>
+      </p:nvGrpSpPr>
+      <p:grpSpPr>
+        <a:xfrm>
+          <a:off x="0" y="0"/>
+          <a:ext cx="0" cy="0"/>
+          <a:chOff x="0" y="0"/>
+          <a:chExt cx="0" cy="0"/>
+        </a:xfrm>
+      </p:grpSpPr>
+      <p:sp>
+        <p:nvSpPr>
+          <p:cNvPr id="2" name="Title 1"/>
+          <p:cNvSpPr>
+            <a:spLocks noGrp="1"/>
+          </p:cNvSpPr>
+          <p:nvPr>
+            <p:ph type="title"/>
+          </p:nvPr>
+        </p:nvSpPr>
+        <p:spPr/>
+        <p:txBody>
+          <a:bodyPr/>
+          <a:lstStyle/>
+          <a:p>
+            <a:r>
+              <a:rPr lang="en-US" dirty="0" smtClean="0"/>
+              <a:t>Built-in Patterns</a:t>
+            </a:r>
+            <a:endParaRPr lang="en-US" dirty="0"/>
+          </a:p>
+        </p:txBody>
+      </p:sp>
+      <p:graphicFrame>
+        <p:nvGraphicFramePr>
+          <p:cNvPr id="4" name="Content Placeholder 3"/>
+          <p:cNvGraphicFramePr>
+            <a:graphicFrameLocks noGrp="1"/>
+          </p:cNvGraphicFramePr>
+          <p:nvPr>
+            <p:ph idx="1"/>
+            <p:extLst>
+              <p:ext uri="{D42A27DB-BD31-4B8C-83A1-F6EECF244321}">
+                <p14:modId xmlns:p14="http://schemas.microsoft.com/office/powerpoint/2010/main" val="569216145"/>
+              </p:ext>
+            </p:extLst>
+          </p:nvPr>
+        </p:nvGraphicFramePr>
+        <p:xfrm>
+          <a:off x="1600200" y="2286000"/>
+          <a:ext cx="5791200" cy="3048000"/>
+        </p:xfrm>
+        <a:graphic>
+          <a:graphicData uri="http://schemas.openxmlformats.org/drawingml/2006/diagram">
+            <dgm:relIds xmlns:dgm="http://schemas.openxmlformats.org/drawingml/2006/diagram" xmlns:r="http://schemas.openxmlformats.org/officeDocument/2006/relationships" r:dm="rId2" r:lo="rId3" r:qs="rId4" r:cs="rId5"/>
+          </a:graphicData>
+        </a:graphic>
+      </p:graphicFrame>
+    </p:spTree>
+    <p:extLst>
+      <p:ext uri="{BB962C8B-B14F-4D97-AF65-F5344CB8AC3E}">
+        <p14:creationId xmlns:p14="http://schemas.microsoft.com/office/powerpoint/2010/main" val="1158791893"/>
+      </p:ext>
+    </p:extLst>
+  </p:cSld>
+  <p:clrMapOvr>
+    <a:masterClrMapping/>
+  </p:clrMapOvr>
+  <p:timing>
+    <p:tnLst>
+      <p:par>
+        <p:cTn id="1" dur="indefinite" restart="never" nodeType="tmRoot"/>
+      </p:par>
+    </p:tnLst>
+  </p:timing>
+</p:sld>
+</file>
+
+<file path=ppt/slides/slide8.xml><?xml version="1.0" encoding="utf-8"?>
+<p:sld xmlns:a="http://schemas.openxmlformats.org/drawingml/2006/main" xmlns:r="http://schemas.openxmlformats.org/officeDocument/2006/relationships" xmlns:p="http://schemas.openxmlformats.org/presentationml/2006/main">
+  <p:cSld>
+    <p:spTree>
+      <p:nvGrpSpPr>
+        <p:cNvPr id="1" name=""/>
+        <p:cNvGrpSpPr/>
+        <p:nvPr/>
+      </p:nvGrpSpPr>
+      <p:grpSpPr>
+        <a:xfrm>
+          <a:off x="0" y="0"/>
+          <a:ext cx="0" cy="0"/>
+          <a:chOff x="0" y="0"/>
+          <a:chExt cx="0" cy="0"/>
+        </a:xfrm>
+      </p:grpSpPr>
+      <p:sp>
+        <p:nvSpPr>
+          <p:cNvPr id="2" name="Title 1"/>
+          <p:cNvSpPr>
+            <a:spLocks noGrp="1"/>
+          </p:cNvSpPr>
+          <p:nvPr>
+            <p:ph type="title"/>
+          </p:nvPr>
+        </p:nvSpPr>
+        <p:spPr/>
+        <p:txBody>
+          <a:bodyPr/>
+          <a:lstStyle/>
+          <a:p>
+            <a:r>
+              <a:rPr lang="en-US" dirty="0" smtClean="0"/>
+              <a:t>Built-in Patterns</a:t>
+            </a:r>
+            <a:endParaRPr lang="en-US" dirty="0"/>
+          </a:p>
+        </p:txBody>
+      </p:sp>
+      <p:grpSp>
+        <p:nvGrpSpPr>
+          <p:cNvPr id="10" name="Group 9"/>
+          <p:cNvGrpSpPr/>
+          <p:nvPr/>
+        </p:nvGrpSpPr>
+        <p:grpSpPr>
+          <a:xfrm rot="5400000">
+            <a:off x="3827377" y="3698011"/>
+            <a:ext cx="949432" cy="431096"/>
+            <a:chOff x="2133538" y="40517"/>
+            <a:chExt cx="1442473" cy="780666"/>
+          </a:xfrm>
+        </p:grpSpPr>
+        <p:sp>
+          <p:nvSpPr>
+            <p:cNvPr id="14" name="Right Arrow 13"/>
+            <p:cNvSpPr/>
+            <p:nvPr/>
+          </p:nvSpPr>
+          <p:spPr>
+            <a:xfrm>
+              <a:off x="2133538" y="40517"/>
+              <a:ext cx="1442473" cy="780666"/>
+            </a:xfrm>
+            <a:prstGeom prst="rightArrow">
+              <a:avLst>
+                <a:gd name="adj1" fmla="val 60000"/>
+                <a:gd name="adj2" fmla="val 50000"/>
+              </a:avLst>
+            </a:prstGeom>
+          </p:spPr>
+          <p:style>
+            <a:lnRef idx="0">
+              <a:schemeClr val="accent5">
+                <a:tint val="60000"/>
+                <a:hueOff val="0"/>
+                <a:satOff val="0"/>
+                <a:lumOff val="0"/>
+                <a:alphaOff val="0"/>
+              </a:schemeClr>
+            </a:lnRef>
+            <a:fillRef idx="1">
+              <a:schemeClr val="accent5">
+                <a:tint val="60000"/>
+                <a:hueOff val="0"/>
+                <a:satOff val="0"/>
+                <a:lumOff val="0"/>
+                <a:alphaOff val="0"/>
+              </a:schemeClr>
+            </a:fillRef>
+            <a:effectRef idx="0">
+              <a:schemeClr val="accent5">
+                <a:tint val="60000"/>
+                <a:hueOff val="0"/>
+                <a:satOff val="0"/>
+                <a:lumOff val="0"/>
+                <a:alphaOff val="0"/>
+              </a:schemeClr>
+            </a:effectRef>
+            <a:fontRef idx="minor">
+              <a:schemeClr val="lt1"/>
+            </a:fontRef>
+          </p:style>
+        </p:sp>
+        <p:sp>
+          <p:nvSpPr>
+            <p:cNvPr id="15" name="Right Arrow 6"/>
+            <p:cNvSpPr/>
+            <p:nvPr/>
+          </p:nvSpPr>
+          <p:spPr>
+            <a:xfrm>
+              <a:off x="2133538" y="196650"/>
+              <a:ext cx="1208273" cy="468400"/>
+            </a:xfrm>
+            <a:prstGeom prst="rect">
+              <a:avLst/>
+            </a:prstGeom>
+          </p:spPr>
+          <p:style>
+            <a:lnRef idx="0">
+              <a:scrgbClr r="0" g="0" b="0"/>
+            </a:lnRef>
+            <a:fillRef idx="0">
+              <a:scrgbClr r="0" g="0" b="0"/>
+            </a:fillRef>
+            <a:effectRef idx="0">
+              <a:scrgbClr r="0" g="0" b="0"/>
+            </a:effectRef>
+            <a:fontRef idx="minor">
+              <a:schemeClr val="lt1"/>
+            </a:fontRef>
+          </p:style>
+          <p:txBody>
+            <a:bodyPr spcFirstLastPara="0" vert="horz" wrap="square" lIns="0" tIns="0" rIns="0" bIns="0" numCol="1" spcCol="1270" anchor="ctr" anchorCtr="0">
+              <a:noAutofit/>
+            </a:bodyPr>
+            <a:lstStyle/>
+            <a:p>
+              <a:pPr lvl="0" algn="ctr" defTabSz="1155700">
+                <a:lnSpc>
+                  <a:spcPct val="90000"/>
+                </a:lnSpc>
+                <a:spcBef>
+                  <a:spcPct val="0"/>
+                </a:spcBef>
+                <a:spcAft>
+                  <a:spcPct val="35000"/>
+                </a:spcAft>
+              </a:pPr>
+              <a:endParaRPr lang="en-US" sz="2600" kern="1200"/>
+            </a:p>
+          </p:txBody>
+        </p:sp>
+      </p:grpSp>
+      <p:grpSp>
+        <p:nvGrpSpPr>
+          <p:cNvPr id="26" name="Group 25"/>
+          <p:cNvGrpSpPr/>
+          <p:nvPr/>
+        </p:nvGrpSpPr>
+        <p:grpSpPr>
+          <a:xfrm>
+            <a:off x="1976905" y="3847942"/>
+            <a:ext cx="1528295" cy="1528295"/>
+            <a:chOff x="584" y="367456"/>
+            <a:chExt cx="2313086" cy="2313086"/>
+          </a:xfrm>
+        </p:grpSpPr>
+        <p:sp>
+          <p:nvSpPr>
+            <p:cNvPr id="27" name="Oval 26"/>
+            <p:cNvSpPr/>
+            <p:nvPr/>
+          </p:nvSpPr>
+          <p:spPr>
+            <a:xfrm>
+              <a:off x="584" y="367456"/>
+              <a:ext cx="2313086" cy="2313086"/>
+            </a:xfrm>
+            <a:prstGeom prst="ellipse">
+              <a:avLst/>
+            </a:prstGeom>
+          </p:spPr>
+          <p:style>
+            <a:lnRef idx="2">
+              <a:schemeClr val="lt1">
+                <a:hueOff val="0"/>
+                <a:satOff val="0"/>
+                <a:lumOff val="0"/>
+                <a:alphaOff val="0"/>
+              </a:schemeClr>
+            </a:lnRef>
+            <a:fillRef idx="1">
+              <a:schemeClr val="accent5">
+                <a:hueOff val="0"/>
+                <a:satOff val="0"/>
+                <a:lumOff val="0"/>
+                <a:alphaOff val="0"/>
+              </a:schemeClr>
+            </a:fillRef>
+            <a:effectRef idx="0">
+              <a:schemeClr val="accent5">
+                <a:hueOff val="0"/>
+                <a:satOff val="0"/>
+                <a:lumOff val="0"/>
+                <a:alphaOff val="0"/>
+              </a:schemeClr>
+            </a:effectRef>
+            <a:fontRef idx="minor">
+              <a:schemeClr val="lt1"/>
+            </a:fontRef>
+          </p:style>
+        </p:sp>
+        <p:sp>
+          <p:nvSpPr>
+            <p:cNvPr id="28" name="Oval 4"/>
+            <p:cNvSpPr/>
+            <p:nvPr/>
+          </p:nvSpPr>
+          <p:spPr>
+            <a:xfrm>
+              <a:off x="339328" y="706200"/>
+              <a:ext cx="1635598" cy="1635598"/>
+            </a:xfrm>
+            <a:prstGeom prst="rect">
+              <a:avLst/>
+            </a:prstGeom>
+          </p:spPr>
+          <p:style>
+            <a:lnRef idx="0">
+              <a:scrgbClr r="0" g="0" b="0"/>
+            </a:lnRef>
+            <a:fillRef idx="0">
+              <a:scrgbClr r="0" g="0" b="0"/>
+            </a:fillRef>
+            <a:effectRef idx="0">
+              <a:scrgbClr r="0" g="0" b="0"/>
+            </a:effectRef>
+            <a:fontRef idx="minor">
+              <a:schemeClr val="lt1"/>
+            </a:fontRef>
+          </p:style>
+          <p:txBody>
+            <a:bodyPr spcFirstLastPara="0" vert="horz" wrap="square" lIns="40640" tIns="40640" rIns="40640" bIns="40640" numCol="1" spcCol="1270" anchor="ctr" anchorCtr="0">
+              <a:noAutofit/>
+            </a:bodyPr>
+            <a:lstStyle/>
+            <a:p>
+              <a:pPr lvl="0" algn="ctr" defTabSz="1422400">
+                <a:lnSpc>
+                  <a:spcPct val="90000"/>
+                </a:lnSpc>
+                <a:spcBef>
+                  <a:spcPct val="0"/>
+                </a:spcBef>
+                <a:spcAft>
+                  <a:spcPct val="35000"/>
+                </a:spcAft>
+              </a:pPr>
+              <a:r>
+                <a:rPr lang="en-US" sz="3200" kern="1200" dirty="0" smtClean="0"/>
+                <a:t>Sub</a:t>
+              </a:r>
+              <a:endParaRPr lang="en-US" sz="3200" kern="1200" dirty="0"/>
+            </a:p>
+          </p:txBody>
+        </p:sp>
+      </p:grpSp>
+      <p:grpSp>
+        <p:nvGrpSpPr>
+          <p:cNvPr id="29" name="Group 28"/>
+          <p:cNvGrpSpPr/>
+          <p:nvPr/>
+        </p:nvGrpSpPr>
+        <p:grpSpPr>
+          <a:xfrm>
+            <a:off x="3537946" y="4388275"/>
+            <a:ext cx="1528295" cy="1528295"/>
+            <a:chOff x="584" y="367456"/>
+            <a:chExt cx="2313086" cy="2313086"/>
+          </a:xfrm>
+        </p:grpSpPr>
+        <p:sp>
+          <p:nvSpPr>
+            <p:cNvPr id="30" name="Oval 29"/>
+            <p:cNvSpPr/>
+            <p:nvPr/>
+          </p:nvSpPr>
+          <p:spPr>
+            <a:xfrm>
+              <a:off x="584" y="367456"/>
+              <a:ext cx="2313086" cy="2313086"/>
+            </a:xfrm>
+            <a:prstGeom prst="ellipse">
+              <a:avLst/>
+            </a:prstGeom>
+          </p:spPr>
+          <p:style>
+            <a:lnRef idx="2">
+              <a:schemeClr val="lt1">
+                <a:hueOff val="0"/>
+                <a:satOff val="0"/>
+                <a:lumOff val="0"/>
+                <a:alphaOff val="0"/>
+              </a:schemeClr>
+            </a:lnRef>
+            <a:fillRef idx="1">
+              <a:schemeClr val="accent5">
+                <a:hueOff val="0"/>
+                <a:satOff val="0"/>
+                <a:lumOff val="0"/>
+                <a:alphaOff val="0"/>
+              </a:schemeClr>
+            </a:fillRef>
+            <a:effectRef idx="0">
+              <a:schemeClr val="accent5">
+                <a:hueOff val="0"/>
+                <a:satOff val="0"/>
+                <a:lumOff val="0"/>
+                <a:alphaOff val="0"/>
+              </a:schemeClr>
+            </a:effectRef>
+            <a:fontRef idx="minor">
+              <a:schemeClr val="lt1"/>
+            </a:fontRef>
+          </p:style>
+        </p:sp>
+        <p:sp>
+          <p:nvSpPr>
+            <p:cNvPr id="31" name="Oval 4"/>
+            <p:cNvSpPr/>
+            <p:nvPr/>
+          </p:nvSpPr>
+          <p:spPr>
+            <a:xfrm>
+              <a:off x="339328" y="706200"/>
+              <a:ext cx="1635598" cy="1635598"/>
+            </a:xfrm>
+            <a:prstGeom prst="rect">
+              <a:avLst/>
+            </a:prstGeom>
+          </p:spPr>
+          <p:style>
+            <a:lnRef idx="0">
+              <a:scrgbClr r="0" g="0" b="0"/>
+            </a:lnRef>
+            <a:fillRef idx="0">
+              <a:scrgbClr r="0" g="0" b="0"/>
+            </a:fillRef>
+            <a:effectRef idx="0">
+              <a:scrgbClr r="0" g="0" b="0"/>
+            </a:effectRef>
+            <a:fontRef idx="minor">
+              <a:schemeClr val="lt1"/>
+            </a:fontRef>
+          </p:style>
+          <p:txBody>
+            <a:bodyPr spcFirstLastPara="0" vert="horz" wrap="square" lIns="40640" tIns="40640" rIns="40640" bIns="40640" numCol="1" spcCol="1270" anchor="ctr" anchorCtr="0">
+              <a:noAutofit/>
+            </a:bodyPr>
+            <a:lstStyle/>
+            <a:p>
+              <a:pPr lvl="0" algn="ctr" defTabSz="1422400">
+                <a:lnSpc>
+                  <a:spcPct val="90000"/>
+                </a:lnSpc>
+                <a:spcBef>
+                  <a:spcPct val="0"/>
+                </a:spcBef>
+                <a:spcAft>
+                  <a:spcPct val="35000"/>
+                </a:spcAft>
+              </a:pPr>
+              <a:r>
+                <a:rPr lang="en-US" sz="3200" kern="1200" dirty="0" smtClean="0"/>
+                <a:t>Sub</a:t>
+              </a:r>
+              <a:endParaRPr lang="en-US" sz="3200" kern="1200" dirty="0"/>
+            </a:p>
+          </p:txBody>
+        </p:sp>
+      </p:grpSp>
+      <p:grpSp>
+        <p:nvGrpSpPr>
+          <p:cNvPr id="32" name="Group 31"/>
+          <p:cNvGrpSpPr/>
+          <p:nvPr/>
+        </p:nvGrpSpPr>
+        <p:grpSpPr>
+          <a:xfrm>
+            <a:off x="5158464" y="3847941"/>
+            <a:ext cx="1528295" cy="1528295"/>
+            <a:chOff x="584" y="367456"/>
+            <a:chExt cx="2313086" cy="2313086"/>
+          </a:xfrm>
+        </p:grpSpPr>
+        <p:sp>
+          <p:nvSpPr>
+            <p:cNvPr id="33" name="Oval 32"/>
+            <p:cNvSpPr/>
+            <p:nvPr/>
+          </p:nvSpPr>
+          <p:spPr>
+            <a:xfrm>
+              <a:off x="584" y="367456"/>
+              <a:ext cx="2313086" cy="2313086"/>
+            </a:xfrm>
+            <a:prstGeom prst="ellipse">
+              <a:avLst/>
+            </a:prstGeom>
+          </p:spPr>
+          <p:style>
+            <a:lnRef idx="2">
+              <a:schemeClr val="lt1">
+                <a:hueOff val="0"/>
+                <a:satOff val="0"/>
+                <a:lumOff val="0"/>
+                <a:alphaOff val="0"/>
+              </a:schemeClr>
+            </a:lnRef>
+            <a:fillRef idx="1">
+              <a:schemeClr val="accent5">
+                <a:hueOff val="0"/>
+                <a:satOff val="0"/>
+                <a:lumOff val="0"/>
+                <a:alphaOff val="0"/>
+              </a:schemeClr>
+            </a:fillRef>
+            <a:effectRef idx="0">
+              <a:schemeClr val="accent5">
+                <a:hueOff val="0"/>
+                <a:satOff val="0"/>
+                <a:lumOff val="0"/>
+                <a:alphaOff val="0"/>
+              </a:schemeClr>
+            </a:effectRef>
+            <a:fontRef idx="minor">
+              <a:schemeClr val="lt1"/>
+            </a:fontRef>
+          </p:style>
+        </p:sp>
+        <p:sp>
+          <p:nvSpPr>
+            <p:cNvPr id="34" name="Oval 4"/>
+            <p:cNvSpPr/>
+            <p:nvPr/>
+          </p:nvSpPr>
+          <p:spPr>
+            <a:xfrm>
+              <a:off x="339328" y="706200"/>
+              <a:ext cx="1635598" cy="1635598"/>
+            </a:xfrm>
+            <a:prstGeom prst="rect">
+              <a:avLst/>
+            </a:prstGeom>
+          </p:spPr>
+          <p:style>
+            <a:lnRef idx="0">
+              <a:scrgbClr r="0" g="0" b="0"/>
+            </a:lnRef>
+            <a:fillRef idx="0">
+              <a:scrgbClr r="0" g="0" b="0"/>
+            </a:fillRef>
+            <a:effectRef idx="0">
+              <a:scrgbClr r="0" g="0" b="0"/>
+            </a:effectRef>
+            <a:fontRef idx="minor">
+              <a:schemeClr val="lt1"/>
+            </a:fontRef>
+          </p:style>
+          <p:txBody>
+            <a:bodyPr spcFirstLastPara="0" vert="horz" wrap="square" lIns="40640" tIns="40640" rIns="40640" bIns="40640" numCol="1" spcCol="1270" anchor="ctr" anchorCtr="0">
+              <a:noAutofit/>
+            </a:bodyPr>
+            <a:lstStyle/>
+            <a:p>
+              <a:pPr lvl="0" algn="ctr" defTabSz="1422400">
+                <a:lnSpc>
+                  <a:spcPct val="90000"/>
+                </a:lnSpc>
+                <a:spcBef>
+                  <a:spcPct val="0"/>
+                </a:spcBef>
+                <a:spcAft>
+                  <a:spcPct val="35000"/>
+                </a:spcAft>
+              </a:pPr>
+              <a:r>
+                <a:rPr lang="en-US" sz="3200" kern="1200" dirty="0" smtClean="0"/>
+                <a:t>Sub</a:t>
+              </a:r>
+              <a:endParaRPr lang="en-US" sz="3200" kern="1200" dirty="0"/>
+            </a:p>
+          </p:txBody>
+        </p:sp>
+      </p:grpSp>
+      <p:grpSp>
+        <p:nvGrpSpPr>
+          <p:cNvPr id="35" name="Group 34"/>
+          <p:cNvGrpSpPr/>
+          <p:nvPr/>
+        </p:nvGrpSpPr>
+        <p:grpSpPr>
+          <a:xfrm>
+            <a:off x="3537946" y="1857252"/>
+            <a:ext cx="1528295" cy="1528295"/>
+            <a:chOff x="584" y="367456"/>
+            <a:chExt cx="2313086" cy="2313086"/>
+          </a:xfrm>
+        </p:grpSpPr>
+        <p:sp>
+          <p:nvSpPr>
+            <p:cNvPr id="36" name="Oval 35"/>
+            <p:cNvSpPr/>
+            <p:nvPr/>
+          </p:nvSpPr>
+          <p:spPr>
+            <a:xfrm>
+              <a:off x="584" y="367456"/>
+              <a:ext cx="2313086" cy="2313086"/>
+            </a:xfrm>
+            <a:prstGeom prst="ellipse">
+              <a:avLst/>
+            </a:prstGeom>
+          </p:spPr>
+          <p:style>
+            <a:lnRef idx="2">
+              <a:schemeClr val="lt1">
+                <a:hueOff val="0"/>
+                <a:satOff val="0"/>
+                <a:lumOff val="0"/>
+                <a:alphaOff val="0"/>
+              </a:schemeClr>
+            </a:lnRef>
+            <a:fillRef idx="1">
+              <a:schemeClr val="accent5">
+                <a:hueOff val="0"/>
+                <a:satOff val="0"/>
+                <a:lumOff val="0"/>
+                <a:alphaOff val="0"/>
+              </a:schemeClr>
+            </a:fillRef>
+            <a:effectRef idx="0">
+              <a:schemeClr val="accent5">
+                <a:hueOff val="0"/>
+                <a:satOff val="0"/>
+                <a:lumOff val="0"/>
+                <a:alphaOff val="0"/>
+              </a:schemeClr>
+            </a:effectRef>
+            <a:fontRef idx="minor">
+              <a:schemeClr val="lt1"/>
+            </a:fontRef>
+          </p:style>
+        </p:sp>
+        <p:sp>
+          <p:nvSpPr>
+            <p:cNvPr id="37" name="Oval 4"/>
+            <p:cNvSpPr/>
+            <p:nvPr/>
+          </p:nvSpPr>
+          <p:spPr>
+            <a:xfrm>
+              <a:off x="339328" y="706200"/>
+              <a:ext cx="1635598" cy="1635598"/>
+            </a:xfrm>
+            <a:prstGeom prst="rect">
+              <a:avLst/>
+            </a:prstGeom>
+          </p:spPr>
+          <p:style>
+            <a:lnRef idx="0">
+              <a:scrgbClr r="0" g="0" b="0"/>
+            </a:lnRef>
+            <a:fillRef idx="0">
+              <a:scrgbClr r="0" g="0" b="0"/>
+            </a:fillRef>
+            <a:effectRef idx="0">
+              <a:scrgbClr r="0" g="0" b="0"/>
+            </a:effectRef>
+            <a:fontRef idx="minor">
+              <a:schemeClr val="lt1"/>
+            </a:fontRef>
+          </p:style>
+          <p:txBody>
+            <a:bodyPr spcFirstLastPara="0" vert="horz" wrap="square" lIns="40640" tIns="40640" rIns="40640" bIns="40640" numCol="1" spcCol="1270" anchor="ctr" anchorCtr="0">
+              <a:noAutofit/>
+            </a:bodyPr>
+            <a:lstStyle/>
+            <a:p>
+              <a:pPr lvl="0" algn="ctr" defTabSz="1422400">
+                <a:lnSpc>
+                  <a:spcPct val="90000"/>
+                </a:lnSpc>
+                <a:spcBef>
+                  <a:spcPct val="0"/>
+                </a:spcBef>
+                <a:spcAft>
+                  <a:spcPct val="35000"/>
+                </a:spcAft>
+              </a:pPr>
+              <a:r>
+                <a:rPr lang="en-US" sz="3200" kern="1200" dirty="0" smtClean="0"/>
+                <a:t>Pub</a:t>
+              </a:r>
+              <a:endParaRPr lang="en-US" sz="3200" kern="1200" dirty="0"/>
+            </a:p>
+          </p:txBody>
+        </p:sp>
+      </p:grpSp>
+      <p:grpSp>
+        <p:nvGrpSpPr>
+          <p:cNvPr id="38" name="Group 37"/>
+          <p:cNvGrpSpPr/>
+          <p:nvPr/>
+        </p:nvGrpSpPr>
+        <p:grpSpPr>
+          <a:xfrm rot="7537636">
+            <a:off x="3007124" y="3418210"/>
+            <a:ext cx="949432" cy="431096"/>
+            <a:chOff x="2133538" y="40517"/>
+            <a:chExt cx="1442473" cy="780666"/>
+          </a:xfrm>
+        </p:grpSpPr>
+        <p:sp>
+          <p:nvSpPr>
+            <p:cNvPr id="39" name="Right Arrow 38"/>
+            <p:cNvSpPr/>
+            <p:nvPr/>
+          </p:nvSpPr>
+          <p:spPr>
+            <a:xfrm>
+              <a:off x="2133538" y="40517"/>
+              <a:ext cx="1442473" cy="780666"/>
+            </a:xfrm>
+            <a:prstGeom prst="rightArrow">
+              <a:avLst>
+                <a:gd name="adj1" fmla="val 60000"/>
+                <a:gd name="adj2" fmla="val 50000"/>
+              </a:avLst>
+            </a:prstGeom>
+          </p:spPr>
+          <p:style>
+            <a:lnRef idx="0">
+              <a:schemeClr val="accent5">
+                <a:tint val="60000"/>
+                <a:hueOff val="0"/>
+                <a:satOff val="0"/>
+                <a:lumOff val="0"/>
+                <a:alphaOff val="0"/>
+              </a:schemeClr>
+            </a:lnRef>
+            <a:fillRef idx="1">
+              <a:schemeClr val="accent5">
+                <a:tint val="60000"/>
+                <a:hueOff val="0"/>
+                <a:satOff val="0"/>
+                <a:lumOff val="0"/>
+                <a:alphaOff val="0"/>
+              </a:schemeClr>
+            </a:fillRef>
+            <a:effectRef idx="0">
+              <a:schemeClr val="accent5">
+                <a:tint val="60000"/>
+                <a:hueOff val="0"/>
+                <a:satOff val="0"/>
+                <a:lumOff val="0"/>
+                <a:alphaOff val="0"/>
+              </a:schemeClr>
+            </a:effectRef>
+            <a:fontRef idx="minor">
+              <a:schemeClr val="lt1"/>
+            </a:fontRef>
+          </p:style>
+        </p:sp>
+        <p:sp>
+          <p:nvSpPr>
+            <p:cNvPr id="40" name="Right Arrow 6"/>
+            <p:cNvSpPr/>
+            <p:nvPr/>
+          </p:nvSpPr>
+          <p:spPr>
+            <a:xfrm>
+              <a:off x="2133538" y="196650"/>
+              <a:ext cx="1208273" cy="468400"/>
+            </a:xfrm>
+            <a:prstGeom prst="rect">
+              <a:avLst/>
+            </a:prstGeom>
+          </p:spPr>
+          <p:style>
+            <a:lnRef idx="0">
+              <a:scrgbClr r="0" g="0" b="0"/>
+            </a:lnRef>
+            <a:fillRef idx="0">
+              <a:scrgbClr r="0" g="0" b="0"/>
+            </a:fillRef>
+            <a:effectRef idx="0">
+              <a:scrgbClr r="0" g="0" b="0"/>
+            </a:effectRef>
+            <a:fontRef idx="minor">
+              <a:schemeClr val="lt1"/>
+            </a:fontRef>
+          </p:style>
+          <p:txBody>
+            <a:bodyPr spcFirstLastPara="0" vert="horz" wrap="square" lIns="0" tIns="0" rIns="0" bIns="0" numCol="1" spcCol="1270" anchor="ctr" anchorCtr="0">
+              <a:noAutofit/>
+            </a:bodyPr>
+            <a:lstStyle/>
+            <a:p>
+              <a:pPr lvl="0" algn="ctr" defTabSz="1155700">
+                <a:lnSpc>
+                  <a:spcPct val="90000"/>
+                </a:lnSpc>
+                <a:spcBef>
+                  <a:spcPct val="0"/>
+                </a:spcBef>
+                <a:spcAft>
+                  <a:spcPct val="35000"/>
+                </a:spcAft>
+              </a:pPr>
+              <a:endParaRPr lang="en-US" sz="2600" kern="1200"/>
+            </a:p>
+          </p:txBody>
+        </p:sp>
+      </p:grpSp>
+      <p:grpSp>
+        <p:nvGrpSpPr>
+          <p:cNvPr id="41" name="Group 40"/>
+          <p:cNvGrpSpPr/>
+          <p:nvPr/>
+        </p:nvGrpSpPr>
+        <p:grpSpPr>
+          <a:xfrm rot="3317478">
+            <a:off x="4674432" y="3423783"/>
+            <a:ext cx="949432" cy="431096"/>
+            <a:chOff x="2133538" y="40517"/>
+            <a:chExt cx="1442473" cy="780666"/>
+          </a:xfrm>
+        </p:grpSpPr>
+        <p:sp>
+          <p:nvSpPr>
+            <p:cNvPr id="42" name="Right Arrow 41"/>
+            <p:cNvSpPr/>
+            <p:nvPr/>
+          </p:nvSpPr>
+          <p:spPr>
+            <a:xfrm>
+              <a:off x="2133538" y="40517"/>
+              <a:ext cx="1442473" cy="780666"/>
+            </a:xfrm>
+            <a:prstGeom prst="rightArrow">
+              <a:avLst>
+                <a:gd name="adj1" fmla="val 60000"/>
+                <a:gd name="adj2" fmla="val 50000"/>
+              </a:avLst>
+            </a:prstGeom>
+          </p:spPr>
+          <p:style>
+            <a:lnRef idx="0">
+              <a:schemeClr val="accent5">
+                <a:tint val="60000"/>
+                <a:hueOff val="0"/>
+                <a:satOff val="0"/>
+                <a:lumOff val="0"/>
+                <a:alphaOff val="0"/>
+              </a:schemeClr>
+            </a:lnRef>
+            <a:fillRef idx="1">
+              <a:schemeClr val="accent5">
+                <a:tint val="60000"/>
+                <a:hueOff val="0"/>
+                <a:satOff val="0"/>
+                <a:lumOff val="0"/>
+                <a:alphaOff val="0"/>
+              </a:schemeClr>
+            </a:fillRef>
+            <a:effectRef idx="0">
+              <a:schemeClr val="accent5">
+                <a:tint val="60000"/>
+                <a:hueOff val="0"/>
+                <a:satOff val="0"/>
+                <a:lumOff val="0"/>
+                <a:alphaOff val="0"/>
+              </a:schemeClr>
+            </a:effectRef>
+            <a:fontRef idx="minor">
+              <a:schemeClr val="lt1"/>
+            </a:fontRef>
+          </p:style>
+        </p:sp>
+        <p:sp>
+          <p:nvSpPr>
+            <p:cNvPr id="43" name="Right Arrow 6"/>
+            <p:cNvSpPr/>
+            <p:nvPr/>
+          </p:nvSpPr>
+          <p:spPr>
+            <a:xfrm>
+              <a:off x="2133538" y="196650"/>
+              <a:ext cx="1208273" cy="468400"/>
+            </a:xfrm>
+            <a:prstGeom prst="rect">
+              <a:avLst/>
+            </a:prstGeom>
+          </p:spPr>
+          <p:style>
+            <a:lnRef idx="0">
+              <a:scrgbClr r="0" g="0" b="0"/>
+            </a:lnRef>
+            <a:fillRef idx="0">
+              <a:scrgbClr r="0" g="0" b="0"/>
+            </a:fillRef>
+            <a:effectRef idx="0">
+              <a:scrgbClr r="0" g="0" b="0"/>
+            </a:effectRef>
+            <a:fontRef idx="minor">
+              <a:schemeClr val="lt1"/>
+            </a:fontRef>
+          </p:style>
+          <p:txBody>
+            <a:bodyPr spcFirstLastPara="0" vert="horz" wrap="square" lIns="0" tIns="0" rIns="0" bIns="0" numCol="1" spcCol="1270" anchor="ctr" anchorCtr="0">
+              <a:noAutofit/>
+            </a:bodyPr>
+            <a:lstStyle/>
+            <a:p>
+              <a:pPr lvl="0" algn="ctr" defTabSz="1155700">
+                <a:lnSpc>
+                  <a:spcPct val="90000"/>
+                </a:lnSpc>
+                <a:spcBef>
+                  <a:spcPct val="0"/>
+                </a:spcBef>
+                <a:spcAft>
+                  <a:spcPct val="35000"/>
+                </a:spcAft>
+              </a:pPr>
+              <a:endParaRPr lang="en-US" sz="2600" kern="1200"/>
+            </a:p>
+          </p:txBody>
+        </p:sp>
+      </p:grpSp>
+    </p:spTree>
+    <p:extLst>
+      <p:ext uri="{BB962C8B-B14F-4D97-AF65-F5344CB8AC3E}">
+        <p14:creationId xmlns:p14="http://schemas.microsoft.com/office/powerpoint/2010/main" val="793707009"/>
+      </p:ext>
+    </p:extLst>
+  </p:cSld>
+  <p:clrMapOvr>
+    <a:masterClrMapping/>
+  </p:clrMapOvr>
+  <p:timing>
+    <p:tnLst>
+      <p:par>
+        <p:cTn id="1" dur="indefinite" restart="never" nodeType="tmRoot"/>
+      </p:par>
+    </p:tnLst>
+  </p:timing>
+</p:sld>
+</file>
+
+<file path=ppt/slides/slide9.xml><?xml version="1.0" encoding="utf-8"?>
+<p:sld xmlns:a="http://schemas.openxmlformats.org/drawingml/2006/main" xmlns:r="http://schemas.openxmlformats.org/officeDocument/2006/relationships" xmlns:p="http://schemas.openxmlformats.org/presentationml/2006/main">
+  <p:cSld>
+    <p:spTree>
+      <p:nvGrpSpPr>
+        <p:cNvPr id="1" name=""/>
+        <p:cNvGrpSpPr/>
+        <p:nvPr/>
+      </p:nvGrpSpPr>
+      <p:grpSpPr>
+        <a:xfrm>
+          <a:off x="0" y="0"/>
+          <a:ext cx="0" cy="0"/>
+          <a:chOff x="0" y="0"/>
+          <a:chExt cx="0" cy="0"/>
+        </a:xfrm>
+      </p:grpSpPr>
+      <p:sp>
+        <p:nvSpPr>
+          <p:cNvPr id="2" name="Title 1"/>
+          <p:cNvSpPr>
+            <a:spLocks noGrp="1"/>
+          </p:cNvSpPr>
+          <p:nvPr>
+            <p:ph type="title"/>
+          </p:nvPr>
+        </p:nvSpPr>
+        <p:spPr/>
+        <p:txBody>
+          <a:bodyPr/>
+          <a:lstStyle/>
+          <a:p>
+            <a:r>
+              <a:rPr lang="en-US" dirty="0" smtClean="0"/>
+              <a:t>Built-in Patterns</a:t>
+            </a:r>
+            <a:endParaRPr lang="en-US" dirty="0"/>
+          </a:p>
+        </p:txBody>
+      </p:sp>
+      <p:grpSp>
+        <p:nvGrpSpPr>
+          <p:cNvPr id="5" name="Group 4"/>
+          <p:cNvGrpSpPr/>
+          <p:nvPr/>
+        </p:nvGrpSpPr>
+        <p:grpSpPr>
+          <a:xfrm>
+            <a:off x="832429" y="2514600"/>
+            <a:ext cx="1528295" cy="1528295"/>
+            <a:chOff x="584" y="367456"/>
+            <a:chExt cx="2313086" cy="2313086"/>
+          </a:xfrm>
+        </p:grpSpPr>
+        <p:sp>
+          <p:nvSpPr>
+            <p:cNvPr id="6" name="Oval 5"/>
+            <p:cNvSpPr/>
+            <p:nvPr/>
+          </p:nvSpPr>
+          <p:spPr>
+            <a:xfrm>
+              <a:off x="584" y="367456"/>
+              <a:ext cx="2313086" cy="2313086"/>
+            </a:xfrm>
+            <a:prstGeom prst="ellipse">
+              <a:avLst/>
+            </a:prstGeom>
+          </p:spPr>
+          <p:style>
+            <a:lnRef idx="2">
+              <a:schemeClr val="lt1">
+                <a:hueOff val="0"/>
+                <a:satOff val="0"/>
+                <a:lumOff val="0"/>
+                <a:alphaOff val="0"/>
+              </a:schemeClr>
+            </a:lnRef>
+            <a:fillRef idx="1">
+              <a:schemeClr val="accent5">
+                <a:hueOff val="0"/>
+                <a:satOff val="0"/>
+                <a:lumOff val="0"/>
+                <a:alphaOff val="0"/>
+              </a:schemeClr>
+            </a:fillRef>
+            <a:effectRef idx="0">
+              <a:schemeClr val="accent5">
+                <a:hueOff val="0"/>
+                <a:satOff val="0"/>
+                <a:lumOff val="0"/>
+                <a:alphaOff val="0"/>
+              </a:schemeClr>
+            </a:effectRef>
+            <a:fontRef idx="minor">
+              <a:schemeClr val="lt1"/>
+            </a:fontRef>
+          </p:style>
+        </p:sp>
+        <p:sp>
+          <p:nvSpPr>
+            <p:cNvPr id="7" name="Oval 4"/>
+            <p:cNvSpPr/>
+            <p:nvPr/>
+          </p:nvSpPr>
+          <p:spPr>
+            <a:xfrm>
+              <a:off x="339328" y="706200"/>
+              <a:ext cx="1635598" cy="1635598"/>
+            </a:xfrm>
+            <a:prstGeom prst="rect">
+              <a:avLst/>
+            </a:prstGeom>
+          </p:spPr>
+          <p:style>
+            <a:lnRef idx="0">
+              <a:scrgbClr r="0" g="0" b="0"/>
+            </a:lnRef>
+            <a:fillRef idx="0">
+              <a:scrgbClr r="0" g="0" b="0"/>
+            </a:fillRef>
+            <a:effectRef idx="0">
+              <a:scrgbClr r="0" g="0" b="0"/>
+            </a:effectRef>
+            <a:fontRef idx="minor">
+              <a:schemeClr val="lt1"/>
+            </a:fontRef>
+          </p:style>
+          <p:txBody>
+            <a:bodyPr spcFirstLastPara="0" vert="horz" wrap="square" lIns="40640" tIns="40640" rIns="40640" bIns="40640" numCol="1" spcCol="1270" anchor="ctr" anchorCtr="0">
+              <a:noAutofit/>
+            </a:bodyPr>
+            <a:lstStyle/>
+            <a:p>
+              <a:pPr lvl="0" algn="ctr" defTabSz="1422400">
+                <a:lnSpc>
+                  <a:spcPct val="90000"/>
+                </a:lnSpc>
+                <a:spcBef>
+                  <a:spcPct val="0"/>
+                </a:spcBef>
+                <a:spcAft>
+                  <a:spcPct val="35000"/>
+                </a:spcAft>
+              </a:pPr>
+              <a:endParaRPr lang="en-US" sz="3200" kern="1200" dirty="0"/>
+            </a:p>
+          </p:txBody>
+        </p:sp>
+      </p:grpSp>
+      <p:grpSp>
+        <p:nvGrpSpPr>
+          <p:cNvPr id="8" name="Group 7"/>
+          <p:cNvGrpSpPr/>
+          <p:nvPr/>
+        </p:nvGrpSpPr>
+        <p:grpSpPr>
+          <a:xfrm>
+            <a:off x="2585029" y="3063199"/>
+            <a:ext cx="949432" cy="431096"/>
+            <a:chOff x="2133538" y="40517"/>
+            <a:chExt cx="1442473" cy="780666"/>
+          </a:xfrm>
+        </p:grpSpPr>
+        <p:sp>
+          <p:nvSpPr>
+            <p:cNvPr id="9" name="Right Arrow 8"/>
+            <p:cNvSpPr/>
+            <p:nvPr/>
+          </p:nvSpPr>
+          <p:spPr>
+            <a:xfrm>
+              <a:off x="2133538" y="40517"/>
+              <a:ext cx="1442473" cy="780666"/>
+            </a:xfrm>
+            <a:prstGeom prst="rightArrow">
+              <a:avLst>
+                <a:gd name="adj1" fmla="val 60000"/>
+                <a:gd name="adj2" fmla="val 50000"/>
+              </a:avLst>
+            </a:prstGeom>
+          </p:spPr>
+          <p:style>
+            <a:lnRef idx="0">
+              <a:schemeClr val="accent5">
+                <a:tint val="60000"/>
+                <a:hueOff val="0"/>
+                <a:satOff val="0"/>
+                <a:lumOff val="0"/>
+                <a:alphaOff val="0"/>
+              </a:schemeClr>
+            </a:lnRef>
+            <a:fillRef idx="1">
+              <a:schemeClr val="accent5">
+                <a:tint val="60000"/>
+                <a:hueOff val="0"/>
+                <a:satOff val="0"/>
+                <a:lumOff val="0"/>
+                <a:alphaOff val="0"/>
+              </a:schemeClr>
+            </a:fillRef>
+            <a:effectRef idx="0">
+              <a:schemeClr val="accent5">
+                <a:tint val="60000"/>
+                <a:hueOff val="0"/>
+                <a:satOff val="0"/>
+                <a:lumOff val="0"/>
+                <a:alphaOff val="0"/>
+              </a:schemeClr>
+            </a:effectRef>
+            <a:fontRef idx="minor">
+              <a:schemeClr val="lt1"/>
+            </a:fontRef>
+          </p:style>
+        </p:sp>
+        <p:sp>
+          <p:nvSpPr>
+            <p:cNvPr id="10" name="Right Arrow 6"/>
+            <p:cNvSpPr/>
+            <p:nvPr/>
+          </p:nvSpPr>
+          <p:spPr>
+            <a:xfrm>
+              <a:off x="2133538" y="196650"/>
+              <a:ext cx="1208273" cy="468400"/>
+            </a:xfrm>
+            <a:prstGeom prst="rect">
+              <a:avLst/>
+            </a:prstGeom>
+          </p:spPr>
+          <p:style>
+            <a:lnRef idx="0">
+              <a:scrgbClr r="0" g="0" b="0"/>
+            </a:lnRef>
+            <a:fillRef idx="0">
+              <a:scrgbClr r="0" g="0" b="0"/>
+            </a:fillRef>
+            <a:effectRef idx="0">
+              <a:scrgbClr r="0" g="0" b="0"/>
+            </a:effectRef>
+            <a:fontRef idx="minor">
+              <a:schemeClr val="lt1"/>
+            </a:fontRef>
+          </p:style>
+          <p:txBody>
+            <a:bodyPr spcFirstLastPara="0" vert="horz" wrap="square" lIns="0" tIns="0" rIns="0" bIns="0" numCol="1" spcCol="1270" anchor="ctr" anchorCtr="0">
+              <a:noAutofit/>
+            </a:bodyPr>
+            <a:lstStyle/>
+            <a:p>
+              <a:pPr lvl="0" algn="ctr" defTabSz="1155700">
+                <a:lnSpc>
+                  <a:spcPct val="90000"/>
+                </a:lnSpc>
+                <a:spcBef>
+                  <a:spcPct val="0"/>
+                </a:spcBef>
+                <a:spcAft>
+                  <a:spcPct val="35000"/>
+                </a:spcAft>
+              </a:pPr>
+              <a:endParaRPr lang="en-US" sz="2600" kern="1200"/>
+            </a:p>
+          </p:txBody>
+        </p:sp>
+      </p:grpSp>
+      <p:grpSp>
+        <p:nvGrpSpPr>
+          <p:cNvPr id="11" name="Group 10"/>
+          <p:cNvGrpSpPr/>
+          <p:nvPr/>
+        </p:nvGrpSpPr>
+        <p:grpSpPr>
+          <a:xfrm>
+            <a:off x="3657600" y="2537670"/>
+            <a:ext cx="1528295" cy="1528295"/>
+            <a:chOff x="584" y="367456"/>
+            <a:chExt cx="2313086" cy="2313086"/>
+          </a:xfrm>
+        </p:grpSpPr>
+        <p:sp>
+          <p:nvSpPr>
+            <p:cNvPr id="12" name="Oval 11"/>
+            <p:cNvSpPr/>
+            <p:nvPr/>
+          </p:nvSpPr>
+          <p:spPr>
+            <a:xfrm>
+              <a:off x="584" y="367456"/>
+              <a:ext cx="2313086" cy="2313086"/>
+            </a:xfrm>
+            <a:prstGeom prst="ellipse">
+              <a:avLst/>
+            </a:prstGeom>
+          </p:spPr>
+          <p:style>
+            <a:lnRef idx="2">
+              <a:schemeClr val="lt1">
+                <a:hueOff val="0"/>
+                <a:satOff val="0"/>
+                <a:lumOff val="0"/>
+                <a:alphaOff val="0"/>
+              </a:schemeClr>
+            </a:lnRef>
+            <a:fillRef idx="1">
+              <a:schemeClr val="accent5">
+                <a:hueOff val="0"/>
+                <a:satOff val="0"/>
+                <a:lumOff val="0"/>
+                <a:alphaOff val="0"/>
+              </a:schemeClr>
+            </a:fillRef>
+            <a:effectRef idx="0">
+              <a:schemeClr val="accent5">
+                <a:hueOff val="0"/>
+                <a:satOff val="0"/>
+                <a:lumOff val="0"/>
+                <a:alphaOff val="0"/>
+              </a:schemeClr>
+            </a:effectRef>
+            <a:fontRef idx="minor">
+              <a:schemeClr val="lt1"/>
+            </a:fontRef>
+          </p:style>
+        </p:sp>
+        <p:sp>
+          <p:nvSpPr>
+            <p:cNvPr id="13" name="Oval 4"/>
+            <p:cNvSpPr/>
+            <p:nvPr/>
+          </p:nvSpPr>
+          <p:spPr>
+            <a:xfrm>
+              <a:off x="339328" y="706200"/>
+              <a:ext cx="1635598" cy="1635598"/>
+            </a:xfrm>
+            <a:prstGeom prst="rect">
+              <a:avLst/>
+            </a:prstGeom>
+          </p:spPr>
+          <p:style>
+            <a:lnRef idx="0">
+              <a:scrgbClr r="0" g="0" b="0"/>
+            </a:lnRef>
+            <a:fillRef idx="0">
+              <a:scrgbClr r="0" g="0" b="0"/>
+            </a:fillRef>
+            <a:effectRef idx="0">
+              <a:scrgbClr r="0" g="0" b="0"/>
+            </a:effectRef>
+            <a:fontRef idx="minor">
+              <a:schemeClr val="lt1"/>
+            </a:fontRef>
+          </p:style>
+          <p:txBody>
+            <a:bodyPr spcFirstLastPara="0" vert="horz" wrap="square" lIns="40640" tIns="40640" rIns="40640" bIns="40640" numCol="1" spcCol="1270" anchor="ctr" anchorCtr="0">
+              <a:noAutofit/>
+            </a:bodyPr>
+            <a:lstStyle/>
+            <a:p>
+              <a:pPr lvl="0" algn="ctr" defTabSz="1422400">
+                <a:lnSpc>
+                  <a:spcPct val="90000"/>
+                </a:lnSpc>
+                <a:spcBef>
+                  <a:spcPct val="0"/>
+                </a:spcBef>
+                <a:spcAft>
+                  <a:spcPct val="35000"/>
+                </a:spcAft>
+              </a:pPr>
+              <a:endParaRPr lang="en-US" sz="3200" kern="1200" dirty="0"/>
+            </a:p>
+          </p:txBody>
+        </p:sp>
+      </p:grpSp>
+      <p:grpSp>
+        <p:nvGrpSpPr>
+          <p:cNvPr id="14" name="Group 13"/>
+          <p:cNvGrpSpPr/>
+          <p:nvPr/>
+        </p:nvGrpSpPr>
+        <p:grpSpPr>
+          <a:xfrm>
+            <a:off x="5410200" y="3086269"/>
+            <a:ext cx="949432" cy="431096"/>
+            <a:chOff x="2133538" y="40517"/>
+            <a:chExt cx="1442473" cy="780666"/>
+          </a:xfrm>
+        </p:grpSpPr>
+        <p:sp>
+          <p:nvSpPr>
+            <p:cNvPr id="15" name="Right Arrow 14"/>
+            <p:cNvSpPr/>
+            <p:nvPr/>
+          </p:nvSpPr>
+          <p:spPr>
+            <a:xfrm>
+              <a:off x="2133538" y="40517"/>
+              <a:ext cx="1442473" cy="780666"/>
+            </a:xfrm>
+            <a:prstGeom prst="rightArrow">
+              <a:avLst>
+                <a:gd name="adj1" fmla="val 60000"/>
+                <a:gd name="adj2" fmla="val 50000"/>
+              </a:avLst>
+            </a:prstGeom>
+          </p:spPr>
+          <p:style>
+            <a:lnRef idx="0">
+              <a:schemeClr val="accent5">
+                <a:tint val="60000"/>
+                <a:hueOff val="0"/>
+                <a:satOff val="0"/>
+                <a:lumOff val="0"/>
+                <a:alphaOff val="0"/>
+              </a:schemeClr>
+            </a:lnRef>
+            <a:fillRef idx="1">
+              <a:schemeClr val="accent5">
+                <a:tint val="60000"/>
+                <a:hueOff val="0"/>
+                <a:satOff val="0"/>
+                <a:lumOff val="0"/>
+                <a:alphaOff val="0"/>
+              </a:schemeClr>
+            </a:fillRef>
+            <a:effectRef idx="0">
+              <a:schemeClr val="accent5">
+                <a:tint val="60000"/>
+                <a:hueOff val="0"/>
+                <a:satOff val="0"/>
+                <a:lumOff val="0"/>
+                <a:alphaOff val="0"/>
+              </a:schemeClr>
+            </a:effectRef>
+            <a:fontRef idx="minor">
+              <a:schemeClr val="lt1"/>
+            </a:fontRef>
+          </p:style>
+        </p:sp>
+        <p:sp>
+          <p:nvSpPr>
+            <p:cNvPr id="16" name="Right Arrow 6"/>
+            <p:cNvSpPr/>
+            <p:nvPr/>
+          </p:nvSpPr>
+          <p:spPr>
+            <a:xfrm>
+              <a:off x="2133538" y="196650"/>
+              <a:ext cx="1208273" cy="468400"/>
+            </a:xfrm>
+            <a:prstGeom prst="rect">
+              <a:avLst/>
+            </a:prstGeom>
+          </p:spPr>
+          <p:style>
+            <a:lnRef idx="0">
+              <a:scrgbClr r="0" g="0" b="0"/>
+            </a:lnRef>
+            <a:fillRef idx="0">
+              <a:scrgbClr r="0" g="0" b="0"/>
+            </a:fillRef>
+            <a:effectRef idx="0">
+              <a:scrgbClr r="0" g="0" b="0"/>
+            </a:effectRef>
+            <a:fontRef idx="minor">
+              <a:schemeClr val="lt1"/>
+            </a:fontRef>
+          </p:style>
+          <p:txBody>
+            <a:bodyPr spcFirstLastPara="0" vert="horz" wrap="square" lIns="0" tIns="0" rIns="0" bIns="0" numCol="1" spcCol="1270" anchor="ctr" anchorCtr="0">
+              <a:noAutofit/>
+            </a:bodyPr>
+            <a:lstStyle/>
+            <a:p>
+              <a:pPr lvl="0" algn="ctr" defTabSz="1155700">
+                <a:lnSpc>
+                  <a:spcPct val="90000"/>
+                </a:lnSpc>
+                <a:spcBef>
+                  <a:spcPct val="0"/>
+                </a:spcBef>
+                <a:spcAft>
+                  <a:spcPct val="35000"/>
+                </a:spcAft>
+              </a:pPr>
+              <a:endParaRPr lang="en-US" sz="2600" kern="1200"/>
+            </a:p>
+          </p:txBody>
+        </p:sp>
+      </p:grpSp>
+      <p:grpSp>
+        <p:nvGrpSpPr>
+          <p:cNvPr id="17" name="Group 16"/>
+          <p:cNvGrpSpPr/>
+          <p:nvPr/>
+        </p:nvGrpSpPr>
+        <p:grpSpPr>
+          <a:xfrm>
+            <a:off x="6553200" y="2514600"/>
+            <a:ext cx="1528295" cy="1528295"/>
+            <a:chOff x="584" y="367456"/>
+            <a:chExt cx="2313086" cy="2313086"/>
+          </a:xfrm>
+        </p:grpSpPr>
+        <p:sp>
+          <p:nvSpPr>
+            <p:cNvPr id="18" name="Oval 17"/>
+            <p:cNvSpPr/>
+            <p:nvPr/>
+          </p:nvSpPr>
+          <p:spPr>
+            <a:xfrm>
+              <a:off x="584" y="367456"/>
+              <a:ext cx="2313086" cy="2313086"/>
+            </a:xfrm>
+            <a:prstGeom prst="ellipse">
+              <a:avLst/>
+            </a:prstGeom>
+          </p:spPr>
+          <p:style>
+            <a:lnRef idx="2">
+              <a:schemeClr val="lt1">
+                <a:hueOff val="0"/>
+                <a:satOff val="0"/>
+                <a:lumOff val="0"/>
+                <a:alphaOff val="0"/>
+              </a:schemeClr>
+            </a:lnRef>
+            <a:fillRef idx="1">
+              <a:schemeClr val="accent5">
+                <a:hueOff val="0"/>
+                <a:satOff val="0"/>
+                <a:lumOff val="0"/>
+                <a:alphaOff val="0"/>
+              </a:schemeClr>
+            </a:fillRef>
+            <a:effectRef idx="0">
+              <a:schemeClr val="accent5">
+                <a:hueOff val="0"/>
+                <a:satOff val="0"/>
+                <a:lumOff val="0"/>
+                <a:alphaOff val="0"/>
+              </a:schemeClr>
+            </a:effectRef>
+            <a:fontRef idx="minor">
+              <a:schemeClr val="lt1"/>
+            </a:fontRef>
+          </p:style>
+        </p:sp>
+        <p:sp>
+          <p:nvSpPr>
+            <p:cNvPr id="19" name="Oval 4"/>
+            <p:cNvSpPr/>
+            <p:nvPr/>
+          </p:nvSpPr>
+          <p:spPr>
+            <a:xfrm>
+              <a:off x="339328" y="706200"/>
+              <a:ext cx="1635598" cy="1635598"/>
+            </a:xfrm>
+            <a:prstGeom prst="rect">
+              <a:avLst/>
+            </a:prstGeom>
+          </p:spPr>
+          <p:style>
+            <a:lnRef idx="0">
+              <a:scrgbClr r="0" g="0" b="0"/>
+            </a:lnRef>
+            <a:fillRef idx="0">
+              <a:scrgbClr r="0" g="0" b="0"/>
+            </a:fillRef>
+            <a:effectRef idx="0">
+              <a:scrgbClr r="0" g="0" b="0"/>
+            </a:effectRef>
+            <a:fontRef idx="minor">
+              <a:schemeClr val="lt1"/>
+            </a:fontRef>
+          </p:style>
+          <p:txBody>
+            <a:bodyPr spcFirstLastPara="0" vert="horz" wrap="square" lIns="40640" tIns="40640" rIns="40640" bIns="40640" numCol="1" spcCol="1270" anchor="ctr" anchorCtr="0">
+              <a:noAutofit/>
+            </a:bodyPr>
+            <a:lstStyle/>
+            <a:p>
+              <a:pPr lvl="0" algn="ctr" defTabSz="1422400">
+                <a:lnSpc>
+                  <a:spcPct val="90000"/>
+                </a:lnSpc>
+                <a:spcBef>
+                  <a:spcPct val="0"/>
+                </a:spcBef>
+                <a:spcAft>
+                  <a:spcPct val="35000"/>
+                </a:spcAft>
+              </a:pPr>
+              <a:endParaRPr lang="en-US" sz="3200" kern="1200" dirty="0"/>
+            </a:p>
+          </p:txBody>
+        </p:sp>
+      </p:grpSp>
+      <p:sp>
+        <p:nvSpPr>
+          <p:cNvPr id="20" name="TextBox 19"/>
+          <p:cNvSpPr txBox="1"/>
+          <p:nvPr/>
+        </p:nvSpPr>
+        <p:spPr>
+          <a:xfrm>
+            <a:off x="2819400" y="1701225"/>
+            <a:ext cx="3200400" cy="584775"/>
+          </a:xfrm>
+          <a:prstGeom prst="rect">
+            <a:avLst/>
+          </a:prstGeom>
+          <a:noFill/>
+        </p:spPr>
+        <p:txBody>
+          <a:bodyPr wrap="square" rtlCol="0">
+            <a:spAutoFit/>
+          </a:bodyPr>
+          <a:lstStyle/>
+          <a:p>
+            <a:pPr algn="ctr"/>
+            <a:r>
+              <a:rPr lang="en-US" sz="3200" dirty="0" smtClean="0">
+                <a:latin typeface="+mj-lt"/>
+              </a:rPr>
+              <a:t>Pipeline</a:t>
+            </a:r>
+            <a:endParaRPr lang="en-US" sz="3200" dirty="0">
+              <a:latin typeface="+mj-lt"/>
+            </a:endParaRPr>
+          </a:p>
+        </p:txBody>
+      </p:sp>
+      <p:grpSp>
+        <p:nvGrpSpPr>
+          <p:cNvPr id="21" name="Group 20"/>
+          <p:cNvGrpSpPr/>
+          <p:nvPr/>
+        </p:nvGrpSpPr>
+        <p:grpSpPr>
+          <a:xfrm rot="2416034">
+            <a:off x="2507954" y="4118799"/>
+            <a:ext cx="949432" cy="431096"/>
+            <a:chOff x="2133538" y="40517"/>
+            <a:chExt cx="1442473" cy="780666"/>
+          </a:xfrm>
+          <a:noFill/>
+        </p:grpSpPr>
+        <p:sp>
+          <p:nvSpPr>
+            <p:cNvPr id="22" name="Right Arrow 21"/>
+            <p:cNvSpPr/>
+            <p:nvPr/>
+          </p:nvSpPr>
+          <p:spPr>
+            <a:xfrm>
+              <a:off x="2133538" y="40517"/>
+              <a:ext cx="1442473" cy="780666"/>
+            </a:xfrm>
+            <a:prstGeom prst="rightArrow">
+              <a:avLst>
+                <a:gd name="adj1" fmla="val 60000"/>
+                <a:gd name="adj2" fmla="val 50000"/>
+              </a:avLst>
+            </a:prstGeom>
+            <a:grpFill/>
+            <a:ln w="12700">
+              <a:solidFill>
+                <a:schemeClr val="tx2">
+                  <a:lumMod val="60000"/>
+                  <a:lumOff val="40000"/>
+                </a:schemeClr>
+              </a:solidFill>
+              <a:prstDash val="dash"/>
+            </a:ln>
+          </p:spPr>
+          <p:style>
+            <a:lnRef idx="0">
+              <a:schemeClr val="accent5">
+                <a:tint val="60000"/>
+                <a:hueOff val="0"/>
+                <a:satOff val="0"/>
+                <a:lumOff val="0"/>
+                <a:alphaOff val="0"/>
+              </a:schemeClr>
+            </a:lnRef>
+            <a:fillRef idx="1">
+              <a:schemeClr val="accent5">
+                <a:tint val="60000"/>
+                <a:hueOff val="0"/>
+                <a:satOff val="0"/>
+                <a:lumOff val="0"/>
+                <a:alphaOff val="0"/>
+              </a:schemeClr>
+            </a:fillRef>
+            <a:effectRef idx="0">
+              <a:schemeClr val="accent5">
+                <a:tint val="60000"/>
+                <a:hueOff val="0"/>
+                <a:satOff val="0"/>
+                <a:lumOff val="0"/>
+                <a:alphaOff val="0"/>
+              </a:schemeClr>
+            </a:effectRef>
+            <a:fontRef idx="minor">
+              <a:schemeClr val="lt1"/>
+            </a:fontRef>
+          </p:style>
+        </p:sp>
+        <p:sp>
+          <p:nvSpPr>
+            <p:cNvPr id="23" name="Right Arrow 6"/>
+            <p:cNvSpPr/>
+            <p:nvPr/>
+          </p:nvSpPr>
+          <p:spPr>
+            <a:xfrm>
+              <a:off x="2133538" y="196650"/>
+              <a:ext cx="1208273" cy="468400"/>
+            </a:xfrm>
+            <a:prstGeom prst="rect">
+              <a:avLst/>
+            </a:prstGeom>
+            <a:grpFill/>
+          </p:spPr>
+          <p:style>
+            <a:lnRef idx="0">
+              <a:scrgbClr r="0" g="0" b="0"/>
+            </a:lnRef>
+            <a:fillRef idx="0">
+              <a:scrgbClr r="0" g="0" b="0"/>
+            </a:fillRef>
+            <a:effectRef idx="0">
+              <a:scrgbClr r="0" g="0" b="0"/>
+            </a:effectRef>
+            <a:fontRef idx="minor">
+              <a:schemeClr val="lt1"/>
+            </a:fontRef>
+          </p:style>
+          <p:txBody>
+            <a:bodyPr spcFirstLastPara="0" vert="horz" wrap="square" lIns="0" tIns="0" rIns="0" bIns="0" numCol="1" spcCol="1270" anchor="ctr" anchorCtr="0">
+              <a:noAutofit/>
+            </a:bodyPr>
+            <a:lstStyle/>
+            <a:p>
+              <a:pPr lvl="0" algn="ctr" defTabSz="1155700">
+                <a:lnSpc>
+                  <a:spcPct val="90000"/>
+                </a:lnSpc>
+                <a:spcBef>
+                  <a:spcPct val="0"/>
+                </a:spcBef>
+                <a:spcAft>
+                  <a:spcPct val="35000"/>
+                </a:spcAft>
+              </a:pPr>
+              <a:endParaRPr lang="en-US" sz="2600" kern="1200"/>
+            </a:p>
+          </p:txBody>
+        </p:sp>
+      </p:grpSp>
+      <p:sp>
+        <p:nvSpPr>
+          <p:cNvPr id="25" name="Oval 24"/>
+          <p:cNvSpPr/>
+          <p:nvPr/>
+        </p:nvSpPr>
+        <p:spPr>
+          <a:xfrm>
+            <a:off x="3703867" y="4294565"/>
+            <a:ext cx="1528295" cy="1528295"/>
+          </a:xfrm>
+          <a:prstGeom prst="ellipse">
+            <a:avLst/>
+          </a:prstGeom>
+          <a:noFill/>
+          <a:ln>
+            <a:solidFill>
+              <a:schemeClr val="tx2">
+                <a:lumMod val="60000"/>
+                <a:lumOff val="40000"/>
+              </a:schemeClr>
+            </a:solidFill>
+            <a:prstDash val="dash"/>
+          </a:ln>
+        </p:spPr>
+        <p:style>
+          <a:lnRef idx="2">
+            <a:schemeClr val="lt1">
+              <a:hueOff val="0"/>
+              <a:satOff val="0"/>
+              <a:lumOff val="0"/>
+              <a:alphaOff val="0"/>
+            </a:schemeClr>
+          </a:lnRef>
+          <a:fillRef idx="1">
+            <a:schemeClr val="accent5">
+              <a:hueOff val="0"/>
+              <a:satOff val="0"/>
+              <a:lumOff val="0"/>
+              <a:alphaOff val="0"/>
+            </a:schemeClr>
+          </a:fillRef>
+          <a:effectRef idx="0">
+            <a:schemeClr val="accent5">
+              <a:hueOff val="0"/>
+              <a:satOff val="0"/>
+              <a:lumOff val="0"/>
+              <a:alphaOff val="0"/>
+            </a:schemeClr>
+          </a:effectRef>
+          <a:fontRef idx="minor">
+            <a:schemeClr val="lt1"/>
+          </a:fontRef>
+        </p:style>
+      </p:sp>
+      <p:grpSp>
+        <p:nvGrpSpPr>
+          <p:cNvPr id="27" name="Group 26"/>
+          <p:cNvGrpSpPr/>
+          <p:nvPr/>
+        </p:nvGrpSpPr>
+        <p:grpSpPr>
+          <a:xfrm rot="19800000">
+            <a:off x="5452349" y="4118800"/>
+            <a:ext cx="949432" cy="431096"/>
+            <a:chOff x="2133538" y="40517"/>
+            <a:chExt cx="1442473" cy="780666"/>
+          </a:xfrm>
+          <a:noFill/>
+        </p:grpSpPr>
+        <p:sp>
+          <p:nvSpPr>
+            <p:cNvPr id="28" name="Right Arrow 27"/>
+            <p:cNvSpPr/>
+            <p:nvPr/>
+          </p:nvSpPr>
+          <p:spPr>
+            <a:xfrm>
+              <a:off x="2133538" y="40517"/>
+              <a:ext cx="1442473" cy="780666"/>
+            </a:xfrm>
+            <a:prstGeom prst="rightArrow">
+              <a:avLst>
+                <a:gd name="adj1" fmla="val 60000"/>
+                <a:gd name="adj2" fmla="val 50000"/>
+              </a:avLst>
+            </a:prstGeom>
+            <a:grpFill/>
+            <a:ln w="12700">
+              <a:solidFill>
+                <a:schemeClr val="tx2">
+                  <a:lumMod val="60000"/>
+                  <a:lumOff val="40000"/>
+                </a:schemeClr>
+              </a:solidFill>
+              <a:prstDash val="dash"/>
+            </a:ln>
+          </p:spPr>
+          <p:style>
+            <a:lnRef idx="0">
+              <a:schemeClr val="accent5">
+                <a:tint val="60000"/>
+                <a:hueOff val="0"/>
+                <a:satOff val="0"/>
+                <a:lumOff val="0"/>
+                <a:alphaOff val="0"/>
+              </a:schemeClr>
+            </a:lnRef>
+            <a:fillRef idx="1">
+              <a:schemeClr val="accent5">
+                <a:tint val="60000"/>
+                <a:hueOff val="0"/>
+                <a:satOff val="0"/>
+                <a:lumOff val="0"/>
+                <a:alphaOff val="0"/>
+              </a:schemeClr>
+            </a:fillRef>
+            <a:effectRef idx="0">
+              <a:schemeClr val="accent5">
+                <a:tint val="60000"/>
+                <a:hueOff val="0"/>
+                <a:satOff val="0"/>
+                <a:lumOff val="0"/>
+                <a:alphaOff val="0"/>
+              </a:schemeClr>
+            </a:effectRef>
+            <a:fontRef idx="minor">
+              <a:schemeClr val="lt1"/>
+            </a:fontRef>
+          </p:style>
+        </p:sp>
+        <p:sp>
+          <p:nvSpPr>
+            <p:cNvPr id="29" name="Right Arrow 6"/>
+            <p:cNvSpPr/>
+            <p:nvPr/>
+          </p:nvSpPr>
+          <p:spPr>
+            <a:xfrm>
+              <a:off x="2133538" y="196650"/>
+              <a:ext cx="1208273" cy="468400"/>
+            </a:xfrm>
+            <a:prstGeom prst="rect">
+              <a:avLst/>
+            </a:prstGeom>
+            <a:grpFill/>
+          </p:spPr>
+          <p:style>
+            <a:lnRef idx="0">
+              <a:scrgbClr r="0" g="0" b="0"/>
+            </a:lnRef>
+            <a:fillRef idx="0">
+              <a:scrgbClr r="0" g="0" b="0"/>
+            </a:fillRef>
+            <a:effectRef idx="0">
+              <a:scrgbClr r="0" g="0" b="0"/>
+            </a:effectRef>
+            <a:fontRef idx="minor">
+              <a:schemeClr val="lt1"/>
+            </a:fontRef>
+          </p:style>
+          <p:txBody>
+            <a:bodyPr spcFirstLastPara="0" vert="horz" wrap="square" lIns="0" tIns="0" rIns="0" bIns="0" numCol="1" spcCol="1270" anchor="ctr" anchorCtr="0">
+              <a:noAutofit/>
+            </a:bodyPr>
+            <a:lstStyle/>
+            <a:p>
+              <a:pPr lvl="0" algn="ctr" defTabSz="1155700">
+                <a:lnSpc>
+                  <a:spcPct val="90000"/>
+                </a:lnSpc>
+                <a:spcBef>
+                  <a:spcPct val="0"/>
+                </a:spcBef>
+                <a:spcAft>
+                  <a:spcPct val="35000"/>
+                </a:spcAft>
+              </a:pPr>
+              <a:endParaRPr lang="en-US" sz="2600" kern="1200"/>
+            </a:p>
+          </p:txBody>
+        </p:sp>
+      </p:grpSp>
+    </p:spTree>
+    <p:extLst>
+      <p:ext uri="{BB962C8B-B14F-4D97-AF65-F5344CB8AC3E}">
+        <p14:creationId xmlns:p14="http://schemas.microsoft.com/office/powerpoint/2010/main" val="2819276652"/>
       </p:ext>
     </p:extLst>
   </p:cSld>

--- a/Presentation/ZeroMQ.pptx
+++ b/Presentation/ZeroMQ.pptx
@@ -4,6 +4,9 @@
   <p:sldMasterIdLst>
     <p:sldMasterId id="2147483672" r:id="rId1"/>
   </p:sldMasterIdLst>
+  <p:notesMasterIdLst>
+    <p:notesMasterId r:id="rId13"/>
+  </p:notesMasterIdLst>
   <p:sldIdLst>
     <p:sldId id="256" r:id="rId2"/>
     <p:sldId id="257" r:id="rId3"/>
@@ -14,7 +17,8 @@
     <p:sldId id="264" r:id="rId8"/>
     <p:sldId id="265" r:id="rId9"/>
     <p:sldId id="266" r:id="rId10"/>
-    <p:sldId id="260" r:id="rId11"/>
+    <p:sldId id="267" r:id="rId11"/>
+    <p:sldId id="260" r:id="rId12"/>
   </p:sldIdLst>
   <p:sldSz cx="9144000" cy="6858000" type="screen4x3"/>
   <p:notesSz cx="6858000" cy="9144000"/>
@@ -886,7 +890,7 @@
         <a:p>
           <a:r>
             <a:rPr lang="en-US" dirty="0" smtClean="0"/>
-            <a:t>Request</a:t>
+            <a:t>REQ</a:t>
           </a:r>
           <a:endParaRPr lang="en-US" dirty="0"/>
         </a:p>
@@ -923,7 +927,7 @@
         <a:p>
           <a:r>
             <a:rPr lang="en-US" dirty="0" smtClean="0"/>
-            <a:t>Reply</a:t>
+            <a:t>REP</a:t>
           </a:r>
           <a:endParaRPr lang="en-US" dirty="0"/>
         </a:p>
@@ -1077,12 +1081,12 @@
         </a:fontRef>
       </dsp:style>
       <dsp:txBody>
-        <a:bodyPr spcFirstLastPara="0" vert="horz" wrap="square" lIns="40640" tIns="40640" rIns="40640" bIns="40640" numCol="1" spcCol="1270" anchor="ctr" anchorCtr="0">
+        <a:bodyPr spcFirstLastPara="0" vert="horz" wrap="square" lIns="68580" tIns="68580" rIns="68580" bIns="68580" numCol="1" spcCol="1270" anchor="ctr" anchorCtr="0">
           <a:noAutofit/>
         </a:bodyPr>
         <a:lstStyle/>
         <a:p>
-          <a:pPr lvl="0" algn="ctr" defTabSz="1422400">
+          <a:pPr lvl="0" algn="ctr" defTabSz="2400300">
             <a:lnSpc>
               <a:spcPct val="90000"/>
             </a:lnSpc>
@@ -1094,10 +1098,10 @@
             </a:spcAft>
           </a:pPr>
           <a:r>
-            <a:rPr lang="en-US" sz="3200" kern="1200" dirty="0" smtClean="0"/>
-            <a:t>Request</a:t>
+            <a:rPr lang="en-US" sz="5400" kern="1200" dirty="0" smtClean="0"/>
+            <a:t>REQ</a:t>
           </a:r>
-          <a:endParaRPr lang="en-US" sz="3200" kern="1200" dirty="0"/>
+          <a:endParaRPr lang="en-US" sz="5400" kern="1200" dirty="0"/>
         </a:p>
       </dsp:txBody>
       <dsp:txXfrm>
@@ -1155,7 +1159,7 @@
         </a:bodyPr>
         <a:lstStyle/>
         <a:p>
-          <a:pPr lvl="0" algn="ctr" defTabSz="1155700">
+          <a:pPr lvl="0" algn="ctr" defTabSz="1555750">
             <a:lnSpc>
               <a:spcPct val="90000"/>
             </a:lnSpc>
@@ -1166,7 +1170,7 @@
               <a:spcPct val="35000"/>
             </a:spcAft>
           </a:pPr>
-          <a:endParaRPr lang="en-US" sz="2600" kern="1200"/>
+          <a:endParaRPr lang="en-US" sz="3500" kern="1200"/>
         </a:p>
       </dsp:txBody>
       <dsp:txXfrm>
@@ -1223,12 +1227,12 @@
         </a:fontRef>
       </dsp:style>
       <dsp:txBody>
-        <a:bodyPr spcFirstLastPara="0" vert="horz" wrap="square" lIns="40640" tIns="40640" rIns="40640" bIns="40640" numCol="1" spcCol="1270" anchor="ctr" anchorCtr="0">
+        <a:bodyPr spcFirstLastPara="0" vert="horz" wrap="square" lIns="68580" tIns="68580" rIns="68580" bIns="68580" numCol="1" spcCol="1270" anchor="ctr" anchorCtr="0">
           <a:noAutofit/>
         </a:bodyPr>
         <a:lstStyle/>
         <a:p>
-          <a:pPr lvl="0" algn="ctr" defTabSz="1422400">
+          <a:pPr lvl="0" algn="ctr" defTabSz="2400300">
             <a:lnSpc>
               <a:spcPct val="90000"/>
             </a:lnSpc>
@@ -1240,10 +1244,10 @@
             </a:spcAft>
           </a:pPr>
           <a:r>
-            <a:rPr lang="en-US" sz="3200" kern="1200" dirty="0" smtClean="0"/>
-            <a:t>Reply</a:t>
+            <a:rPr lang="en-US" sz="5400" kern="1200" dirty="0" smtClean="0"/>
+            <a:t>REP</a:t>
           </a:r>
-          <a:endParaRPr lang="en-US" sz="3200" kern="1200" dirty="0"/>
+          <a:endParaRPr lang="en-US" sz="5400" kern="1200" dirty="0"/>
         </a:p>
       </dsp:txBody>
       <dsp:txXfrm>
@@ -1301,7 +1305,7 @@
         </a:bodyPr>
         <a:lstStyle/>
         <a:p>
-          <a:pPr lvl="0" algn="ctr" defTabSz="1155700">
+          <a:pPr lvl="0" algn="ctr" defTabSz="1555750">
             <a:lnSpc>
               <a:spcPct val="90000"/>
             </a:lnSpc>
@@ -1312,7 +1316,7 @@
               <a:spcPct val="35000"/>
             </a:spcAft>
           </a:pPr>
-          <a:endParaRPr lang="en-US" sz="2600" kern="1200"/>
+          <a:endParaRPr lang="en-US" sz="3500" kern="1200"/>
         </a:p>
       </dsp:txBody>
       <dsp:txXfrm rot="10800000">
@@ -2567,6 +2571,450 @@
     </dgm:style>
   </dgm:styleLbl>
 </dgm:styleDef>
+</file>
+
+<file path=ppt/notesMasters/notesMaster1.xml><?xml version="1.0" encoding="utf-8"?>
+<p:notesMaster xmlns:a="http://schemas.openxmlformats.org/drawingml/2006/main" xmlns:r="http://schemas.openxmlformats.org/officeDocument/2006/relationships" xmlns:p="http://schemas.openxmlformats.org/presentationml/2006/main">
+  <p:cSld>
+    <p:bg>
+      <p:bgRef idx="1001">
+        <a:schemeClr val="bg1"/>
+      </p:bgRef>
+    </p:bg>
+    <p:spTree>
+      <p:nvGrpSpPr>
+        <p:cNvPr id="1" name=""/>
+        <p:cNvGrpSpPr/>
+        <p:nvPr/>
+      </p:nvGrpSpPr>
+      <p:grpSpPr>
+        <a:xfrm>
+          <a:off x="0" y="0"/>
+          <a:ext cx="0" cy="0"/>
+          <a:chOff x="0" y="0"/>
+          <a:chExt cx="0" cy="0"/>
+        </a:xfrm>
+      </p:grpSpPr>
+      <p:sp>
+        <p:nvSpPr>
+          <p:cNvPr id="2" name="Header Placeholder 1"/>
+          <p:cNvSpPr>
+            <a:spLocks noGrp="1"/>
+          </p:cNvSpPr>
+          <p:nvPr>
+            <p:ph type="hdr" sz="quarter"/>
+          </p:nvPr>
+        </p:nvSpPr>
+        <p:spPr>
+          <a:xfrm>
+            <a:off x="0" y="0"/>
+            <a:ext cx="2971800" cy="457200"/>
+          </a:xfrm>
+          <a:prstGeom prst="rect">
+            <a:avLst/>
+          </a:prstGeom>
+        </p:spPr>
+        <p:txBody>
+          <a:bodyPr vert="horz" lIns="91440" tIns="45720" rIns="91440" bIns="45720" rtlCol="0"/>
+          <a:lstStyle>
+            <a:lvl1pPr algn="l">
+              <a:defRPr sz="1200"/>
+            </a:lvl1pPr>
+          </a:lstStyle>
+          <a:p>
+            <a:endParaRPr lang="en-US"/>
+          </a:p>
+        </p:txBody>
+      </p:sp>
+      <p:sp>
+        <p:nvSpPr>
+          <p:cNvPr id="3" name="Date Placeholder 2"/>
+          <p:cNvSpPr>
+            <a:spLocks noGrp="1"/>
+          </p:cNvSpPr>
+          <p:nvPr>
+            <p:ph type="dt" idx="1"/>
+          </p:nvPr>
+        </p:nvSpPr>
+        <p:spPr>
+          <a:xfrm>
+            <a:off x="3884613" y="0"/>
+            <a:ext cx="2971800" cy="457200"/>
+          </a:xfrm>
+          <a:prstGeom prst="rect">
+            <a:avLst/>
+          </a:prstGeom>
+        </p:spPr>
+        <p:txBody>
+          <a:bodyPr vert="horz" lIns="91440" tIns="45720" rIns="91440" bIns="45720" rtlCol="0"/>
+          <a:lstStyle>
+            <a:lvl1pPr algn="r">
+              <a:defRPr sz="1200"/>
+            </a:lvl1pPr>
+          </a:lstStyle>
+          <a:p>
+            <a:fld id="{3C9435E8-BBA3-4168-B039-245A67D50B64}" type="datetimeFigureOut">
+              <a:rPr lang="en-US" smtClean="0"/>
+              <a:t>3/20/2014</a:t>
+            </a:fld>
+            <a:endParaRPr lang="en-US"/>
+          </a:p>
+        </p:txBody>
+      </p:sp>
+      <p:sp>
+        <p:nvSpPr>
+          <p:cNvPr id="4" name="Slide Image Placeholder 3"/>
+          <p:cNvSpPr>
+            <a:spLocks noGrp="1" noRot="1" noChangeAspect="1"/>
+          </p:cNvSpPr>
+          <p:nvPr>
+            <p:ph type="sldImg" idx="2"/>
+          </p:nvPr>
+        </p:nvSpPr>
+        <p:spPr>
+          <a:xfrm>
+            <a:off x="1143000" y="685800"/>
+            <a:ext cx="4572000" cy="3429000"/>
+          </a:xfrm>
+          <a:prstGeom prst="rect">
+            <a:avLst/>
+          </a:prstGeom>
+          <a:noFill/>
+          <a:ln w="12700">
+            <a:solidFill>
+              <a:prstClr val="black"/>
+            </a:solidFill>
+          </a:ln>
+        </p:spPr>
+        <p:txBody>
+          <a:bodyPr vert="horz" lIns="91440" tIns="45720" rIns="91440" bIns="45720" rtlCol="0" anchor="ctr"/>
+          <a:lstStyle/>
+          <a:p>
+            <a:endParaRPr lang="en-US"/>
+          </a:p>
+        </p:txBody>
+      </p:sp>
+      <p:sp>
+        <p:nvSpPr>
+          <p:cNvPr id="5" name="Notes Placeholder 4"/>
+          <p:cNvSpPr>
+            <a:spLocks noGrp="1"/>
+          </p:cNvSpPr>
+          <p:nvPr>
+            <p:ph type="body" sz="quarter" idx="3"/>
+          </p:nvPr>
+        </p:nvSpPr>
+        <p:spPr>
+          <a:xfrm>
+            <a:off x="685800" y="4343400"/>
+            <a:ext cx="5486400" cy="4114800"/>
+          </a:xfrm>
+          <a:prstGeom prst="rect">
+            <a:avLst/>
+          </a:prstGeom>
+        </p:spPr>
+        <p:txBody>
+          <a:bodyPr vert="horz" lIns="91440" tIns="45720" rIns="91440" bIns="45720" rtlCol="0"/>
+          <a:lstStyle/>
+          <a:p>
+            <a:pPr lvl="0"/>
+            <a:r>
+              <a:rPr lang="en-US" smtClean="0"/>
+              <a:t>Click to edit Master text styles</a:t>
+            </a:r>
+          </a:p>
+          <a:p>
+            <a:pPr lvl="1"/>
+            <a:r>
+              <a:rPr lang="en-US" smtClean="0"/>
+              <a:t>Second level</a:t>
+            </a:r>
+          </a:p>
+          <a:p>
+            <a:pPr lvl="2"/>
+            <a:r>
+              <a:rPr lang="en-US" smtClean="0"/>
+              <a:t>Third level</a:t>
+            </a:r>
+          </a:p>
+          <a:p>
+            <a:pPr lvl="3"/>
+            <a:r>
+              <a:rPr lang="en-US" smtClean="0"/>
+              <a:t>Fourth level</a:t>
+            </a:r>
+          </a:p>
+          <a:p>
+            <a:pPr lvl="4"/>
+            <a:r>
+              <a:rPr lang="en-US" smtClean="0"/>
+              <a:t>Fifth level</a:t>
+            </a:r>
+            <a:endParaRPr lang="en-US"/>
+          </a:p>
+        </p:txBody>
+      </p:sp>
+      <p:sp>
+        <p:nvSpPr>
+          <p:cNvPr id="6" name="Footer Placeholder 5"/>
+          <p:cNvSpPr>
+            <a:spLocks noGrp="1"/>
+          </p:cNvSpPr>
+          <p:nvPr>
+            <p:ph type="ftr" sz="quarter" idx="4"/>
+          </p:nvPr>
+        </p:nvSpPr>
+        <p:spPr>
+          <a:xfrm>
+            <a:off x="0" y="8685213"/>
+            <a:ext cx="2971800" cy="457200"/>
+          </a:xfrm>
+          <a:prstGeom prst="rect">
+            <a:avLst/>
+          </a:prstGeom>
+        </p:spPr>
+        <p:txBody>
+          <a:bodyPr vert="horz" lIns="91440" tIns="45720" rIns="91440" bIns="45720" rtlCol="0" anchor="b"/>
+          <a:lstStyle>
+            <a:lvl1pPr algn="l">
+              <a:defRPr sz="1200"/>
+            </a:lvl1pPr>
+          </a:lstStyle>
+          <a:p>
+            <a:endParaRPr lang="en-US"/>
+          </a:p>
+        </p:txBody>
+      </p:sp>
+      <p:sp>
+        <p:nvSpPr>
+          <p:cNvPr id="7" name="Slide Number Placeholder 6"/>
+          <p:cNvSpPr>
+            <a:spLocks noGrp="1"/>
+          </p:cNvSpPr>
+          <p:nvPr>
+            <p:ph type="sldNum" sz="quarter" idx="5"/>
+          </p:nvPr>
+        </p:nvSpPr>
+        <p:spPr>
+          <a:xfrm>
+            <a:off x="3884613" y="8685213"/>
+            <a:ext cx="2971800" cy="457200"/>
+          </a:xfrm>
+          <a:prstGeom prst="rect">
+            <a:avLst/>
+          </a:prstGeom>
+        </p:spPr>
+        <p:txBody>
+          <a:bodyPr vert="horz" lIns="91440" tIns="45720" rIns="91440" bIns="45720" rtlCol="0" anchor="b"/>
+          <a:lstStyle>
+            <a:lvl1pPr algn="r">
+              <a:defRPr sz="1200"/>
+            </a:lvl1pPr>
+          </a:lstStyle>
+          <a:p>
+            <a:fld id="{1B2508BA-5CC2-4344-A11F-861340D98E55}" type="slidenum">
+              <a:rPr lang="en-US" smtClean="0"/>
+              <a:t>‹#›</a:t>
+            </a:fld>
+            <a:endParaRPr lang="en-US"/>
+          </a:p>
+        </p:txBody>
+      </p:sp>
+    </p:spTree>
+    <p:extLst>
+      <p:ext uri="{BB962C8B-B14F-4D97-AF65-F5344CB8AC3E}">
+        <p14:creationId xmlns:p14="http://schemas.microsoft.com/office/powerpoint/2010/main" val="578632948"/>
+      </p:ext>
+    </p:extLst>
+  </p:cSld>
+  <p:clrMap bg1="lt1" tx1="dk1" bg2="lt2" tx2="dk2" accent1="accent1" accent2="accent2" accent3="accent3" accent4="accent4" accent5="accent5" accent6="accent6" hlink="hlink" folHlink="folHlink"/>
+  <p:notesStyle>
+    <a:lvl1pPr marL="0" algn="l" defTabSz="914400" rtl="0" eaLnBrk="1" latinLnBrk="0" hangingPunct="1">
+      <a:defRPr sz="1200" kern="1200">
+        <a:solidFill>
+          <a:schemeClr val="tx1"/>
+        </a:solidFill>
+        <a:latin typeface="+mn-lt"/>
+        <a:ea typeface="+mn-ea"/>
+        <a:cs typeface="+mn-cs"/>
+      </a:defRPr>
+    </a:lvl1pPr>
+    <a:lvl2pPr marL="457200" algn="l" defTabSz="914400" rtl="0" eaLnBrk="1" latinLnBrk="0" hangingPunct="1">
+      <a:defRPr sz="1200" kern="1200">
+        <a:solidFill>
+          <a:schemeClr val="tx1"/>
+        </a:solidFill>
+        <a:latin typeface="+mn-lt"/>
+        <a:ea typeface="+mn-ea"/>
+        <a:cs typeface="+mn-cs"/>
+      </a:defRPr>
+    </a:lvl2pPr>
+    <a:lvl3pPr marL="914400" algn="l" defTabSz="914400" rtl="0" eaLnBrk="1" latinLnBrk="0" hangingPunct="1">
+      <a:defRPr sz="1200" kern="1200">
+        <a:solidFill>
+          <a:schemeClr val="tx1"/>
+        </a:solidFill>
+        <a:latin typeface="+mn-lt"/>
+        <a:ea typeface="+mn-ea"/>
+        <a:cs typeface="+mn-cs"/>
+      </a:defRPr>
+    </a:lvl3pPr>
+    <a:lvl4pPr marL="1371600" algn="l" defTabSz="914400" rtl="0" eaLnBrk="1" latinLnBrk="0" hangingPunct="1">
+      <a:defRPr sz="1200" kern="1200">
+        <a:solidFill>
+          <a:schemeClr val="tx1"/>
+        </a:solidFill>
+        <a:latin typeface="+mn-lt"/>
+        <a:ea typeface="+mn-ea"/>
+        <a:cs typeface="+mn-cs"/>
+      </a:defRPr>
+    </a:lvl4pPr>
+    <a:lvl5pPr marL="1828800" algn="l" defTabSz="914400" rtl="0" eaLnBrk="1" latinLnBrk="0" hangingPunct="1">
+      <a:defRPr sz="1200" kern="1200">
+        <a:solidFill>
+          <a:schemeClr val="tx1"/>
+        </a:solidFill>
+        <a:latin typeface="+mn-lt"/>
+        <a:ea typeface="+mn-ea"/>
+        <a:cs typeface="+mn-cs"/>
+      </a:defRPr>
+    </a:lvl5pPr>
+    <a:lvl6pPr marL="2286000" algn="l" defTabSz="914400" rtl="0" eaLnBrk="1" latinLnBrk="0" hangingPunct="1">
+      <a:defRPr sz="1200" kern="1200">
+        <a:solidFill>
+          <a:schemeClr val="tx1"/>
+        </a:solidFill>
+        <a:latin typeface="+mn-lt"/>
+        <a:ea typeface="+mn-ea"/>
+        <a:cs typeface="+mn-cs"/>
+      </a:defRPr>
+    </a:lvl6pPr>
+    <a:lvl7pPr marL="2743200" algn="l" defTabSz="914400" rtl="0" eaLnBrk="1" latinLnBrk="0" hangingPunct="1">
+      <a:defRPr sz="1200" kern="1200">
+        <a:solidFill>
+          <a:schemeClr val="tx1"/>
+        </a:solidFill>
+        <a:latin typeface="+mn-lt"/>
+        <a:ea typeface="+mn-ea"/>
+        <a:cs typeface="+mn-cs"/>
+      </a:defRPr>
+    </a:lvl7pPr>
+    <a:lvl8pPr marL="3200400" algn="l" defTabSz="914400" rtl="0" eaLnBrk="1" latinLnBrk="0" hangingPunct="1">
+      <a:defRPr sz="1200" kern="1200">
+        <a:solidFill>
+          <a:schemeClr val="tx1"/>
+        </a:solidFill>
+        <a:latin typeface="+mn-lt"/>
+        <a:ea typeface="+mn-ea"/>
+        <a:cs typeface="+mn-cs"/>
+      </a:defRPr>
+    </a:lvl8pPr>
+    <a:lvl9pPr marL="3657600" algn="l" defTabSz="914400" rtl="0" eaLnBrk="1" latinLnBrk="0" hangingPunct="1">
+      <a:defRPr sz="1200" kern="1200">
+        <a:solidFill>
+          <a:schemeClr val="tx1"/>
+        </a:solidFill>
+        <a:latin typeface="+mn-lt"/>
+        <a:ea typeface="+mn-ea"/>
+        <a:cs typeface="+mn-cs"/>
+      </a:defRPr>
+    </a:lvl9pPr>
+  </p:notesStyle>
+</p:notesMaster>
+</file>
+
+<file path=ppt/notesSlides/notesSlide1.xml><?xml version="1.0" encoding="utf-8"?>
+<p:notes xmlns:a="http://schemas.openxmlformats.org/drawingml/2006/main" xmlns:r="http://schemas.openxmlformats.org/officeDocument/2006/relationships" xmlns:p="http://schemas.openxmlformats.org/presentationml/2006/main">
+  <p:cSld>
+    <p:spTree>
+      <p:nvGrpSpPr>
+        <p:cNvPr id="1" name=""/>
+        <p:cNvGrpSpPr/>
+        <p:nvPr/>
+      </p:nvGrpSpPr>
+      <p:grpSpPr>
+        <a:xfrm>
+          <a:off x="0" y="0"/>
+          <a:ext cx="0" cy="0"/>
+          <a:chOff x="0" y="0"/>
+          <a:chExt cx="0" cy="0"/>
+        </a:xfrm>
+      </p:grpSpPr>
+      <p:sp>
+        <p:nvSpPr>
+          <p:cNvPr id="2" name="Slide Image Placeholder 1"/>
+          <p:cNvSpPr>
+            <a:spLocks noGrp="1" noRot="1" noChangeAspect="1"/>
+          </p:cNvSpPr>
+          <p:nvPr>
+            <p:ph type="sldImg"/>
+          </p:nvPr>
+        </p:nvSpPr>
+        <p:spPr/>
+      </p:sp>
+      <p:sp>
+        <p:nvSpPr>
+          <p:cNvPr id="3" name="Notes Placeholder 2"/>
+          <p:cNvSpPr>
+            <a:spLocks noGrp="1"/>
+          </p:cNvSpPr>
+          <p:nvPr>
+            <p:ph type="body" idx="1"/>
+          </p:nvPr>
+        </p:nvSpPr>
+        <p:spPr/>
+        <p:txBody>
+          <a:bodyPr/>
+          <a:lstStyle/>
+          <a:p>
+            <a:r>
+              <a:rPr lang="en-US" dirty="0" smtClean="0"/>
+              <a:t>Sockets are</a:t>
+            </a:r>
+            <a:r>
+              <a:rPr lang="en-US" baseline="0" dirty="0" smtClean="0"/>
+              <a:t> created from the Context.  There should be only one context created in the process, which is then used to create all of the sockets used by the application.  Sockets are asynchronous internally, but are not thread-safe and should only be used from a single thread.</a:t>
+            </a:r>
+          </a:p>
+          <a:p>
+            <a:endParaRPr lang="en-US" baseline="0" dirty="0" smtClean="0"/>
+          </a:p>
+        </p:txBody>
+      </p:sp>
+      <p:sp>
+        <p:nvSpPr>
+          <p:cNvPr id="4" name="Slide Number Placeholder 3"/>
+          <p:cNvSpPr>
+            <a:spLocks noGrp="1"/>
+          </p:cNvSpPr>
+          <p:nvPr>
+            <p:ph type="sldNum" sz="quarter" idx="10"/>
+          </p:nvPr>
+        </p:nvSpPr>
+        <p:spPr/>
+        <p:txBody>
+          <a:bodyPr/>
+          <a:lstStyle/>
+          <a:p>
+            <a:fld id="{1B2508BA-5CC2-4344-A11F-861340D98E55}" type="slidenum">
+              <a:rPr lang="en-US" smtClean="0"/>
+              <a:t>4</a:t>
+            </a:fld>
+            <a:endParaRPr lang="en-US"/>
+          </a:p>
+        </p:txBody>
+      </p:sp>
+    </p:spTree>
+    <p:extLst>
+      <p:ext uri="{BB962C8B-B14F-4D97-AF65-F5344CB8AC3E}">
+        <p14:creationId xmlns:p14="http://schemas.microsoft.com/office/powerpoint/2010/main" val="2559511563"/>
+      </p:ext>
+    </p:extLst>
+  </p:cSld>
+  <p:clrMapOvr>
+    <a:masterClrMapping/>
+  </p:clrMapOvr>
+</p:notes>
 </file>
 
 <file path=ppt/slideLayouts/slideLayout1.xml><?xml version="1.0" encoding="utf-8"?>
@@ -5932,6 +6380,9 @@
   <p:clrMapOvr>
     <a:masterClrMapping/>
   </p:clrMapOvr>
+  <p:transition>
+    <p:fade/>
+  </p:transition>
   <p:timing>
     <p:tnLst>
       <p:par>
@@ -5976,6 +6427,1075 @@
           <a:p>
             <a:r>
               <a:rPr lang="en-US" dirty="0" smtClean="0"/>
+              <a:t>Scaling</a:t>
+            </a:r>
+            <a:endParaRPr lang="en-US" dirty="0"/>
+          </a:p>
+        </p:txBody>
+      </p:sp>
+      <p:grpSp>
+        <p:nvGrpSpPr>
+          <p:cNvPr id="7" name="Group 6"/>
+          <p:cNvGrpSpPr/>
+          <p:nvPr/>
+        </p:nvGrpSpPr>
+        <p:grpSpPr>
+          <a:xfrm>
+            <a:off x="1623956" y="4968237"/>
+            <a:ext cx="1280160" cy="1280160"/>
+            <a:chOff x="584" y="367456"/>
+            <a:chExt cx="2313086" cy="2313086"/>
+          </a:xfrm>
+        </p:grpSpPr>
+        <p:sp>
+          <p:nvSpPr>
+            <p:cNvPr id="8" name="Oval 7"/>
+            <p:cNvSpPr/>
+            <p:nvPr/>
+          </p:nvSpPr>
+          <p:spPr>
+            <a:xfrm>
+              <a:off x="584" y="367456"/>
+              <a:ext cx="2313086" cy="2313086"/>
+            </a:xfrm>
+            <a:prstGeom prst="ellipse">
+              <a:avLst/>
+            </a:prstGeom>
+          </p:spPr>
+          <p:style>
+            <a:lnRef idx="2">
+              <a:schemeClr val="lt1">
+                <a:hueOff val="0"/>
+                <a:satOff val="0"/>
+                <a:lumOff val="0"/>
+                <a:alphaOff val="0"/>
+              </a:schemeClr>
+            </a:lnRef>
+            <a:fillRef idx="1">
+              <a:schemeClr val="accent5">
+                <a:hueOff val="0"/>
+                <a:satOff val="0"/>
+                <a:lumOff val="0"/>
+                <a:alphaOff val="0"/>
+              </a:schemeClr>
+            </a:fillRef>
+            <a:effectRef idx="0">
+              <a:schemeClr val="accent5">
+                <a:hueOff val="0"/>
+                <a:satOff val="0"/>
+                <a:lumOff val="0"/>
+                <a:alphaOff val="0"/>
+              </a:schemeClr>
+            </a:effectRef>
+            <a:fontRef idx="minor">
+              <a:schemeClr val="lt1"/>
+            </a:fontRef>
+          </p:style>
+        </p:sp>
+        <p:sp>
+          <p:nvSpPr>
+            <p:cNvPr id="9" name="Oval 4"/>
+            <p:cNvSpPr/>
+            <p:nvPr/>
+          </p:nvSpPr>
+          <p:spPr>
+            <a:xfrm>
+              <a:off x="339328" y="706200"/>
+              <a:ext cx="1635598" cy="1635598"/>
+            </a:xfrm>
+            <a:prstGeom prst="rect">
+              <a:avLst/>
+            </a:prstGeom>
+          </p:spPr>
+          <p:style>
+            <a:lnRef idx="0">
+              <a:scrgbClr r="0" g="0" b="0"/>
+            </a:lnRef>
+            <a:fillRef idx="0">
+              <a:scrgbClr r="0" g="0" b="0"/>
+            </a:fillRef>
+            <a:effectRef idx="0">
+              <a:scrgbClr r="0" g="0" b="0"/>
+            </a:effectRef>
+            <a:fontRef idx="minor">
+              <a:schemeClr val="lt1"/>
+            </a:fontRef>
+          </p:style>
+          <p:txBody>
+            <a:bodyPr spcFirstLastPara="0" vert="horz" wrap="square" lIns="40640" tIns="40640" rIns="40640" bIns="40640" numCol="1" spcCol="1270" anchor="ctr" anchorCtr="0">
+              <a:noAutofit/>
+            </a:bodyPr>
+            <a:lstStyle/>
+            <a:p>
+              <a:pPr lvl="0" algn="ctr" defTabSz="1422400">
+                <a:lnSpc>
+                  <a:spcPct val="90000"/>
+                </a:lnSpc>
+                <a:spcBef>
+                  <a:spcPct val="0"/>
+                </a:spcBef>
+                <a:spcAft>
+                  <a:spcPct val="35000"/>
+                </a:spcAft>
+              </a:pPr>
+              <a:r>
+                <a:rPr lang="en-US" sz="2800" kern="1200" dirty="0" smtClean="0"/>
+                <a:t>REP</a:t>
+              </a:r>
+              <a:endParaRPr lang="en-US" sz="2800" kern="1200" dirty="0"/>
+            </a:p>
+          </p:txBody>
+        </p:sp>
+      </p:grpSp>
+      <p:grpSp>
+        <p:nvGrpSpPr>
+          <p:cNvPr id="10" name="Group 9"/>
+          <p:cNvGrpSpPr/>
+          <p:nvPr/>
+        </p:nvGrpSpPr>
+        <p:grpSpPr>
+          <a:xfrm>
+            <a:off x="3641308" y="4968240"/>
+            <a:ext cx="1280160" cy="1280160"/>
+            <a:chOff x="584" y="367456"/>
+            <a:chExt cx="2313086" cy="2313086"/>
+          </a:xfrm>
+        </p:grpSpPr>
+        <p:sp>
+          <p:nvSpPr>
+            <p:cNvPr id="11" name="Oval 10"/>
+            <p:cNvSpPr/>
+            <p:nvPr/>
+          </p:nvSpPr>
+          <p:spPr>
+            <a:xfrm>
+              <a:off x="584" y="367456"/>
+              <a:ext cx="2313086" cy="2313086"/>
+            </a:xfrm>
+            <a:prstGeom prst="ellipse">
+              <a:avLst/>
+            </a:prstGeom>
+          </p:spPr>
+          <p:style>
+            <a:lnRef idx="2">
+              <a:schemeClr val="lt1">
+                <a:hueOff val="0"/>
+                <a:satOff val="0"/>
+                <a:lumOff val="0"/>
+                <a:alphaOff val="0"/>
+              </a:schemeClr>
+            </a:lnRef>
+            <a:fillRef idx="1">
+              <a:schemeClr val="accent5">
+                <a:hueOff val="0"/>
+                <a:satOff val="0"/>
+                <a:lumOff val="0"/>
+                <a:alphaOff val="0"/>
+              </a:schemeClr>
+            </a:fillRef>
+            <a:effectRef idx="0">
+              <a:schemeClr val="accent5">
+                <a:hueOff val="0"/>
+                <a:satOff val="0"/>
+                <a:lumOff val="0"/>
+                <a:alphaOff val="0"/>
+              </a:schemeClr>
+            </a:effectRef>
+            <a:fontRef idx="minor">
+              <a:schemeClr val="lt1"/>
+            </a:fontRef>
+          </p:style>
+        </p:sp>
+        <p:sp>
+          <p:nvSpPr>
+            <p:cNvPr id="12" name="Oval 4"/>
+            <p:cNvSpPr/>
+            <p:nvPr/>
+          </p:nvSpPr>
+          <p:spPr>
+            <a:xfrm>
+              <a:off x="339328" y="706200"/>
+              <a:ext cx="1635598" cy="1635598"/>
+            </a:xfrm>
+            <a:prstGeom prst="rect">
+              <a:avLst/>
+            </a:prstGeom>
+          </p:spPr>
+          <p:style>
+            <a:lnRef idx="0">
+              <a:scrgbClr r="0" g="0" b="0"/>
+            </a:lnRef>
+            <a:fillRef idx="0">
+              <a:scrgbClr r="0" g="0" b="0"/>
+            </a:fillRef>
+            <a:effectRef idx="0">
+              <a:scrgbClr r="0" g="0" b="0"/>
+            </a:effectRef>
+            <a:fontRef idx="minor">
+              <a:schemeClr val="lt1"/>
+            </a:fontRef>
+          </p:style>
+          <p:txBody>
+            <a:bodyPr spcFirstLastPara="0" vert="horz" wrap="square" lIns="40640" tIns="40640" rIns="40640" bIns="40640" numCol="1" spcCol="1270" anchor="ctr" anchorCtr="0">
+              <a:noAutofit/>
+            </a:bodyPr>
+            <a:lstStyle/>
+            <a:p>
+              <a:pPr lvl="0" algn="ctr" defTabSz="1422400">
+                <a:lnSpc>
+                  <a:spcPct val="90000"/>
+                </a:lnSpc>
+                <a:spcBef>
+                  <a:spcPct val="0"/>
+                </a:spcBef>
+                <a:spcAft>
+                  <a:spcPct val="35000"/>
+                </a:spcAft>
+              </a:pPr>
+              <a:r>
+                <a:rPr lang="en-US" sz="2800" kern="1200" dirty="0" smtClean="0"/>
+                <a:t>REP</a:t>
+              </a:r>
+              <a:endParaRPr lang="en-US" sz="2800" kern="1200" dirty="0"/>
+            </a:p>
+          </p:txBody>
+        </p:sp>
+      </p:grpSp>
+      <p:grpSp>
+        <p:nvGrpSpPr>
+          <p:cNvPr id="13" name="Group 12"/>
+          <p:cNvGrpSpPr/>
+          <p:nvPr/>
+        </p:nvGrpSpPr>
+        <p:grpSpPr>
+          <a:xfrm>
+            <a:off x="5698797" y="4968240"/>
+            <a:ext cx="1280160" cy="1280160"/>
+            <a:chOff x="584" y="367456"/>
+            <a:chExt cx="2313086" cy="2313086"/>
+          </a:xfrm>
+        </p:grpSpPr>
+        <p:sp>
+          <p:nvSpPr>
+            <p:cNvPr id="14" name="Oval 13"/>
+            <p:cNvSpPr/>
+            <p:nvPr/>
+          </p:nvSpPr>
+          <p:spPr>
+            <a:xfrm>
+              <a:off x="584" y="367456"/>
+              <a:ext cx="2313086" cy="2313086"/>
+            </a:xfrm>
+            <a:prstGeom prst="ellipse">
+              <a:avLst/>
+            </a:prstGeom>
+          </p:spPr>
+          <p:style>
+            <a:lnRef idx="2">
+              <a:schemeClr val="lt1">
+                <a:hueOff val="0"/>
+                <a:satOff val="0"/>
+                <a:lumOff val="0"/>
+                <a:alphaOff val="0"/>
+              </a:schemeClr>
+            </a:lnRef>
+            <a:fillRef idx="1">
+              <a:schemeClr val="accent5">
+                <a:hueOff val="0"/>
+                <a:satOff val="0"/>
+                <a:lumOff val="0"/>
+                <a:alphaOff val="0"/>
+              </a:schemeClr>
+            </a:fillRef>
+            <a:effectRef idx="0">
+              <a:schemeClr val="accent5">
+                <a:hueOff val="0"/>
+                <a:satOff val="0"/>
+                <a:lumOff val="0"/>
+                <a:alphaOff val="0"/>
+              </a:schemeClr>
+            </a:effectRef>
+            <a:fontRef idx="minor">
+              <a:schemeClr val="lt1"/>
+            </a:fontRef>
+          </p:style>
+        </p:sp>
+        <p:sp>
+          <p:nvSpPr>
+            <p:cNvPr id="15" name="Oval 4"/>
+            <p:cNvSpPr/>
+            <p:nvPr/>
+          </p:nvSpPr>
+          <p:spPr>
+            <a:xfrm>
+              <a:off x="339328" y="706200"/>
+              <a:ext cx="1635598" cy="1635598"/>
+            </a:xfrm>
+            <a:prstGeom prst="rect">
+              <a:avLst/>
+            </a:prstGeom>
+          </p:spPr>
+          <p:style>
+            <a:lnRef idx="0">
+              <a:scrgbClr r="0" g="0" b="0"/>
+            </a:lnRef>
+            <a:fillRef idx="0">
+              <a:scrgbClr r="0" g="0" b="0"/>
+            </a:fillRef>
+            <a:effectRef idx="0">
+              <a:scrgbClr r="0" g="0" b="0"/>
+            </a:effectRef>
+            <a:fontRef idx="minor">
+              <a:schemeClr val="lt1"/>
+            </a:fontRef>
+          </p:style>
+          <p:txBody>
+            <a:bodyPr spcFirstLastPara="0" vert="horz" wrap="square" lIns="40640" tIns="40640" rIns="40640" bIns="40640" numCol="1" spcCol="1270" anchor="ctr" anchorCtr="0">
+              <a:noAutofit/>
+            </a:bodyPr>
+            <a:lstStyle/>
+            <a:p>
+              <a:pPr lvl="0" algn="ctr" defTabSz="1422400">
+                <a:lnSpc>
+                  <a:spcPct val="90000"/>
+                </a:lnSpc>
+                <a:spcBef>
+                  <a:spcPct val="0"/>
+                </a:spcBef>
+                <a:spcAft>
+                  <a:spcPct val="35000"/>
+                </a:spcAft>
+              </a:pPr>
+              <a:r>
+                <a:rPr lang="en-US" sz="2800" kern="1200" dirty="0" smtClean="0"/>
+                <a:t>REP</a:t>
+              </a:r>
+              <a:endParaRPr lang="en-US" sz="2800" kern="1200" dirty="0"/>
+            </a:p>
+          </p:txBody>
+        </p:sp>
+      </p:grpSp>
+      <p:grpSp>
+        <p:nvGrpSpPr>
+          <p:cNvPr id="16" name="Group 15"/>
+          <p:cNvGrpSpPr/>
+          <p:nvPr/>
+        </p:nvGrpSpPr>
+        <p:grpSpPr>
+          <a:xfrm>
+            <a:off x="1623956" y="1619735"/>
+            <a:ext cx="1280160" cy="1280160"/>
+            <a:chOff x="584" y="367456"/>
+            <a:chExt cx="2313086" cy="2313086"/>
+          </a:xfrm>
+        </p:grpSpPr>
+        <p:sp>
+          <p:nvSpPr>
+            <p:cNvPr id="17" name="Oval 16"/>
+            <p:cNvSpPr/>
+            <p:nvPr/>
+          </p:nvSpPr>
+          <p:spPr>
+            <a:xfrm>
+              <a:off x="584" y="367456"/>
+              <a:ext cx="2313086" cy="2313086"/>
+            </a:xfrm>
+            <a:prstGeom prst="ellipse">
+              <a:avLst/>
+            </a:prstGeom>
+          </p:spPr>
+          <p:style>
+            <a:lnRef idx="2">
+              <a:schemeClr val="lt1">
+                <a:hueOff val="0"/>
+                <a:satOff val="0"/>
+                <a:lumOff val="0"/>
+                <a:alphaOff val="0"/>
+              </a:schemeClr>
+            </a:lnRef>
+            <a:fillRef idx="1">
+              <a:schemeClr val="accent5">
+                <a:hueOff val="0"/>
+                <a:satOff val="0"/>
+                <a:lumOff val="0"/>
+                <a:alphaOff val="0"/>
+              </a:schemeClr>
+            </a:fillRef>
+            <a:effectRef idx="0">
+              <a:schemeClr val="accent5">
+                <a:hueOff val="0"/>
+                <a:satOff val="0"/>
+                <a:lumOff val="0"/>
+                <a:alphaOff val="0"/>
+              </a:schemeClr>
+            </a:effectRef>
+            <a:fontRef idx="minor">
+              <a:schemeClr val="lt1"/>
+            </a:fontRef>
+          </p:style>
+        </p:sp>
+        <p:sp>
+          <p:nvSpPr>
+            <p:cNvPr id="18" name="Oval 4"/>
+            <p:cNvSpPr/>
+            <p:nvPr/>
+          </p:nvSpPr>
+          <p:spPr>
+            <a:xfrm>
+              <a:off x="339328" y="706200"/>
+              <a:ext cx="1635598" cy="1635598"/>
+            </a:xfrm>
+            <a:prstGeom prst="rect">
+              <a:avLst/>
+            </a:prstGeom>
+          </p:spPr>
+          <p:style>
+            <a:lnRef idx="0">
+              <a:scrgbClr r="0" g="0" b="0"/>
+            </a:lnRef>
+            <a:fillRef idx="0">
+              <a:scrgbClr r="0" g="0" b="0"/>
+            </a:fillRef>
+            <a:effectRef idx="0">
+              <a:scrgbClr r="0" g="0" b="0"/>
+            </a:effectRef>
+            <a:fontRef idx="minor">
+              <a:schemeClr val="lt1"/>
+            </a:fontRef>
+          </p:style>
+          <p:txBody>
+            <a:bodyPr spcFirstLastPara="0" vert="horz" wrap="square" lIns="40640" tIns="40640" rIns="40640" bIns="40640" numCol="1" spcCol="1270" anchor="ctr" anchorCtr="0">
+              <a:noAutofit/>
+            </a:bodyPr>
+            <a:lstStyle/>
+            <a:p>
+              <a:pPr lvl="0" algn="ctr" defTabSz="1422400">
+                <a:lnSpc>
+                  <a:spcPct val="90000"/>
+                </a:lnSpc>
+                <a:spcBef>
+                  <a:spcPct val="0"/>
+                </a:spcBef>
+                <a:spcAft>
+                  <a:spcPct val="35000"/>
+                </a:spcAft>
+              </a:pPr>
+              <a:r>
+                <a:rPr lang="en-US" sz="2800" kern="1200" dirty="0" smtClean="0"/>
+                <a:t>REQ</a:t>
+              </a:r>
+              <a:endParaRPr lang="en-US" sz="2800" kern="1200" dirty="0"/>
+            </a:p>
+          </p:txBody>
+        </p:sp>
+      </p:grpSp>
+      <p:grpSp>
+        <p:nvGrpSpPr>
+          <p:cNvPr id="28" name="Group 27"/>
+          <p:cNvGrpSpPr/>
+          <p:nvPr/>
+        </p:nvGrpSpPr>
+        <p:grpSpPr>
+          <a:xfrm>
+            <a:off x="3641308" y="1619734"/>
+            <a:ext cx="1280160" cy="1280160"/>
+            <a:chOff x="584" y="367456"/>
+            <a:chExt cx="2313086" cy="2313086"/>
+          </a:xfrm>
+        </p:grpSpPr>
+        <p:sp>
+          <p:nvSpPr>
+            <p:cNvPr id="29" name="Oval 28"/>
+            <p:cNvSpPr/>
+            <p:nvPr/>
+          </p:nvSpPr>
+          <p:spPr>
+            <a:xfrm>
+              <a:off x="584" y="367456"/>
+              <a:ext cx="2313086" cy="2313086"/>
+            </a:xfrm>
+            <a:prstGeom prst="ellipse">
+              <a:avLst/>
+            </a:prstGeom>
+          </p:spPr>
+          <p:style>
+            <a:lnRef idx="2">
+              <a:schemeClr val="lt1">
+                <a:hueOff val="0"/>
+                <a:satOff val="0"/>
+                <a:lumOff val="0"/>
+                <a:alphaOff val="0"/>
+              </a:schemeClr>
+            </a:lnRef>
+            <a:fillRef idx="1">
+              <a:schemeClr val="accent5">
+                <a:hueOff val="0"/>
+                <a:satOff val="0"/>
+                <a:lumOff val="0"/>
+                <a:alphaOff val="0"/>
+              </a:schemeClr>
+            </a:fillRef>
+            <a:effectRef idx="0">
+              <a:schemeClr val="accent5">
+                <a:hueOff val="0"/>
+                <a:satOff val="0"/>
+                <a:lumOff val="0"/>
+                <a:alphaOff val="0"/>
+              </a:schemeClr>
+            </a:effectRef>
+            <a:fontRef idx="minor">
+              <a:schemeClr val="lt1"/>
+            </a:fontRef>
+          </p:style>
+        </p:sp>
+        <p:sp>
+          <p:nvSpPr>
+            <p:cNvPr id="30" name="Oval 4"/>
+            <p:cNvSpPr/>
+            <p:nvPr/>
+          </p:nvSpPr>
+          <p:spPr>
+            <a:xfrm>
+              <a:off x="339328" y="706200"/>
+              <a:ext cx="1635598" cy="1635598"/>
+            </a:xfrm>
+            <a:prstGeom prst="rect">
+              <a:avLst/>
+            </a:prstGeom>
+          </p:spPr>
+          <p:style>
+            <a:lnRef idx="0">
+              <a:scrgbClr r="0" g="0" b="0"/>
+            </a:lnRef>
+            <a:fillRef idx="0">
+              <a:scrgbClr r="0" g="0" b="0"/>
+            </a:fillRef>
+            <a:effectRef idx="0">
+              <a:scrgbClr r="0" g="0" b="0"/>
+            </a:effectRef>
+            <a:fontRef idx="minor">
+              <a:schemeClr val="lt1"/>
+            </a:fontRef>
+          </p:style>
+          <p:txBody>
+            <a:bodyPr spcFirstLastPara="0" vert="horz" wrap="square" lIns="40640" tIns="40640" rIns="40640" bIns="40640" numCol="1" spcCol="1270" anchor="ctr" anchorCtr="0">
+              <a:noAutofit/>
+            </a:bodyPr>
+            <a:lstStyle/>
+            <a:p>
+              <a:pPr lvl="0" algn="ctr" defTabSz="1422400">
+                <a:lnSpc>
+                  <a:spcPct val="90000"/>
+                </a:lnSpc>
+                <a:spcBef>
+                  <a:spcPct val="0"/>
+                </a:spcBef>
+                <a:spcAft>
+                  <a:spcPct val="35000"/>
+                </a:spcAft>
+              </a:pPr>
+              <a:r>
+                <a:rPr lang="en-US" sz="2800" kern="1200" dirty="0" smtClean="0"/>
+                <a:t>REQ</a:t>
+              </a:r>
+              <a:endParaRPr lang="en-US" sz="2800" kern="1200" dirty="0"/>
+            </a:p>
+          </p:txBody>
+        </p:sp>
+      </p:grpSp>
+      <p:grpSp>
+        <p:nvGrpSpPr>
+          <p:cNvPr id="31" name="Group 30"/>
+          <p:cNvGrpSpPr/>
+          <p:nvPr/>
+        </p:nvGrpSpPr>
+        <p:grpSpPr>
+          <a:xfrm>
+            <a:off x="5698797" y="1619733"/>
+            <a:ext cx="1280160" cy="1280160"/>
+            <a:chOff x="584" y="367456"/>
+            <a:chExt cx="2313086" cy="2313086"/>
+          </a:xfrm>
+        </p:grpSpPr>
+        <p:sp>
+          <p:nvSpPr>
+            <p:cNvPr id="32" name="Oval 31"/>
+            <p:cNvSpPr/>
+            <p:nvPr/>
+          </p:nvSpPr>
+          <p:spPr>
+            <a:xfrm>
+              <a:off x="584" y="367456"/>
+              <a:ext cx="2313086" cy="2313086"/>
+            </a:xfrm>
+            <a:prstGeom prst="ellipse">
+              <a:avLst/>
+            </a:prstGeom>
+          </p:spPr>
+          <p:style>
+            <a:lnRef idx="2">
+              <a:schemeClr val="lt1">
+                <a:hueOff val="0"/>
+                <a:satOff val="0"/>
+                <a:lumOff val="0"/>
+                <a:alphaOff val="0"/>
+              </a:schemeClr>
+            </a:lnRef>
+            <a:fillRef idx="1">
+              <a:schemeClr val="accent5">
+                <a:hueOff val="0"/>
+                <a:satOff val="0"/>
+                <a:lumOff val="0"/>
+                <a:alphaOff val="0"/>
+              </a:schemeClr>
+            </a:fillRef>
+            <a:effectRef idx="0">
+              <a:schemeClr val="accent5">
+                <a:hueOff val="0"/>
+                <a:satOff val="0"/>
+                <a:lumOff val="0"/>
+                <a:alphaOff val="0"/>
+              </a:schemeClr>
+            </a:effectRef>
+            <a:fontRef idx="minor">
+              <a:schemeClr val="lt1"/>
+            </a:fontRef>
+          </p:style>
+        </p:sp>
+        <p:sp>
+          <p:nvSpPr>
+            <p:cNvPr id="33" name="Oval 4"/>
+            <p:cNvSpPr/>
+            <p:nvPr/>
+          </p:nvSpPr>
+          <p:spPr>
+            <a:xfrm>
+              <a:off x="339328" y="706200"/>
+              <a:ext cx="1635598" cy="1635598"/>
+            </a:xfrm>
+            <a:prstGeom prst="rect">
+              <a:avLst/>
+            </a:prstGeom>
+          </p:spPr>
+          <p:style>
+            <a:lnRef idx="0">
+              <a:scrgbClr r="0" g="0" b="0"/>
+            </a:lnRef>
+            <a:fillRef idx="0">
+              <a:scrgbClr r="0" g="0" b="0"/>
+            </a:fillRef>
+            <a:effectRef idx="0">
+              <a:scrgbClr r="0" g="0" b="0"/>
+            </a:effectRef>
+            <a:fontRef idx="minor">
+              <a:schemeClr val="lt1"/>
+            </a:fontRef>
+          </p:style>
+          <p:txBody>
+            <a:bodyPr spcFirstLastPara="0" vert="horz" wrap="square" lIns="40640" tIns="40640" rIns="40640" bIns="40640" numCol="1" spcCol="1270" anchor="ctr" anchorCtr="0">
+              <a:noAutofit/>
+            </a:bodyPr>
+            <a:lstStyle/>
+            <a:p>
+              <a:pPr lvl="0" algn="ctr" defTabSz="1422400">
+                <a:lnSpc>
+                  <a:spcPct val="90000"/>
+                </a:lnSpc>
+                <a:spcBef>
+                  <a:spcPct val="0"/>
+                </a:spcBef>
+                <a:spcAft>
+                  <a:spcPct val="35000"/>
+                </a:spcAft>
+              </a:pPr>
+              <a:r>
+                <a:rPr lang="en-US" sz="2800" kern="1200" dirty="0" smtClean="0"/>
+                <a:t>REQ</a:t>
+              </a:r>
+              <a:endParaRPr lang="en-US" sz="2800" kern="1200" dirty="0"/>
+            </a:p>
+          </p:txBody>
+        </p:sp>
+      </p:grpSp>
+      <p:grpSp>
+        <p:nvGrpSpPr>
+          <p:cNvPr id="34" name="Group 33"/>
+          <p:cNvGrpSpPr/>
+          <p:nvPr/>
+        </p:nvGrpSpPr>
+        <p:grpSpPr>
+          <a:xfrm>
+            <a:off x="3629148" y="3261977"/>
+            <a:ext cx="1304481" cy="1304481"/>
+            <a:chOff x="584" y="367456"/>
+            <a:chExt cx="2313086" cy="2313086"/>
+          </a:xfrm>
+        </p:grpSpPr>
+        <p:sp>
+          <p:nvSpPr>
+            <p:cNvPr id="35" name="Oval 34"/>
+            <p:cNvSpPr/>
+            <p:nvPr/>
+          </p:nvSpPr>
+          <p:spPr>
+            <a:xfrm>
+              <a:off x="584" y="367456"/>
+              <a:ext cx="2313086" cy="2313086"/>
+            </a:xfrm>
+            <a:prstGeom prst="roundRect">
+              <a:avLst/>
+            </a:prstGeom>
+          </p:spPr>
+          <p:style>
+            <a:lnRef idx="2">
+              <a:schemeClr val="lt1">
+                <a:hueOff val="0"/>
+                <a:satOff val="0"/>
+                <a:lumOff val="0"/>
+                <a:alphaOff val="0"/>
+              </a:schemeClr>
+            </a:lnRef>
+            <a:fillRef idx="1">
+              <a:schemeClr val="accent5">
+                <a:hueOff val="0"/>
+                <a:satOff val="0"/>
+                <a:lumOff val="0"/>
+                <a:alphaOff val="0"/>
+              </a:schemeClr>
+            </a:fillRef>
+            <a:effectRef idx="0">
+              <a:schemeClr val="accent5">
+                <a:hueOff val="0"/>
+                <a:satOff val="0"/>
+                <a:lumOff val="0"/>
+                <a:alphaOff val="0"/>
+              </a:schemeClr>
+            </a:effectRef>
+            <a:fontRef idx="minor">
+              <a:schemeClr val="lt1"/>
+            </a:fontRef>
+          </p:style>
+          <p:txBody>
+            <a:bodyPr anchor="ctr"/>
+            <a:lstStyle/>
+            <a:p>
+              <a:pPr algn="ctr"/>
+              <a:r>
+                <a:rPr lang="en-US" sz="2800" dirty="0" smtClean="0"/>
+                <a:t>Proxy</a:t>
+              </a:r>
+              <a:endParaRPr lang="en-US" sz="2800" dirty="0"/>
+            </a:p>
+          </p:txBody>
+        </p:sp>
+        <p:sp>
+          <p:nvSpPr>
+            <p:cNvPr id="36" name="Oval 4"/>
+            <p:cNvSpPr/>
+            <p:nvPr/>
+          </p:nvSpPr>
+          <p:spPr>
+            <a:xfrm>
+              <a:off x="339328" y="706200"/>
+              <a:ext cx="1635598" cy="1635598"/>
+            </a:xfrm>
+            <a:prstGeom prst="roundRect">
+              <a:avLst/>
+            </a:prstGeom>
+          </p:spPr>
+          <p:style>
+            <a:lnRef idx="0">
+              <a:scrgbClr r="0" g="0" b="0"/>
+            </a:lnRef>
+            <a:fillRef idx="0">
+              <a:scrgbClr r="0" g="0" b="0"/>
+            </a:fillRef>
+            <a:effectRef idx="0">
+              <a:scrgbClr r="0" g="0" b="0"/>
+            </a:effectRef>
+            <a:fontRef idx="minor">
+              <a:schemeClr val="lt1"/>
+            </a:fontRef>
+          </p:style>
+          <p:txBody>
+            <a:bodyPr spcFirstLastPara="0" vert="horz" wrap="square" lIns="40640" tIns="40640" rIns="40640" bIns="40640" numCol="1" spcCol="1270" anchor="ctr" anchorCtr="0">
+              <a:noAutofit/>
+            </a:bodyPr>
+            <a:lstStyle/>
+            <a:p>
+              <a:pPr lvl="0" algn="ctr" defTabSz="1422400">
+                <a:lnSpc>
+                  <a:spcPct val="90000"/>
+                </a:lnSpc>
+                <a:spcBef>
+                  <a:spcPct val="0"/>
+                </a:spcBef>
+                <a:spcAft>
+                  <a:spcPct val="35000"/>
+                </a:spcAft>
+              </a:pPr>
+              <a:endParaRPr lang="en-US" sz="3200" kern="1200" dirty="0"/>
+            </a:p>
+          </p:txBody>
+        </p:sp>
+      </p:grpSp>
+      <p:cxnSp>
+        <p:nvCxnSpPr>
+          <p:cNvPr id="42" name="Elbow Connector 41"/>
+          <p:cNvCxnSpPr>
+            <a:stCxn id="17" idx="4"/>
+            <a:endCxn id="35" idx="0"/>
+          </p:cNvCxnSpPr>
+          <p:nvPr/>
+        </p:nvCxnSpPr>
+        <p:spPr>
+          <a:xfrm rot="16200000" flipH="1">
+            <a:off x="3091671" y="2072259"/>
+            <a:ext cx="362082" cy="2017353"/>
+          </a:xfrm>
+          <a:prstGeom prst="bentConnector3">
+            <a:avLst>
+              <a:gd name="adj1" fmla="val 50000"/>
+            </a:avLst>
+          </a:prstGeom>
+        </p:spPr>
+        <p:style>
+          <a:lnRef idx="1">
+            <a:schemeClr val="accent1"/>
+          </a:lnRef>
+          <a:fillRef idx="0">
+            <a:schemeClr val="accent1"/>
+          </a:fillRef>
+          <a:effectRef idx="0">
+            <a:schemeClr val="accent1"/>
+          </a:effectRef>
+          <a:fontRef idx="minor">
+            <a:schemeClr val="tx1"/>
+          </a:fontRef>
+        </p:style>
+      </p:cxnSp>
+      <p:cxnSp>
+        <p:nvCxnSpPr>
+          <p:cNvPr id="50" name="Straight Connector 49"/>
+          <p:cNvCxnSpPr>
+            <a:stCxn id="29" idx="4"/>
+            <a:endCxn id="35" idx="0"/>
+          </p:cNvCxnSpPr>
+          <p:nvPr/>
+        </p:nvCxnSpPr>
+        <p:spPr>
+          <a:xfrm>
+            <a:off x="4281388" y="2899894"/>
+            <a:ext cx="1" cy="362083"/>
+          </a:xfrm>
+          <a:prstGeom prst="line">
+            <a:avLst/>
+          </a:prstGeom>
+        </p:spPr>
+        <p:style>
+          <a:lnRef idx="1">
+            <a:schemeClr val="accent1"/>
+          </a:lnRef>
+          <a:fillRef idx="0">
+            <a:schemeClr val="accent1"/>
+          </a:fillRef>
+          <a:effectRef idx="0">
+            <a:schemeClr val="accent1"/>
+          </a:effectRef>
+          <a:fontRef idx="minor">
+            <a:schemeClr val="tx1"/>
+          </a:fontRef>
+        </p:style>
+      </p:cxnSp>
+      <p:cxnSp>
+        <p:nvCxnSpPr>
+          <p:cNvPr id="52" name="Elbow Connector 51"/>
+          <p:cNvCxnSpPr>
+            <a:stCxn id="32" idx="4"/>
+            <a:endCxn id="35" idx="0"/>
+          </p:cNvCxnSpPr>
+          <p:nvPr/>
+        </p:nvCxnSpPr>
+        <p:spPr>
+          <a:xfrm rot="5400000">
+            <a:off x="5129091" y="2052191"/>
+            <a:ext cx="362084" cy="2057488"/>
+          </a:xfrm>
+          <a:prstGeom prst="bentConnector3">
+            <a:avLst/>
+          </a:prstGeom>
+        </p:spPr>
+        <p:style>
+          <a:lnRef idx="1">
+            <a:schemeClr val="accent1"/>
+          </a:lnRef>
+          <a:fillRef idx="0">
+            <a:schemeClr val="accent1"/>
+          </a:fillRef>
+          <a:effectRef idx="0">
+            <a:schemeClr val="accent1"/>
+          </a:effectRef>
+          <a:fontRef idx="minor">
+            <a:schemeClr val="tx1"/>
+          </a:fontRef>
+        </p:style>
+      </p:cxnSp>
+      <p:cxnSp>
+        <p:nvCxnSpPr>
+          <p:cNvPr id="68" name="Elbow Connector 67"/>
+          <p:cNvCxnSpPr>
+            <a:stCxn id="11" idx="0"/>
+            <a:endCxn id="35" idx="2"/>
+          </p:cNvCxnSpPr>
+          <p:nvPr/>
+        </p:nvCxnSpPr>
+        <p:spPr>
+          <a:xfrm rot="5400000" flipH="1" flipV="1">
+            <a:off x="4080497" y="4767349"/>
+            <a:ext cx="401782" cy="1"/>
+          </a:xfrm>
+          <a:prstGeom prst="bentConnector3">
+            <a:avLst/>
+          </a:prstGeom>
+        </p:spPr>
+        <p:style>
+          <a:lnRef idx="1">
+            <a:schemeClr val="accent1"/>
+          </a:lnRef>
+          <a:fillRef idx="0">
+            <a:schemeClr val="accent1"/>
+          </a:fillRef>
+          <a:effectRef idx="0">
+            <a:schemeClr val="accent1"/>
+          </a:effectRef>
+          <a:fontRef idx="minor">
+            <a:schemeClr val="tx1"/>
+          </a:fontRef>
+        </p:style>
+      </p:cxnSp>
+      <p:cxnSp>
+        <p:nvCxnSpPr>
+          <p:cNvPr id="70" name="Elbow Connector 69"/>
+          <p:cNvCxnSpPr>
+            <a:stCxn id="8" idx="0"/>
+            <a:endCxn id="35" idx="2"/>
+          </p:cNvCxnSpPr>
+          <p:nvPr/>
+        </p:nvCxnSpPr>
+        <p:spPr>
+          <a:xfrm rot="5400000" flipH="1" flipV="1">
+            <a:off x="3071823" y="3758672"/>
+            <a:ext cx="401779" cy="2017353"/>
+          </a:xfrm>
+          <a:prstGeom prst="bentConnector3">
+            <a:avLst/>
+          </a:prstGeom>
+        </p:spPr>
+        <p:style>
+          <a:lnRef idx="1">
+            <a:schemeClr val="accent1"/>
+          </a:lnRef>
+          <a:fillRef idx="0">
+            <a:schemeClr val="accent1"/>
+          </a:fillRef>
+          <a:effectRef idx="0">
+            <a:schemeClr val="accent1"/>
+          </a:effectRef>
+          <a:fontRef idx="minor">
+            <a:schemeClr val="tx1"/>
+          </a:fontRef>
+        </p:style>
+      </p:cxnSp>
+      <p:cxnSp>
+        <p:nvCxnSpPr>
+          <p:cNvPr id="72" name="Elbow Connector 71"/>
+          <p:cNvCxnSpPr>
+            <a:stCxn id="35" idx="2"/>
+            <a:endCxn id="14" idx="0"/>
+          </p:cNvCxnSpPr>
+          <p:nvPr/>
+        </p:nvCxnSpPr>
+        <p:spPr>
+          <a:xfrm rot="16200000" flipH="1">
+            <a:off x="5109242" y="3738605"/>
+            <a:ext cx="401782" cy="2057488"/>
+          </a:xfrm>
+          <a:prstGeom prst="bentConnector3">
+            <a:avLst/>
+          </a:prstGeom>
+        </p:spPr>
+        <p:style>
+          <a:lnRef idx="1">
+            <a:schemeClr val="accent1"/>
+          </a:lnRef>
+          <a:fillRef idx="0">
+            <a:schemeClr val="accent1"/>
+          </a:fillRef>
+          <a:effectRef idx="0">
+            <a:schemeClr val="accent1"/>
+          </a:effectRef>
+          <a:fontRef idx="minor">
+            <a:schemeClr val="tx1"/>
+          </a:fontRef>
+        </p:style>
+      </p:cxnSp>
+    </p:spTree>
+    <p:extLst>
+      <p:ext uri="{BB962C8B-B14F-4D97-AF65-F5344CB8AC3E}">
+        <p14:creationId xmlns:p14="http://schemas.microsoft.com/office/powerpoint/2010/main" val="275046246"/>
+      </p:ext>
+    </p:extLst>
+  </p:cSld>
+  <p:clrMapOvr>
+    <a:masterClrMapping/>
+  </p:clrMapOvr>
+  <p:transition>
+    <p:fade/>
+  </p:transition>
+  <p:timing>
+    <p:tnLst>
+      <p:par>
+        <p:cTn id="1" dur="indefinite" restart="never" nodeType="tmRoot"/>
+      </p:par>
+    </p:tnLst>
+  </p:timing>
+</p:sld>
+</file>
+
+<file path=ppt/slides/slide11.xml><?xml version="1.0" encoding="utf-8"?>
+<p:sld xmlns:a="http://schemas.openxmlformats.org/drawingml/2006/main" xmlns:r="http://schemas.openxmlformats.org/officeDocument/2006/relationships" xmlns:p="http://schemas.openxmlformats.org/presentationml/2006/main">
+  <p:cSld>
+    <p:spTree>
+      <p:nvGrpSpPr>
+        <p:cNvPr id="1" name=""/>
+        <p:cNvGrpSpPr/>
+        <p:nvPr/>
+      </p:nvGrpSpPr>
+      <p:grpSpPr>
+        <a:xfrm>
+          <a:off x="0" y="0"/>
+          <a:ext cx="0" cy="0"/>
+          <a:chOff x="0" y="0"/>
+          <a:chExt cx="0" cy="0"/>
+        </a:xfrm>
+      </p:grpSpPr>
+      <p:sp>
+        <p:nvSpPr>
+          <p:cNvPr id="2" name="Title 1"/>
+          <p:cNvSpPr>
+            <a:spLocks noGrp="1"/>
+          </p:cNvSpPr>
+          <p:nvPr>
+            <p:ph type="title"/>
+          </p:nvPr>
+        </p:nvSpPr>
+        <p:spPr/>
+        <p:txBody>
+          <a:bodyPr/>
+          <a:lstStyle/>
+          <a:p>
+            <a:r>
+              <a:rPr lang="en-US" dirty="0" smtClean="0"/>
               <a:t>Resources</a:t>
             </a:r>
             <a:endParaRPr lang="en-US" dirty="0"/>
@@ -6060,6 +7580,9 @@
   <p:clrMapOvr>
     <a:masterClrMapping/>
   </p:clrMapOvr>
+  <p:transition>
+    <p:fade/>
+  </p:transition>
   <p:timing>
     <p:tnLst>
       <p:par>
@@ -6250,6 +7773,9 @@
   <p:clrMapOvr>
     <a:masterClrMapping/>
   </p:clrMapOvr>
+  <p:transition>
+    <p:fade/>
+  </p:transition>
   <p:timing>
     <p:tnLst>
       <p:par>
@@ -6377,6 +7903,9 @@
   <p:clrMapOvr>
     <a:masterClrMapping/>
   </p:clrMapOvr>
+  <p:transition>
+    <p:fade/>
+  </p:transition>
   <p:timing>
     <p:tnLst>
       <p:par>
@@ -6539,7 +8068,7 @@
           <p:nvPr/>
         </p:nvPicPr>
         <p:blipFill>
-          <a:blip r:embed="rId2">
+          <a:blip r:embed="rId3">
             <a:extLst>
               <a:ext uri="{28A0092B-C50C-407E-A947-70E740481C1C}">
                 <a14:useLocalDpi xmlns:a14="http://schemas.microsoft.com/office/drawing/2010/main" val="0"/>
@@ -6570,6 +8099,9 @@
   <p:clrMapOvr>
     <a:masterClrMapping/>
   </p:clrMapOvr>
+  <p:transition>
+    <p:fade/>
+  </p:transition>
   <p:timing>
     <p:tnLst>
       <p:par>
@@ -6767,6 +8299,16 @@
   <p:clrMapOvr>
     <a:masterClrMapping/>
   </p:clrMapOvr>
+  <p:transition>
+    <p:fade/>
+  </p:transition>
+  <p:timing>
+    <p:tnLst>
+      <p:par>
+        <p:cTn id="1" dur="indefinite" restart="never" nodeType="tmRoot"/>
+      </p:par>
+    </p:tnLst>
+  </p:timing>
 </p:sld>
 </file>
 
@@ -6954,6 +8496,9 @@
   <p:clrMapOvr>
     <a:masterClrMapping/>
   </p:clrMapOvr>
+  <p:transition>
+    <p:fade/>
+  </p:transition>
   <p:timing>
     <p:tnLst>
       <p:par>
@@ -7014,7 +8559,7 @@
             <p:ph idx="1"/>
             <p:extLst>
               <p:ext uri="{D42A27DB-BD31-4B8C-83A1-F6EECF244321}">
-                <p14:modId xmlns:p14="http://schemas.microsoft.com/office/powerpoint/2010/main" val="569216145"/>
+                <p14:modId xmlns:p14="http://schemas.microsoft.com/office/powerpoint/2010/main" val="1325127343"/>
               </p:ext>
             </p:extLst>
           </p:nvPr>
@@ -7039,6 +8584,9 @@
   <p:clrMapOvr>
     <a:masterClrMapping/>
   </p:clrMapOvr>
+  <p:transition>
+    <p:fade/>
+  </p:transition>
   <p:timing>
     <p:tnLst>
       <p:par>
@@ -7097,7 +8645,7 @@
         </p:nvGrpSpPr>
         <p:grpSpPr>
           <a:xfrm rot="5400000">
-            <a:off x="3827377" y="3698011"/>
+            <a:off x="3827377" y="3764368"/>
             <a:ext cx="949432" cy="431096"/>
             <a:chOff x="2133538" y="40517"/>
             <a:chExt cx="1442473" cy="780666"/>
@@ -7213,7 +8761,7 @@
         </p:nvGrpSpPr>
         <p:grpSpPr>
           <a:xfrm>
-            <a:off x="1976905" y="3847942"/>
+            <a:off x="1676400" y="3969658"/>
             <a:ext cx="1528295" cy="1528295"/>
             <a:chOff x="584" y="367456"/>
             <a:chExt cx="2313086" cy="2313086"/>
@@ -7312,7 +8860,7 @@
               </a:pPr>
               <a:r>
                 <a:rPr lang="en-US" sz="3200" kern="1200" dirty="0" smtClean="0"/>
-                <a:t>Sub</a:t>
+                <a:t>SUB</a:t>
               </a:r>
               <a:endParaRPr lang="en-US" sz="3200" kern="1200" dirty="0"/>
             </a:p>
@@ -7327,7 +8875,7 @@
         </p:nvGrpSpPr>
         <p:grpSpPr>
           <a:xfrm>
-            <a:off x="3537946" y="4388275"/>
+            <a:off x="3537946" y="4567705"/>
             <a:ext cx="1528295" cy="1528295"/>
             <a:chOff x="584" y="367456"/>
             <a:chExt cx="2313086" cy="2313086"/>
@@ -7426,7 +8974,7 @@
               </a:pPr>
               <a:r>
                 <a:rPr lang="en-US" sz="3200" kern="1200" dirty="0" smtClean="0"/>
-                <a:t>Sub</a:t>
+                <a:t>SUB</a:t>
               </a:r>
               <a:endParaRPr lang="en-US" sz="3200" kern="1200" dirty="0"/>
             </a:p>
@@ -7441,7 +8989,7 @@
         </p:nvGrpSpPr>
         <p:grpSpPr>
           <a:xfrm>
-            <a:off x="5158464" y="3847941"/>
+            <a:off x="5405905" y="3969658"/>
             <a:ext cx="1528295" cy="1528295"/>
             <a:chOff x="584" y="367456"/>
             <a:chExt cx="2313086" cy="2313086"/>
@@ -7540,7 +9088,7 @@
               </a:pPr>
               <a:r>
                 <a:rPr lang="en-US" sz="3200" kern="1200" dirty="0" smtClean="0"/>
-                <a:t>Sub</a:t>
+                <a:t>SUB</a:t>
               </a:r>
               <a:endParaRPr lang="en-US" sz="3200" kern="1200" dirty="0"/>
             </a:p>
@@ -7654,7 +9202,7 @@
               </a:pPr>
               <a:r>
                 <a:rPr lang="en-US" sz="3200" kern="1200" dirty="0" smtClean="0"/>
-                <a:t>Pub</a:t>
+                <a:t>PUB</a:t>
               </a:r>
               <a:endParaRPr lang="en-US" sz="3200" kern="1200" dirty="0"/>
             </a:p>
@@ -7668,8 +9216,8 @@
           <p:nvPr/>
         </p:nvGrpSpPr>
         <p:grpSpPr>
-          <a:xfrm rot="7537636">
-            <a:off x="3007124" y="3418210"/>
+          <a:xfrm rot="7846338">
+            <a:off x="2780314" y="3397559"/>
             <a:ext cx="949432" cy="431096"/>
             <a:chOff x="2133538" y="40517"/>
             <a:chExt cx="1442473" cy="780666"/>
@@ -7784,8 +9332,8 @@
           <p:nvPr/>
         </p:nvGrpSpPr>
         <p:grpSpPr>
-          <a:xfrm rot="3317478">
-            <a:off x="4674432" y="3423783"/>
+          <a:xfrm rot="3028462">
+            <a:off x="4827312" y="3483255"/>
             <a:ext cx="949432" cy="431096"/>
             <a:chOff x="2133538" y="40517"/>
             <a:chExt cx="1442473" cy="780666"/>
@@ -7903,6 +9451,9 @@
   <p:clrMapOvr>
     <a:masterClrMapping/>
   </p:clrMapOvr>
+  <p:transition>
+    <p:fade/>
+  </p:transition>
   <p:timing>
     <p:tnLst>
       <p:par>
@@ -8871,6 +10422,9 @@
   <p:clrMapOvr>
     <a:masterClrMapping/>
   </p:clrMapOvr>
+  <p:transition>
+    <p:fade/>
+  </p:transition>
   <p:timing>
     <p:tnLst>
       <p:par>
@@ -9132,4 +10686,289 @@
   <a:objectDefaults/>
   <a:extraClrSchemeLst/>
 </a:theme>
+</file>
+
+<file path=ppt/theme/theme2.xml><?xml version="1.0" encoding="utf-8"?>
+<a:theme xmlns:a="http://schemas.openxmlformats.org/drawingml/2006/main" name="Office Theme">
+  <a:themeElements>
+    <a:clrScheme name="Office">
+      <a:dk1>
+        <a:sysClr val="windowText" lastClr="000000"/>
+      </a:dk1>
+      <a:lt1>
+        <a:sysClr val="window" lastClr="FFFFFF"/>
+      </a:lt1>
+      <a:dk2>
+        <a:srgbClr val="1F497D"/>
+      </a:dk2>
+      <a:lt2>
+        <a:srgbClr val="EEECE1"/>
+      </a:lt2>
+      <a:accent1>
+        <a:srgbClr val="4F81BD"/>
+      </a:accent1>
+      <a:accent2>
+        <a:srgbClr val="C0504D"/>
+      </a:accent2>
+      <a:accent3>
+        <a:srgbClr val="9BBB59"/>
+      </a:accent3>
+      <a:accent4>
+        <a:srgbClr val="8064A2"/>
+      </a:accent4>
+      <a:accent5>
+        <a:srgbClr val="4BACC6"/>
+      </a:accent5>
+      <a:accent6>
+        <a:srgbClr val="F79646"/>
+      </a:accent6>
+      <a:hlink>
+        <a:srgbClr val="0000FF"/>
+      </a:hlink>
+      <a:folHlink>
+        <a:srgbClr val="800080"/>
+      </a:folHlink>
+    </a:clrScheme>
+    <a:fontScheme name="Office">
+      <a:majorFont>
+        <a:latin typeface="Calibri"/>
+        <a:ea typeface=""/>
+        <a:cs typeface=""/>
+        <a:font script="Jpan" typeface="ＭＳ Ｐゴシック"/>
+        <a:font script="Hang" typeface="맑은 고딕"/>
+        <a:font script="Hans" typeface="宋体"/>
+        <a:font script="Hant" typeface="新細明體"/>
+        <a:font script="Arab" typeface="Times New Roman"/>
+        <a:font script="Hebr" typeface="Times New Roman"/>
+        <a:font script="Thai" typeface="Angsana New"/>
+        <a:font script="Ethi" typeface="Nyala"/>
+        <a:font script="Beng" typeface="Vrinda"/>
+        <a:font script="Gujr" typeface="Shruti"/>
+        <a:font script="Khmr" typeface="MoolBoran"/>
+        <a:font script="Knda" typeface="Tunga"/>
+        <a:font script="Guru" typeface="Raavi"/>
+        <a:font script="Cans" typeface="Euphemia"/>
+        <a:font script="Cher" typeface="Plantagenet Cherokee"/>
+        <a:font script="Yiii" typeface="Microsoft Yi Baiti"/>
+        <a:font script="Tibt" typeface="Microsoft Himalaya"/>
+        <a:font script="Thaa" typeface="MV Boli"/>
+        <a:font script="Deva" typeface="Mangal"/>
+        <a:font script="Telu" typeface="Gautami"/>
+        <a:font script="Taml" typeface="Latha"/>
+        <a:font script="Syrc" typeface="Estrangelo Edessa"/>
+        <a:font script="Orya" typeface="Kalinga"/>
+        <a:font script="Mlym" typeface="Kartika"/>
+        <a:font script="Laoo" typeface="DokChampa"/>
+        <a:font script="Sinh" typeface="Iskoola Pota"/>
+        <a:font script="Mong" typeface="Mongolian Baiti"/>
+        <a:font script="Viet" typeface="Times New Roman"/>
+        <a:font script="Uigh" typeface="Microsoft Uighur"/>
+        <a:font script="Geor" typeface="Sylfaen"/>
+      </a:majorFont>
+      <a:minorFont>
+        <a:latin typeface="Calibri"/>
+        <a:ea typeface=""/>
+        <a:cs typeface=""/>
+        <a:font script="Jpan" typeface="ＭＳ Ｐゴシック"/>
+        <a:font script="Hang" typeface="맑은 고딕"/>
+        <a:font script="Hans" typeface="宋体"/>
+        <a:font script="Hant" typeface="新細明體"/>
+        <a:font script="Arab" typeface="Arial"/>
+        <a:font script="Hebr" typeface="Arial"/>
+        <a:font script="Thai" typeface="Cordia New"/>
+        <a:font script="Ethi" typeface="Nyala"/>
+        <a:font script="Beng" typeface="Vrinda"/>
+        <a:font script="Gujr" typeface="Shruti"/>
+        <a:font script="Khmr" typeface="DaunPenh"/>
+        <a:font script="Knda" typeface="Tunga"/>
+        <a:font script="Guru" typeface="Raavi"/>
+        <a:font script="Cans" typeface="Euphemia"/>
+        <a:font script="Cher" typeface="Plantagenet Cherokee"/>
+        <a:font script="Yiii" typeface="Microsoft Yi Baiti"/>
+        <a:font script="Tibt" typeface="Microsoft Himalaya"/>
+        <a:font script="Thaa" typeface="MV Boli"/>
+        <a:font script="Deva" typeface="Mangal"/>
+        <a:font script="Telu" typeface="Gautami"/>
+        <a:font script="Taml" typeface="Latha"/>
+        <a:font script="Syrc" typeface="Estrangelo Edessa"/>
+        <a:font script="Orya" typeface="Kalinga"/>
+        <a:font script="Mlym" typeface="Kartika"/>
+        <a:font script="Laoo" typeface="DokChampa"/>
+        <a:font script="Sinh" typeface="Iskoola Pota"/>
+        <a:font script="Mong" typeface="Mongolian Baiti"/>
+        <a:font script="Viet" typeface="Arial"/>
+        <a:font script="Uigh" typeface="Microsoft Uighur"/>
+        <a:font script="Geor" typeface="Sylfaen"/>
+      </a:minorFont>
+    </a:fontScheme>
+    <a:fmtScheme name="Office">
+      <a:fillStyleLst>
+        <a:solidFill>
+          <a:schemeClr val="phClr"/>
+        </a:solidFill>
+        <a:gradFill rotWithShape="1">
+          <a:gsLst>
+            <a:gs pos="0">
+              <a:schemeClr val="phClr">
+                <a:tint val="50000"/>
+                <a:satMod val="300000"/>
+              </a:schemeClr>
+            </a:gs>
+            <a:gs pos="35000">
+              <a:schemeClr val="phClr">
+                <a:tint val="37000"/>
+                <a:satMod val="300000"/>
+              </a:schemeClr>
+            </a:gs>
+            <a:gs pos="100000">
+              <a:schemeClr val="phClr">
+                <a:tint val="15000"/>
+                <a:satMod val="350000"/>
+              </a:schemeClr>
+            </a:gs>
+          </a:gsLst>
+          <a:lin ang="16200000" scaled="1"/>
+        </a:gradFill>
+        <a:gradFill rotWithShape="1">
+          <a:gsLst>
+            <a:gs pos="0">
+              <a:schemeClr val="phClr">
+                <a:shade val="51000"/>
+                <a:satMod val="130000"/>
+              </a:schemeClr>
+            </a:gs>
+            <a:gs pos="80000">
+              <a:schemeClr val="phClr">
+                <a:shade val="93000"/>
+                <a:satMod val="130000"/>
+              </a:schemeClr>
+            </a:gs>
+            <a:gs pos="100000">
+              <a:schemeClr val="phClr">
+                <a:shade val="94000"/>
+                <a:satMod val="135000"/>
+              </a:schemeClr>
+            </a:gs>
+          </a:gsLst>
+          <a:lin ang="16200000" scaled="0"/>
+        </a:gradFill>
+      </a:fillStyleLst>
+      <a:lnStyleLst>
+        <a:ln w="9525" cap="flat" cmpd="sng" algn="ctr">
+          <a:solidFill>
+            <a:schemeClr val="phClr">
+              <a:shade val="95000"/>
+              <a:satMod val="105000"/>
+            </a:schemeClr>
+          </a:solidFill>
+          <a:prstDash val="solid"/>
+        </a:ln>
+        <a:ln w="25400" cap="flat" cmpd="sng" algn="ctr">
+          <a:solidFill>
+            <a:schemeClr val="phClr"/>
+          </a:solidFill>
+          <a:prstDash val="solid"/>
+        </a:ln>
+        <a:ln w="38100" cap="flat" cmpd="sng" algn="ctr">
+          <a:solidFill>
+            <a:schemeClr val="phClr"/>
+          </a:solidFill>
+          <a:prstDash val="solid"/>
+        </a:ln>
+      </a:lnStyleLst>
+      <a:effectStyleLst>
+        <a:effectStyle>
+          <a:effectLst>
+            <a:outerShdw blurRad="40000" dist="20000" dir="5400000" rotWithShape="0">
+              <a:srgbClr val="000000">
+                <a:alpha val="38000"/>
+              </a:srgbClr>
+            </a:outerShdw>
+          </a:effectLst>
+        </a:effectStyle>
+        <a:effectStyle>
+          <a:effectLst>
+            <a:outerShdw blurRad="40000" dist="23000" dir="5400000" rotWithShape="0">
+              <a:srgbClr val="000000">
+                <a:alpha val="35000"/>
+              </a:srgbClr>
+            </a:outerShdw>
+          </a:effectLst>
+        </a:effectStyle>
+        <a:effectStyle>
+          <a:effectLst>
+            <a:outerShdw blurRad="40000" dist="23000" dir="5400000" rotWithShape="0">
+              <a:srgbClr val="000000">
+                <a:alpha val="35000"/>
+              </a:srgbClr>
+            </a:outerShdw>
+          </a:effectLst>
+          <a:scene3d>
+            <a:camera prst="orthographicFront">
+              <a:rot lat="0" lon="0" rev="0"/>
+            </a:camera>
+            <a:lightRig rig="threePt" dir="t">
+              <a:rot lat="0" lon="0" rev="1200000"/>
+            </a:lightRig>
+          </a:scene3d>
+          <a:sp3d>
+            <a:bevelT w="63500" h="25400"/>
+          </a:sp3d>
+        </a:effectStyle>
+      </a:effectStyleLst>
+      <a:bgFillStyleLst>
+        <a:solidFill>
+          <a:schemeClr val="phClr"/>
+        </a:solidFill>
+        <a:gradFill rotWithShape="1">
+          <a:gsLst>
+            <a:gs pos="0">
+              <a:schemeClr val="phClr">
+                <a:tint val="40000"/>
+                <a:satMod val="350000"/>
+              </a:schemeClr>
+            </a:gs>
+            <a:gs pos="40000">
+              <a:schemeClr val="phClr">
+                <a:tint val="45000"/>
+                <a:shade val="99000"/>
+                <a:satMod val="350000"/>
+              </a:schemeClr>
+            </a:gs>
+            <a:gs pos="100000">
+              <a:schemeClr val="phClr">
+                <a:shade val="20000"/>
+                <a:satMod val="255000"/>
+              </a:schemeClr>
+            </a:gs>
+          </a:gsLst>
+          <a:path path="circle">
+            <a:fillToRect l="50000" t="-80000" r="50000" b="180000"/>
+          </a:path>
+        </a:gradFill>
+        <a:gradFill rotWithShape="1">
+          <a:gsLst>
+            <a:gs pos="0">
+              <a:schemeClr val="phClr">
+                <a:tint val="80000"/>
+                <a:satMod val="300000"/>
+              </a:schemeClr>
+            </a:gs>
+            <a:gs pos="100000">
+              <a:schemeClr val="phClr">
+                <a:shade val="30000"/>
+                <a:satMod val="200000"/>
+              </a:schemeClr>
+            </a:gs>
+          </a:gsLst>
+          <a:path path="circle">
+            <a:fillToRect l="50000" t="50000" r="50000" b="50000"/>
+          </a:path>
+        </a:gradFill>
+      </a:bgFillStyleLst>
+    </a:fmtScheme>
+  </a:themeElements>
+  <a:objectDefaults/>
+  <a:extraClrSchemeLst/>
+</a:theme>
 </file>
--- a/Presentation/ZeroMQ.pptx
+++ b/Presentation/ZeroMQ.pptx
@@ -5,20 +5,21 @@
     <p:sldMasterId id="2147483672" r:id="rId1"/>
   </p:sldMasterIdLst>
   <p:notesMasterIdLst>
-    <p:notesMasterId r:id="rId13"/>
+    <p:notesMasterId r:id="rId14"/>
   </p:notesMasterIdLst>
   <p:sldIdLst>
     <p:sldId id="256" r:id="rId2"/>
     <p:sldId id="257" r:id="rId3"/>
     <p:sldId id="259" r:id="rId4"/>
     <p:sldId id="258" r:id="rId5"/>
-    <p:sldId id="263" r:id="rId6"/>
-    <p:sldId id="261" r:id="rId7"/>
-    <p:sldId id="264" r:id="rId8"/>
-    <p:sldId id="265" r:id="rId9"/>
-    <p:sldId id="266" r:id="rId10"/>
-    <p:sldId id="267" r:id="rId11"/>
-    <p:sldId id="260" r:id="rId12"/>
+    <p:sldId id="268" r:id="rId6"/>
+    <p:sldId id="263" r:id="rId7"/>
+    <p:sldId id="261" r:id="rId8"/>
+    <p:sldId id="264" r:id="rId9"/>
+    <p:sldId id="265" r:id="rId10"/>
+    <p:sldId id="266" r:id="rId11"/>
+    <p:sldId id="267" r:id="rId12"/>
+    <p:sldId id="260" r:id="rId13"/>
   </p:sldIdLst>
   <p:sldSz cx="9144000" cy="6858000" type="screen4x3"/>
   <p:notesSz cx="6858000" cy="9144000"/>
@@ -963,6 +964,13 @@
         </dgm:presLayoutVars>
       </dgm:prSet>
       <dgm:spPr/>
+      <dgm:t>
+        <a:bodyPr/>
+        <a:lstStyle/>
+        <a:p>
+          <a:endParaRPr lang="en-US"/>
+        </a:p>
+      </dgm:t>
     </dgm:pt>
     <dgm:pt modelId="{2A68C6EB-C9C5-495C-B4A8-DD927C6FF73F}" type="pres">
       <dgm:prSet presAssocID="{FA528410-D64B-4093-9517-D8CCB859C4AD}" presName="node" presStyleLbl="node1" presStyleIdx="0" presStyleCnt="2">
@@ -971,14 +979,35 @@
         </dgm:presLayoutVars>
       </dgm:prSet>
       <dgm:spPr/>
+      <dgm:t>
+        <a:bodyPr/>
+        <a:lstStyle/>
+        <a:p>
+          <a:endParaRPr lang="en-US"/>
+        </a:p>
+      </dgm:t>
     </dgm:pt>
     <dgm:pt modelId="{B5A067B6-646C-4596-A9EC-73C1E964277E}" type="pres">
       <dgm:prSet presAssocID="{48EFBE1A-989D-49FC-9D89-421B95804700}" presName="sibTrans" presStyleLbl="sibTrans2D1" presStyleIdx="0" presStyleCnt="2"/>
       <dgm:spPr/>
+      <dgm:t>
+        <a:bodyPr/>
+        <a:lstStyle/>
+        <a:p>
+          <a:endParaRPr lang="en-US"/>
+        </a:p>
+      </dgm:t>
     </dgm:pt>
     <dgm:pt modelId="{29637054-F49B-47C7-8D18-95E93DD6136D}" type="pres">
       <dgm:prSet presAssocID="{48EFBE1A-989D-49FC-9D89-421B95804700}" presName="connectorText" presStyleLbl="sibTrans2D1" presStyleIdx="0" presStyleCnt="2"/>
       <dgm:spPr/>
+      <dgm:t>
+        <a:bodyPr/>
+        <a:lstStyle/>
+        <a:p>
+          <a:endParaRPr lang="en-US"/>
+        </a:p>
+      </dgm:t>
     </dgm:pt>
     <dgm:pt modelId="{36B1949A-1984-4A64-BC5D-9E4F5DCBE918}" type="pres">
       <dgm:prSet presAssocID="{1FDD83E6-BBDE-4F16-B8DE-E4E493CA72B7}" presName="node" presStyleLbl="node1" presStyleIdx="1" presStyleCnt="2">
@@ -987,26 +1016,47 @@
         </dgm:presLayoutVars>
       </dgm:prSet>
       <dgm:spPr/>
+      <dgm:t>
+        <a:bodyPr/>
+        <a:lstStyle/>
+        <a:p>
+          <a:endParaRPr lang="en-US"/>
+        </a:p>
+      </dgm:t>
     </dgm:pt>
     <dgm:pt modelId="{326B6CB8-D777-4A9C-9FEC-4806B74EDDAA}" type="pres">
       <dgm:prSet presAssocID="{62E62197-9AE1-41DB-A552-B770F13FB386}" presName="sibTrans" presStyleLbl="sibTrans2D1" presStyleIdx="1" presStyleCnt="2"/>
       <dgm:spPr/>
+      <dgm:t>
+        <a:bodyPr/>
+        <a:lstStyle/>
+        <a:p>
+          <a:endParaRPr lang="en-US"/>
+        </a:p>
+      </dgm:t>
     </dgm:pt>
     <dgm:pt modelId="{7100BB2B-D3B4-4AC0-B706-8192E4FF916F}" type="pres">
       <dgm:prSet presAssocID="{62E62197-9AE1-41DB-A552-B770F13FB386}" presName="connectorText" presStyleLbl="sibTrans2D1" presStyleIdx="1" presStyleCnt="2"/>
       <dgm:spPr/>
+      <dgm:t>
+        <a:bodyPr/>
+        <a:lstStyle/>
+        <a:p>
+          <a:endParaRPr lang="en-US"/>
+        </a:p>
+      </dgm:t>
     </dgm:pt>
   </dgm:ptLst>
   <dgm:cxnLst>
     <dgm:cxn modelId="{530834B0-C24B-422F-B3CA-057C66A2C8E0}" srcId="{6D8840BA-50C6-4BC4-B0B2-7583E8B1A835}" destId="{1FDD83E6-BBDE-4F16-B8DE-E4E493CA72B7}" srcOrd="1" destOrd="0" parTransId="{A7504EA7-9540-478E-9AE8-033BF3471675}" sibTransId="{62E62197-9AE1-41DB-A552-B770F13FB386}"/>
+    <dgm:cxn modelId="{48CA2382-F7A8-43C1-9796-EF59455FC7A5}" type="presOf" srcId="{62E62197-9AE1-41DB-A552-B770F13FB386}" destId="{326B6CB8-D777-4A9C-9FEC-4806B74EDDAA}" srcOrd="0" destOrd="0" presId="urn:microsoft.com/office/officeart/2005/8/layout/cycle2"/>
+    <dgm:cxn modelId="{973A6DC9-5C3F-43CD-A27D-1F8F3B180638}" type="presOf" srcId="{62E62197-9AE1-41DB-A552-B770F13FB386}" destId="{7100BB2B-D3B4-4AC0-B706-8192E4FF916F}" srcOrd="1" destOrd="0" presId="urn:microsoft.com/office/officeart/2005/8/layout/cycle2"/>
+    <dgm:cxn modelId="{92AFB538-E792-43BE-AB2A-CDC02832D0AA}" type="presOf" srcId="{6D8840BA-50C6-4BC4-B0B2-7583E8B1A835}" destId="{C2B49421-CE60-492C-A566-3A8694B477A7}" srcOrd="0" destOrd="0" presId="urn:microsoft.com/office/officeart/2005/8/layout/cycle2"/>
+    <dgm:cxn modelId="{62E7217F-F908-416A-91FF-97BCEC239EEC}" type="presOf" srcId="{48EFBE1A-989D-49FC-9D89-421B95804700}" destId="{B5A067B6-646C-4596-A9EC-73C1E964277E}" srcOrd="0" destOrd="0" presId="urn:microsoft.com/office/officeart/2005/8/layout/cycle2"/>
+    <dgm:cxn modelId="{E83EB7BF-3234-4FB3-A5CA-487ADC7FAD00}" srcId="{6D8840BA-50C6-4BC4-B0B2-7583E8B1A835}" destId="{FA528410-D64B-4093-9517-D8CCB859C4AD}" srcOrd="0" destOrd="0" parTransId="{4697FCA7-36DB-47AE-A293-E1C83BC003BE}" sibTransId="{48EFBE1A-989D-49FC-9D89-421B95804700}"/>
+    <dgm:cxn modelId="{47AEA70A-3BB1-41CA-BE73-D8F5EC282163}" type="presOf" srcId="{48EFBE1A-989D-49FC-9D89-421B95804700}" destId="{29637054-F49B-47C7-8D18-95E93DD6136D}" srcOrd="1" destOrd="0" presId="urn:microsoft.com/office/officeart/2005/8/layout/cycle2"/>
     <dgm:cxn modelId="{1CC3CFE6-9FB1-4FDD-B02B-7F3547F5A88B}" type="presOf" srcId="{FA528410-D64B-4093-9517-D8CCB859C4AD}" destId="{2A68C6EB-C9C5-495C-B4A8-DD927C6FF73F}" srcOrd="0" destOrd="0" presId="urn:microsoft.com/office/officeart/2005/8/layout/cycle2"/>
-    <dgm:cxn modelId="{62E7217F-F908-416A-91FF-97BCEC239EEC}" type="presOf" srcId="{48EFBE1A-989D-49FC-9D89-421B95804700}" destId="{B5A067B6-646C-4596-A9EC-73C1E964277E}" srcOrd="0" destOrd="0" presId="urn:microsoft.com/office/officeart/2005/8/layout/cycle2"/>
     <dgm:cxn modelId="{AE42E26D-2E30-4EF4-B8FD-B0DA5D4527D4}" type="presOf" srcId="{1FDD83E6-BBDE-4F16-B8DE-E4E493CA72B7}" destId="{36B1949A-1984-4A64-BC5D-9E4F5DCBE918}" srcOrd="0" destOrd="0" presId="urn:microsoft.com/office/officeart/2005/8/layout/cycle2"/>
-    <dgm:cxn modelId="{47AEA70A-3BB1-41CA-BE73-D8F5EC282163}" type="presOf" srcId="{48EFBE1A-989D-49FC-9D89-421B95804700}" destId="{29637054-F49B-47C7-8D18-95E93DD6136D}" srcOrd="1" destOrd="0" presId="urn:microsoft.com/office/officeart/2005/8/layout/cycle2"/>
-    <dgm:cxn modelId="{E83EB7BF-3234-4FB3-A5CA-487ADC7FAD00}" srcId="{6D8840BA-50C6-4BC4-B0B2-7583E8B1A835}" destId="{FA528410-D64B-4093-9517-D8CCB859C4AD}" srcOrd="0" destOrd="0" parTransId="{4697FCA7-36DB-47AE-A293-E1C83BC003BE}" sibTransId="{48EFBE1A-989D-49FC-9D89-421B95804700}"/>
-    <dgm:cxn modelId="{48CA2382-F7A8-43C1-9796-EF59455FC7A5}" type="presOf" srcId="{62E62197-9AE1-41DB-A552-B770F13FB386}" destId="{326B6CB8-D777-4A9C-9FEC-4806B74EDDAA}" srcOrd="0" destOrd="0" presId="urn:microsoft.com/office/officeart/2005/8/layout/cycle2"/>
-    <dgm:cxn modelId="{92AFB538-E792-43BE-AB2A-CDC02832D0AA}" type="presOf" srcId="{6D8840BA-50C6-4BC4-B0B2-7583E8B1A835}" destId="{C2B49421-CE60-492C-A566-3A8694B477A7}" srcOrd="0" destOrd="0" presId="urn:microsoft.com/office/officeart/2005/8/layout/cycle2"/>
-    <dgm:cxn modelId="{973A6DC9-5C3F-43CD-A27D-1F8F3B180638}" type="presOf" srcId="{62E62197-9AE1-41DB-A552-B770F13FB386}" destId="{7100BB2B-D3B4-4AC0-B706-8192E4FF916F}" srcOrd="1" destOrd="0" presId="urn:microsoft.com/office/officeart/2005/8/layout/cycle2"/>
     <dgm:cxn modelId="{05A0FBF7-7B27-44DD-952E-6F60A8EC3939}" type="presParOf" srcId="{C2B49421-CE60-492C-A566-3A8694B477A7}" destId="{2A68C6EB-C9C5-495C-B4A8-DD927C6FF73F}" srcOrd="0" destOrd="0" presId="urn:microsoft.com/office/officeart/2005/8/layout/cycle2"/>
     <dgm:cxn modelId="{897CEF54-7D5F-42E2-BEDF-43B76AB96838}" type="presParOf" srcId="{C2B49421-CE60-492C-A566-3A8694B477A7}" destId="{B5A067B6-646C-4596-A9EC-73C1E964277E}" srcOrd="1" destOrd="0" presId="urn:microsoft.com/office/officeart/2005/8/layout/cycle2"/>
     <dgm:cxn modelId="{448E8267-EBC1-4AFF-A588-D3A650016631}" type="presParOf" srcId="{B5A067B6-646C-4596-A9EC-73C1E964277E}" destId="{29637054-F49B-47C7-8D18-95E93DD6136D}" srcOrd="0" destOrd="0" presId="urn:microsoft.com/office/officeart/2005/8/layout/cycle2"/>
@@ -2655,7 +2705,7 @@
           <a:p>
             <a:fld id="{3C9435E8-BBA3-4168-B039-245A67D50B64}" type="datetimeFigureOut">
               <a:rPr lang="en-US" smtClean="0"/>
-              <a:t>3/20/2014</a:t>
+              <a:t>3/21/2014</a:t>
             </a:fld>
             <a:endParaRPr lang="en-US"/>
           </a:p>
@@ -3017,6 +3067,100 @@
 </p:notes>
 </file>
 
+<file path=ppt/notesSlides/notesSlide2.xml><?xml version="1.0" encoding="utf-8"?>
+<p:notes xmlns:a="http://schemas.openxmlformats.org/drawingml/2006/main" xmlns:r="http://schemas.openxmlformats.org/officeDocument/2006/relationships" xmlns:p="http://schemas.openxmlformats.org/presentationml/2006/main">
+  <p:cSld>
+    <p:spTree>
+      <p:nvGrpSpPr>
+        <p:cNvPr id="1" name=""/>
+        <p:cNvGrpSpPr/>
+        <p:nvPr/>
+      </p:nvGrpSpPr>
+      <p:grpSpPr>
+        <a:xfrm>
+          <a:off x="0" y="0"/>
+          <a:ext cx="0" cy="0"/>
+          <a:chOff x="0" y="0"/>
+          <a:chExt cx="0" cy="0"/>
+        </a:xfrm>
+      </p:grpSpPr>
+      <p:sp>
+        <p:nvSpPr>
+          <p:cNvPr id="2" name="Slide Image Placeholder 1"/>
+          <p:cNvSpPr>
+            <a:spLocks noGrp="1" noRot="1" noChangeAspect="1"/>
+          </p:cNvSpPr>
+          <p:nvPr>
+            <p:ph type="sldImg"/>
+          </p:nvPr>
+        </p:nvSpPr>
+        <p:spPr/>
+      </p:sp>
+      <p:sp>
+        <p:nvSpPr>
+          <p:cNvPr id="3" name="Notes Placeholder 2"/>
+          <p:cNvSpPr>
+            <a:spLocks noGrp="1"/>
+          </p:cNvSpPr>
+          <p:nvPr>
+            <p:ph type="body" idx="1"/>
+          </p:nvPr>
+        </p:nvSpPr>
+        <p:spPr/>
+        <p:txBody>
+          <a:bodyPr/>
+          <a:lstStyle/>
+          <a:p>
+            <a:r>
+              <a:rPr lang="en-US" dirty="0" smtClean="0"/>
+              <a:t>Sockets are</a:t>
+            </a:r>
+            <a:r>
+              <a:rPr lang="en-US" baseline="0" dirty="0" smtClean="0"/>
+              <a:t> created from the Context.  There should be only one context created in the process, which is then used to create all of the sockets used by the application.  Sockets are asynchronous internally, but are not thread-safe and should only be used from a single thread.</a:t>
+            </a:r>
+          </a:p>
+          <a:p>
+            <a:endParaRPr lang="en-US" baseline="0" dirty="0" smtClean="0"/>
+          </a:p>
+        </p:txBody>
+      </p:sp>
+      <p:sp>
+        <p:nvSpPr>
+          <p:cNvPr id="4" name="Slide Number Placeholder 3"/>
+          <p:cNvSpPr>
+            <a:spLocks noGrp="1"/>
+          </p:cNvSpPr>
+          <p:nvPr>
+            <p:ph type="sldNum" sz="quarter" idx="10"/>
+          </p:nvPr>
+        </p:nvSpPr>
+        <p:spPr/>
+        <p:txBody>
+          <a:bodyPr/>
+          <a:lstStyle/>
+          <a:p>
+            <a:fld id="{1B2508BA-5CC2-4344-A11F-861340D98E55}" type="slidenum">
+              <a:rPr lang="en-US" smtClean="0"/>
+              <a:t>5</a:t>
+            </a:fld>
+            <a:endParaRPr lang="en-US"/>
+          </a:p>
+        </p:txBody>
+      </p:sp>
+    </p:spTree>
+    <p:extLst>
+      <p:ext uri="{BB962C8B-B14F-4D97-AF65-F5344CB8AC3E}">
+        <p14:creationId xmlns:p14="http://schemas.microsoft.com/office/powerpoint/2010/main" val="2559511563"/>
+      </p:ext>
+    </p:extLst>
+  </p:cSld>
+  <p:clrMapOvr>
+    <a:masterClrMapping/>
+  </p:clrMapOvr>
+</p:notes>
+</file>
+
 <file path=ppt/slideLayouts/slideLayout1.xml><?xml version="1.0" encoding="utf-8"?>
 <p:sldLayout xmlns:a="http://schemas.openxmlformats.org/drawingml/2006/main" xmlns:r="http://schemas.openxmlformats.org/officeDocument/2006/relationships" xmlns:p="http://schemas.openxmlformats.org/presentationml/2006/main" showMasterSp="0" type="title" preserve="1">
   <p:cSld name="Title Slide">
@@ -3211,7 +3355,7 @@
             <a:fld id="{1D8BD707-D9CF-40AE-B4C6-C98DA3205C09}" type="datetimeFigureOut">
               <a:rPr lang="en-US" smtClean="0"/>
               <a:pPr/>
-              <a:t>3/20/2014</a:t>
+              <a:t>3/21/2014</a:t>
             </a:fld>
             <a:endParaRPr lang="en-US"/>
           </a:p>
@@ -3478,7 +3622,7 @@
             <a:fld id="{1D8BD707-D9CF-40AE-B4C6-C98DA3205C09}" type="datetimeFigureOut">
               <a:rPr lang="en-US" smtClean="0"/>
               <a:pPr/>
-              <a:t>3/20/2014</a:t>
+              <a:t>3/21/2014</a:t>
             </a:fld>
             <a:endParaRPr lang="en-US"/>
           </a:p>
@@ -3655,7 +3799,7 @@
             <a:fld id="{1D8BD707-D9CF-40AE-B4C6-C98DA3205C09}" type="datetimeFigureOut">
               <a:rPr lang="en-US" smtClean="0"/>
               <a:pPr/>
-              <a:t>3/20/2014</a:t>
+              <a:t>3/21/2014</a:t>
             </a:fld>
             <a:endParaRPr lang="en-US"/>
           </a:p>
@@ -3822,7 +3966,7 @@
             <a:fld id="{1D8BD707-D9CF-40AE-B4C6-C98DA3205C09}" type="datetimeFigureOut">
               <a:rPr lang="en-US" smtClean="0"/>
               <a:pPr/>
-              <a:t>3/20/2014</a:t>
+              <a:t>3/21/2014</a:t>
             </a:fld>
             <a:endParaRPr lang="en-US"/>
           </a:p>
@@ -4073,7 +4217,7 @@
             <a:fld id="{1D8BD707-D9CF-40AE-B4C6-C98DA3205C09}" type="datetimeFigureOut">
               <a:rPr lang="en-US" smtClean="0"/>
               <a:pPr/>
-              <a:t>3/20/2014</a:t>
+              <a:t>3/21/2014</a:t>
             </a:fld>
             <a:endParaRPr lang="en-US"/>
           </a:p>
@@ -4358,7 +4502,7 @@
             <a:fld id="{1D8BD707-D9CF-40AE-B4C6-C98DA3205C09}" type="datetimeFigureOut">
               <a:rPr lang="en-US" smtClean="0"/>
               <a:pPr/>
-              <a:t>3/20/2014</a:t>
+              <a:t>3/21/2014</a:t>
             </a:fld>
             <a:endParaRPr lang="en-US"/>
           </a:p>
@@ -4799,7 +4943,7 @@
             <a:fld id="{1D8BD707-D9CF-40AE-B4C6-C98DA3205C09}" type="datetimeFigureOut">
               <a:rPr lang="en-US" smtClean="0"/>
               <a:pPr/>
-              <a:t>3/20/2014</a:t>
+              <a:t>3/21/2014</a:t>
             </a:fld>
             <a:endParaRPr lang="en-US"/>
           </a:p>
@@ -4914,7 +5058,7 @@
             <a:fld id="{1D8BD707-D9CF-40AE-B4C6-C98DA3205C09}" type="datetimeFigureOut">
               <a:rPr lang="en-US" smtClean="0"/>
               <a:pPr/>
-              <a:t>3/20/2014</a:t>
+              <a:t>3/21/2014</a:t>
             </a:fld>
             <a:endParaRPr lang="en-US"/>
           </a:p>
@@ -5006,7 +5150,7 @@
             <a:fld id="{1D8BD707-D9CF-40AE-B4C6-C98DA3205C09}" type="datetimeFigureOut">
               <a:rPr lang="en-US" smtClean="0"/>
               <a:pPr/>
-              <a:t>3/20/2014</a:t>
+              <a:t>3/21/2014</a:t>
             </a:fld>
             <a:endParaRPr lang="en-US"/>
           </a:p>
@@ -5250,7 +5394,7 @@
             <a:fld id="{1D8BD707-D9CF-40AE-B4C6-C98DA3205C09}" type="datetimeFigureOut">
               <a:rPr lang="en-US" smtClean="0"/>
               <a:pPr/>
-              <a:t>3/20/2014</a:t>
+              <a:t>3/21/2014</a:t>
             </a:fld>
             <a:endParaRPr lang="en-US"/>
           </a:p>
@@ -5546,7 +5690,7 @@
             <a:fld id="{1D8BD707-D9CF-40AE-B4C6-C98DA3205C09}" type="datetimeFigureOut">
               <a:rPr lang="en-US" smtClean="0"/>
               <a:pPr/>
-              <a:t>3/20/2014</a:t>
+              <a:t>3/21/2014</a:t>
             </a:fld>
             <a:endParaRPr lang="en-US"/>
           </a:p>
@@ -5842,7 +5986,7 @@
             <a:fld id="{1D8BD707-D9CF-40AE-B4C6-C98DA3205C09}" type="datetimeFigureOut">
               <a:rPr lang="en-US" smtClean="0"/>
               <a:pPr/>
-              <a:t>3/20/2014</a:t>
+              <a:t>3/21/2014</a:t>
             </a:fld>
             <a:endParaRPr lang="en-US"/>
           </a:p>
@@ -6380,9 +6524,18 @@
   <p:clrMapOvr>
     <a:masterClrMapping/>
   </p:clrMapOvr>
-  <p:transition>
-    <p:fade/>
-  </p:transition>
+  <mc:AlternateContent xmlns:mc="http://schemas.openxmlformats.org/markup-compatibility/2006">
+    <mc:Choice xmlns:p14="http://schemas.microsoft.com/office/powerpoint/2010/main" Requires="p14">
+      <p:transition p14:dur="350">
+        <p:fade/>
+      </p:transition>
+    </mc:Choice>
+    <mc:Fallback>
+      <p:transition>
+        <p:fade/>
+      </p:transition>
+    </mc:Fallback>
+  </mc:AlternateContent>
   <p:timing>
     <p:tnLst>
       <p:par>
@@ -6394,6 +6547,986 @@
 </file>
 
 <file path=ppt/slides/slide10.xml><?xml version="1.0" encoding="utf-8"?>
+<p:sld xmlns:a="http://schemas.openxmlformats.org/drawingml/2006/main" xmlns:r="http://schemas.openxmlformats.org/officeDocument/2006/relationships" xmlns:p="http://schemas.openxmlformats.org/presentationml/2006/main">
+  <p:cSld>
+    <p:spTree>
+      <p:nvGrpSpPr>
+        <p:cNvPr id="1" name=""/>
+        <p:cNvGrpSpPr/>
+        <p:nvPr/>
+      </p:nvGrpSpPr>
+      <p:grpSpPr>
+        <a:xfrm>
+          <a:off x="0" y="0"/>
+          <a:ext cx="0" cy="0"/>
+          <a:chOff x="0" y="0"/>
+          <a:chExt cx="0" cy="0"/>
+        </a:xfrm>
+      </p:grpSpPr>
+      <p:sp>
+        <p:nvSpPr>
+          <p:cNvPr id="2" name="Title 1"/>
+          <p:cNvSpPr>
+            <a:spLocks noGrp="1"/>
+          </p:cNvSpPr>
+          <p:nvPr>
+            <p:ph type="title"/>
+          </p:nvPr>
+        </p:nvSpPr>
+        <p:spPr/>
+        <p:txBody>
+          <a:bodyPr/>
+          <a:lstStyle/>
+          <a:p>
+            <a:r>
+              <a:rPr lang="en-US" dirty="0" smtClean="0"/>
+              <a:t>Built-in Patterns</a:t>
+            </a:r>
+            <a:endParaRPr lang="en-US" dirty="0"/>
+          </a:p>
+        </p:txBody>
+      </p:sp>
+      <p:grpSp>
+        <p:nvGrpSpPr>
+          <p:cNvPr id="5" name="Group 4"/>
+          <p:cNvGrpSpPr/>
+          <p:nvPr/>
+        </p:nvGrpSpPr>
+        <p:grpSpPr>
+          <a:xfrm>
+            <a:off x="832429" y="2514600"/>
+            <a:ext cx="1528295" cy="1528295"/>
+            <a:chOff x="584" y="367456"/>
+            <a:chExt cx="2313086" cy="2313086"/>
+          </a:xfrm>
+        </p:grpSpPr>
+        <p:sp>
+          <p:nvSpPr>
+            <p:cNvPr id="6" name="Oval 5"/>
+            <p:cNvSpPr/>
+            <p:nvPr/>
+          </p:nvSpPr>
+          <p:spPr>
+            <a:xfrm>
+              <a:off x="584" y="367456"/>
+              <a:ext cx="2313086" cy="2313086"/>
+            </a:xfrm>
+            <a:prstGeom prst="ellipse">
+              <a:avLst/>
+            </a:prstGeom>
+          </p:spPr>
+          <p:style>
+            <a:lnRef idx="2">
+              <a:schemeClr val="lt1">
+                <a:hueOff val="0"/>
+                <a:satOff val="0"/>
+                <a:lumOff val="0"/>
+                <a:alphaOff val="0"/>
+              </a:schemeClr>
+            </a:lnRef>
+            <a:fillRef idx="1">
+              <a:schemeClr val="accent5">
+                <a:hueOff val="0"/>
+                <a:satOff val="0"/>
+                <a:lumOff val="0"/>
+                <a:alphaOff val="0"/>
+              </a:schemeClr>
+            </a:fillRef>
+            <a:effectRef idx="0">
+              <a:schemeClr val="accent5">
+                <a:hueOff val="0"/>
+                <a:satOff val="0"/>
+                <a:lumOff val="0"/>
+                <a:alphaOff val="0"/>
+              </a:schemeClr>
+            </a:effectRef>
+            <a:fontRef idx="minor">
+              <a:schemeClr val="lt1"/>
+            </a:fontRef>
+          </p:style>
+        </p:sp>
+        <p:sp>
+          <p:nvSpPr>
+            <p:cNvPr id="7" name="Oval 4"/>
+            <p:cNvSpPr/>
+            <p:nvPr/>
+          </p:nvSpPr>
+          <p:spPr>
+            <a:xfrm>
+              <a:off x="339328" y="706200"/>
+              <a:ext cx="1635598" cy="1635598"/>
+            </a:xfrm>
+            <a:prstGeom prst="rect">
+              <a:avLst/>
+            </a:prstGeom>
+          </p:spPr>
+          <p:style>
+            <a:lnRef idx="0">
+              <a:scrgbClr r="0" g="0" b="0"/>
+            </a:lnRef>
+            <a:fillRef idx="0">
+              <a:scrgbClr r="0" g="0" b="0"/>
+            </a:fillRef>
+            <a:effectRef idx="0">
+              <a:scrgbClr r="0" g="0" b="0"/>
+            </a:effectRef>
+            <a:fontRef idx="minor">
+              <a:schemeClr val="lt1"/>
+            </a:fontRef>
+          </p:style>
+          <p:txBody>
+            <a:bodyPr spcFirstLastPara="0" vert="horz" wrap="square" lIns="40640" tIns="40640" rIns="40640" bIns="40640" numCol="1" spcCol="1270" anchor="ctr" anchorCtr="0">
+              <a:noAutofit/>
+            </a:bodyPr>
+            <a:lstStyle/>
+            <a:p>
+              <a:pPr lvl="0" algn="ctr" defTabSz="1422400">
+                <a:lnSpc>
+                  <a:spcPct val="90000"/>
+                </a:lnSpc>
+                <a:spcBef>
+                  <a:spcPct val="0"/>
+                </a:spcBef>
+                <a:spcAft>
+                  <a:spcPct val="35000"/>
+                </a:spcAft>
+              </a:pPr>
+              <a:endParaRPr lang="en-US" sz="3200" kern="1200" dirty="0"/>
+            </a:p>
+          </p:txBody>
+        </p:sp>
+      </p:grpSp>
+      <p:grpSp>
+        <p:nvGrpSpPr>
+          <p:cNvPr id="8" name="Group 7"/>
+          <p:cNvGrpSpPr/>
+          <p:nvPr/>
+        </p:nvGrpSpPr>
+        <p:grpSpPr>
+          <a:xfrm>
+            <a:off x="2585029" y="3063199"/>
+            <a:ext cx="949432" cy="431096"/>
+            <a:chOff x="2133538" y="40517"/>
+            <a:chExt cx="1442473" cy="780666"/>
+          </a:xfrm>
+        </p:grpSpPr>
+        <p:sp>
+          <p:nvSpPr>
+            <p:cNvPr id="9" name="Right Arrow 8"/>
+            <p:cNvSpPr/>
+            <p:nvPr/>
+          </p:nvSpPr>
+          <p:spPr>
+            <a:xfrm>
+              <a:off x="2133538" y="40517"/>
+              <a:ext cx="1442473" cy="780666"/>
+            </a:xfrm>
+            <a:prstGeom prst="rightArrow">
+              <a:avLst>
+                <a:gd name="adj1" fmla="val 60000"/>
+                <a:gd name="adj2" fmla="val 50000"/>
+              </a:avLst>
+            </a:prstGeom>
+          </p:spPr>
+          <p:style>
+            <a:lnRef idx="0">
+              <a:schemeClr val="accent5">
+                <a:tint val="60000"/>
+                <a:hueOff val="0"/>
+                <a:satOff val="0"/>
+                <a:lumOff val="0"/>
+                <a:alphaOff val="0"/>
+              </a:schemeClr>
+            </a:lnRef>
+            <a:fillRef idx="1">
+              <a:schemeClr val="accent5">
+                <a:tint val="60000"/>
+                <a:hueOff val="0"/>
+                <a:satOff val="0"/>
+                <a:lumOff val="0"/>
+                <a:alphaOff val="0"/>
+              </a:schemeClr>
+            </a:fillRef>
+            <a:effectRef idx="0">
+              <a:schemeClr val="accent5">
+                <a:tint val="60000"/>
+                <a:hueOff val="0"/>
+                <a:satOff val="0"/>
+                <a:lumOff val="0"/>
+                <a:alphaOff val="0"/>
+              </a:schemeClr>
+            </a:effectRef>
+            <a:fontRef idx="minor">
+              <a:schemeClr val="lt1"/>
+            </a:fontRef>
+          </p:style>
+        </p:sp>
+        <p:sp>
+          <p:nvSpPr>
+            <p:cNvPr id="10" name="Right Arrow 6"/>
+            <p:cNvSpPr/>
+            <p:nvPr/>
+          </p:nvSpPr>
+          <p:spPr>
+            <a:xfrm>
+              <a:off x="2133538" y="196650"/>
+              <a:ext cx="1208273" cy="468400"/>
+            </a:xfrm>
+            <a:prstGeom prst="rect">
+              <a:avLst/>
+            </a:prstGeom>
+          </p:spPr>
+          <p:style>
+            <a:lnRef idx="0">
+              <a:scrgbClr r="0" g="0" b="0"/>
+            </a:lnRef>
+            <a:fillRef idx="0">
+              <a:scrgbClr r="0" g="0" b="0"/>
+            </a:fillRef>
+            <a:effectRef idx="0">
+              <a:scrgbClr r="0" g="0" b="0"/>
+            </a:effectRef>
+            <a:fontRef idx="minor">
+              <a:schemeClr val="lt1"/>
+            </a:fontRef>
+          </p:style>
+          <p:txBody>
+            <a:bodyPr spcFirstLastPara="0" vert="horz" wrap="square" lIns="0" tIns="0" rIns="0" bIns="0" numCol="1" spcCol="1270" anchor="ctr" anchorCtr="0">
+              <a:noAutofit/>
+            </a:bodyPr>
+            <a:lstStyle/>
+            <a:p>
+              <a:pPr lvl="0" algn="ctr" defTabSz="1155700">
+                <a:lnSpc>
+                  <a:spcPct val="90000"/>
+                </a:lnSpc>
+                <a:spcBef>
+                  <a:spcPct val="0"/>
+                </a:spcBef>
+                <a:spcAft>
+                  <a:spcPct val="35000"/>
+                </a:spcAft>
+              </a:pPr>
+              <a:endParaRPr lang="en-US" sz="2600" kern="1200"/>
+            </a:p>
+          </p:txBody>
+        </p:sp>
+      </p:grpSp>
+      <p:grpSp>
+        <p:nvGrpSpPr>
+          <p:cNvPr id="11" name="Group 10"/>
+          <p:cNvGrpSpPr/>
+          <p:nvPr/>
+        </p:nvGrpSpPr>
+        <p:grpSpPr>
+          <a:xfrm>
+            <a:off x="3657600" y="2537670"/>
+            <a:ext cx="1528295" cy="1528295"/>
+            <a:chOff x="584" y="367456"/>
+            <a:chExt cx="2313086" cy="2313086"/>
+          </a:xfrm>
+        </p:grpSpPr>
+        <p:sp>
+          <p:nvSpPr>
+            <p:cNvPr id="12" name="Oval 11"/>
+            <p:cNvSpPr/>
+            <p:nvPr/>
+          </p:nvSpPr>
+          <p:spPr>
+            <a:xfrm>
+              <a:off x="584" y="367456"/>
+              <a:ext cx="2313086" cy="2313086"/>
+            </a:xfrm>
+            <a:prstGeom prst="ellipse">
+              <a:avLst/>
+            </a:prstGeom>
+          </p:spPr>
+          <p:style>
+            <a:lnRef idx="2">
+              <a:schemeClr val="lt1">
+                <a:hueOff val="0"/>
+                <a:satOff val="0"/>
+                <a:lumOff val="0"/>
+                <a:alphaOff val="0"/>
+              </a:schemeClr>
+            </a:lnRef>
+            <a:fillRef idx="1">
+              <a:schemeClr val="accent5">
+                <a:hueOff val="0"/>
+                <a:satOff val="0"/>
+                <a:lumOff val="0"/>
+                <a:alphaOff val="0"/>
+              </a:schemeClr>
+            </a:fillRef>
+            <a:effectRef idx="0">
+              <a:schemeClr val="accent5">
+                <a:hueOff val="0"/>
+                <a:satOff val="0"/>
+                <a:lumOff val="0"/>
+                <a:alphaOff val="0"/>
+              </a:schemeClr>
+            </a:effectRef>
+            <a:fontRef idx="minor">
+              <a:schemeClr val="lt1"/>
+            </a:fontRef>
+          </p:style>
+        </p:sp>
+        <p:sp>
+          <p:nvSpPr>
+            <p:cNvPr id="13" name="Oval 4"/>
+            <p:cNvSpPr/>
+            <p:nvPr/>
+          </p:nvSpPr>
+          <p:spPr>
+            <a:xfrm>
+              <a:off x="339328" y="706200"/>
+              <a:ext cx="1635598" cy="1635598"/>
+            </a:xfrm>
+            <a:prstGeom prst="rect">
+              <a:avLst/>
+            </a:prstGeom>
+          </p:spPr>
+          <p:style>
+            <a:lnRef idx="0">
+              <a:scrgbClr r="0" g="0" b="0"/>
+            </a:lnRef>
+            <a:fillRef idx="0">
+              <a:scrgbClr r="0" g="0" b="0"/>
+            </a:fillRef>
+            <a:effectRef idx="0">
+              <a:scrgbClr r="0" g="0" b="0"/>
+            </a:effectRef>
+            <a:fontRef idx="minor">
+              <a:schemeClr val="lt1"/>
+            </a:fontRef>
+          </p:style>
+          <p:txBody>
+            <a:bodyPr spcFirstLastPara="0" vert="horz" wrap="square" lIns="40640" tIns="40640" rIns="40640" bIns="40640" numCol="1" spcCol="1270" anchor="ctr" anchorCtr="0">
+              <a:noAutofit/>
+            </a:bodyPr>
+            <a:lstStyle/>
+            <a:p>
+              <a:pPr lvl="0" algn="ctr" defTabSz="1422400">
+                <a:lnSpc>
+                  <a:spcPct val="90000"/>
+                </a:lnSpc>
+                <a:spcBef>
+                  <a:spcPct val="0"/>
+                </a:spcBef>
+                <a:spcAft>
+                  <a:spcPct val="35000"/>
+                </a:spcAft>
+              </a:pPr>
+              <a:endParaRPr lang="en-US" sz="3200" kern="1200" dirty="0"/>
+            </a:p>
+          </p:txBody>
+        </p:sp>
+      </p:grpSp>
+      <p:grpSp>
+        <p:nvGrpSpPr>
+          <p:cNvPr id="14" name="Group 13"/>
+          <p:cNvGrpSpPr/>
+          <p:nvPr/>
+        </p:nvGrpSpPr>
+        <p:grpSpPr>
+          <a:xfrm>
+            <a:off x="5410200" y="3086269"/>
+            <a:ext cx="949432" cy="431096"/>
+            <a:chOff x="2133538" y="40517"/>
+            <a:chExt cx="1442473" cy="780666"/>
+          </a:xfrm>
+        </p:grpSpPr>
+        <p:sp>
+          <p:nvSpPr>
+            <p:cNvPr id="15" name="Right Arrow 14"/>
+            <p:cNvSpPr/>
+            <p:nvPr/>
+          </p:nvSpPr>
+          <p:spPr>
+            <a:xfrm>
+              <a:off x="2133538" y="40517"/>
+              <a:ext cx="1442473" cy="780666"/>
+            </a:xfrm>
+            <a:prstGeom prst="rightArrow">
+              <a:avLst>
+                <a:gd name="adj1" fmla="val 60000"/>
+                <a:gd name="adj2" fmla="val 50000"/>
+              </a:avLst>
+            </a:prstGeom>
+          </p:spPr>
+          <p:style>
+            <a:lnRef idx="0">
+              <a:schemeClr val="accent5">
+                <a:tint val="60000"/>
+                <a:hueOff val="0"/>
+                <a:satOff val="0"/>
+                <a:lumOff val="0"/>
+                <a:alphaOff val="0"/>
+              </a:schemeClr>
+            </a:lnRef>
+            <a:fillRef idx="1">
+              <a:schemeClr val="accent5">
+                <a:tint val="60000"/>
+                <a:hueOff val="0"/>
+                <a:satOff val="0"/>
+                <a:lumOff val="0"/>
+                <a:alphaOff val="0"/>
+              </a:schemeClr>
+            </a:fillRef>
+            <a:effectRef idx="0">
+              <a:schemeClr val="accent5">
+                <a:tint val="60000"/>
+                <a:hueOff val="0"/>
+                <a:satOff val="0"/>
+                <a:lumOff val="0"/>
+                <a:alphaOff val="0"/>
+              </a:schemeClr>
+            </a:effectRef>
+            <a:fontRef idx="minor">
+              <a:schemeClr val="lt1"/>
+            </a:fontRef>
+          </p:style>
+        </p:sp>
+        <p:sp>
+          <p:nvSpPr>
+            <p:cNvPr id="16" name="Right Arrow 6"/>
+            <p:cNvSpPr/>
+            <p:nvPr/>
+          </p:nvSpPr>
+          <p:spPr>
+            <a:xfrm>
+              <a:off x="2133538" y="196650"/>
+              <a:ext cx="1208273" cy="468400"/>
+            </a:xfrm>
+            <a:prstGeom prst="rect">
+              <a:avLst/>
+            </a:prstGeom>
+          </p:spPr>
+          <p:style>
+            <a:lnRef idx="0">
+              <a:scrgbClr r="0" g="0" b="0"/>
+            </a:lnRef>
+            <a:fillRef idx="0">
+              <a:scrgbClr r="0" g="0" b="0"/>
+            </a:fillRef>
+            <a:effectRef idx="0">
+              <a:scrgbClr r="0" g="0" b="0"/>
+            </a:effectRef>
+            <a:fontRef idx="minor">
+              <a:schemeClr val="lt1"/>
+            </a:fontRef>
+          </p:style>
+          <p:txBody>
+            <a:bodyPr spcFirstLastPara="0" vert="horz" wrap="square" lIns="0" tIns="0" rIns="0" bIns="0" numCol="1" spcCol="1270" anchor="ctr" anchorCtr="0">
+              <a:noAutofit/>
+            </a:bodyPr>
+            <a:lstStyle/>
+            <a:p>
+              <a:pPr lvl="0" algn="ctr" defTabSz="1155700">
+                <a:lnSpc>
+                  <a:spcPct val="90000"/>
+                </a:lnSpc>
+                <a:spcBef>
+                  <a:spcPct val="0"/>
+                </a:spcBef>
+                <a:spcAft>
+                  <a:spcPct val="35000"/>
+                </a:spcAft>
+              </a:pPr>
+              <a:endParaRPr lang="en-US" sz="2600" kern="1200"/>
+            </a:p>
+          </p:txBody>
+        </p:sp>
+      </p:grpSp>
+      <p:grpSp>
+        <p:nvGrpSpPr>
+          <p:cNvPr id="17" name="Group 16"/>
+          <p:cNvGrpSpPr/>
+          <p:nvPr/>
+        </p:nvGrpSpPr>
+        <p:grpSpPr>
+          <a:xfrm>
+            <a:off x="6553200" y="2514600"/>
+            <a:ext cx="1528295" cy="1528295"/>
+            <a:chOff x="584" y="367456"/>
+            <a:chExt cx="2313086" cy="2313086"/>
+          </a:xfrm>
+        </p:grpSpPr>
+        <p:sp>
+          <p:nvSpPr>
+            <p:cNvPr id="18" name="Oval 17"/>
+            <p:cNvSpPr/>
+            <p:nvPr/>
+          </p:nvSpPr>
+          <p:spPr>
+            <a:xfrm>
+              <a:off x="584" y="367456"/>
+              <a:ext cx="2313086" cy="2313086"/>
+            </a:xfrm>
+            <a:prstGeom prst="ellipse">
+              <a:avLst/>
+            </a:prstGeom>
+          </p:spPr>
+          <p:style>
+            <a:lnRef idx="2">
+              <a:schemeClr val="lt1">
+                <a:hueOff val="0"/>
+                <a:satOff val="0"/>
+                <a:lumOff val="0"/>
+                <a:alphaOff val="0"/>
+              </a:schemeClr>
+            </a:lnRef>
+            <a:fillRef idx="1">
+              <a:schemeClr val="accent5">
+                <a:hueOff val="0"/>
+                <a:satOff val="0"/>
+                <a:lumOff val="0"/>
+                <a:alphaOff val="0"/>
+              </a:schemeClr>
+            </a:fillRef>
+            <a:effectRef idx="0">
+              <a:schemeClr val="accent5">
+                <a:hueOff val="0"/>
+                <a:satOff val="0"/>
+                <a:lumOff val="0"/>
+                <a:alphaOff val="0"/>
+              </a:schemeClr>
+            </a:effectRef>
+            <a:fontRef idx="minor">
+              <a:schemeClr val="lt1"/>
+            </a:fontRef>
+          </p:style>
+        </p:sp>
+        <p:sp>
+          <p:nvSpPr>
+            <p:cNvPr id="19" name="Oval 4"/>
+            <p:cNvSpPr/>
+            <p:nvPr/>
+          </p:nvSpPr>
+          <p:spPr>
+            <a:xfrm>
+              <a:off x="339328" y="706200"/>
+              <a:ext cx="1635598" cy="1635598"/>
+            </a:xfrm>
+            <a:prstGeom prst="rect">
+              <a:avLst/>
+            </a:prstGeom>
+          </p:spPr>
+          <p:style>
+            <a:lnRef idx="0">
+              <a:scrgbClr r="0" g="0" b="0"/>
+            </a:lnRef>
+            <a:fillRef idx="0">
+              <a:scrgbClr r="0" g="0" b="0"/>
+            </a:fillRef>
+            <a:effectRef idx="0">
+              <a:scrgbClr r="0" g="0" b="0"/>
+            </a:effectRef>
+            <a:fontRef idx="minor">
+              <a:schemeClr val="lt1"/>
+            </a:fontRef>
+          </p:style>
+          <p:txBody>
+            <a:bodyPr spcFirstLastPara="0" vert="horz" wrap="square" lIns="40640" tIns="40640" rIns="40640" bIns="40640" numCol="1" spcCol="1270" anchor="ctr" anchorCtr="0">
+              <a:noAutofit/>
+            </a:bodyPr>
+            <a:lstStyle/>
+            <a:p>
+              <a:pPr lvl="0" algn="ctr" defTabSz="1422400">
+                <a:lnSpc>
+                  <a:spcPct val="90000"/>
+                </a:lnSpc>
+                <a:spcBef>
+                  <a:spcPct val="0"/>
+                </a:spcBef>
+                <a:spcAft>
+                  <a:spcPct val="35000"/>
+                </a:spcAft>
+              </a:pPr>
+              <a:endParaRPr lang="en-US" sz="3200" kern="1200" dirty="0"/>
+            </a:p>
+          </p:txBody>
+        </p:sp>
+      </p:grpSp>
+      <p:sp>
+        <p:nvSpPr>
+          <p:cNvPr id="20" name="TextBox 19"/>
+          <p:cNvSpPr txBox="1"/>
+          <p:nvPr/>
+        </p:nvSpPr>
+        <p:spPr>
+          <a:xfrm>
+            <a:off x="2819400" y="1701225"/>
+            <a:ext cx="3200400" cy="584775"/>
+          </a:xfrm>
+          <a:prstGeom prst="rect">
+            <a:avLst/>
+          </a:prstGeom>
+          <a:noFill/>
+        </p:spPr>
+        <p:txBody>
+          <a:bodyPr wrap="square" rtlCol="0">
+            <a:spAutoFit/>
+          </a:bodyPr>
+          <a:lstStyle/>
+          <a:p>
+            <a:pPr algn="ctr"/>
+            <a:r>
+              <a:rPr lang="en-US" sz="3200" dirty="0" smtClean="0">
+                <a:latin typeface="+mj-lt"/>
+              </a:rPr>
+              <a:t>Pipeline</a:t>
+            </a:r>
+            <a:endParaRPr lang="en-US" sz="3200" dirty="0">
+              <a:latin typeface="+mj-lt"/>
+            </a:endParaRPr>
+          </a:p>
+        </p:txBody>
+      </p:sp>
+      <p:grpSp>
+        <p:nvGrpSpPr>
+          <p:cNvPr id="21" name="Group 20"/>
+          <p:cNvGrpSpPr/>
+          <p:nvPr/>
+        </p:nvGrpSpPr>
+        <p:grpSpPr>
+          <a:xfrm rot="2416034">
+            <a:off x="2507954" y="4118799"/>
+            <a:ext cx="949432" cy="431096"/>
+            <a:chOff x="2133538" y="40517"/>
+            <a:chExt cx="1442473" cy="780666"/>
+          </a:xfrm>
+          <a:noFill/>
+        </p:grpSpPr>
+        <p:sp>
+          <p:nvSpPr>
+            <p:cNvPr id="22" name="Right Arrow 21"/>
+            <p:cNvSpPr/>
+            <p:nvPr/>
+          </p:nvSpPr>
+          <p:spPr>
+            <a:xfrm>
+              <a:off x="2133538" y="40517"/>
+              <a:ext cx="1442473" cy="780666"/>
+            </a:xfrm>
+            <a:prstGeom prst="rightArrow">
+              <a:avLst>
+                <a:gd name="adj1" fmla="val 60000"/>
+                <a:gd name="adj2" fmla="val 50000"/>
+              </a:avLst>
+            </a:prstGeom>
+            <a:grpFill/>
+            <a:ln w="12700">
+              <a:solidFill>
+                <a:schemeClr val="tx2">
+                  <a:lumMod val="60000"/>
+                  <a:lumOff val="40000"/>
+                </a:schemeClr>
+              </a:solidFill>
+              <a:prstDash val="dash"/>
+            </a:ln>
+          </p:spPr>
+          <p:style>
+            <a:lnRef idx="0">
+              <a:schemeClr val="accent5">
+                <a:tint val="60000"/>
+                <a:hueOff val="0"/>
+                <a:satOff val="0"/>
+                <a:lumOff val="0"/>
+                <a:alphaOff val="0"/>
+              </a:schemeClr>
+            </a:lnRef>
+            <a:fillRef idx="1">
+              <a:schemeClr val="accent5">
+                <a:tint val="60000"/>
+                <a:hueOff val="0"/>
+                <a:satOff val="0"/>
+                <a:lumOff val="0"/>
+                <a:alphaOff val="0"/>
+              </a:schemeClr>
+            </a:fillRef>
+            <a:effectRef idx="0">
+              <a:schemeClr val="accent5">
+                <a:tint val="60000"/>
+                <a:hueOff val="0"/>
+                <a:satOff val="0"/>
+                <a:lumOff val="0"/>
+                <a:alphaOff val="0"/>
+              </a:schemeClr>
+            </a:effectRef>
+            <a:fontRef idx="minor">
+              <a:schemeClr val="lt1"/>
+            </a:fontRef>
+          </p:style>
+        </p:sp>
+        <p:sp>
+          <p:nvSpPr>
+            <p:cNvPr id="23" name="Right Arrow 6"/>
+            <p:cNvSpPr/>
+            <p:nvPr/>
+          </p:nvSpPr>
+          <p:spPr>
+            <a:xfrm>
+              <a:off x="2133538" y="196650"/>
+              <a:ext cx="1208273" cy="468400"/>
+            </a:xfrm>
+            <a:prstGeom prst="rect">
+              <a:avLst/>
+            </a:prstGeom>
+            <a:grpFill/>
+          </p:spPr>
+          <p:style>
+            <a:lnRef idx="0">
+              <a:scrgbClr r="0" g="0" b="0"/>
+            </a:lnRef>
+            <a:fillRef idx="0">
+              <a:scrgbClr r="0" g="0" b="0"/>
+            </a:fillRef>
+            <a:effectRef idx="0">
+              <a:scrgbClr r="0" g="0" b="0"/>
+            </a:effectRef>
+            <a:fontRef idx="minor">
+              <a:schemeClr val="lt1"/>
+            </a:fontRef>
+          </p:style>
+          <p:txBody>
+            <a:bodyPr spcFirstLastPara="0" vert="horz" wrap="square" lIns="0" tIns="0" rIns="0" bIns="0" numCol="1" spcCol="1270" anchor="ctr" anchorCtr="0">
+              <a:noAutofit/>
+            </a:bodyPr>
+            <a:lstStyle/>
+            <a:p>
+              <a:pPr lvl="0" algn="ctr" defTabSz="1155700">
+                <a:lnSpc>
+                  <a:spcPct val="90000"/>
+                </a:lnSpc>
+                <a:spcBef>
+                  <a:spcPct val="0"/>
+                </a:spcBef>
+                <a:spcAft>
+                  <a:spcPct val="35000"/>
+                </a:spcAft>
+              </a:pPr>
+              <a:endParaRPr lang="en-US" sz="2600" kern="1200"/>
+            </a:p>
+          </p:txBody>
+        </p:sp>
+      </p:grpSp>
+      <p:sp>
+        <p:nvSpPr>
+          <p:cNvPr id="25" name="Oval 24"/>
+          <p:cNvSpPr/>
+          <p:nvPr/>
+        </p:nvSpPr>
+        <p:spPr>
+          <a:xfrm>
+            <a:off x="3703867" y="4294565"/>
+            <a:ext cx="1528295" cy="1528295"/>
+          </a:xfrm>
+          <a:prstGeom prst="ellipse">
+            <a:avLst/>
+          </a:prstGeom>
+          <a:noFill/>
+          <a:ln>
+            <a:solidFill>
+              <a:schemeClr val="tx2">
+                <a:lumMod val="60000"/>
+                <a:lumOff val="40000"/>
+              </a:schemeClr>
+            </a:solidFill>
+            <a:prstDash val="dash"/>
+          </a:ln>
+        </p:spPr>
+        <p:style>
+          <a:lnRef idx="2">
+            <a:schemeClr val="lt1">
+              <a:hueOff val="0"/>
+              <a:satOff val="0"/>
+              <a:lumOff val="0"/>
+              <a:alphaOff val="0"/>
+            </a:schemeClr>
+          </a:lnRef>
+          <a:fillRef idx="1">
+            <a:schemeClr val="accent5">
+              <a:hueOff val="0"/>
+              <a:satOff val="0"/>
+              <a:lumOff val="0"/>
+              <a:alphaOff val="0"/>
+            </a:schemeClr>
+          </a:fillRef>
+          <a:effectRef idx="0">
+            <a:schemeClr val="accent5">
+              <a:hueOff val="0"/>
+              <a:satOff val="0"/>
+              <a:lumOff val="0"/>
+              <a:alphaOff val="0"/>
+            </a:schemeClr>
+          </a:effectRef>
+          <a:fontRef idx="minor">
+            <a:schemeClr val="lt1"/>
+          </a:fontRef>
+        </p:style>
+      </p:sp>
+      <p:grpSp>
+        <p:nvGrpSpPr>
+          <p:cNvPr id="27" name="Group 26"/>
+          <p:cNvGrpSpPr/>
+          <p:nvPr/>
+        </p:nvGrpSpPr>
+        <p:grpSpPr>
+          <a:xfrm rot="19800000">
+            <a:off x="5452349" y="4118800"/>
+            <a:ext cx="949432" cy="431096"/>
+            <a:chOff x="2133538" y="40517"/>
+            <a:chExt cx="1442473" cy="780666"/>
+          </a:xfrm>
+          <a:noFill/>
+        </p:grpSpPr>
+        <p:sp>
+          <p:nvSpPr>
+            <p:cNvPr id="28" name="Right Arrow 27"/>
+            <p:cNvSpPr/>
+            <p:nvPr/>
+          </p:nvSpPr>
+          <p:spPr>
+            <a:xfrm>
+              <a:off x="2133538" y="40517"/>
+              <a:ext cx="1442473" cy="780666"/>
+            </a:xfrm>
+            <a:prstGeom prst="rightArrow">
+              <a:avLst>
+                <a:gd name="adj1" fmla="val 60000"/>
+                <a:gd name="adj2" fmla="val 50000"/>
+              </a:avLst>
+            </a:prstGeom>
+            <a:grpFill/>
+            <a:ln w="12700">
+              <a:solidFill>
+                <a:schemeClr val="tx2">
+                  <a:lumMod val="60000"/>
+                  <a:lumOff val="40000"/>
+                </a:schemeClr>
+              </a:solidFill>
+              <a:prstDash val="dash"/>
+            </a:ln>
+          </p:spPr>
+          <p:style>
+            <a:lnRef idx="0">
+              <a:schemeClr val="accent5">
+                <a:tint val="60000"/>
+                <a:hueOff val="0"/>
+                <a:satOff val="0"/>
+                <a:lumOff val="0"/>
+                <a:alphaOff val="0"/>
+              </a:schemeClr>
+            </a:lnRef>
+            <a:fillRef idx="1">
+              <a:schemeClr val="accent5">
+                <a:tint val="60000"/>
+                <a:hueOff val="0"/>
+                <a:satOff val="0"/>
+                <a:lumOff val="0"/>
+                <a:alphaOff val="0"/>
+              </a:schemeClr>
+            </a:fillRef>
+            <a:effectRef idx="0">
+              <a:schemeClr val="accent5">
+                <a:tint val="60000"/>
+                <a:hueOff val="0"/>
+                <a:satOff val="0"/>
+                <a:lumOff val="0"/>
+                <a:alphaOff val="0"/>
+              </a:schemeClr>
+            </a:effectRef>
+            <a:fontRef idx="minor">
+              <a:schemeClr val="lt1"/>
+            </a:fontRef>
+          </p:style>
+        </p:sp>
+        <p:sp>
+          <p:nvSpPr>
+            <p:cNvPr id="29" name="Right Arrow 6"/>
+            <p:cNvSpPr/>
+            <p:nvPr/>
+          </p:nvSpPr>
+          <p:spPr>
+            <a:xfrm>
+              <a:off x="2133538" y="196650"/>
+              <a:ext cx="1208273" cy="468400"/>
+            </a:xfrm>
+            <a:prstGeom prst="rect">
+              <a:avLst/>
+            </a:prstGeom>
+            <a:grpFill/>
+          </p:spPr>
+          <p:style>
+            <a:lnRef idx="0">
+              <a:scrgbClr r="0" g="0" b="0"/>
+            </a:lnRef>
+            <a:fillRef idx="0">
+              <a:scrgbClr r="0" g="0" b="0"/>
+            </a:fillRef>
+            <a:effectRef idx="0">
+              <a:scrgbClr r="0" g="0" b="0"/>
+            </a:effectRef>
+            <a:fontRef idx="minor">
+              <a:schemeClr val="lt1"/>
+            </a:fontRef>
+          </p:style>
+          <p:txBody>
+            <a:bodyPr spcFirstLastPara="0" vert="horz" wrap="square" lIns="0" tIns="0" rIns="0" bIns="0" numCol="1" spcCol="1270" anchor="ctr" anchorCtr="0">
+              <a:noAutofit/>
+            </a:bodyPr>
+            <a:lstStyle/>
+            <a:p>
+              <a:pPr lvl="0" algn="ctr" defTabSz="1155700">
+                <a:lnSpc>
+                  <a:spcPct val="90000"/>
+                </a:lnSpc>
+                <a:spcBef>
+                  <a:spcPct val="0"/>
+                </a:spcBef>
+                <a:spcAft>
+                  <a:spcPct val="35000"/>
+                </a:spcAft>
+              </a:pPr>
+              <a:endParaRPr lang="en-US" sz="2600" kern="1200"/>
+            </a:p>
+          </p:txBody>
+        </p:sp>
+      </p:grpSp>
+    </p:spTree>
+    <p:extLst>
+      <p:ext uri="{BB962C8B-B14F-4D97-AF65-F5344CB8AC3E}">
+        <p14:creationId xmlns:p14="http://schemas.microsoft.com/office/powerpoint/2010/main" val="2819276652"/>
+      </p:ext>
+    </p:extLst>
+  </p:cSld>
+  <p:clrMapOvr>
+    <a:masterClrMapping/>
+  </p:clrMapOvr>
+  <mc:AlternateContent xmlns:mc="http://schemas.openxmlformats.org/markup-compatibility/2006">
+    <mc:Choice xmlns:p14="http://schemas.microsoft.com/office/powerpoint/2010/main" Requires="p14">
+      <p:transition p14:dur="350">
+        <p:fade/>
+      </p:transition>
+    </mc:Choice>
+    <mc:Fallback>
+      <p:transition>
+        <p:fade/>
+      </p:transition>
+    </mc:Fallback>
+  </mc:AlternateContent>
+  <p:timing>
+    <p:tnLst>
+      <p:par>
+        <p:cTn id="1" dur="indefinite" restart="never" nodeType="tmRoot"/>
+      </p:par>
+    </p:tnLst>
+  </p:timing>
+</p:sld>
+</file>
+
+<file path=ppt/slides/slide11.xml><?xml version="1.0" encoding="utf-8"?>
 <p:sld xmlns:a="http://schemas.openxmlformats.org/drawingml/2006/main" xmlns:r="http://schemas.openxmlformats.org/officeDocument/2006/relationships" xmlns:p="http://schemas.openxmlformats.org/presentationml/2006/main">
   <p:cSld>
     <p:spTree>
@@ -7439,6 +8572,114 @@
           </a:fontRef>
         </p:style>
       </p:cxnSp>
+      <p:sp>
+        <p:nvSpPr>
+          <p:cNvPr id="39" name="Oval 4"/>
+          <p:cNvSpPr/>
+          <p:nvPr/>
+        </p:nvSpPr>
+        <p:spPr>
+          <a:xfrm>
+            <a:off x="3820185" y="3276600"/>
+            <a:ext cx="922407" cy="308804"/>
+          </a:xfrm>
+          <a:prstGeom prst="roundRect">
+            <a:avLst/>
+          </a:prstGeom>
+        </p:spPr>
+        <p:style>
+          <a:lnRef idx="0">
+            <a:scrgbClr r="0" g="0" b="0"/>
+          </a:lnRef>
+          <a:fillRef idx="0">
+            <a:scrgbClr r="0" g="0" b="0"/>
+          </a:fillRef>
+          <a:effectRef idx="0">
+            <a:scrgbClr r="0" g="0" b="0"/>
+          </a:effectRef>
+          <a:fontRef idx="minor">
+            <a:schemeClr val="lt1"/>
+          </a:fontRef>
+        </p:style>
+        <p:txBody>
+          <a:bodyPr spcFirstLastPara="0" vert="horz" wrap="square" lIns="40640" tIns="40640" rIns="40640" bIns="40640" numCol="1" spcCol="1270" anchor="ctr" anchorCtr="0">
+            <a:noAutofit/>
+          </a:bodyPr>
+          <a:lstStyle/>
+          <a:p>
+            <a:pPr lvl="0" algn="ctr" defTabSz="1422400">
+              <a:lnSpc>
+                <a:spcPct val="90000"/>
+              </a:lnSpc>
+              <a:spcBef>
+                <a:spcPct val="0"/>
+              </a:spcBef>
+              <a:spcAft>
+                <a:spcPct val="35000"/>
+              </a:spcAft>
+            </a:pPr>
+            <a:r>
+              <a:rPr lang="en-US" kern="1200" dirty="0" smtClean="0"/>
+              <a:t>Router</a:t>
+            </a:r>
+            <a:endParaRPr lang="en-US" kern="1200" dirty="0"/>
+          </a:p>
+        </p:txBody>
+      </p:sp>
+      <p:sp>
+        <p:nvSpPr>
+          <p:cNvPr id="40" name="Oval 4"/>
+          <p:cNvSpPr/>
+          <p:nvPr/>
+        </p:nvSpPr>
+        <p:spPr>
+          <a:xfrm>
+            <a:off x="3820185" y="4221019"/>
+            <a:ext cx="922407" cy="308804"/>
+          </a:xfrm>
+          <a:prstGeom prst="roundRect">
+            <a:avLst/>
+          </a:prstGeom>
+        </p:spPr>
+        <p:style>
+          <a:lnRef idx="0">
+            <a:scrgbClr r="0" g="0" b="0"/>
+          </a:lnRef>
+          <a:fillRef idx="0">
+            <a:scrgbClr r="0" g="0" b="0"/>
+          </a:fillRef>
+          <a:effectRef idx="0">
+            <a:scrgbClr r="0" g="0" b="0"/>
+          </a:effectRef>
+          <a:fontRef idx="minor">
+            <a:schemeClr val="lt1"/>
+          </a:fontRef>
+        </p:style>
+        <p:txBody>
+          <a:bodyPr spcFirstLastPara="0" vert="horz" wrap="square" lIns="40640" tIns="40640" rIns="40640" bIns="40640" numCol="1" spcCol="1270" anchor="ctr" anchorCtr="0">
+            <a:noAutofit/>
+          </a:bodyPr>
+          <a:lstStyle/>
+          <a:p>
+            <a:pPr lvl="0" algn="ctr" defTabSz="1422400">
+              <a:lnSpc>
+                <a:spcPct val="90000"/>
+              </a:lnSpc>
+              <a:spcBef>
+                <a:spcPct val="0"/>
+              </a:spcBef>
+              <a:spcAft>
+                <a:spcPct val="35000"/>
+              </a:spcAft>
+            </a:pPr>
+            <a:r>
+              <a:rPr lang="en-US" kern="1200" dirty="0" smtClean="0"/>
+              <a:t>Dealer</a:t>
+            </a:r>
+            <a:endParaRPr lang="en-US" kern="1200" dirty="0"/>
+          </a:p>
+        </p:txBody>
+      </p:sp>
     </p:spTree>
     <p:extLst>
       <p:ext uri="{BB962C8B-B14F-4D97-AF65-F5344CB8AC3E}">
@@ -7449,9 +8690,18 @@
   <p:clrMapOvr>
     <a:masterClrMapping/>
   </p:clrMapOvr>
-  <p:transition>
-    <p:fade/>
-  </p:transition>
+  <mc:AlternateContent xmlns:mc="http://schemas.openxmlformats.org/markup-compatibility/2006">
+    <mc:Choice xmlns:p14="http://schemas.microsoft.com/office/powerpoint/2010/main" Requires="p14">
+      <p:transition p14:dur="350">
+        <p:fade/>
+      </p:transition>
+    </mc:Choice>
+    <mc:Fallback>
+      <p:transition>
+        <p:fade/>
+      </p:transition>
+    </mc:Fallback>
+  </mc:AlternateContent>
   <p:timing>
     <p:tnLst>
       <p:par>
@@ -7462,7 +8712,7 @@
 </p:sld>
 </file>
 
-<file path=ppt/slides/slide11.xml><?xml version="1.0" encoding="utf-8"?>
+<file path=ppt/slides/slide12.xml><?xml version="1.0" encoding="utf-8"?>
 <p:sld xmlns:a="http://schemas.openxmlformats.org/drawingml/2006/main" xmlns:r="http://schemas.openxmlformats.org/officeDocument/2006/relationships" xmlns:p="http://schemas.openxmlformats.org/presentationml/2006/main">
   <p:cSld>
     <p:spTree>
@@ -7580,9 +8830,18 @@
   <p:clrMapOvr>
     <a:masterClrMapping/>
   </p:clrMapOvr>
-  <p:transition>
-    <p:fade/>
-  </p:transition>
+  <mc:AlternateContent xmlns:mc="http://schemas.openxmlformats.org/markup-compatibility/2006">
+    <mc:Choice xmlns:p14="http://schemas.microsoft.com/office/powerpoint/2010/main" Requires="p14">
+      <p:transition p14:dur="350">
+        <p:fade/>
+      </p:transition>
+    </mc:Choice>
+    <mc:Fallback>
+      <p:transition>
+        <p:fade/>
+      </p:transition>
+    </mc:Fallback>
+  </mc:AlternateContent>
   <p:timing>
     <p:tnLst>
       <p:par>
@@ -7627,11 +8886,7 @@
           <a:p>
             <a:r>
               <a:rPr lang="en-US" dirty="0" smtClean="0"/>
-              <a:t>What is </a:t>
-            </a:r>
-            <a:r>
-              <a:rPr lang="en-US" dirty="0" smtClean="0"/>
-              <a:t>it?</a:t>
+              <a:t>What is it?</a:t>
             </a:r>
             <a:endParaRPr lang="en-US" dirty="0"/>
           </a:p>
@@ -7773,9 +9028,18 @@
   <p:clrMapOvr>
     <a:masterClrMapping/>
   </p:clrMapOvr>
-  <p:transition>
-    <p:fade/>
-  </p:transition>
+  <mc:AlternateContent xmlns:mc="http://schemas.openxmlformats.org/markup-compatibility/2006">
+    <mc:Choice xmlns:p14="http://schemas.microsoft.com/office/powerpoint/2010/main" Requires="p14">
+      <p:transition p14:dur="350">
+        <p:fade/>
+      </p:transition>
+    </mc:Choice>
+    <mc:Fallback>
+      <p:transition>
+        <p:fade/>
+      </p:transition>
+    </mc:Fallback>
+  </mc:AlternateContent>
   <p:timing>
     <p:tnLst>
       <p:par>
@@ -7857,7 +9121,19 @@
             </a:pPr>
             <a:r>
               <a:rPr lang="en-US" dirty="0" smtClean="0"/>
-              <a:t>(as close to) Zero latency (as possible)</a:t>
+              <a:t>Zero </a:t>
+            </a:r>
+            <a:r>
+              <a:rPr lang="en-US" dirty="0" smtClean="0"/>
+              <a:t>latency </a:t>
+            </a:r>
+            <a:r>
+              <a:rPr lang="en-US" dirty="0" smtClean="0"/>
+              <a:t>(as close as </a:t>
+            </a:r>
+            <a:r>
+              <a:rPr lang="en-US" dirty="0" smtClean="0"/>
+              <a:t>possible)</a:t>
             </a:r>
           </a:p>
           <a:p>
@@ -7903,9 +9179,18 @@
   <p:clrMapOvr>
     <a:masterClrMapping/>
   </p:clrMapOvr>
-  <p:transition>
-    <p:fade/>
-  </p:transition>
+  <mc:AlternateContent xmlns:mc="http://schemas.openxmlformats.org/markup-compatibility/2006">
+    <mc:Choice xmlns:p14="http://schemas.microsoft.com/office/powerpoint/2010/main" Requires="p14">
+      <p:transition p14:dur="350">
+        <p:fade/>
+      </p:transition>
+    </mc:Choice>
+    <mc:Fallback>
+      <p:transition>
+        <p:fade/>
+      </p:transition>
+    </mc:Fallback>
+  </mc:AlternateContent>
   <p:timing>
     <p:tnLst>
       <p:par>
@@ -7956,109 +9241,6 @@
           </a:p>
         </p:txBody>
       </p:sp>
-      <p:sp>
-        <p:nvSpPr>
-          <p:cNvPr id="3" name="Content Placeholder 2"/>
-          <p:cNvSpPr>
-            <a:spLocks noGrp="1"/>
-          </p:cNvSpPr>
-          <p:nvPr>
-            <p:ph idx="1"/>
-          </p:nvPr>
-        </p:nvSpPr>
-        <p:spPr/>
-        <p:txBody>
-          <a:bodyPr/>
-          <a:lstStyle/>
-          <a:p>
-            <a:pPr marL="342900" indent="-342900">
-              <a:buFont typeface="Arial" panose="020B0604020202020204" pitchFamily="34" charset="0"/>
-              <a:buChar char="•"/>
-            </a:pPr>
-            <a:r>
-              <a:rPr lang="en-US" dirty="0" smtClean="0"/>
-              <a:t>Unicast – </a:t>
-            </a:r>
-            <a:r>
-              <a:rPr lang="en-US" dirty="0" err="1" smtClean="0"/>
-              <a:t>inproc</a:t>
-            </a:r>
-            <a:r>
-              <a:rPr lang="en-US" dirty="0" smtClean="0"/>
-              <a:t>, </a:t>
-            </a:r>
-            <a:r>
-              <a:rPr lang="en-US" dirty="0" err="1" smtClean="0"/>
-              <a:t>ipc</a:t>
-            </a:r>
-            <a:r>
-              <a:rPr lang="en-US" dirty="0" smtClean="0"/>
-              <a:t> (except on Windows), </a:t>
-            </a:r>
-            <a:r>
-              <a:rPr lang="en-US" dirty="0" err="1" smtClean="0"/>
-              <a:t>tcp</a:t>
-            </a:r>
-            <a:endParaRPr lang="en-US" dirty="0" smtClean="0"/>
-          </a:p>
-          <a:p>
-            <a:pPr marL="342900" indent="-342900">
-              <a:buFont typeface="Arial" panose="020B0604020202020204" pitchFamily="34" charset="0"/>
-              <a:buChar char="•"/>
-            </a:pPr>
-            <a:r>
-              <a:rPr lang="en-US" dirty="0" smtClean="0"/>
-              <a:t>Multicast</a:t>
-            </a:r>
-          </a:p>
-          <a:p>
-            <a:pPr marL="342900" indent="-342900">
-              <a:buFont typeface="Arial" panose="020B0604020202020204" pitchFamily="34" charset="0"/>
-              <a:buChar char="•"/>
-            </a:pPr>
-            <a:r>
-              <a:rPr lang="en-US" dirty="0" smtClean="0"/>
-              <a:t>Asynchronous</a:t>
-            </a:r>
-          </a:p>
-          <a:p>
-            <a:pPr marL="342900" indent="-342900">
-              <a:buFont typeface="Arial" panose="020B0604020202020204" pitchFamily="34" charset="0"/>
-              <a:buChar char="•"/>
-            </a:pPr>
-            <a:r>
-              <a:rPr lang="en-US" dirty="0" smtClean="0"/>
-              <a:t>Designed for particular messaging </a:t>
-            </a:r>
-            <a:r>
-              <a:rPr lang="en-US" dirty="0" smtClean="0"/>
-              <a:t>patterns</a:t>
-            </a:r>
-          </a:p>
-          <a:p>
-            <a:pPr marL="342900" indent="-342900">
-              <a:buFont typeface="Arial" panose="020B0604020202020204" pitchFamily="34" charset="0"/>
-              <a:buChar char="•"/>
-            </a:pPr>
-            <a:r>
-              <a:rPr lang="en-US" dirty="0" smtClean="0"/>
-              <a:t>Should only be used from a single thread</a:t>
-            </a:r>
-            <a:endParaRPr lang="en-US" dirty="0" smtClean="0"/>
-          </a:p>
-          <a:p>
-            <a:pPr marL="800100" lvl="1" indent="-342900"/>
-            <a:endParaRPr lang="en-US" dirty="0" smtClean="0"/>
-          </a:p>
-          <a:p>
-            <a:pPr marL="342900" indent="-342900">
-              <a:buFont typeface="Arial" panose="020B0604020202020204" pitchFamily="34" charset="0"/>
-              <a:buChar char="•"/>
-            </a:pPr>
-            <a:endParaRPr lang="en-US" dirty="0"/>
-          </a:p>
-        </p:txBody>
-      </p:sp>
       <p:pic>
         <p:nvPicPr>
           <p:cNvPr id="4" name="Picture 3"/>
@@ -8081,7 +9263,7 @@
         </p:blipFill>
         <p:spPr>
           <a:xfrm>
-            <a:off x="2514600" y="3886505"/>
+            <a:off x="2514600" y="2057705"/>
             <a:ext cx="3857143" cy="2438095"/>
           </a:xfrm>
           <a:prstGeom prst="rect">
@@ -8099,9 +9281,18 @@
   <p:clrMapOvr>
     <a:masterClrMapping/>
   </p:clrMapOvr>
-  <p:transition>
-    <p:fade/>
-  </p:transition>
+  <mc:AlternateContent xmlns:mc="http://schemas.openxmlformats.org/markup-compatibility/2006">
+    <mc:Choice xmlns:p14="http://schemas.microsoft.com/office/powerpoint/2010/main" Requires="p14">
+      <p:transition p14:dur="350">
+        <p:fade/>
+      </p:transition>
+    </mc:Choice>
+    <mc:Fallback>
+      <p:transition>
+        <p:fade/>
+      </p:transition>
+    </mc:Fallback>
+  </mc:AlternateContent>
   <p:timing>
     <p:tnLst>
       <p:par>
@@ -8146,7 +9337,7 @@
           <a:p>
             <a:r>
               <a:rPr lang="en-US" dirty="0" smtClean="0"/>
-              <a:t>Valid Patterns</a:t>
+              <a:t>Sockets</a:t>
             </a:r>
             <a:endParaRPr lang="en-US" dirty="0"/>
           </a:p>
@@ -8159,19 +9350,12 @@
             <a:spLocks noGrp="1"/>
           </p:cNvSpPr>
           <p:nvPr>
-            <p:ph sz="half" idx="1"/>
+            <p:ph idx="1"/>
           </p:nvPr>
         </p:nvSpPr>
-        <p:spPr>
-          <a:xfrm>
-            <a:off x="665074" y="1574800"/>
-            <a:ext cx="3983126" cy="4525963"/>
-          </a:xfrm>
-        </p:spPr>
+        <p:spPr/>
         <p:txBody>
-          <a:bodyPr>
-            <a:normAutofit/>
-          </a:bodyPr>
+          <a:bodyPr/>
           <a:lstStyle/>
           <a:p>
             <a:pPr marL="342900" indent="-342900">
@@ -8179,9 +9363,30 @@
               <a:buChar char="•"/>
             </a:pPr>
             <a:r>
-              <a:rPr lang="en-US" sz="2400" dirty="0"/>
-              <a:t>PUB and SUB</a:t>
-            </a:r>
+              <a:rPr lang="en-US" dirty="0" smtClean="0"/>
+              <a:t>Unicast – </a:t>
+            </a:r>
+            <a:r>
+              <a:rPr lang="en-US" dirty="0" err="1" smtClean="0"/>
+              <a:t>inproc</a:t>
+            </a:r>
+            <a:r>
+              <a:rPr lang="en-US" dirty="0" smtClean="0"/>
+              <a:t>, </a:t>
+            </a:r>
+            <a:r>
+              <a:rPr lang="en-US" dirty="0" err="1" smtClean="0"/>
+              <a:t>ipc</a:t>
+            </a:r>
+            <a:r>
+              <a:rPr lang="en-US" dirty="0" smtClean="0"/>
+              <a:t> (except on Windows), </a:t>
+            </a:r>
+            <a:r>
+              <a:rPr lang="en-US" dirty="0" err="1" smtClean="0"/>
+              <a:t>tcp</a:t>
+            </a:r>
+            <a:endParaRPr lang="en-US" dirty="0" smtClean="0"/>
           </a:p>
           <a:p>
             <a:pPr marL="342900" indent="-342900">
@@ -8189,9 +9394,22 @@
               <a:buChar char="•"/>
             </a:pPr>
             <a:r>
-              <a:rPr lang="en-US" sz="2400" dirty="0"/>
-              <a:t>REQ and REP</a:t>
-            </a:r>
+              <a:rPr lang="en-US" dirty="0" smtClean="0"/>
+              <a:t>Multicast – </a:t>
+            </a:r>
+            <a:r>
+              <a:rPr lang="en-US" dirty="0" err="1" smtClean="0"/>
+              <a:t>pgm</a:t>
+            </a:r>
+            <a:r>
+              <a:rPr lang="en-US" dirty="0" smtClean="0"/>
+              <a:t>, </a:t>
+            </a:r>
+            <a:r>
+              <a:rPr lang="en-US" dirty="0" err="1" smtClean="0"/>
+              <a:t>epgm</a:t>
+            </a:r>
+            <a:endParaRPr lang="en-US" dirty="0" smtClean="0"/>
           </a:p>
           <a:p>
             <a:pPr marL="342900" indent="-342900">
@@ -8199,8 +9417,8 @@
               <a:buChar char="•"/>
             </a:pPr>
             <a:r>
-              <a:rPr lang="en-US" sz="2400" dirty="0"/>
-              <a:t>REQ and ROUTER</a:t>
+              <a:rPr lang="en-US" dirty="0" smtClean="0"/>
+              <a:t>Asynchronous</a:t>
             </a:r>
           </a:p>
           <a:p>
@@ -8209,8 +9427,12 @@
               <a:buChar char="•"/>
             </a:pPr>
             <a:r>
-              <a:rPr lang="en-US" sz="2400" dirty="0"/>
-              <a:t>DEALER and REP</a:t>
+              <a:rPr lang="en-US" dirty="0" smtClean="0"/>
+              <a:t>Designed for particular messaging </a:t>
+            </a:r>
+            <a:r>
+              <a:rPr lang="en-US" dirty="0" smtClean="0"/>
+              <a:t>patterns</a:t>
             </a:r>
           </a:p>
           <a:p>
@@ -8219,41 +9441,18 @@
               <a:buChar char="•"/>
             </a:pPr>
             <a:r>
-              <a:rPr lang="en-US" sz="2400" dirty="0"/>
-              <a:t>DEALER and ROUTER</a:t>
-            </a:r>
-          </a:p>
-        </p:txBody>
-      </p:sp>
-      <p:sp>
-        <p:nvSpPr>
-          <p:cNvPr id="5" name="Content Placeholder 2"/>
-          <p:cNvSpPr>
-            <a:spLocks noGrp="1"/>
-          </p:cNvSpPr>
-          <p:nvPr>
-            <p:ph sz="half" idx="1"/>
-          </p:nvPr>
-        </p:nvSpPr>
-        <p:spPr>
-          <a:xfrm>
-            <a:off x="4398874" y="1600200"/>
-            <a:ext cx="3983126" cy="4525963"/>
-          </a:xfrm>
-        </p:spPr>
-        <p:txBody>
-          <a:bodyPr>
-            <a:normAutofit/>
-          </a:bodyPr>
-          <a:lstStyle/>
+              <a:rPr lang="en-US" dirty="0" smtClean="0"/>
+              <a:t>Connect to multiple endpoints</a:t>
+            </a:r>
+          </a:p>
           <a:p>
             <a:pPr marL="342900" indent="-342900">
               <a:buFont typeface="Arial" panose="020B0604020202020204" pitchFamily="34" charset="0"/>
               <a:buChar char="•"/>
             </a:pPr>
             <a:r>
-              <a:rPr lang="en-US" sz="2400" dirty="0"/>
-              <a:t>DEALER and DEALER</a:t>
+              <a:rPr lang="en-US" dirty="0" smtClean="0"/>
+              <a:t>Automatically reconnect</a:t>
             </a:r>
           </a:p>
           <a:p>
@@ -8262,9 +9461,10 @@
               <a:buChar char="•"/>
             </a:pPr>
             <a:r>
-              <a:rPr lang="en-US" sz="2400" dirty="0"/>
-              <a:t>ROUTER and ROUTER</a:t>
-            </a:r>
+              <a:rPr lang="en-US" dirty="0" smtClean="0"/>
+              <a:t>Queue messages when under heavy load</a:t>
+            </a:r>
+            <a:endParaRPr lang="en-US" dirty="0" smtClean="0"/>
           </a:p>
           <a:p>
             <a:pPr marL="342900" indent="-342900">
@@ -8272,36 +9472,45 @@
               <a:buChar char="•"/>
             </a:pPr>
             <a:r>
-              <a:rPr lang="en-US" sz="2400" dirty="0"/>
-              <a:t>PUSH and PULL</a:t>
-            </a:r>
+              <a:rPr lang="en-US" dirty="0" smtClean="0"/>
+              <a:t>Should only be used from a single thread</a:t>
+            </a:r>
+          </a:p>
+          <a:p>
+            <a:pPr marL="800100" lvl="1" indent="-342900"/>
+            <a:endParaRPr lang="en-US" dirty="0" smtClean="0"/>
           </a:p>
           <a:p>
             <a:pPr marL="342900" indent="-342900">
               <a:buFont typeface="Arial" panose="020B0604020202020204" pitchFamily="34" charset="0"/>
               <a:buChar char="•"/>
             </a:pPr>
-            <a:r>
-              <a:rPr lang="en-US" sz="2400" dirty="0"/>
-              <a:t>PAIR and PAIR</a:t>
-            </a:r>
-            <a:endParaRPr lang="en-US" sz="2400" dirty="0"/>
+            <a:endParaRPr lang="en-US" dirty="0"/>
           </a:p>
         </p:txBody>
       </p:sp>
     </p:spTree>
     <p:extLst>
       <p:ext uri="{BB962C8B-B14F-4D97-AF65-F5344CB8AC3E}">
-        <p14:creationId xmlns:p14="http://schemas.microsoft.com/office/powerpoint/2010/main" val="469666641"/>
+        <p14:creationId xmlns:p14="http://schemas.microsoft.com/office/powerpoint/2010/main" val="1929198400"/>
       </p:ext>
     </p:extLst>
   </p:cSld>
   <p:clrMapOvr>
     <a:masterClrMapping/>
   </p:clrMapOvr>
-  <p:transition>
-    <p:fade/>
-  </p:transition>
+  <mc:AlternateContent xmlns:mc="http://schemas.openxmlformats.org/markup-compatibility/2006">
+    <mc:Choice xmlns:p14="http://schemas.microsoft.com/office/powerpoint/2010/main" Requires="p14">
+      <p:transition p14:dur="350">
+        <p:fade/>
+      </p:transition>
+    </mc:Choice>
+    <mc:Fallback>
+      <p:transition>
+        <p:fade/>
+      </p:transition>
+    </mc:Fallback>
+  </mc:AlternateContent>
   <p:timing>
     <p:tnLst>
       <p:par>
@@ -8345,16 +9554,8 @@
           <a:lstStyle/>
           <a:p>
             <a:r>
-              <a:rPr lang="en-US" dirty="0" err="1" smtClean="0"/>
-              <a:t>ZeroMQ</a:t>
-            </a:r>
-            <a:r>
               <a:rPr lang="en-US" dirty="0" smtClean="0"/>
-              <a:t> on </a:t>
-            </a:r>
-            <a:r>
-              <a:rPr lang="en-US" dirty="0" err="1" smtClean="0"/>
-              <a:t>.net</a:t>
+              <a:t>Valid Patterns</a:t>
             </a:r>
             <a:endParaRPr lang="en-US" dirty="0"/>
           </a:p>
@@ -8367,12 +9568,19 @@
             <a:spLocks noGrp="1"/>
           </p:cNvSpPr>
           <p:nvPr>
-            <p:ph idx="1"/>
+            <p:ph sz="half" idx="1"/>
           </p:nvPr>
         </p:nvSpPr>
-        <p:spPr/>
+        <p:spPr>
+          <a:xfrm>
+            <a:off x="665074" y="1574800"/>
+            <a:ext cx="3983126" cy="4525963"/>
+          </a:xfrm>
+        </p:spPr>
         <p:txBody>
-          <a:bodyPr/>
+          <a:bodyPr>
+            <a:normAutofit/>
+          </a:bodyPr>
           <a:lstStyle/>
           <a:p>
             <a:pPr marL="342900" indent="-342900">
@@ -8380,41 +9588,13 @@
               <a:buChar char="•"/>
             </a:pPr>
             <a:r>
-              <a:rPr lang="en-US" dirty="0" err="1" smtClean="0"/>
-              <a:t>fszmq</a:t>
-            </a:r>
-            <a:endParaRPr lang="en-US" dirty="0" smtClean="0"/>
-          </a:p>
-          <a:p>
-            <a:pPr marL="800100" lvl="1" indent="-342900"/>
-            <a:r>
-              <a:rPr lang="en-US" dirty="0" smtClean="0"/>
-              <a:t>Built for F#, but works with other </a:t>
-            </a:r>
-            <a:r>
-              <a:rPr lang="en-US" dirty="0" err="1" smtClean="0"/>
-              <a:t>.net</a:t>
-            </a:r>
-            <a:r>
-              <a:rPr lang="en-US" dirty="0" smtClean="0"/>
-              <a:t> languages</a:t>
-            </a:r>
-          </a:p>
-          <a:p>
-            <a:pPr marL="800100" lvl="1" indent="-342900"/>
-            <a:r>
-              <a:rPr lang="en-US" dirty="0" smtClean="0"/>
-              <a:t>Supports </a:t>
-            </a:r>
-            <a:r>
-              <a:rPr lang="en-US" dirty="0" err="1" smtClean="0"/>
-              <a:t>ZeroMQ</a:t>
-            </a:r>
-            <a:r>
-              <a:rPr lang="en-US" dirty="0" smtClean="0"/>
-              <a:t> 4.0.4 and older</a:t>
-            </a:r>
-            <a:endParaRPr lang="en-US" dirty="0"/>
+              <a:rPr lang="en-US" sz="2400" dirty="0" smtClean="0"/>
+              <a:t>REQ </a:t>
+            </a:r>
+            <a:r>
+              <a:rPr lang="en-US" sz="2400" dirty="0"/>
+              <a:t>and REP</a:t>
+            </a:r>
           </a:p>
           <a:p>
             <a:pPr marL="342900" indent="-342900">
@@ -8422,31 +9602,8 @@
               <a:buChar char="•"/>
             </a:pPr>
             <a:r>
-              <a:rPr lang="en-US" dirty="0" err="1" smtClean="0"/>
-              <a:t>clrzmq</a:t>
-            </a:r>
-            <a:endParaRPr lang="en-US" dirty="0" smtClean="0"/>
-          </a:p>
-          <a:p>
-            <a:pPr marL="800100" lvl="1" indent="-342900"/>
-            <a:r>
-              <a:rPr lang="en-US" dirty="0" smtClean="0"/>
-              <a:t>Last updated in November, 2012</a:t>
-            </a:r>
-          </a:p>
-          <a:p>
-            <a:pPr marL="800100" lvl="1" indent="-342900"/>
-            <a:r>
-              <a:rPr lang="en-US" dirty="0" smtClean="0"/>
-              <a:t>Latest version is a Release Candidate, using </a:t>
-            </a:r>
-            <a:r>
-              <a:rPr lang="en-US" dirty="0" err="1" smtClean="0"/>
-              <a:t>ZeroMQ</a:t>
-            </a:r>
-            <a:r>
-              <a:rPr lang="en-US" dirty="0" smtClean="0"/>
-              <a:t> 3.2.2</a:t>
+              <a:rPr lang="en-US" sz="2400" dirty="0"/>
+              <a:t>REQ and ROUTER</a:t>
             </a:r>
           </a:p>
           <a:p>
@@ -8455,50 +9612,136 @@
               <a:buChar char="•"/>
             </a:pPr>
             <a:r>
-              <a:rPr lang="en-US" dirty="0" err="1" smtClean="0"/>
-              <a:t>NetMQ</a:t>
-            </a:r>
-            <a:endParaRPr lang="en-US" dirty="0" smtClean="0"/>
-          </a:p>
-          <a:p>
-            <a:pPr marL="800100" lvl="1" indent="-342900"/>
-            <a:r>
-              <a:rPr lang="en-US" dirty="0" smtClean="0"/>
-              <a:t>Full port of </a:t>
-            </a:r>
-            <a:r>
-              <a:rPr lang="en-US" dirty="0" err="1" smtClean="0"/>
-              <a:t>ZeroMQ</a:t>
-            </a:r>
-            <a:r>
-              <a:rPr lang="en-US" smtClean="0"/>
-              <a:t> in C#</a:t>
-            </a:r>
-            <a:endParaRPr lang="en-US" dirty="0" smtClean="0"/>
-          </a:p>
-          <a:p>
-            <a:pPr marL="800100" lvl="1" indent="-342900"/>
-            <a:r>
-              <a:rPr lang="en-US" dirty="0" smtClean="0"/>
-              <a:t>Relatively new, not yet production ready</a:t>
-            </a:r>
-            <a:endParaRPr lang="en-US" dirty="0"/>
+              <a:rPr lang="en-US" sz="2400" dirty="0"/>
+              <a:t>DEALER and REP</a:t>
+            </a:r>
+          </a:p>
+          <a:p>
+            <a:pPr marL="342900" indent="-342900">
+              <a:buFont typeface="Arial" panose="020B0604020202020204" pitchFamily="34" charset="0"/>
+              <a:buChar char="•"/>
+            </a:pPr>
+            <a:r>
+              <a:rPr lang="en-US" sz="2400" dirty="0"/>
+              <a:t>DEALER and </a:t>
+            </a:r>
+            <a:r>
+              <a:rPr lang="en-US" sz="2400" dirty="0" smtClean="0"/>
+              <a:t>ROUTER</a:t>
+            </a:r>
+          </a:p>
+          <a:p>
+            <a:pPr marL="342900" indent="-342900">
+              <a:buFont typeface="Arial" panose="020B0604020202020204" pitchFamily="34" charset="0"/>
+              <a:buChar char="•"/>
+            </a:pPr>
+            <a:r>
+              <a:rPr lang="en-US" sz="2400" dirty="0"/>
+              <a:t>DEALER and DEALER</a:t>
+            </a:r>
+          </a:p>
+          <a:p>
+            <a:pPr marL="342900" indent="-342900">
+              <a:buFont typeface="Arial" panose="020B0604020202020204" pitchFamily="34" charset="0"/>
+              <a:buChar char="•"/>
+            </a:pPr>
+            <a:r>
+              <a:rPr lang="en-US" sz="2400" dirty="0"/>
+              <a:t>ROUTER and ROUTER</a:t>
+            </a:r>
+          </a:p>
+          <a:p>
+            <a:pPr marL="342900" indent="-342900">
+              <a:buFont typeface="Arial" panose="020B0604020202020204" pitchFamily="34" charset="0"/>
+              <a:buChar char="•"/>
+            </a:pPr>
+            <a:endParaRPr lang="en-US" sz="2400" dirty="0"/>
+          </a:p>
+        </p:txBody>
+      </p:sp>
+      <p:sp>
+        <p:nvSpPr>
+          <p:cNvPr id="5" name="Content Placeholder 2"/>
+          <p:cNvSpPr>
+            <a:spLocks noGrp="1"/>
+          </p:cNvSpPr>
+          <p:nvPr>
+            <p:ph sz="half" idx="1"/>
+          </p:nvPr>
+        </p:nvSpPr>
+        <p:spPr>
+          <a:xfrm>
+            <a:off x="4398874" y="1600200"/>
+            <a:ext cx="3983126" cy="4525963"/>
+          </a:xfrm>
+        </p:spPr>
+        <p:txBody>
+          <a:bodyPr>
+            <a:normAutofit/>
+          </a:bodyPr>
+          <a:lstStyle/>
+          <a:p>
+            <a:pPr marL="342900" indent="-342900">
+              <a:buFont typeface="Arial" panose="020B0604020202020204" pitchFamily="34" charset="0"/>
+              <a:buChar char="•"/>
+            </a:pPr>
+            <a:r>
+              <a:rPr lang="en-US" sz="2400" dirty="0" smtClean="0"/>
+              <a:t>PUB </a:t>
+            </a:r>
+            <a:r>
+              <a:rPr lang="en-US" sz="2400" dirty="0"/>
+              <a:t>and SUB</a:t>
+            </a:r>
+          </a:p>
+          <a:p>
+            <a:pPr marL="342900" indent="-342900">
+              <a:buFont typeface="Arial" panose="020B0604020202020204" pitchFamily="34" charset="0"/>
+              <a:buChar char="•"/>
+            </a:pPr>
+            <a:r>
+              <a:rPr lang="en-US" sz="2400" dirty="0" smtClean="0"/>
+              <a:t>PUSH </a:t>
+            </a:r>
+            <a:r>
+              <a:rPr lang="en-US" sz="2400" dirty="0"/>
+              <a:t>and PULL</a:t>
+            </a:r>
+          </a:p>
+          <a:p>
+            <a:pPr marL="342900" indent="-342900">
+              <a:buFont typeface="Arial" panose="020B0604020202020204" pitchFamily="34" charset="0"/>
+              <a:buChar char="•"/>
+            </a:pPr>
+            <a:r>
+              <a:rPr lang="en-US" sz="2400" dirty="0"/>
+              <a:t>PAIR and PAIR</a:t>
+            </a:r>
           </a:p>
         </p:txBody>
       </p:sp>
     </p:spTree>
     <p:extLst>
       <p:ext uri="{BB962C8B-B14F-4D97-AF65-F5344CB8AC3E}">
-        <p14:creationId xmlns:p14="http://schemas.microsoft.com/office/powerpoint/2010/main" val="976314063"/>
+        <p14:creationId xmlns:p14="http://schemas.microsoft.com/office/powerpoint/2010/main" val="469666641"/>
       </p:ext>
     </p:extLst>
   </p:cSld>
   <p:clrMapOvr>
     <a:masterClrMapping/>
   </p:clrMapOvr>
-  <p:transition>
-    <p:fade/>
-  </p:transition>
+  <mc:AlternateContent xmlns:mc="http://schemas.openxmlformats.org/markup-compatibility/2006">
+    <mc:Choice xmlns:p14="http://schemas.microsoft.com/office/powerpoint/2010/main" Requires="p14">
+      <p:transition p14:dur="350">
+        <p:fade/>
+      </p:transition>
+    </mc:Choice>
+    <mc:Fallback>
+      <p:transition>
+        <p:fade/>
+      </p:transition>
+    </mc:Fallback>
+  </mc:AlternateContent>
   <p:timing>
     <p:tnLst>
       <p:par>
@@ -8542,6 +9785,212 @@
           <a:lstStyle/>
           <a:p>
             <a:r>
+              <a:rPr lang="en-US" dirty="0" err="1" smtClean="0"/>
+              <a:t>ZeroMQ</a:t>
+            </a:r>
+            <a:r>
+              <a:rPr lang="en-US" dirty="0" smtClean="0"/>
+              <a:t> on </a:t>
+            </a:r>
+            <a:r>
+              <a:rPr lang="en-US" dirty="0" err="1" smtClean="0"/>
+              <a:t>.net</a:t>
+            </a:r>
+            <a:endParaRPr lang="en-US" dirty="0"/>
+          </a:p>
+        </p:txBody>
+      </p:sp>
+      <p:sp>
+        <p:nvSpPr>
+          <p:cNvPr id="3" name="Content Placeholder 2"/>
+          <p:cNvSpPr>
+            <a:spLocks noGrp="1"/>
+          </p:cNvSpPr>
+          <p:nvPr>
+            <p:ph idx="1"/>
+          </p:nvPr>
+        </p:nvSpPr>
+        <p:spPr/>
+        <p:txBody>
+          <a:bodyPr/>
+          <a:lstStyle/>
+          <a:p>
+            <a:pPr marL="342900" indent="-342900">
+              <a:buFont typeface="Arial" panose="020B0604020202020204" pitchFamily="34" charset="0"/>
+              <a:buChar char="•"/>
+            </a:pPr>
+            <a:r>
+              <a:rPr lang="en-US" dirty="0" err="1" smtClean="0"/>
+              <a:t>fszmq</a:t>
+            </a:r>
+            <a:endParaRPr lang="en-US" dirty="0" smtClean="0"/>
+          </a:p>
+          <a:p>
+            <a:pPr marL="800100" lvl="1" indent="-342900"/>
+            <a:r>
+              <a:rPr lang="en-US" dirty="0" smtClean="0"/>
+              <a:t>Built for F#, but works with other </a:t>
+            </a:r>
+            <a:r>
+              <a:rPr lang="en-US" dirty="0" err="1" smtClean="0"/>
+              <a:t>.net</a:t>
+            </a:r>
+            <a:r>
+              <a:rPr lang="en-US" dirty="0" smtClean="0"/>
+              <a:t> languages</a:t>
+            </a:r>
+          </a:p>
+          <a:p>
+            <a:pPr marL="800100" lvl="1" indent="-342900"/>
+            <a:r>
+              <a:rPr lang="en-US" dirty="0" smtClean="0"/>
+              <a:t>Supports </a:t>
+            </a:r>
+            <a:r>
+              <a:rPr lang="en-US" dirty="0" err="1" smtClean="0"/>
+              <a:t>ZeroMQ</a:t>
+            </a:r>
+            <a:r>
+              <a:rPr lang="en-US" dirty="0" smtClean="0"/>
+              <a:t> 4.0.4 and older</a:t>
+            </a:r>
+            <a:endParaRPr lang="en-US" dirty="0"/>
+          </a:p>
+          <a:p>
+            <a:pPr marL="342900" indent="-342900">
+              <a:buFont typeface="Arial" panose="020B0604020202020204" pitchFamily="34" charset="0"/>
+              <a:buChar char="•"/>
+            </a:pPr>
+            <a:r>
+              <a:rPr lang="en-US" dirty="0" err="1" smtClean="0"/>
+              <a:t>clrzmq</a:t>
+            </a:r>
+            <a:endParaRPr lang="en-US" dirty="0" smtClean="0"/>
+          </a:p>
+          <a:p>
+            <a:pPr marL="800100" lvl="1" indent="-342900"/>
+            <a:r>
+              <a:rPr lang="en-US" dirty="0" smtClean="0"/>
+              <a:t>Last updated in November, 2012</a:t>
+            </a:r>
+          </a:p>
+          <a:p>
+            <a:pPr marL="800100" lvl="1" indent="-342900"/>
+            <a:r>
+              <a:rPr lang="en-US" dirty="0" smtClean="0"/>
+              <a:t>Latest version is a Release Candidate, using </a:t>
+            </a:r>
+            <a:r>
+              <a:rPr lang="en-US" dirty="0" err="1" smtClean="0"/>
+              <a:t>ZeroMQ</a:t>
+            </a:r>
+            <a:r>
+              <a:rPr lang="en-US" dirty="0" smtClean="0"/>
+              <a:t> 3.2.2</a:t>
+            </a:r>
+          </a:p>
+          <a:p>
+            <a:pPr marL="342900" indent="-342900">
+              <a:buFont typeface="Arial" panose="020B0604020202020204" pitchFamily="34" charset="0"/>
+              <a:buChar char="•"/>
+            </a:pPr>
+            <a:r>
+              <a:rPr lang="en-US" dirty="0" err="1" smtClean="0"/>
+              <a:t>NetMQ</a:t>
+            </a:r>
+            <a:endParaRPr lang="en-US" dirty="0" smtClean="0"/>
+          </a:p>
+          <a:p>
+            <a:pPr marL="800100" lvl="1" indent="-342900"/>
+            <a:r>
+              <a:rPr lang="en-US" dirty="0" smtClean="0"/>
+              <a:t>Full port of </a:t>
+            </a:r>
+            <a:r>
+              <a:rPr lang="en-US" dirty="0" err="1" smtClean="0"/>
+              <a:t>ZeroMQ</a:t>
+            </a:r>
+            <a:r>
+              <a:rPr lang="en-US" smtClean="0"/>
+              <a:t> in C#</a:t>
+            </a:r>
+            <a:endParaRPr lang="en-US" dirty="0" smtClean="0"/>
+          </a:p>
+          <a:p>
+            <a:pPr marL="800100" lvl="1" indent="-342900"/>
+            <a:r>
+              <a:rPr lang="en-US" dirty="0" smtClean="0"/>
+              <a:t>Relatively new, not yet production ready</a:t>
+            </a:r>
+            <a:endParaRPr lang="en-US" dirty="0"/>
+          </a:p>
+        </p:txBody>
+      </p:sp>
+    </p:spTree>
+    <p:extLst>
+      <p:ext uri="{BB962C8B-B14F-4D97-AF65-F5344CB8AC3E}">
+        <p14:creationId xmlns:p14="http://schemas.microsoft.com/office/powerpoint/2010/main" val="976314063"/>
+      </p:ext>
+    </p:extLst>
+  </p:cSld>
+  <p:clrMapOvr>
+    <a:masterClrMapping/>
+  </p:clrMapOvr>
+  <mc:AlternateContent xmlns:mc="http://schemas.openxmlformats.org/markup-compatibility/2006">
+    <mc:Choice xmlns:p14="http://schemas.microsoft.com/office/powerpoint/2010/main" Requires="p14">
+      <p:transition p14:dur="350">
+        <p:fade/>
+      </p:transition>
+    </mc:Choice>
+    <mc:Fallback>
+      <p:transition>
+        <p:fade/>
+      </p:transition>
+    </mc:Fallback>
+  </mc:AlternateContent>
+  <p:timing>
+    <p:tnLst>
+      <p:par>
+        <p:cTn id="1" dur="indefinite" restart="never" nodeType="tmRoot"/>
+      </p:par>
+    </p:tnLst>
+  </p:timing>
+</p:sld>
+</file>
+
+<file path=ppt/slides/slide8.xml><?xml version="1.0" encoding="utf-8"?>
+<p:sld xmlns:a="http://schemas.openxmlformats.org/drawingml/2006/main" xmlns:r="http://schemas.openxmlformats.org/officeDocument/2006/relationships" xmlns:p="http://schemas.openxmlformats.org/presentationml/2006/main">
+  <p:cSld>
+    <p:spTree>
+      <p:nvGrpSpPr>
+        <p:cNvPr id="1" name=""/>
+        <p:cNvGrpSpPr/>
+        <p:nvPr/>
+      </p:nvGrpSpPr>
+      <p:grpSpPr>
+        <a:xfrm>
+          <a:off x="0" y="0"/>
+          <a:ext cx="0" cy="0"/>
+          <a:chOff x="0" y="0"/>
+          <a:chExt cx="0" cy="0"/>
+        </a:xfrm>
+      </p:grpSpPr>
+      <p:sp>
+        <p:nvSpPr>
+          <p:cNvPr id="2" name="Title 1"/>
+          <p:cNvSpPr>
+            <a:spLocks noGrp="1"/>
+          </p:cNvSpPr>
+          <p:nvPr>
+            <p:ph type="title"/>
+          </p:nvPr>
+        </p:nvSpPr>
+        <p:spPr/>
+        <p:txBody>
+          <a:bodyPr/>
+          <a:lstStyle/>
+          <a:p>
+            <a:r>
               <a:rPr lang="en-US" dirty="0" smtClean="0"/>
               <a:t>Built-in Patterns</a:t>
             </a:r>
@@ -8584,9 +10033,18 @@
   <p:clrMapOvr>
     <a:masterClrMapping/>
   </p:clrMapOvr>
-  <p:transition>
-    <p:fade/>
-  </p:transition>
+  <mc:AlternateContent xmlns:mc="http://schemas.openxmlformats.org/markup-compatibility/2006">
+    <mc:Choice xmlns:p14="http://schemas.microsoft.com/office/powerpoint/2010/main" Requires="p14">
+      <p:transition p14:dur="350">
+        <p:fade/>
+      </p:transition>
+    </mc:Choice>
+    <mc:Fallback>
+      <p:transition>
+        <p:fade/>
+      </p:transition>
+    </mc:Fallback>
+  </mc:AlternateContent>
   <p:timing>
     <p:tnLst>
       <p:par>
@@ -8597,7 +10055,7 @@
 </p:sld>
 </file>
 
-<file path=ppt/slides/slide8.xml><?xml version="1.0" encoding="utf-8"?>
+<file path=ppt/slides/slide9.xml><?xml version="1.0" encoding="utf-8"?>
 <p:sld xmlns:a="http://schemas.openxmlformats.org/drawingml/2006/main" xmlns:r="http://schemas.openxmlformats.org/officeDocument/2006/relationships" xmlns:p="http://schemas.openxmlformats.org/presentationml/2006/main">
   <p:cSld>
     <p:spTree>
@@ -9451,980 +10909,18 @@
   <p:clrMapOvr>
     <a:masterClrMapping/>
   </p:clrMapOvr>
-  <p:transition>
-    <p:fade/>
-  </p:transition>
-  <p:timing>
-    <p:tnLst>
-      <p:par>
-        <p:cTn id="1" dur="indefinite" restart="never" nodeType="tmRoot"/>
-      </p:par>
-    </p:tnLst>
-  </p:timing>
-</p:sld>
-</file>
-
-<file path=ppt/slides/slide9.xml><?xml version="1.0" encoding="utf-8"?>
-<p:sld xmlns:a="http://schemas.openxmlformats.org/drawingml/2006/main" xmlns:r="http://schemas.openxmlformats.org/officeDocument/2006/relationships" xmlns:p="http://schemas.openxmlformats.org/presentationml/2006/main">
-  <p:cSld>
-    <p:spTree>
-      <p:nvGrpSpPr>
-        <p:cNvPr id="1" name=""/>
-        <p:cNvGrpSpPr/>
-        <p:nvPr/>
-      </p:nvGrpSpPr>
-      <p:grpSpPr>
-        <a:xfrm>
-          <a:off x="0" y="0"/>
-          <a:ext cx="0" cy="0"/>
-          <a:chOff x="0" y="0"/>
-          <a:chExt cx="0" cy="0"/>
-        </a:xfrm>
-      </p:grpSpPr>
-      <p:sp>
-        <p:nvSpPr>
-          <p:cNvPr id="2" name="Title 1"/>
-          <p:cNvSpPr>
-            <a:spLocks noGrp="1"/>
-          </p:cNvSpPr>
-          <p:nvPr>
-            <p:ph type="title"/>
-          </p:nvPr>
-        </p:nvSpPr>
-        <p:spPr/>
-        <p:txBody>
-          <a:bodyPr/>
-          <a:lstStyle/>
-          <a:p>
-            <a:r>
-              <a:rPr lang="en-US" dirty="0" smtClean="0"/>
-              <a:t>Built-in Patterns</a:t>
-            </a:r>
-            <a:endParaRPr lang="en-US" dirty="0"/>
-          </a:p>
-        </p:txBody>
-      </p:sp>
-      <p:grpSp>
-        <p:nvGrpSpPr>
-          <p:cNvPr id="5" name="Group 4"/>
-          <p:cNvGrpSpPr/>
-          <p:nvPr/>
-        </p:nvGrpSpPr>
-        <p:grpSpPr>
-          <a:xfrm>
-            <a:off x="832429" y="2514600"/>
-            <a:ext cx="1528295" cy="1528295"/>
-            <a:chOff x="584" y="367456"/>
-            <a:chExt cx="2313086" cy="2313086"/>
-          </a:xfrm>
-        </p:grpSpPr>
-        <p:sp>
-          <p:nvSpPr>
-            <p:cNvPr id="6" name="Oval 5"/>
-            <p:cNvSpPr/>
-            <p:nvPr/>
-          </p:nvSpPr>
-          <p:spPr>
-            <a:xfrm>
-              <a:off x="584" y="367456"/>
-              <a:ext cx="2313086" cy="2313086"/>
-            </a:xfrm>
-            <a:prstGeom prst="ellipse">
-              <a:avLst/>
-            </a:prstGeom>
-          </p:spPr>
-          <p:style>
-            <a:lnRef idx="2">
-              <a:schemeClr val="lt1">
-                <a:hueOff val="0"/>
-                <a:satOff val="0"/>
-                <a:lumOff val="0"/>
-                <a:alphaOff val="0"/>
-              </a:schemeClr>
-            </a:lnRef>
-            <a:fillRef idx="1">
-              <a:schemeClr val="accent5">
-                <a:hueOff val="0"/>
-                <a:satOff val="0"/>
-                <a:lumOff val="0"/>
-                <a:alphaOff val="0"/>
-              </a:schemeClr>
-            </a:fillRef>
-            <a:effectRef idx="0">
-              <a:schemeClr val="accent5">
-                <a:hueOff val="0"/>
-                <a:satOff val="0"/>
-                <a:lumOff val="0"/>
-                <a:alphaOff val="0"/>
-              </a:schemeClr>
-            </a:effectRef>
-            <a:fontRef idx="minor">
-              <a:schemeClr val="lt1"/>
-            </a:fontRef>
-          </p:style>
-        </p:sp>
-        <p:sp>
-          <p:nvSpPr>
-            <p:cNvPr id="7" name="Oval 4"/>
-            <p:cNvSpPr/>
-            <p:nvPr/>
-          </p:nvSpPr>
-          <p:spPr>
-            <a:xfrm>
-              <a:off x="339328" y="706200"/>
-              <a:ext cx="1635598" cy="1635598"/>
-            </a:xfrm>
-            <a:prstGeom prst="rect">
-              <a:avLst/>
-            </a:prstGeom>
-          </p:spPr>
-          <p:style>
-            <a:lnRef idx="0">
-              <a:scrgbClr r="0" g="0" b="0"/>
-            </a:lnRef>
-            <a:fillRef idx="0">
-              <a:scrgbClr r="0" g="0" b="0"/>
-            </a:fillRef>
-            <a:effectRef idx="0">
-              <a:scrgbClr r="0" g="0" b="0"/>
-            </a:effectRef>
-            <a:fontRef idx="minor">
-              <a:schemeClr val="lt1"/>
-            </a:fontRef>
-          </p:style>
-          <p:txBody>
-            <a:bodyPr spcFirstLastPara="0" vert="horz" wrap="square" lIns="40640" tIns="40640" rIns="40640" bIns="40640" numCol="1" spcCol="1270" anchor="ctr" anchorCtr="0">
-              <a:noAutofit/>
-            </a:bodyPr>
-            <a:lstStyle/>
-            <a:p>
-              <a:pPr lvl="0" algn="ctr" defTabSz="1422400">
-                <a:lnSpc>
-                  <a:spcPct val="90000"/>
-                </a:lnSpc>
-                <a:spcBef>
-                  <a:spcPct val="0"/>
-                </a:spcBef>
-                <a:spcAft>
-                  <a:spcPct val="35000"/>
-                </a:spcAft>
-              </a:pPr>
-              <a:endParaRPr lang="en-US" sz="3200" kern="1200" dirty="0"/>
-            </a:p>
-          </p:txBody>
-        </p:sp>
-      </p:grpSp>
-      <p:grpSp>
-        <p:nvGrpSpPr>
-          <p:cNvPr id="8" name="Group 7"/>
-          <p:cNvGrpSpPr/>
-          <p:nvPr/>
-        </p:nvGrpSpPr>
-        <p:grpSpPr>
-          <a:xfrm>
-            <a:off x="2585029" y="3063199"/>
-            <a:ext cx="949432" cy="431096"/>
-            <a:chOff x="2133538" y="40517"/>
-            <a:chExt cx="1442473" cy="780666"/>
-          </a:xfrm>
-        </p:grpSpPr>
-        <p:sp>
-          <p:nvSpPr>
-            <p:cNvPr id="9" name="Right Arrow 8"/>
-            <p:cNvSpPr/>
-            <p:nvPr/>
-          </p:nvSpPr>
-          <p:spPr>
-            <a:xfrm>
-              <a:off x="2133538" y="40517"/>
-              <a:ext cx="1442473" cy="780666"/>
-            </a:xfrm>
-            <a:prstGeom prst="rightArrow">
-              <a:avLst>
-                <a:gd name="adj1" fmla="val 60000"/>
-                <a:gd name="adj2" fmla="val 50000"/>
-              </a:avLst>
-            </a:prstGeom>
-          </p:spPr>
-          <p:style>
-            <a:lnRef idx="0">
-              <a:schemeClr val="accent5">
-                <a:tint val="60000"/>
-                <a:hueOff val="0"/>
-                <a:satOff val="0"/>
-                <a:lumOff val="0"/>
-                <a:alphaOff val="0"/>
-              </a:schemeClr>
-            </a:lnRef>
-            <a:fillRef idx="1">
-              <a:schemeClr val="accent5">
-                <a:tint val="60000"/>
-                <a:hueOff val="0"/>
-                <a:satOff val="0"/>
-                <a:lumOff val="0"/>
-                <a:alphaOff val="0"/>
-              </a:schemeClr>
-            </a:fillRef>
-            <a:effectRef idx="0">
-              <a:schemeClr val="accent5">
-                <a:tint val="60000"/>
-                <a:hueOff val="0"/>
-                <a:satOff val="0"/>
-                <a:lumOff val="0"/>
-                <a:alphaOff val="0"/>
-              </a:schemeClr>
-            </a:effectRef>
-            <a:fontRef idx="minor">
-              <a:schemeClr val="lt1"/>
-            </a:fontRef>
-          </p:style>
-        </p:sp>
-        <p:sp>
-          <p:nvSpPr>
-            <p:cNvPr id="10" name="Right Arrow 6"/>
-            <p:cNvSpPr/>
-            <p:nvPr/>
-          </p:nvSpPr>
-          <p:spPr>
-            <a:xfrm>
-              <a:off x="2133538" y="196650"/>
-              <a:ext cx="1208273" cy="468400"/>
-            </a:xfrm>
-            <a:prstGeom prst="rect">
-              <a:avLst/>
-            </a:prstGeom>
-          </p:spPr>
-          <p:style>
-            <a:lnRef idx="0">
-              <a:scrgbClr r="0" g="0" b="0"/>
-            </a:lnRef>
-            <a:fillRef idx="0">
-              <a:scrgbClr r="0" g="0" b="0"/>
-            </a:fillRef>
-            <a:effectRef idx="0">
-              <a:scrgbClr r="0" g="0" b="0"/>
-            </a:effectRef>
-            <a:fontRef idx="minor">
-              <a:schemeClr val="lt1"/>
-            </a:fontRef>
-          </p:style>
-          <p:txBody>
-            <a:bodyPr spcFirstLastPara="0" vert="horz" wrap="square" lIns="0" tIns="0" rIns="0" bIns="0" numCol="1" spcCol="1270" anchor="ctr" anchorCtr="0">
-              <a:noAutofit/>
-            </a:bodyPr>
-            <a:lstStyle/>
-            <a:p>
-              <a:pPr lvl="0" algn="ctr" defTabSz="1155700">
-                <a:lnSpc>
-                  <a:spcPct val="90000"/>
-                </a:lnSpc>
-                <a:spcBef>
-                  <a:spcPct val="0"/>
-                </a:spcBef>
-                <a:spcAft>
-                  <a:spcPct val="35000"/>
-                </a:spcAft>
-              </a:pPr>
-              <a:endParaRPr lang="en-US" sz="2600" kern="1200"/>
-            </a:p>
-          </p:txBody>
-        </p:sp>
-      </p:grpSp>
-      <p:grpSp>
-        <p:nvGrpSpPr>
-          <p:cNvPr id="11" name="Group 10"/>
-          <p:cNvGrpSpPr/>
-          <p:nvPr/>
-        </p:nvGrpSpPr>
-        <p:grpSpPr>
-          <a:xfrm>
-            <a:off x="3657600" y="2537670"/>
-            <a:ext cx="1528295" cy="1528295"/>
-            <a:chOff x="584" y="367456"/>
-            <a:chExt cx="2313086" cy="2313086"/>
-          </a:xfrm>
-        </p:grpSpPr>
-        <p:sp>
-          <p:nvSpPr>
-            <p:cNvPr id="12" name="Oval 11"/>
-            <p:cNvSpPr/>
-            <p:nvPr/>
-          </p:nvSpPr>
-          <p:spPr>
-            <a:xfrm>
-              <a:off x="584" y="367456"/>
-              <a:ext cx="2313086" cy="2313086"/>
-            </a:xfrm>
-            <a:prstGeom prst="ellipse">
-              <a:avLst/>
-            </a:prstGeom>
-          </p:spPr>
-          <p:style>
-            <a:lnRef idx="2">
-              <a:schemeClr val="lt1">
-                <a:hueOff val="0"/>
-                <a:satOff val="0"/>
-                <a:lumOff val="0"/>
-                <a:alphaOff val="0"/>
-              </a:schemeClr>
-            </a:lnRef>
-            <a:fillRef idx="1">
-              <a:schemeClr val="accent5">
-                <a:hueOff val="0"/>
-                <a:satOff val="0"/>
-                <a:lumOff val="0"/>
-                <a:alphaOff val="0"/>
-              </a:schemeClr>
-            </a:fillRef>
-            <a:effectRef idx="0">
-              <a:schemeClr val="accent5">
-                <a:hueOff val="0"/>
-                <a:satOff val="0"/>
-                <a:lumOff val="0"/>
-                <a:alphaOff val="0"/>
-              </a:schemeClr>
-            </a:effectRef>
-            <a:fontRef idx="minor">
-              <a:schemeClr val="lt1"/>
-            </a:fontRef>
-          </p:style>
-        </p:sp>
-        <p:sp>
-          <p:nvSpPr>
-            <p:cNvPr id="13" name="Oval 4"/>
-            <p:cNvSpPr/>
-            <p:nvPr/>
-          </p:nvSpPr>
-          <p:spPr>
-            <a:xfrm>
-              <a:off x="339328" y="706200"/>
-              <a:ext cx="1635598" cy="1635598"/>
-            </a:xfrm>
-            <a:prstGeom prst="rect">
-              <a:avLst/>
-            </a:prstGeom>
-          </p:spPr>
-          <p:style>
-            <a:lnRef idx="0">
-              <a:scrgbClr r="0" g="0" b="0"/>
-            </a:lnRef>
-            <a:fillRef idx="0">
-              <a:scrgbClr r="0" g="0" b="0"/>
-            </a:fillRef>
-            <a:effectRef idx="0">
-              <a:scrgbClr r="0" g="0" b="0"/>
-            </a:effectRef>
-            <a:fontRef idx="minor">
-              <a:schemeClr val="lt1"/>
-            </a:fontRef>
-          </p:style>
-          <p:txBody>
-            <a:bodyPr spcFirstLastPara="0" vert="horz" wrap="square" lIns="40640" tIns="40640" rIns="40640" bIns="40640" numCol="1" spcCol="1270" anchor="ctr" anchorCtr="0">
-              <a:noAutofit/>
-            </a:bodyPr>
-            <a:lstStyle/>
-            <a:p>
-              <a:pPr lvl="0" algn="ctr" defTabSz="1422400">
-                <a:lnSpc>
-                  <a:spcPct val="90000"/>
-                </a:lnSpc>
-                <a:spcBef>
-                  <a:spcPct val="0"/>
-                </a:spcBef>
-                <a:spcAft>
-                  <a:spcPct val="35000"/>
-                </a:spcAft>
-              </a:pPr>
-              <a:endParaRPr lang="en-US" sz="3200" kern="1200" dirty="0"/>
-            </a:p>
-          </p:txBody>
-        </p:sp>
-      </p:grpSp>
-      <p:grpSp>
-        <p:nvGrpSpPr>
-          <p:cNvPr id="14" name="Group 13"/>
-          <p:cNvGrpSpPr/>
-          <p:nvPr/>
-        </p:nvGrpSpPr>
-        <p:grpSpPr>
-          <a:xfrm>
-            <a:off x="5410200" y="3086269"/>
-            <a:ext cx="949432" cy="431096"/>
-            <a:chOff x="2133538" y="40517"/>
-            <a:chExt cx="1442473" cy="780666"/>
-          </a:xfrm>
-        </p:grpSpPr>
-        <p:sp>
-          <p:nvSpPr>
-            <p:cNvPr id="15" name="Right Arrow 14"/>
-            <p:cNvSpPr/>
-            <p:nvPr/>
-          </p:nvSpPr>
-          <p:spPr>
-            <a:xfrm>
-              <a:off x="2133538" y="40517"/>
-              <a:ext cx="1442473" cy="780666"/>
-            </a:xfrm>
-            <a:prstGeom prst="rightArrow">
-              <a:avLst>
-                <a:gd name="adj1" fmla="val 60000"/>
-                <a:gd name="adj2" fmla="val 50000"/>
-              </a:avLst>
-            </a:prstGeom>
-          </p:spPr>
-          <p:style>
-            <a:lnRef idx="0">
-              <a:schemeClr val="accent5">
-                <a:tint val="60000"/>
-                <a:hueOff val="0"/>
-                <a:satOff val="0"/>
-                <a:lumOff val="0"/>
-                <a:alphaOff val="0"/>
-              </a:schemeClr>
-            </a:lnRef>
-            <a:fillRef idx="1">
-              <a:schemeClr val="accent5">
-                <a:tint val="60000"/>
-                <a:hueOff val="0"/>
-                <a:satOff val="0"/>
-                <a:lumOff val="0"/>
-                <a:alphaOff val="0"/>
-              </a:schemeClr>
-            </a:fillRef>
-            <a:effectRef idx="0">
-              <a:schemeClr val="accent5">
-                <a:tint val="60000"/>
-                <a:hueOff val="0"/>
-                <a:satOff val="0"/>
-                <a:lumOff val="0"/>
-                <a:alphaOff val="0"/>
-              </a:schemeClr>
-            </a:effectRef>
-            <a:fontRef idx="minor">
-              <a:schemeClr val="lt1"/>
-            </a:fontRef>
-          </p:style>
-        </p:sp>
-        <p:sp>
-          <p:nvSpPr>
-            <p:cNvPr id="16" name="Right Arrow 6"/>
-            <p:cNvSpPr/>
-            <p:nvPr/>
-          </p:nvSpPr>
-          <p:spPr>
-            <a:xfrm>
-              <a:off x="2133538" y="196650"/>
-              <a:ext cx="1208273" cy="468400"/>
-            </a:xfrm>
-            <a:prstGeom prst="rect">
-              <a:avLst/>
-            </a:prstGeom>
-          </p:spPr>
-          <p:style>
-            <a:lnRef idx="0">
-              <a:scrgbClr r="0" g="0" b="0"/>
-            </a:lnRef>
-            <a:fillRef idx="0">
-              <a:scrgbClr r="0" g="0" b="0"/>
-            </a:fillRef>
-            <a:effectRef idx="0">
-              <a:scrgbClr r="0" g="0" b="0"/>
-            </a:effectRef>
-            <a:fontRef idx="minor">
-              <a:schemeClr val="lt1"/>
-            </a:fontRef>
-          </p:style>
-          <p:txBody>
-            <a:bodyPr spcFirstLastPara="0" vert="horz" wrap="square" lIns="0" tIns="0" rIns="0" bIns="0" numCol="1" spcCol="1270" anchor="ctr" anchorCtr="0">
-              <a:noAutofit/>
-            </a:bodyPr>
-            <a:lstStyle/>
-            <a:p>
-              <a:pPr lvl="0" algn="ctr" defTabSz="1155700">
-                <a:lnSpc>
-                  <a:spcPct val="90000"/>
-                </a:lnSpc>
-                <a:spcBef>
-                  <a:spcPct val="0"/>
-                </a:spcBef>
-                <a:spcAft>
-                  <a:spcPct val="35000"/>
-                </a:spcAft>
-              </a:pPr>
-              <a:endParaRPr lang="en-US" sz="2600" kern="1200"/>
-            </a:p>
-          </p:txBody>
-        </p:sp>
-      </p:grpSp>
-      <p:grpSp>
-        <p:nvGrpSpPr>
-          <p:cNvPr id="17" name="Group 16"/>
-          <p:cNvGrpSpPr/>
-          <p:nvPr/>
-        </p:nvGrpSpPr>
-        <p:grpSpPr>
-          <a:xfrm>
-            <a:off x="6553200" y="2514600"/>
-            <a:ext cx="1528295" cy="1528295"/>
-            <a:chOff x="584" y="367456"/>
-            <a:chExt cx="2313086" cy="2313086"/>
-          </a:xfrm>
-        </p:grpSpPr>
-        <p:sp>
-          <p:nvSpPr>
-            <p:cNvPr id="18" name="Oval 17"/>
-            <p:cNvSpPr/>
-            <p:nvPr/>
-          </p:nvSpPr>
-          <p:spPr>
-            <a:xfrm>
-              <a:off x="584" y="367456"/>
-              <a:ext cx="2313086" cy="2313086"/>
-            </a:xfrm>
-            <a:prstGeom prst="ellipse">
-              <a:avLst/>
-            </a:prstGeom>
-          </p:spPr>
-          <p:style>
-            <a:lnRef idx="2">
-              <a:schemeClr val="lt1">
-                <a:hueOff val="0"/>
-                <a:satOff val="0"/>
-                <a:lumOff val="0"/>
-                <a:alphaOff val="0"/>
-              </a:schemeClr>
-            </a:lnRef>
-            <a:fillRef idx="1">
-              <a:schemeClr val="accent5">
-                <a:hueOff val="0"/>
-                <a:satOff val="0"/>
-                <a:lumOff val="0"/>
-                <a:alphaOff val="0"/>
-              </a:schemeClr>
-            </a:fillRef>
-            <a:effectRef idx="0">
-              <a:schemeClr val="accent5">
-                <a:hueOff val="0"/>
-                <a:satOff val="0"/>
-                <a:lumOff val="0"/>
-                <a:alphaOff val="0"/>
-              </a:schemeClr>
-            </a:effectRef>
-            <a:fontRef idx="minor">
-              <a:schemeClr val="lt1"/>
-            </a:fontRef>
-          </p:style>
-        </p:sp>
-        <p:sp>
-          <p:nvSpPr>
-            <p:cNvPr id="19" name="Oval 4"/>
-            <p:cNvSpPr/>
-            <p:nvPr/>
-          </p:nvSpPr>
-          <p:spPr>
-            <a:xfrm>
-              <a:off x="339328" y="706200"/>
-              <a:ext cx="1635598" cy="1635598"/>
-            </a:xfrm>
-            <a:prstGeom prst="rect">
-              <a:avLst/>
-            </a:prstGeom>
-          </p:spPr>
-          <p:style>
-            <a:lnRef idx="0">
-              <a:scrgbClr r="0" g="0" b="0"/>
-            </a:lnRef>
-            <a:fillRef idx="0">
-              <a:scrgbClr r="0" g="0" b="0"/>
-            </a:fillRef>
-            <a:effectRef idx="0">
-              <a:scrgbClr r="0" g="0" b="0"/>
-            </a:effectRef>
-            <a:fontRef idx="minor">
-              <a:schemeClr val="lt1"/>
-            </a:fontRef>
-          </p:style>
-          <p:txBody>
-            <a:bodyPr spcFirstLastPara="0" vert="horz" wrap="square" lIns="40640" tIns="40640" rIns="40640" bIns="40640" numCol="1" spcCol="1270" anchor="ctr" anchorCtr="0">
-              <a:noAutofit/>
-            </a:bodyPr>
-            <a:lstStyle/>
-            <a:p>
-              <a:pPr lvl="0" algn="ctr" defTabSz="1422400">
-                <a:lnSpc>
-                  <a:spcPct val="90000"/>
-                </a:lnSpc>
-                <a:spcBef>
-                  <a:spcPct val="0"/>
-                </a:spcBef>
-                <a:spcAft>
-                  <a:spcPct val="35000"/>
-                </a:spcAft>
-              </a:pPr>
-              <a:endParaRPr lang="en-US" sz="3200" kern="1200" dirty="0"/>
-            </a:p>
-          </p:txBody>
-        </p:sp>
-      </p:grpSp>
-      <p:sp>
-        <p:nvSpPr>
-          <p:cNvPr id="20" name="TextBox 19"/>
-          <p:cNvSpPr txBox="1"/>
-          <p:nvPr/>
-        </p:nvSpPr>
-        <p:spPr>
-          <a:xfrm>
-            <a:off x="2819400" y="1701225"/>
-            <a:ext cx="3200400" cy="584775"/>
-          </a:xfrm>
-          <a:prstGeom prst="rect">
-            <a:avLst/>
-          </a:prstGeom>
-          <a:noFill/>
-        </p:spPr>
-        <p:txBody>
-          <a:bodyPr wrap="square" rtlCol="0">
-            <a:spAutoFit/>
-          </a:bodyPr>
-          <a:lstStyle/>
-          <a:p>
-            <a:pPr algn="ctr"/>
-            <a:r>
-              <a:rPr lang="en-US" sz="3200" dirty="0" smtClean="0">
-                <a:latin typeface="+mj-lt"/>
-              </a:rPr>
-              <a:t>Pipeline</a:t>
-            </a:r>
-            <a:endParaRPr lang="en-US" sz="3200" dirty="0">
-              <a:latin typeface="+mj-lt"/>
-            </a:endParaRPr>
-          </a:p>
-        </p:txBody>
-      </p:sp>
-      <p:grpSp>
-        <p:nvGrpSpPr>
-          <p:cNvPr id="21" name="Group 20"/>
-          <p:cNvGrpSpPr/>
-          <p:nvPr/>
-        </p:nvGrpSpPr>
-        <p:grpSpPr>
-          <a:xfrm rot="2416034">
-            <a:off x="2507954" y="4118799"/>
-            <a:ext cx="949432" cy="431096"/>
-            <a:chOff x="2133538" y="40517"/>
-            <a:chExt cx="1442473" cy="780666"/>
-          </a:xfrm>
-          <a:noFill/>
-        </p:grpSpPr>
-        <p:sp>
-          <p:nvSpPr>
-            <p:cNvPr id="22" name="Right Arrow 21"/>
-            <p:cNvSpPr/>
-            <p:nvPr/>
-          </p:nvSpPr>
-          <p:spPr>
-            <a:xfrm>
-              <a:off x="2133538" y="40517"/>
-              <a:ext cx="1442473" cy="780666"/>
-            </a:xfrm>
-            <a:prstGeom prst="rightArrow">
-              <a:avLst>
-                <a:gd name="adj1" fmla="val 60000"/>
-                <a:gd name="adj2" fmla="val 50000"/>
-              </a:avLst>
-            </a:prstGeom>
-            <a:grpFill/>
-            <a:ln w="12700">
-              <a:solidFill>
-                <a:schemeClr val="tx2">
-                  <a:lumMod val="60000"/>
-                  <a:lumOff val="40000"/>
-                </a:schemeClr>
-              </a:solidFill>
-              <a:prstDash val="dash"/>
-            </a:ln>
-          </p:spPr>
-          <p:style>
-            <a:lnRef idx="0">
-              <a:schemeClr val="accent5">
-                <a:tint val="60000"/>
-                <a:hueOff val="0"/>
-                <a:satOff val="0"/>
-                <a:lumOff val="0"/>
-                <a:alphaOff val="0"/>
-              </a:schemeClr>
-            </a:lnRef>
-            <a:fillRef idx="1">
-              <a:schemeClr val="accent5">
-                <a:tint val="60000"/>
-                <a:hueOff val="0"/>
-                <a:satOff val="0"/>
-                <a:lumOff val="0"/>
-                <a:alphaOff val="0"/>
-              </a:schemeClr>
-            </a:fillRef>
-            <a:effectRef idx="0">
-              <a:schemeClr val="accent5">
-                <a:tint val="60000"/>
-                <a:hueOff val="0"/>
-                <a:satOff val="0"/>
-                <a:lumOff val="0"/>
-                <a:alphaOff val="0"/>
-              </a:schemeClr>
-            </a:effectRef>
-            <a:fontRef idx="minor">
-              <a:schemeClr val="lt1"/>
-            </a:fontRef>
-          </p:style>
-        </p:sp>
-        <p:sp>
-          <p:nvSpPr>
-            <p:cNvPr id="23" name="Right Arrow 6"/>
-            <p:cNvSpPr/>
-            <p:nvPr/>
-          </p:nvSpPr>
-          <p:spPr>
-            <a:xfrm>
-              <a:off x="2133538" y="196650"/>
-              <a:ext cx="1208273" cy="468400"/>
-            </a:xfrm>
-            <a:prstGeom prst="rect">
-              <a:avLst/>
-            </a:prstGeom>
-            <a:grpFill/>
-          </p:spPr>
-          <p:style>
-            <a:lnRef idx="0">
-              <a:scrgbClr r="0" g="0" b="0"/>
-            </a:lnRef>
-            <a:fillRef idx="0">
-              <a:scrgbClr r="0" g="0" b="0"/>
-            </a:fillRef>
-            <a:effectRef idx="0">
-              <a:scrgbClr r="0" g="0" b="0"/>
-            </a:effectRef>
-            <a:fontRef idx="minor">
-              <a:schemeClr val="lt1"/>
-            </a:fontRef>
-          </p:style>
-          <p:txBody>
-            <a:bodyPr spcFirstLastPara="0" vert="horz" wrap="square" lIns="0" tIns="0" rIns="0" bIns="0" numCol="1" spcCol="1270" anchor="ctr" anchorCtr="0">
-              <a:noAutofit/>
-            </a:bodyPr>
-            <a:lstStyle/>
-            <a:p>
-              <a:pPr lvl="0" algn="ctr" defTabSz="1155700">
-                <a:lnSpc>
-                  <a:spcPct val="90000"/>
-                </a:lnSpc>
-                <a:spcBef>
-                  <a:spcPct val="0"/>
-                </a:spcBef>
-                <a:spcAft>
-                  <a:spcPct val="35000"/>
-                </a:spcAft>
-              </a:pPr>
-              <a:endParaRPr lang="en-US" sz="2600" kern="1200"/>
-            </a:p>
-          </p:txBody>
-        </p:sp>
-      </p:grpSp>
-      <p:sp>
-        <p:nvSpPr>
-          <p:cNvPr id="25" name="Oval 24"/>
-          <p:cNvSpPr/>
-          <p:nvPr/>
-        </p:nvSpPr>
-        <p:spPr>
-          <a:xfrm>
-            <a:off x="3703867" y="4294565"/>
-            <a:ext cx="1528295" cy="1528295"/>
-          </a:xfrm>
-          <a:prstGeom prst="ellipse">
-            <a:avLst/>
-          </a:prstGeom>
-          <a:noFill/>
-          <a:ln>
-            <a:solidFill>
-              <a:schemeClr val="tx2">
-                <a:lumMod val="60000"/>
-                <a:lumOff val="40000"/>
-              </a:schemeClr>
-            </a:solidFill>
-            <a:prstDash val="dash"/>
-          </a:ln>
-        </p:spPr>
-        <p:style>
-          <a:lnRef idx="2">
-            <a:schemeClr val="lt1">
-              <a:hueOff val="0"/>
-              <a:satOff val="0"/>
-              <a:lumOff val="0"/>
-              <a:alphaOff val="0"/>
-            </a:schemeClr>
-          </a:lnRef>
-          <a:fillRef idx="1">
-            <a:schemeClr val="accent5">
-              <a:hueOff val="0"/>
-              <a:satOff val="0"/>
-              <a:lumOff val="0"/>
-              <a:alphaOff val="0"/>
-            </a:schemeClr>
-          </a:fillRef>
-          <a:effectRef idx="0">
-            <a:schemeClr val="accent5">
-              <a:hueOff val="0"/>
-              <a:satOff val="0"/>
-              <a:lumOff val="0"/>
-              <a:alphaOff val="0"/>
-            </a:schemeClr>
-          </a:effectRef>
-          <a:fontRef idx="minor">
-            <a:schemeClr val="lt1"/>
-          </a:fontRef>
-        </p:style>
-      </p:sp>
-      <p:grpSp>
-        <p:nvGrpSpPr>
-          <p:cNvPr id="27" name="Group 26"/>
-          <p:cNvGrpSpPr/>
-          <p:nvPr/>
-        </p:nvGrpSpPr>
-        <p:grpSpPr>
-          <a:xfrm rot="19800000">
-            <a:off x="5452349" y="4118800"/>
-            <a:ext cx="949432" cy="431096"/>
-            <a:chOff x="2133538" y="40517"/>
-            <a:chExt cx="1442473" cy="780666"/>
-          </a:xfrm>
-          <a:noFill/>
-        </p:grpSpPr>
-        <p:sp>
-          <p:nvSpPr>
-            <p:cNvPr id="28" name="Right Arrow 27"/>
-            <p:cNvSpPr/>
-            <p:nvPr/>
-          </p:nvSpPr>
-          <p:spPr>
-            <a:xfrm>
-              <a:off x="2133538" y="40517"/>
-              <a:ext cx="1442473" cy="780666"/>
-            </a:xfrm>
-            <a:prstGeom prst="rightArrow">
-              <a:avLst>
-                <a:gd name="adj1" fmla="val 60000"/>
-                <a:gd name="adj2" fmla="val 50000"/>
-              </a:avLst>
-            </a:prstGeom>
-            <a:grpFill/>
-            <a:ln w="12700">
-              <a:solidFill>
-                <a:schemeClr val="tx2">
-                  <a:lumMod val="60000"/>
-                  <a:lumOff val="40000"/>
-                </a:schemeClr>
-              </a:solidFill>
-              <a:prstDash val="dash"/>
-            </a:ln>
-          </p:spPr>
-          <p:style>
-            <a:lnRef idx="0">
-              <a:schemeClr val="accent5">
-                <a:tint val="60000"/>
-                <a:hueOff val="0"/>
-                <a:satOff val="0"/>
-                <a:lumOff val="0"/>
-                <a:alphaOff val="0"/>
-              </a:schemeClr>
-            </a:lnRef>
-            <a:fillRef idx="1">
-              <a:schemeClr val="accent5">
-                <a:tint val="60000"/>
-                <a:hueOff val="0"/>
-                <a:satOff val="0"/>
-                <a:lumOff val="0"/>
-                <a:alphaOff val="0"/>
-              </a:schemeClr>
-            </a:fillRef>
-            <a:effectRef idx="0">
-              <a:schemeClr val="accent5">
-                <a:tint val="60000"/>
-                <a:hueOff val="0"/>
-                <a:satOff val="0"/>
-                <a:lumOff val="0"/>
-                <a:alphaOff val="0"/>
-              </a:schemeClr>
-            </a:effectRef>
-            <a:fontRef idx="minor">
-              <a:schemeClr val="lt1"/>
-            </a:fontRef>
-          </p:style>
-        </p:sp>
-        <p:sp>
-          <p:nvSpPr>
-            <p:cNvPr id="29" name="Right Arrow 6"/>
-            <p:cNvSpPr/>
-            <p:nvPr/>
-          </p:nvSpPr>
-          <p:spPr>
-            <a:xfrm>
-              <a:off x="2133538" y="196650"/>
-              <a:ext cx="1208273" cy="468400"/>
-            </a:xfrm>
-            <a:prstGeom prst="rect">
-              <a:avLst/>
-            </a:prstGeom>
-            <a:grpFill/>
-          </p:spPr>
-          <p:style>
-            <a:lnRef idx="0">
-              <a:scrgbClr r="0" g="0" b="0"/>
-            </a:lnRef>
-            <a:fillRef idx="0">
-              <a:scrgbClr r="0" g="0" b="0"/>
-            </a:fillRef>
-            <a:effectRef idx="0">
-              <a:scrgbClr r="0" g="0" b="0"/>
-            </a:effectRef>
-            <a:fontRef idx="minor">
-              <a:schemeClr val="lt1"/>
-            </a:fontRef>
-          </p:style>
-          <p:txBody>
-            <a:bodyPr spcFirstLastPara="0" vert="horz" wrap="square" lIns="0" tIns="0" rIns="0" bIns="0" numCol="1" spcCol="1270" anchor="ctr" anchorCtr="0">
-              <a:noAutofit/>
-            </a:bodyPr>
-            <a:lstStyle/>
-            <a:p>
-              <a:pPr lvl="0" algn="ctr" defTabSz="1155700">
-                <a:lnSpc>
-                  <a:spcPct val="90000"/>
-                </a:lnSpc>
-                <a:spcBef>
-                  <a:spcPct val="0"/>
-                </a:spcBef>
-                <a:spcAft>
-                  <a:spcPct val="35000"/>
-                </a:spcAft>
-              </a:pPr>
-              <a:endParaRPr lang="en-US" sz="2600" kern="1200"/>
-            </a:p>
-          </p:txBody>
-        </p:sp>
-      </p:grpSp>
-    </p:spTree>
-    <p:extLst>
-      <p:ext uri="{BB962C8B-B14F-4D97-AF65-F5344CB8AC3E}">
-        <p14:creationId xmlns:p14="http://schemas.microsoft.com/office/powerpoint/2010/main" val="2819276652"/>
-      </p:ext>
-    </p:extLst>
-  </p:cSld>
-  <p:clrMapOvr>
-    <a:masterClrMapping/>
-  </p:clrMapOvr>
-  <p:transition>
-    <p:fade/>
-  </p:transition>
+  <mc:AlternateContent xmlns:mc="http://schemas.openxmlformats.org/markup-compatibility/2006">
+    <mc:Choice xmlns:p14="http://schemas.microsoft.com/office/powerpoint/2010/main" Requires="p14">
+      <p:transition p14:dur="350">
+        <p:fade/>
+      </p:transition>
+    </mc:Choice>
+    <mc:Fallback>
+      <p:transition>
+        <p:fade/>
+      </p:transition>
+    </mc:Fallback>
+  </mc:AlternateContent>
   <p:timing>
     <p:tnLst>
       <p:par>
